--- a/RADOS.pptx
+++ b/RADOS.pptx
@@ -5,7 +5,7 @@
     <p:sldMasterId id="2147483648" r:id="rId1"/>
   </p:sldMasterIdLst>
   <p:notesMasterIdLst>
-    <p:notesMasterId r:id="rId22"/>
+    <p:notesMasterId r:id="rId23"/>
   </p:notesMasterIdLst>
   <p:sldIdLst>
     <p:sldId id="256" r:id="rId2"/>
@@ -17,17 +17,18 @@
     <p:sldId id="267" r:id="rId8"/>
     <p:sldId id="269" r:id="rId9"/>
     <p:sldId id="265" r:id="rId10"/>
-    <p:sldId id="264" r:id="rId11"/>
-    <p:sldId id="275" r:id="rId12"/>
-    <p:sldId id="277" r:id="rId13"/>
-    <p:sldId id="278" r:id="rId14"/>
-    <p:sldId id="279" r:id="rId15"/>
-    <p:sldId id="280" r:id="rId16"/>
-    <p:sldId id="271" r:id="rId17"/>
-    <p:sldId id="272" r:id="rId18"/>
-    <p:sldId id="273" r:id="rId19"/>
-    <p:sldId id="276" r:id="rId20"/>
-    <p:sldId id="274" r:id="rId21"/>
+    <p:sldId id="281" r:id="rId11"/>
+    <p:sldId id="264" r:id="rId12"/>
+    <p:sldId id="275" r:id="rId13"/>
+    <p:sldId id="277" r:id="rId14"/>
+    <p:sldId id="278" r:id="rId15"/>
+    <p:sldId id="279" r:id="rId16"/>
+    <p:sldId id="280" r:id="rId17"/>
+    <p:sldId id="271" r:id="rId18"/>
+    <p:sldId id="272" r:id="rId19"/>
+    <p:sldId id="273" r:id="rId20"/>
+    <p:sldId id="276" r:id="rId21"/>
+    <p:sldId id="274" r:id="rId22"/>
   </p:sldIdLst>
   <p:sldSz cx="12192000" cy="6858000"/>
   <p:notesSz cx="6858000" cy="9144000"/>
@@ -216,7 +217,7 @@
           <a:p>
             <a:fld id="{FB3C0B1B-16B4-E340-B5AE-ABB2B9DDCCC5}" type="datetimeFigureOut">
               <a:rPr kumimoji="1" lang="zh-CN" altLang="en-US" smtClean="0"/>
-              <a:t>2018/4/12</a:t>
+              <a:t>2018/4/15</a:t>
             </a:fld>
             <a:endParaRPr kumimoji="1" lang="zh-CN" altLang="en-US"/>
           </a:p>
@@ -806,6 +807,90 @@
 </p:notes>
 </file>
 
+<file path=ppt/notesSlides/notesSlide3.xml><?xml version="1.0" encoding="utf-8"?>
+<p:notes xmlns:a="http://schemas.openxmlformats.org/drawingml/2006/main" xmlns:r="http://schemas.openxmlformats.org/officeDocument/2006/relationships" xmlns:p="http://schemas.openxmlformats.org/presentationml/2006/main">
+  <p:cSld>
+    <p:spTree>
+      <p:nvGrpSpPr>
+        <p:cNvPr id="1" name=""/>
+        <p:cNvGrpSpPr/>
+        <p:nvPr/>
+      </p:nvGrpSpPr>
+      <p:grpSpPr>
+        <a:xfrm>
+          <a:off x="0" y="0"/>
+          <a:ext cx="0" cy="0"/>
+          <a:chOff x="0" y="0"/>
+          <a:chExt cx="0" cy="0"/>
+        </a:xfrm>
+      </p:grpSpPr>
+      <p:sp>
+        <p:nvSpPr>
+          <p:cNvPr id="2" name="幻灯片图像占位符 1"/>
+          <p:cNvSpPr>
+            <a:spLocks noGrp="1" noRot="1" noChangeAspect="1"/>
+          </p:cNvSpPr>
+          <p:nvPr>
+            <p:ph type="sldImg"/>
+          </p:nvPr>
+        </p:nvSpPr>
+        <p:spPr/>
+      </p:sp>
+      <p:sp>
+        <p:nvSpPr>
+          <p:cNvPr id="3" name="备注占位符 2"/>
+          <p:cNvSpPr>
+            <a:spLocks noGrp="1"/>
+          </p:cNvSpPr>
+          <p:nvPr>
+            <p:ph type="body" idx="1"/>
+          </p:nvPr>
+        </p:nvSpPr>
+        <p:spPr/>
+        <p:txBody>
+          <a:bodyPr/>
+          <a:lstStyle/>
+          <a:p>
+            <a:endParaRPr lang="zh-CN" altLang="en-US"/>
+          </a:p>
+        </p:txBody>
+      </p:sp>
+      <p:sp>
+        <p:nvSpPr>
+          <p:cNvPr id="4" name="灯片编号占位符 3"/>
+          <p:cNvSpPr>
+            <a:spLocks noGrp="1"/>
+          </p:cNvSpPr>
+          <p:nvPr>
+            <p:ph type="sldNum" sz="quarter" idx="10"/>
+          </p:nvPr>
+        </p:nvSpPr>
+        <p:spPr/>
+        <p:txBody>
+          <a:bodyPr/>
+          <a:lstStyle/>
+          <a:p>
+            <a:fld id="{4CA39544-A0A8-F341-9210-64FB6F4CC5B3}" type="slidenum">
+              <a:rPr kumimoji="1" lang="zh-CN" altLang="en-US" smtClean="0"/>
+              <a:t>16</a:t>
+            </a:fld>
+            <a:endParaRPr kumimoji="1" lang="zh-CN" altLang="en-US"/>
+          </a:p>
+        </p:txBody>
+      </p:sp>
+    </p:spTree>
+    <p:extLst>
+      <p:ext uri="{BB962C8B-B14F-4D97-AF65-F5344CB8AC3E}">
+        <p14:creationId xmlns:p14="http://schemas.microsoft.com/office/powerpoint/2010/main" val="1964229450"/>
+      </p:ext>
+    </p:extLst>
+  </p:cSld>
+  <p:clrMapOvr>
+    <a:masterClrMapping/>
+  </p:clrMapOvr>
+</p:notes>
+</file>
+
 <file path=ppt/slideLayouts/slideLayout1.xml><?xml version="1.0" encoding="utf-8"?>
 <p:sldLayout xmlns:a="http://schemas.openxmlformats.org/drawingml/2006/main" xmlns:r="http://schemas.openxmlformats.org/officeDocument/2006/relationships" xmlns:p="http://schemas.openxmlformats.org/presentationml/2006/main" type="title" preserve="1">
   <p:cSld name="标题幻灯片">
@@ -937,7 +1022,7 @@
           <a:p>
             <a:fld id="{F1150D90-5167-2843-868B-B0A1CA377546}" type="datetime1">
               <a:rPr kumimoji="1" lang="zh-CN" altLang="en-US" smtClean="0"/>
-              <a:t>2018/4/12</a:t>
+              <a:t>2018/4/15</a:t>
             </a:fld>
             <a:endParaRPr kumimoji="1" lang="zh-CN" altLang="en-US"/>
           </a:p>
@@ -1111,7 +1196,7 @@
           <a:p>
             <a:fld id="{0E12843A-70AE-FA42-939A-54C44AFA3BAC}" type="datetime1">
               <a:rPr kumimoji="1" lang="zh-CN" altLang="en-US" smtClean="0"/>
-              <a:t>2018/4/12</a:t>
+              <a:t>2018/4/15</a:t>
             </a:fld>
             <a:endParaRPr kumimoji="1" lang="zh-CN" altLang="en-US"/>
           </a:p>
@@ -1295,7 +1380,7 @@
           <a:p>
             <a:fld id="{727087B4-984F-8647-9BEF-FEE1D76787C5}" type="datetime1">
               <a:rPr kumimoji="1" lang="zh-CN" altLang="en-US" smtClean="0"/>
-              <a:t>2018/4/12</a:t>
+              <a:t>2018/4/15</a:t>
             </a:fld>
             <a:endParaRPr kumimoji="1" lang="zh-CN" altLang="en-US"/>
           </a:p>
@@ -1477,7 +1562,7 @@
           <a:p>
             <a:fld id="{9F8B8370-8692-304D-BB37-61C500857A50}" type="datetime1">
               <a:rPr kumimoji="1" lang="zh-CN" altLang="en-US" smtClean="0"/>
-              <a:t>2018/4/12</a:t>
+              <a:t>2018/4/15</a:t>
             </a:fld>
             <a:endParaRPr kumimoji="1" lang="zh-CN" altLang="en-US"/>
           </a:p>
@@ -1744,7 +1829,7 @@
           <a:p>
             <a:fld id="{026F0A88-7EE5-FB4A-BFED-DC758D1390D7}" type="datetime1">
               <a:rPr kumimoji="1" lang="zh-CN" altLang="en-US" smtClean="0"/>
-              <a:t>2018/4/12</a:t>
+              <a:t>2018/4/15</a:t>
             </a:fld>
             <a:endParaRPr kumimoji="1" lang="zh-CN" altLang="en-US"/>
           </a:p>
@@ -1980,7 +2065,7 @@
           <a:p>
             <a:fld id="{3A871BE9-366F-A94B-B7FA-681D2CF99AE9}" type="datetime1">
               <a:rPr kumimoji="1" lang="zh-CN" altLang="en-US" smtClean="0"/>
-              <a:t>2018/4/12</a:t>
+              <a:t>2018/4/15</a:t>
             </a:fld>
             <a:endParaRPr kumimoji="1" lang="zh-CN" altLang="en-US"/>
           </a:p>
@@ -2351,7 +2436,7 @@
           <a:p>
             <a:fld id="{0374BDEB-BDC5-934A-9E43-77D19B45D3FE}" type="datetime1">
               <a:rPr kumimoji="1" lang="zh-CN" altLang="en-US" smtClean="0"/>
-              <a:t>2018/4/12</a:t>
+              <a:t>2018/4/15</a:t>
             </a:fld>
             <a:endParaRPr kumimoji="1" lang="zh-CN" altLang="en-US"/>
           </a:p>
@@ -2473,7 +2558,7 @@
           <a:p>
             <a:fld id="{F1D65F53-FD33-5641-A481-D5686F0451C3}" type="datetime1">
               <a:rPr kumimoji="1" lang="zh-CN" altLang="en-US" smtClean="0"/>
-              <a:t>2018/4/12</a:t>
+              <a:t>2018/4/15</a:t>
             </a:fld>
             <a:endParaRPr kumimoji="1" lang="zh-CN" altLang="en-US"/>
           </a:p>
@@ -2572,7 +2657,7 @@
           <a:p>
             <a:fld id="{50C577F1-7688-C140-A3B7-F6D2E0C674A3}" type="datetime1">
               <a:rPr kumimoji="1" lang="zh-CN" altLang="en-US" smtClean="0"/>
-              <a:t>2018/4/12</a:t>
+              <a:t>2018/4/15</a:t>
             </a:fld>
             <a:endParaRPr kumimoji="1" lang="zh-CN" altLang="en-US"/>
           </a:p>
@@ -2853,7 +2938,7 @@
           <a:p>
             <a:fld id="{C8673ACA-6515-1549-B814-CF2A46FFAC82}" type="datetime1">
               <a:rPr kumimoji="1" lang="zh-CN" altLang="en-US" smtClean="0"/>
-              <a:t>2018/4/12</a:t>
+              <a:t>2018/4/15</a:t>
             </a:fld>
             <a:endParaRPr kumimoji="1" lang="zh-CN" altLang="en-US"/>
           </a:p>
@@ -3110,7 +3195,7 @@
           <a:p>
             <a:fld id="{DE489B9D-281B-2747-BD53-B48B5A36E663}" type="datetime1">
               <a:rPr kumimoji="1" lang="zh-CN" altLang="en-US" smtClean="0"/>
-              <a:t>2018/4/12</a:t>
+              <a:t>2018/4/15</a:t>
             </a:fld>
             <a:endParaRPr kumimoji="1" lang="zh-CN" altLang="en-US"/>
           </a:p>
@@ -3327,7 +3412,7 @@
           <a:p>
             <a:fld id="{5C8C0FFC-9282-E847-87C2-19B5C3B71472}" type="datetime1">
               <a:rPr kumimoji="1" lang="zh-CN" altLang="en-US" smtClean="0"/>
-              <a:t>2018/4/12</a:t>
+              <a:t>2018/4/15</a:t>
             </a:fld>
             <a:endParaRPr kumimoji="1" lang="zh-CN" altLang="en-US"/>
           </a:p>
@@ -3919,6 +4004,2112 @@
 </file>
 
 <file path=ppt/slides/slide10.xml><?xml version="1.0" encoding="utf-8"?>
+<p:sld xmlns:a="http://schemas.openxmlformats.org/drawingml/2006/main" xmlns:r="http://schemas.openxmlformats.org/officeDocument/2006/relationships" xmlns:p="http://schemas.openxmlformats.org/presentationml/2006/main" show="0">
+  <p:cSld>
+    <p:spTree>
+      <p:nvGrpSpPr>
+        <p:cNvPr id="1" name=""/>
+        <p:cNvGrpSpPr/>
+        <p:nvPr/>
+      </p:nvGrpSpPr>
+      <p:grpSpPr>
+        <a:xfrm>
+          <a:off x="0" y="0"/>
+          <a:ext cx="0" cy="0"/>
+          <a:chOff x="0" y="0"/>
+          <a:chExt cx="0" cy="0"/>
+        </a:xfrm>
+      </p:grpSpPr>
+      <p:sp>
+        <p:nvSpPr>
+          <p:cNvPr id="2" name="标题 1"/>
+          <p:cNvSpPr>
+            <a:spLocks noGrp="1"/>
+          </p:cNvSpPr>
+          <p:nvPr>
+            <p:ph type="title"/>
+          </p:nvPr>
+        </p:nvSpPr>
+        <p:spPr/>
+        <p:txBody>
+          <a:bodyPr/>
+          <a:lstStyle/>
+          <a:p>
+            <a:r>
+              <a:rPr kumimoji="1" lang="en-US" altLang="zh-CN" sz="4000" dirty="0" smtClean="0"/>
+              <a:t>I/O</a:t>
+            </a:r>
+            <a:r>
+              <a:rPr kumimoji="1" lang="zh-CN" altLang="en-US" sz="4000" dirty="0" smtClean="0"/>
+              <a:t> </a:t>
+            </a:r>
+            <a:r>
+              <a:rPr kumimoji="1" lang="en-US" altLang="zh-CN" sz="4000" dirty="0" smtClean="0"/>
+              <a:t>flow</a:t>
+            </a:r>
+            <a:endParaRPr kumimoji="1" lang="zh-CN" altLang="en-US" sz="4000" dirty="0"/>
+          </a:p>
+        </p:txBody>
+      </p:sp>
+      <p:sp>
+        <p:nvSpPr>
+          <p:cNvPr id="6" name="幻灯片编号占位符 5"/>
+          <p:cNvSpPr>
+            <a:spLocks noGrp="1"/>
+          </p:cNvSpPr>
+          <p:nvPr>
+            <p:ph type="sldNum" sz="quarter" idx="12"/>
+          </p:nvPr>
+        </p:nvSpPr>
+        <p:spPr/>
+        <p:txBody>
+          <a:bodyPr/>
+          <a:lstStyle/>
+          <a:p>
+            <a:fld id="{7A42213F-69D4-1749-942C-9A85A9F9A76E}" type="slidenum">
+              <a:rPr kumimoji="1" lang="zh-CN" altLang="en-US" sz="1100" smtClean="0"/>
+              <a:pPr/>
+              <a:t>10</a:t>
+            </a:fld>
+            <a:endParaRPr kumimoji="1" lang="zh-CN" altLang="en-US" sz="1100"/>
+          </a:p>
+        </p:txBody>
+      </p:sp>
+      <p:grpSp>
+        <p:nvGrpSpPr>
+          <p:cNvPr id="45" name="组 44"/>
+          <p:cNvGrpSpPr/>
+          <p:nvPr/>
+        </p:nvGrpSpPr>
+        <p:grpSpPr>
+          <a:xfrm>
+            <a:off x="483055" y="1423989"/>
+            <a:ext cx="11612692" cy="4838114"/>
+            <a:chOff x="374771" y="1604462"/>
+            <a:chExt cx="11612692" cy="4838114"/>
+          </a:xfrm>
+        </p:grpSpPr>
+        <p:sp>
+          <p:nvSpPr>
+            <p:cNvPr id="7" name="圆角矩形 6"/>
+            <p:cNvSpPr/>
+            <p:nvPr/>
+          </p:nvSpPr>
+          <p:spPr>
+            <a:xfrm>
+              <a:off x="1491916" y="1604462"/>
+              <a:ext cx="2654968" cy="902368"/>
+            </a:xfrm>
+            <a:prstGeom prst="roundRect">
+              <a:avLst/>
+            </a:prstGeom>
+            <a:solidFill>
+              <a:srgbClr val="D5BAB5"/>
+            </a:solidFill>
+            <a:ln>
+              <a:noFill/>
+            </a:ln>
+          </p:spPr>
+          <p:style>
+            <a:lnRef idx="2">
+              <a:schemeClr val="accent1">
+                <a:shade val="50000"/>
+              </a:schemeClr>
+            </a:lnRef>
+            <a:fillRef idx="1">
+              <a:schemeClr val="accent1"/>
+            </a:fillRef>
+            <a:effectRef idx="0">
+              <a:schemeClr val="accent1"/>
+            </a:effectRef>
+            <a:fontRef idx="minor">
+              <a:schemeClr val="lt1"/>
+            </a:fontRef>
+          </p:style>
+          <p:txBody>
+            <a:bodyPr rtlCol="0" anchor="ctr"/>
+            <a:lstStyle/>
+            <a:p>
+              <a:pPr algn="ctr"/>
+              <a:r>
+                <a:rPr kumimoji="1" lang="en-US" altLang="zh-CN" sz="1600" dirty="0" smtClean="0">
+                  <a:latin typeface="Corbel" charset="0"/>
+                  <a:ea typeface="Corbel" charset="0"/>
+                  <a:cs typeface="Corbel" charset="0"/>
+                </a:rPr>
+                <a:t>Client</a:t>
+              </a:r>
+              <a:r>
+                <a:rPr kumimoji="1" lang="zh-CN" altLang="en-US" sz="1600" dirty="0" smtClean="0">
+                  <a:latin typeface="Corbel" charset="0"/>
+                  <a:ea typeface="Corbel" charset="0"/>
+                  <a:cs typeface="Corbel" charset="0"/>
+                </a:rPr>
+                <a:t> </a:t>
+              </a:r>
+              <a:r>
+                <a:rPr kumimoji="1" lang="en-US" altLang="zh-CN" sz="1600" dirty="0" smtClean="0">
+                  <a:latin typeface="Corbel" charset="0"/>
+                  <a:ea typeface="Corbel" charset="0"/>
+                  <a:cs typeface="Corbel" charset="0"/>
+                </a:rPr>
+                <a:t>read/write</a:t>
+              </a:r>
+              <a:r>
+                <a:rPr kumimoji="1" lang="zh-CN" altLang="en-US" sz="1600" dirty="0" smtClean="0">
+                  <a:latin typeface="Corbel" charset="0"/>
+                  <a:ea typeface="Corbel" charset="0"/>
+                  <a:cs typeface="Corbel" charset="0"/>
+                </a:rPr>
+                <a:t> </a:t>
+              </a:r>
+              <a:r>
+                <a:rPr kumimoji="1" lang="en-US" altLang="zh-CN" sz="1600" dirty="0" smtClean="0">
+                  <a:latin typeface="Corbel" charset="0"/>
+                  <a:ea typeface="Corbel" charset="0"/>
+                  <a:cs typeface="Corbel" charset="0"/>
+                </a:rPr>
+                <a:t>a</a:t>
+              </a:r>
+              <a:r>
+                <a:rPr kumimoji="1" lang="zh-CN" altLang="en-US" sz="1600" dirty="0" smtClean="0">
+                  <a:latin typeface="Corbel" charset="0"/>
+                  <a:ea typeface="Corbel" charset="0"/>
+                  <a:cs typeface="Corbel" charset="0"/>
+                </a:rPr>
+                <a:t> </a:t>
+              </a:r>
+              <a:r>
+                <a:rPr kumimoji="1" lang="en-US" altLang="zh-CN" sz="1600" dirty="0" smtClean="0">
+                  <a:latin typeface="Corbel" charset="0"/>
+                  <a:ea typeface="Corbel" charset="0"/>
+                  <a:cs typeface="Corbel" charset="0"/>
+                </a:rPr>
+                <a:t>file</a:t>
+              </a:r>
+              <a:endParaRPr kumimoji="1" lang="zh-CN" altLang="en-US" sz="1600" dirty="0">
+                <a:latin typeface="Corbel" charset="0"/>
+                <a:ea typeface="Corbel" charset="0"/>
+                <a:cs typeface="Corbel" charset="0"/>
+              </a:endParaRPr>
+            </a:p>
+          </p:txBody>
+        </p:sp>
+        <p:sp>
+          <p:nvSpPr>
+            <p:cNvPr id="8" name="圆角矩形 7"/>
+            <p:cNvSpPr/>
+            <p:nvPr/>
+          </p:nvSpPr>
+          <p:spPr>
+            <a:xfrm>
+              <a:off x="1491916" y="2916377"/>
+              <a:ext cx="2654968" cy="902368"/>
+            </a:xfrm>
+            <a:prstGeom prst="roundRect">
+              <a:avLst/>
+            </a:prstGeom>
+            <a:solidFill>
+              <a:srgbClr val="D5BAB5"/>
+            </a:solidFill>
+            <a:ln>
+              <a:noFill/>
+            </a:ln>
+          </p:spPr>
+          <p:style>
+            <a:lnRef idx="2">
+              <a:schemeClr val="accent1">
+                <a:shade val="50000"/>
+              </a:schemeClr>
+            </a:lnRef>
+            <a:fillRef idx="1">
+              <a:schemeClr val="accent1"/>
+            </a:fillRef>
+            <a:effectRef idx="0">
+              <a:schemeClr val="accent1"/>
+            </a:effectRef>
+            <a:fontRef idx="minor">
+              <a:schemeClr val="lt1"/>
+            </a:fontRef>
+          </p:style>
+          <p:txBody>
+            <a:bodyPr rtlCol="0" anchor="ctr"/>
+            <a:lstStyle/>
+            <a:p>
+              <a:pPr algn="ctr"/>
+              <a:r>
+                <a:rPr kumimoji="1" lang="en-US" altLang="zh-CN" sz="1600" dirty="0" smtClean="0">
+                  <a:latin typeface="Corbel" charset="0"/>
+                  <a:ea typeface="Corbel" charset="0"/>
+                  <a:cs typeface="Corbel" charset="0"/>
+                </a:rPr>
+                <a:t>Slicing</a:t>
+              </a:r>
+              <a:r>
+                <a:rPr kumimoji="1" lang="zh-CN" altLang="en-US" sz="1600" dirty="0" smtClean="0">
+                  <a:latin typeface="Corbel" charset="0"/>
+                  <a:ea typeface="Corbel" charset="0"/>
+                  <a:cs typeface="Corbel" charset="0"/>
+                </a:rPr>
+                <a:t> </a:t>
+              </a:r>
+              <a:r>
+                <a:rPr kumimoji="1" lang="en-US" altLang="zh-CN" sz="1600" dirty="0" smtClean="0">
+                  <a:latin typeface="Corbel" charset="0"/>
+                  <a:ea typeface="Corbel" charset="0"/>
+                  <a:cs typeface="Corbel" charset="0"/>
+                </a:rPr>
+                <a:t>files</a:t>
+              </a:r>
+              <a:r>
+                <a:rPr kumimoji="1" lang="zh-CN" altLang="en-US" sz="1600" dirty="0" smtClean="0">
+                  <a:latin typeface="Corbel" charset="0"/>
+                  <a:ea typeface="Corbel" charset="0"/>
+                  <a:cs typeface="Corbel" charset="0"/>
+                </a:rPr>
+                <a:t> </a:t>
+              </a:r>
+              <a:r>
+                <a:rPr kumimoji="1" lang="en-US" altLang="zh-CN" sz="1600" dirty="0" smtClean="0">
+                  <a:latin typeface="Corbel" charset="0"/>
+                  <a:ea typeface="Corbel" charset="0"/>
+                  <a:cs typeface="Corbel" charset="0"/>
+                </a:rPr>
+                <a:t>to</a:t>
+              </a:r>
+              <a:r>
+                <a:rPr kumimoji="1" lang="zh-CN" altLang="en-US" sz="1600" dirty="0" smtClean="0">
+                  <a:latin typeface="Corbel" charset="0"/>
+                  <a:ea typeface="Corbel" charset="0"/>
+                  <a:cs typeface="Corbel" charset="0"/>
+                </a:rPr>
+                <a:t> </a:t>
+              </a:r>
+              <a:r>
+                <a:rPr kumimoji="1" lang="en-US" altLang="zh-CN" sz="1600" dirty="0" smtClean="0">
+                  <a:latin typeface="Corbel" charset="0"/>
+                  <a:ea typeface="Corbel" charset="0"/>
+                  <a:cs typeface="Corbel" charset="0"/>
+                </a:rPr>
+                <a:t>objects</a:t>
+              </a:r>
+              <a:endParaRPr kumimoji="1" lang="zh-CN" altLang="en-US" sz="1600" dirty="0">
+                <a:latin typeface="Corbel" charset="0"/>
+                <a:ea typeface="Corbel" charset="0"/>
+                <a:cs typeface="Corbel" charset="0"/>
+              </a:endParaRPr>
+            </a:p>
+          </p:txBody>
+        </p:sp>
+        <p:sp>
+          <p:nvSpPr>
+            <p:cNvPr id="9" name="圆角矩形 8"/>
+            <p:cNvSpPr/>
+            <p:nvPr/>
+          </p:nvSpPr>
+          <p:spPr>
+            <a:xfrm>
+              <a:off x="1491916" y="4228292"/>
+              <a:ext cx="2654968" cy="902368"/>
+            </a:xfrm>
+            <a:prstGeom prst="roundRect">
+              <a:avLst/>
+            </a:prstGeom>
+            <a:solidFill>
+              <a:srgbClr val="D5BAB5"/>
+            </a:solidFill>
+            <a:ln>
+              <a:noFill/>
+            </a:ln>
+          </p:spPr>
+          <p:style>
+            <a:lnRef idx="2">
+              <a:schemeClr val="accent1">
+                <a:shade val="50000"/>
+              </a:schemeClr>
+            </a:lnRef>
+            <a:fillRef idx="1">
+              <a:schemeClr val="accent1"/>
+            </a:fillRef>
+            <a:effectRef idx="0">
+              <a:schemeClr val="accent1"/>
+            </a:effectRef>
+            <a:fontRef idx="minor">
+              <a:schemeClr val="lt1"/>
+            </a:fontRef>
+          </p:style>
+          <p:txBody>
+            <a:bodyPr rtlCol="0" anchor="ctr"/>
+            <a:lstStyle/>
+            <a:p>
+              <a:pPr algn="ctr"/>
+              <a:r>
+                <a:rPr kumimoji="1" lang="en-US" altLang="zh-CN" sz="1600" dirty="0" smtClean="0">
+                  <a:latin typeface="Corbel" charset="0"/>
+                  <a:ea typeface="Corbel" charset="0"/>
+                  <a:cs typeface="Corbel" charset="0"/>
+                </a:rPr>
+                <a:t>Encapsulate operations</a:t>
+              </a:r>
+              <a:r>
+                <a:rPr kumimoji="1" lang="zh-CN" altLang="en-US" sz="1600" dirty="0" smtClean="0">
+                  <a:latin typeface="Corbel" charset="0"/>
+                  <a:ea typeface="Corbel" charset="0"/>
+                  <a:cs typeface="Corbel" charset="0"/>
+                </a:rPr>
+                <a:t> </a:t>
+              </a:r>
+              <a:r>
+                <a:rPr kumimoji="1" lang="en-US" altLang="zh-CN" sz="1600" dirty="0" smtClean="0">
+                  <a:latin typeface="Corbel" charset="0"/>
+                  <a:ea typeface="Corbel" charset="0"/>
+                  <a:cs typeface="Corbel" charset="0"/>
+                </a:rPr>
+                <a:t>and</a:t>
+              </a:r>
+              <a:r>
+                <a:rPr kumimoji="1" lang="zh-CN" altLang="en-US" sz="1600" dirty="0" smtClean="0">
+                  <a:latin typeface="Corbel" charset="0"/>
+                  <a:ea typeface="Corbel" charset="0"/>
+                  <a:cs typeface="Corbel" charset="0"/>
+                </a:rPr>
+                <a:t> </a:t>
+              </a:r>
+              <a:r>
+                <a:rPr kumimoji="1" lang="en-US" altLang="zh-CN" sz="1600" dirty="0" smtClean="0">
+                  <a:latin typeface="Corbel" charset="0"/>
+                  <a:ea typeface="Corbel" charset="0"/>
+                  <a:cs typeface="Corbel" charset="0"/>
+                </a:rPr>
+                <a:t>send</a:t>
+              </a:r>
+              <a:r>
+                <a:rPr kumimoji="1" lang="zh-CN" altLang="en-US" sz="1600" dirty="0" smtClean="0">
+                  <a:latin typeface="Corbel" charset="0"/>
+                  <a:ea typeface="Corbel" charset="0"/>
+                  <a:cs typeface="Corbel" charset="0"/>
+                </a:rPr>
+                <a:t> </a:t>
+              </a:r>
+              <a:r>
+                <a:rPr kumimoji="1" lang="en-US" altLang="zh-CN" sz="1600" dirty="0" smtClean="0">
+                  <a:latin typeface="Corbel" charset="0"/>
+                  <a:ea typeface="Corbel" charset="0"/>
+                  <a:cs typeface="Corbel" charset="0"/>
+                </a:rPr>
+                <a:t>to</a:t>
+              </a:r>
+              <a:r>
+                <a:rPr kumimoji="1" lang="zh-CN" altLang="en-US" sz="1600" dirty="0" smtClean="0">
+                  <a:latin typeface="Corbel" charset="0"/>
+                  <a:ea typeface="Corbel" charset="0"/>
+                  <a:cs typeface="Corbel" charset="0"/>
+                </a:rPr>
+                <a:t> </a:t>
+              </a:r>
+              <a:r>
+                <a:rPr kumimoji="1" lang="en-US" altLang="zh-CN" sz="1600" dirty="0" smtClean="0">
+                  <a:latin typeface="Corbel" charset="0"/>
+                  <a:ea typeface="Corbel" charset="0"/>
+                  <a:cs typeface="Corbel" charset="0"/>
+                </a:rPr>
+                <a:t>corresponding</a:t>
+              </a:r>
+              <a:r>
+                <a:rPr kumimoji="1" lang="zh-CN" altLang="en-US" sz="1600" dirty="0" smtClean="0">
+                  <a:latin typeface="Corbel" charset="0"/>
+                  <a:ea typeface="Corbel" charset="0"/>
+                  <a:cs typeface="Corbel" charset="0"/>
+                </a:rPr>
+                <a:t> </a:t>
+              </a:r>
+              <a:r>
+                <a:rPr kumimoji="1" lang="en-US" altLang="zh-CN" sz="1600" dirty="0" smtClean="0">
+                  <a:latin typeface="Corbel" charset="0"/>
+                  <a:ea typeface="Corbel" charset="0"/>
+                  <a:cs typeface="Corbel" charset="0"/>
+                </a:rPr>
+                <a:t>OSD</a:t>
+              </a:r>
+              <a:endParaRPr kumimoji="1" lang="zh-CN" altLang="en-US" sz="1600" dirty="0">
+                <a:latin typeface="Corbel" charset="0"/>
+                <a:ea typeface="Corbel" charset="0"/>
+                <a:cs typeface="Corbel" charset="0"/>
+              </a:endParaRPr>
+            </a:p>
+          </p:txBody>
+        </p:sp>
+        <p:sp>
+          <p:nvSpPr>
+            <p:cNvPr id="10" name="圆角矩形 9"/>
+            <p:cNvSpPr/>
+            <p:nvPr/>
+          </p:nvSpPr>
+          <p:spPr>
+            <a:xfrm>
+              <a:off x="5731040" y="1604462"/>
+              <a:ext cx="3501190" cy="902368"/>
+            </a:xfrm>
+            <a:prstGeom prst="roundRect">
+              <a:avLst/>
+            </a:prstGeom>
+            <a:solidFill>
+              <a:srgbClr val="00B050"/>
+            </a:solidFill>
+            <a:ln>
+              <a:noFill/>
+            </a:ln>
+          </p:spPr>
+          <p:style>
+            <a:lnRef idx="2">
+              <a:schemeClr val="accent1">
+                <a:shade val="50000"/>
+              </a:schemeClr>
+            </a:lnRef>
+            <a:fillRef idx="1">
+              <a:schemeClr val="accent1"/>
+            </a:fillRef>
+            <a:effectRef idx="0">
+              <a:schemeClr val="accent1"/>
+            </a:effectRef>
+            <a:fontRef idx="minor">
+              <a:schemeClr val="lt1"/>
+            </a:fontRef>
+          </p:style>
+          <p:txBody>
+            <a:bodyPr rtlCol="0" anchor="ctr"/>
+            <a:lstStyle/>
+            <a:p>
+              <a:pPr algn="ctr"/>
+              <a:r>
+                <a:rPr kumimoji="1" lang="en-US" altLang="zh-CN" sz="1600" dirty="0" smtClean="0">
+                  <a:latin typeface="Corbel" charset="0"/>
+                  <a:ea typeface="Corbel" charset="0"/>
+                  <a:cs typeface="Corbel" charset="0"/>
+                </a:rPr>
+                <a:t>Receiving</a:t>
+              </a:r>
+              <a:r>
+                <a:rPr kumimoji="1" lang="zh-CN" altLang="en-US" sz="1600" dirty="0" smtClean="0">
+                  <a:latin typeface="Corbel" charset="0"/>
+                  <a:ea typeface="Corbel" charset="0"/>
+                  <a:cs typeface="Corbel" charset="0"/>
+                </a:rPr>
+                <a:t> </a:t>
+              </a:r>
+              <a:r>
+                <a:rPr kumimoji="1" lang="en-US" altLang="zh-CN" sz="1600" dirty="0" smtClean="0">
+                  <a:latin typeface="Corbel" charset="0"/>
+                  <a:ea typeface="Corbel" charset="0"/>
+                  <a:cs typeface="Corbel" charset="0"/>
+                </a:rPr>
+                <a:t>a</a:t>
+              </a:r>
+              <a:r>
+                <a:rPr kumimoji="1" lang="zh-CN" altLang="en-US" sz="1600" dirty="0" smtClean="0">
+                  <a:latin typeface="Corbel" charset="0"/>
+                  <a:ea typeface="Corbel" charset="0"/>
+                  <a:cs typeface="Corbel" charset="0"/>
+                </a:rPr>
+                <a:t> </a:t>
+              </a:r>
+              <a:r>
+                <a:rPr kumimoji="1" lang="en-US" altLang="zh-CN" sz="1600" dirty="0" smtClean="0">
+                  <a:latin typeface="Corbel" charset="0"/>
+                  <a:ea typeface="Corbel" charset="0"/>
+                  <a:cs typeface="Corbel" charset="0"/>
+                </a:rPr>
+                <a:t>request</a:t>
+              </a:r>
+              <a:r>
+                <a:rPr kumimoji="1" lang="zh-CN" altLang="en-US" sz="1600" dirty="0" smtClean="0">
+                  <a:latin typeface="Corbel" charset="0"/>
+                  <a:ea typeface="Corbel" charset="0"/>
+                  <a:cs typeface="Corbel" charset="0"/>
+                </a:rPr>
+                <a:t> </a:t>
+              </a:r>
+              <a:r>
+                <a:rPr kumimoji="1" lang="en-US" altLang="zh-CN" sz="1600" dirty="0" smtClean="0">
+                  <a:latin typeface="Corbel" charset="0"/>
+                  <a:ea typeface="Corbel" charset="0"/>
+                  <a:cs typeface="Corbel" charset="0"/>
+                </a:rPr>
+                <a:t>and</a:t>
+              </a:r>
+              <a:r>
+                <a:rPr kumimoji="1" lang="zh-CN" altLang="en-US" sz="1600" dirty="0" smtClean="0">
+                  <a:latin typeface="Corbel" charset="0"/>
+                  <a:ea typeface="Corbel" charset="0"/>
+                  <a:cs typeface="Corbel" charset="0"/>
+                </a:rPr>
+                <a:t> </a:t>
+              </a:r>
+              <a:r>
+                <a:rPr kumimoji="1" lang="en-US" altLang="zh-CN" sz="1600" dirty="0" smtClean="0">
+                  <a:latin typeface="Corbel" charset="0"/>
+                  <a:ea typeface="Corbel" charset="0"/>
+                  <a:cs typeface="Corbel" charset="0"/>
+                </a:rPr>
+                <a:t>insert</a:t>
+              </a:r>
+              <a:r>
+                <a:rPr kumimoji="1" lang="zh-CN" altLang="en-US" sz="1600" dirty="0" smtClean="0">
+                  <a:latin typeface="Corbel" charset="0"/>
+                  <a:ea typeface="Corbel" charset="0"/>
+                  <a:cs typeface="Corbel" charset="0"/>
+                </a:rPr>
+                <a:t> </a:t>
+              </a:r>
+              <a:r>
+                <a:rPr kumimoji="1" lang="en-US" altLang="zh-CN" sz="1600" dirty="0" smtClean="0">
+                  <a:latin typeface="Corbel" charset="0"/>
+                  <a:ea typeface="Corbel" charset="0"/>
+                  <a:cs typeface="Corbel" charset="0"/>
+                </a:rPr>
+                <a:t>to</a:t>
+              </a:r>
+              <a:r>
+                <a:rPr kumimoji="1" lang="zh-CN" altLang="en-US" sz="1600" dirty="0" smtClean="0">
+                  <a:latin typeface="Corbel" charset="0"/>
+                  <a:ea typeface="Corbel" charset="0"/>
+                  <a:cs typeface="Corbel" charset="0"/>
+                </a:rPr>
+                <a:t> </a:t>
+              </a:r>
+              <a:r>
+                <a:rPr kumimoji="1" lang="en-US" altLang="zh-CN" sz="1600" dirty="0" smtClean="0">
+                  <a:latin typeface="Corbel" charset="0"/>
+                  <a:ea typeface="Corbel" charset="0"/>
+                  <a:cs typeface="Corbel" charset="0"/>
+                </a:rPr>
+                <a:t>session’s</a:t>
+              </a:r>
+              <a:r>
+                <a:rPr kumimoji="1" lang="zh-CN" altLang="en-US" sz="1600" dirty="0" smtClean="0">
+                  <a:latin typeface="Corbel" charset="0"/>
+                  <a:ea typeface="Corbel" charset="0"/>
+                  <a:cs typeface="Corbel" charset="0"/>
+                </a:rPr>
+                <a:t> </a:t>
+              </a:r>
+              <a:r>
+                <a:rPr kumimoji="1" lang="en-US" altLang="zh-CN" sz="1600" dirty="0" smtClean="0">
+                  <a:latin typeface="Corbel" charset="0"/>
+                  <a:ea typeface="Corbel" charset="0"/>
+                  <a:cs typeface="Corbel" charset="0"/>
+                </a:rPr>
+                <a:t>waiting</a:t>
+              </a:r>
+              <a:r>
+                <a:rPr kumimoji="1" lang="zh-CN" altLang="en-US" sz="1600" dirty="0" smtClean="0">
+                  <a:latin typeface="Corbel" charset="0"/>
+                  <a:ea typeface="Corbel" charset="0"/>
+                  <a:cs typeface="Corbel" charset="0"/>
+                </a:rPr>
+                <a:t> </a:t>
+              </a:r>
+              <a:r>
+                <a:rPr kumimoji="1" lang="en-US" altLang="zh-CN" sz="1600" dirty="0" smtClean="0">
+                  <a:latin typeface="Corbel" charset="0"/>
+                  <a:ea typeface="Corbel" charset="0"/>
+                  <a:cs typeface="Corbel" charset="0"/>
+                </a:rPr>
+                <a:t>list</a:t>
+              </a:r>
+              <a:endParaRPr kumimoji="1" lang="zh-CN" altLang="en-US" sz="1600" dirty="0">
+                <a:latin typeface="Corbel" charset="0"/>
+                <a:ea typeface="Corbel" charset="0"/>
+                <a:cs typeface="Corbel" charset="0"/>
+              </a:endParaRPr>
+            </a:p>
+          </p:txBody>
+        </p:sp>
+        <p:sp>
+          <p:nvSpPr>
+            <p:cNvPr id="11" name="圆角矩形 10"/>
+            <p:cNvSpPr/>
+            <p:nvPr/>
+          </p:nvSpPr>
+          <p:spPr>
+            <a:xfrm>
+              <a:off x="5731040" y="2917779"/>
+              <a:ext cx="3501190" cy="902368"/>
+            </a:xfrm>
+            <a:prstGeom prst="roundRect">
+              <a:avLst/>
+            </a:prstGeom>
+            <a:solidFill>
+              <a:srgbClr val="00B050"/>
+            </a:solidFill>
+            <a:ln>
+              <a:noFill/>
+            </a:ln>
+          </p:spPr>
+          <p:style>
+            <a:lnRef idx="2">
+              <a:schemeClr val="accent1">
+                <a:shade val="50000"/>
+              </a:schemeClr>
+            </a:lnRef>
+            <a:fillRef idx="1">
+              <a:schemeClr val="accent1"/>
+            </a:fillRef>
+            <a:effectRef idx="0">
+              <a:schemeClr val="accent1"/>
+            </a:effectRef>
+            <a:fontRef idx="minor">
+              <a:schemeClr val="lt1"/>
+            </a:fontRef>
+          </p:style>
+          <p:txBody>
+            <a:bodyPr rtlCol="0" anchor="ctr"/>
+            <a:lstStyle/>
+            <a:p>
+              <a:pPr algn="ctr"/>
+              <a:r>
+                <a:rPr kumimoji="1" lang="en-US" altLang="zh-CN" sz="1600" dirty="0" smtClean="0">
+                  <a:latin typeface="Corbel" charset="0"/>
+                  <a:ea typeface="Corbel" charset="0"/>
+                  <a:cs typeface="Corbel" charset="0"/>
+                </a:rPr>
+                <a:t>Process</a:t>
+              </a:r>
+              <a:r>
+                <a:rPr kumimoji="1" lang="zh-CN" altLang="en-US" sz="1600" dirty="0" smtClean="0">
+                  <a:latin typeface="Corbel" charset="0"/>
+                  <a:ea typeface="Corbel" charset="0"/>
+                  <a:cs typeface="Corbel" charset="0"/>
+                </a:rPr>
+                <a:t> </a:t>
+              </a:r>
+              <a:r>
+                <a:rPr kumimoji="1" lang="en-US" altLang="zh-CN" sz="1600" dirty="0" smtClean="0">
+                  <a:latin typeface="Corbel" charset="0"/>
+                  <a:ea typeface="Corbel" charset="0"/>
+                  <a:cs typeface="Corbel" charset="0"/>
+                </a:rPr>
+                <a:t>request</a:t>
+              </a:r>
+              <a:r>
+                <a:rPr kumimoji="1" lang="zh-CN" altLang="en-US" sz="1600" dirty="0" smtClean="0">
+                  <a:latin typeface="Corbel" charset="0"/>
+                  <a:ea typeface="Corbel" charset="0"/>
+                  <a:cs typeface="Corbel" charset="0"/>
+                </a:rPr>
+                <a:t> </a:t>
+              </a:r>
+              <a:r>
+                <a:rPr kumimoji="1" lang="en-US" altLang="zh-CN" sz="1600" dirty="0" smtClean="0">
+                  <a:latin typeface="Corbel" charset="0"/>
+                  <a:ea typeface="Corbel" charset="0"/>
+                  <a:cs typeface="Corbel" charset="0"/>
+                </a:rPr>
+                <a:t>from</a:t>
+              </a:r>
+              <a:r>
+                <a:rPr kumimoji="1" lang="zh-CN" altLang="en-US" sz="1600" dirty="0" smtClean="0">
+                  <a:latin typeface="Corbel" charset="0"/>
+                  <a:ea typeface="Corbel" charset="0"/>
+                  <a:cs typeface="Corbel" charset="0"/>
+                </a:rPr>
+                <a:t> </a:t>
+              </a:r>
+              <a:r>
+                <a:rPr kumimoji="1" lang="en-US" altLang="zh-CN" sz="1600" dirty="0" smtClean="0">
+                  <a:latin typeface="Corbel" charset="0"/>
+                  <a:ea typeface="Corbel" charset="0"/>
+                  <a:cs typeface="Corbel" charset="0"/>
+                </a:rPr>
+                <a:t>waiting</a:t>
+              </a:r>
+              <a:r>
+                <a:rPr kumimoji="1" lang="zh-CN" altLang="en-US" sz="1600" dirty="0" smtClean="0">
+                  <a:latin typeface="Corbel" charset="0"/>
+                  <a:ea typeface="Corbel" charset="0"/>
+                  <a:cs typeface="Corbel" charset="0"/>
+                </a:rPr>
+                <a:t> </a:t>
+              </a:r>
+              <a:r>
+                <a:rPr kumimoji="1" lang="en-US" altLang="zh-CN" sz="1600" dirty="0" smtClean="0">
+                  <a:latin typeface="Corbel" charset="0"/>
+                  <a:ea typeface="Corbel" charset="0"/>
+                  <a:cs typeface="Corbel" charset="0"/>
+                </a:rPr>
+                <a:t>list</a:t>
+              </a:r>
+              <a:r>
+                <a:rPr kumimoji="1" lang="zh-CN" altLang="en-US" sz="1600" dirty="0" smtClean="0">
+                  <a:latin typeface="Corbel" charset="0"/>
+                  <a:ea typeface="Corbel" charset="0"/>
+                  <a:cs typeface="Corbel" charset="0"/>
+                </a:rPr>
+                <a:t> </a:t>
+              </a:r>
+              <a:r>
+                <a:rPr kumimoji="1" lang="en-US" altLang="zh-CN" sz="1600" dirty="0" smtClean="0">
+                  <a:latin typeface="Corbel" charset="0"/>
+                  <a:ea typeface="Corbel" charset="0"/>
+                  <a:cs typeface="Corbel" charset="0"/>
+                </a:rPr>
+                <a:t>and</a:t>
+              </a:r>
+              <a:r>
+                <a:rPr kumimoji="1" lang="zh-CN" altLang="en-US" sz="1600" dirty="0" smtClean="0">
+                  <a:latin typeface="Corbel" charset="0"/>
+                  <a:ea typeface="Corbel" charset="0"/>
+                  <a:cs typeface="Corbel" charset="0"/>
+                </a:rPr>
+                <a:t> </a:t>
+              </a:r>
+              <a:r>
+                <a:rPr kumimoji="1" lang="en-US" altLang="zh-CN" sz="1600" dirty="0" smtClean="0">
+                  <a:latin typeface="Corbel" charset="0"/>
+                  <a:ea typeface="Corbel" charset="0"/>
+                  <a:cs typeface="Corbel" charset="0"/>
+                </a:rPr>
+                <a:t>insert</a:t>
+              </a:r>
+              <a:r>
+                <a:rPr kumimoji="1" lang="zh-CN" altLang="en-US" sz="1600" dirty="0" smtClean="0">
+                  <a:latin typeface="Corbel" charset="0"/>
+                  <a:ea typeface="Corbel" charset="0"/>
+                  <a:cs typeface="Corbel" charset="0"/>
+                </a:rPr>
+                <a:t> </a:t>
+              </a:r>
+              <a:r>
+                <a:rPr kumimoji="1" lang="en-US" altLang="zh-CN" sz="1600" dirty="0" smtClean="0">
+                  <a:latin typeface="Corbel" charset="0"/>
+                  <a:ea typeface="Corbel" charset="0"/>
+                  <a:cs typeface="Corbel" charset="0"/>
+                </a:rPr>
+                <a:t>into</a:t>
+              </a:r>
+              <a:r>
+                <a:rPr kumimoji="1" lang="zh-CN" altLang="en-US" sz="1600" dirty="0" smtClean="0">
+                  <a:latin typeface="Corbel" charset="0"/>
+                  <a:ea typeface="Corbel" charset="0"/>
+                  <a:cs typeface="Corbel" charset="0"/>
+                </a:rPr>
+                <a:t> </a:t>
+              </a:r>
+              <a:r>
+                <a:rPr kumimoji="1" lang="en-US" altLang="zh-CN" sz="1600" dirty="0" smtClean="0">
+                  <a:latin typeface="Corbel" charset="0"/>
+                  <a:ea typeface="Corbel" charset="0"/>
+                  <a:cs typeface="Corbel" charset="0"/>
+                </a:rPr>
+                <a:t>PG’s</a:t>
+              </a:r>
+              <a:r>
+                <a:rPr kumimoji="1" lang="zh-CN" altLang="en-US" sz="1600" dirty="0" smtClean="0">
+                  <a:latin typeface="Corbel" charset="0"/>
+                  <a:ea typeface="Corbel" charset="0"/>
+                  <a:cs typeface="Corbel" charset="0"/>
+                </a:rPr>
+                <a:t> </a:t>
+              </a:r>
+              <a:r>
+                <a:rPr kumimoji="1" lang="en-US" altLang="zh-CN" sz="1600" dirty="0" smtClean="0">
+                  <a:latin typeface="Corbel" charset="0"/>
+                  <a:ea typeface="Corbel" charset="0"/>
+                  <a:cs typeface="Corbel" charset="0"/>
+                </a:rPr>
+                <a:t>queue</a:t>
+              </a:r>
+            </a:p>
+            <a:p>
+              <a:pPr algn="ctr"/>
+              <a:r>
+                <a:rPr kumimoji="1" lang="en-US" altLang="zh-CN" sz="1600" dirty="0" smtClean="0">
+                  <a:latin typeface="Corbel" charset="0"/>
+                  <a:ea typeface="Corbel" charset="0"/>
+                  <a:cs typeface="Corbel" charset="0"/>
+                </a:rPr>
+                <a:t>(</a:t>
+              </a:r>
+              <a:r>
+                <a:rPr kumimoji="1" lang="en-US" altLang="zh-CN" sz="1600" dirty="0" err="1" smtClean="0">
+                  <a:latin typeface="Corbel" charset="0"/>
+                  <a:ea typeface="Corbel" charset="0"/>
+                  <a:cs typeface="Corbel" charset="0"/>
+                </a:rPr>
+                <a:t>pg</a:t>
+              </a:r>
+              <a:r>
+                <a:rPr kumimoji="1" lang="en-US" altLang="zh-CN" sz="1600" dirty="0" smtClean="0">
+                  <a:latin typeface="Corbel" charset="0"/>
+                  <a:ea typeface="Corbel" charset="0"/>
+                  <a:cs typeface="Corbel" charset="0"/>
+                </a:rPr>
+                <a:t>-&gt;</a:t>
+              </a:r>
+              <a:r>
+                <a:rPr kumimoji="1" lang="en-US" altLang="zh-CN" sz="1600" dirty="0" err="1" smtClean="0">
+                  <a:latin typeface="Corbel" charset="0"/>
+                  <a:ea typeface="Corbel" charset="0"/>
+                  <a:cs typeface="Corbel" charset="0"/>
+                </a:rPr>
+                <a:t>osdservice</a:t>
+              </a:r>
+              <a:r>
+                <a:rPr kumimoji="1" lang="en-US" altLang="zh-CN" sz="1600" dirty="0" smtClean="0">
+                  <a:latin typeface="Corbel" charset="0"/>
+                  <a:ea typeface="Corbel" charset="0"/>
+                  <a:cs typeface="Corbel" charset="0"/>
+                </a:rPr>
+                <a:t>-&gt;</a:t>
+              </a:r>
+              <a:r>
+                <a:rPr kumimoji="1" lang="en-US" altLang="zh-CN" sz="1600" dirty="0" err="1" smtClean="0">
+                  <a:latin typeface="Corbel" charset="0"/>
+                  <a:ea typeface="Corbel" charset="0"/>
+                  <a:cs typeface="Corbel" charset="0"/>
+                </a:rPr>
+                <a:t>pg</a:t>
+              </a:r>
+              <a:r>
+                <a:rPr kumimoji="1" lang="zh-CN" altLang="en-US" sz="1600" dirty="0" smtClean="0">
+                  <a:latin typeface="Corbel" charset="0"/>
+                  <a:ea typeface="Corbel" charset="0"/>
+                  <a:cs typeface="Corbel" charset="0"/>
+                </a:rPr>
+                <a:t> </a:t>
+              </a:r>
+              <a:r>
+                <a:rPr kumimoji="1" lang="en-US" altLang="zh-CN" sz="1600" dirty="0" smtClean="0">
+                  <a:latin typeface="Corbel" charset="0"/>
+                  <a:ea typeface="Corbel" charset="0"/>
+                  <a:cs typeface="Corbel" charset="0"/>
+                </a:rPr>
+                <a:t>=</a:t>
+              </a:r>
+              <a:r>
+                <a:rPr kumimoji="1" lang="zh-CN" altLang="en-US" sz="1600" dirty="0" smtClean="0">
+                  <a:latin typeface="Corbel" charset="0"/>
+                  <a:ea typeface="Corbel" charset="0"/>
+                  <a:cs typeface="Corbel" charset="0"/>
+                </a:rPr>
+                <a:t> </a:t>
+              </a:r>
+              <a:r>
+                <a:rPr kumimoji="1" lang="en-US" altLang="zh-CN" sz="1600" dirty="0" err="1" smtClean="0">
+                  <a:latin typeface="Corbel" charset="0"/>
+                  <a:ea typeface="Corbel" charset="0"/>
+                  <a:cs typeface="Corbel" charset="0"/>
+                </a:rPr>
+                <a:t>osd</a:t>
+              </a:r>
+              <a:r>
+                <a:rPr kumimoji="1" lang="en-US" altLang="zh-CN" sz="1600" dirty="0" smtClean="0">
+                  <a:latin typeface="Corbel" charset="0"/>
+                  <a:ea typeface="Corbel" charset="0"/>
+                  <a:cs typeface="Corbel" charset="0"/>
+                </a:rPr>
+                <a:t>-&gt;</a:t>
+              </a:r>
+              <a:r>
+                <a:rPr kumimoji="1" lang="en-US" altLang="zh-CN" sz="1600" dirty="0" err="1" smtClean="0">
+                  <a:latin typeface="Corbel" charset="0"/>
+                  <a:ea typeface="Corbel" charset="0"/>
+                  <a:cs typeface="Corbel" charset="0"/>
+                </a:rPr>
+                <a:t>shardedwq</a:t>
+              </a:r>
+              <a:r>
+                <a:rPr kumimoji="1" lang="en-US" altLang="zh-CN" sz="1600" dirty="0" smtClean="0">
+                  <a:latin typeface="Corbel" charset="0"/>
+                  <a:ea typeface="Corbel" charset="0"/>
+                  <a:cs typeface="Corbel" charset="0"/>
+                </a:rPr>
+                <a:t>)</a:t>
+              </a:r>
+              <a:endParaRPr kumimoji="1" lang="zh-CN" altLang="en-US" sz="1600" dirty="0">
+                <a:latin typeface="Corbel" charset="0"/>
+                <a:ea typeface="Corbel" charset="0"/>
+                <a:cs typeface="Corbel" charset="0"/>
+              </a:endParaRPr>
+            </a:p>
+          </p:txBody>
+        </p:sp>
+        <p:sp>
+          <p:nvSpPr>
+            <p:cNvPr id="13" name="圆角矩形 12"/>
+            <p:cNvSpPr/>
+            <p:nvPr/>
+          </p:nvSpPr>
+          <p:spPr>
+            <a:xfrm>
+              <a:off x="5731040" y="4228292"/>
+              <a:ext cx="3501190" cy="902368"/>
+            </a:xfrm>
+            <a:prstGeom prst="roundRect">
+              <a:avLst/>
+            </a:prstGeom>
+            <a:solidFill>
+              <a:srgbClr val="00B050"/>
+            </a:solidFill>
+            <a:ln>
+              <a:noFill/>
+            </a:ln>
+          </p:spPr>
+          <p:style>
+            <a:lnRef idx="2">
+              <a:schemeClr val="accent1">
+                <a:shade val="50000"/>
+              </a:schemeClr>
+            </a:lnRef>
+            <a:fillRef idx="1">
+              <a:schemeClr val="accent1"/>
+            </a:fillRef>
+            <a:effectRef idx="0">
+              <a:schemeClr val="accent1"/>
+            </a:effectRef>
+            <a:fontRef idx="minor">
+              <a:schemeClr val="lt1"/>
+            </a:fontRef>
+          </p:style>
+          <p:txBody>
+            <a:bodyPr rtlCol="0" anchor="ctr"/>
+            <a:lstStyle/>
+            <a:p>
+              <a:pPr algn="ctr"/>
+              <a:r>
+                <a:rPr kumimoji="1" lang="en-US" altLang="zh-CN" sz="1600" dirty="0" smtClean="0">
+                  <a:latin typeface="Corbel" charset="0"/>
+                  <a:ea typeface="Corbel" charset="0"/>
+                  <a:cs typeface="Corbel" charset="0"/>
+                </a:rPr>
+                <a:t>Get</a:t>
+              </a:r>
+              <a:r>
+                <a:rPr kumimoji="1" lang="zh-CN" altLang="en-US" sz="1600" dirty="0" smtClean="0">
+                  <a:latin typeface="Corbel" charset="0"/>
+                  <a:ea typeface="Corbel" charset="0"/>
+                  <a:cs typeface="Corbel" charset="0"/>
+                </a:rPr>
+                <a:t> </a:t>
+              </a:r>
+              <a:r>
+                <a:rPr kumimoji="1" lang="en-US" altLang="zh-CN" sz="1600" dirty="0" err="1" smtClean="0">
+                  <a:latin typeface="Corbel" charset="0"/>
+                  <a:ea typeface="Corbel" charset="0"/>
+                  <a:cs typeface="Corbel" charset="0"/>
+                </a:rPr>
+                <a:t>objectcontext</a:t>
+              </a:r>
+              <a:r>
+                <a:rPr kumimoji="1" lang="zh-CN" altLang="en-US" sz="1600" dirty="0" smtClean="0">
+                  <a:latin typeface="Corbel" charset="0"/>
+                  <a:ea typeface="Corbel" charset="0"/>
+                  <a:cs typeface="Corbel" charset="0"/>
+                </a:rPr>
+                <a:t> </a:t>
+              </a:r>
+              <a:r>
+                <a:rPr kumimoji="1" lang="en-US" altLang="zh-CN" sz="1600" dirty="0" smtClean="0">
+                  <a:latin typeface="Corbel" charset="0"/>
+                  <a:ea typeface="Corbel" charset="0"/>
+                  <a:cs typeface="Corbel" charset="0"/>
+                </a:rPr>
+                <a:t>and</a:t>
+              </a:r>
+              <a:r>
+                <a:rPr kumimoji="1" lang="zh-CN" altLang="en-US" sz="1600" dirty="0" smtClean="0">
+                  <a:latin typeface="Corbel" charset="0"/>
+                  <a:ea typeface="Corbel" charset="0"/>
+                  <a:cs typeface="Corbel" charset="0"/>
+                </a:rPr>
+                <a:t> </a:t>
+              </a:r>
+              <a:r>
+                <a:rPr kumimoji="1" lang="en-US" altLang="zh-CN" sz="1600" dirty="0" err="1" smtClean="0">
+                  <a:latin typeface="Corbel" charset="0"/>
+                  <a:ea typeface="Corbel" charset="0"/>
+                  <a:cs typeface="Corbel" charset="0"/>
+                </a:rPr>
+                <a:t>opcontext</a:t>
+              </a:r>
+              <a:r>
+                <a:rPr kumimoji="1" lang="zh-CN" altLang="en-US" sz="1600" dirty="0" smtClean="0">
+                  <a:latin typeface="Corbel" charset="0"/>
+                  <a:ea typeface="Corbel" charset="0"/>
+                  <a:cs typeface="Corbel" charset="0"/>
+                </a:rPr>
+                <a:t> </a:t>
+              </a:r>
+              <a:r>
+                <a:rPr kumimoji="1" lang="en-US" altLang="zh-CN" sz="1600" dirty="0" smtClean="0">
+                  <a:latin typeface="Corbel" charset="0"/>
+                  <a:ea typeface="Corbel" charset="0"/>
+                  <a:cs typeface="Corbel" charset="0"/>
+                </a:rPr>
+                <a:t>and</a:t>
+              </a:r>
+              <a:r>
+                <a:rPr kumimoji="1" lang="zh-CN" altLang="en-US" sz="1600" dirty="0" smtClean="0">
+                  <a:latin typeface="Corbel" charset="0"/>
+                  <a:ea typeface="Corbel" charset="0"/>
+                  <a:cs typeface="Corbel" charset="0"/>
+                </a:rPr>
+                <a:t> </a:t>
+              </a:r>
+              <a:r>
+                <a:rPr kumimoji="1" lang="en-US" altLang="zh-CN" sz="1600" dirty="0" smtClean="0">
+                  <a:latin typeface="Corbel" charset="0"/>
+                  <a:ea typeface="Corbel" charset="0"/>
+                  <a:cs typeface="Corbel" charset="0"/>
+                </a:rPr>
+                <a:t>encapsulate ops</a:t>
+              </a:r>
+              <a:r>
+                <a:rPr kumimoji="1" lang="zh-CN" altLang="en-US" sz="1600" dirty="0" smtClean="0">
+                  <a:latin typeface="Corbel" charset="0"/>
+                  <a:ea typeface="Corbel" charset="0"/>
+                  <a:cs typeface="Corbel" charset="0"/>
+                </a:rPr>
+                <a:t> </a:t>
+              </a:r>
+              <a:r>
+                <a:rPr kumimoji="1" lang="en-US" altLang="zh-CN" sz="1600" dirty="0" smtClean="0">
+                  <a:latin typeface="Corbel" charset="0"/>
+                  <a:ea typeface="Corbel" charset="0"/>
+                  <a:cs typeface="Corbel" charset="0"/>
+                </a:rPr>
+                <a:t>into</a:t>
+              </a:r>
+              <a:r>
+                <a:rPr kumimoji="1" lang="zh-CN" altLang="en-US" sz="1600" dirty="0" smtClean="0">
+                  <a:latin typeface="Corbel" charset="0"/>
+                  <a:ea typeface="Corbel" charset="0"/>
+                  <a:cs typeface="Corbel" charset="0"/>
+                </a:rPr>
+                <a:t> </a:t>
+              </a:r>
+              <a:r>
+                <a:rPr kumimoji="1" lang="en-US" altLang="zh-CN" sz="1600" dirty="0" smtClean="0">
+                  <a:latin typeface="Corbel" charset="0"/>
+                  <a:ea typeface="Corbel" charset="0"/>
+                  <a:cs typeface="Corbel" charset="0"/>
+                </a:rPr>
+                <a:t>a</a:t>
+              </a:r>
+              <a:r>
+                <a:rPr kumimoji="1" lang="zh-CN" altLang="en-US" sz="1600" dirty="0" smtClean="0">
+                  <a:latin typeface="Corbel" charset="0"/>
+                  <a:ea typeface="Corbel" charset="0"/>
+                  <a:cs typeface="Corbel" charset="0"/>
+                </a:rPr>
+                <a:t> </a:t>
+              </a:r>
+              <a:r>
+                <a:rPr kumimoji="1" lang="en-US" altLang="zh-CN" sz="1600" dirty="0" smtClean="0">
+                  <a:latin typeface="Corbel" charset="0"/>
+                  <a:ea typeface="Corbel" charset="0"/>
+                  <a:cs typeface="Corbel" charset="0"/>
+                </a:rPr>
+                <a:t>transaction</a:t>
+              </a:r>
+              <a:endParaRPr kumimoji="1" lang="zh-CN" altLang="en-US" sz="1600" dirty="0">
+                <a:latin typeface="Corbel" charset="0"/>
+                <a:ea typeface="Corbel" charset="0"/>
+                <a:cs typeface="Corbel" charset="0"/>
+              </a:endParaRPr>
+            </a:p>
+          </p:txBody>
+        </p:sp>
+        <p:sp>
+          <p:nvSpPr>
+            <p:cNvPr id="14" name="圆角矩形 13"/>
+            <p:cNvSpPr/>
+            <p:nvPr/>
+          </p:nvSpPr>
+          <p:spPr>
+            <a:xfrm>
+              <a:off x="5731040" y="5538805"/>
+              <a:ext cx="3501190" cy="902368"/>
+            </a:xfrm>
+            <a:prstGeom prst="roundRect">
+              <a:avLst/>
+            </a:prstGeom>
+            <a:solidFill>
+              <a:srgbClr val="00B050"/>
+            </a:solidFill>
+            <a:ln>
+              <a:noFill/>
+            </a:ln>
+          </p:spPr>
+          <p:style>
+            <a:lnRef idx="2">
+              <a:schemeClr val="accent1">
+                <a:shade val="50000"/>
+              </a:schemeClr>
+            </a:lnRef>
+            <a:fillRef idx="1">
+              <a:schemeClr val="accent1"/>
+            </a:fillRef>
+            <a:effectRef idx="0">
+              <a:schemeClr val="accent1"/>
+            </a:effectRef>
+            <a:fontRef idx="minor">
+              <a:schemeClr val="lt1"/>
+            </a:fontRef>
+          </p:style>
+          <p:txBody>
+            <a:bodyPr rtlCol="0" anchor="ctr"/>
+            <a:lstStyle/>
+            <a:p>
+              <a:pPr algn="ctr"/>
+              <a:r>
+                <a:rPr kumimoji="1" lang="en-US" altLang="zh-CN" sz="1600" dirty="0" smtClean="0">
+                  <a:latin typeface="Corbel" charset="0"/>
+                  <a:ea typeface="Corbel" charset="0"/>
+                  <a:cs typeface="Corbel" charset="0"/>
+                </a:rPr>
+                <a:t>Read(</a:t>
+              </a:r>
+              <a:r>
+                <a:rPr kumimoji="1" lang="en-US" altLang="zh-CN" sz="1600" dirty="0" err="1" smtClean="0">
+                  <a:latin typeface="Corbel" charset="0"/>
+                  <a:ea typeface="Corbel" charset="0"/>
+                  <a:cs typeface="Corbel" charset="0"/>
+                </a:rPr>
+                <a:t>async</a:t>
+              </a:r>
+              <a:r>
+                <a:rPr kumimoji="1" lang="en-US" altLang="zh-CN" sz="1600" dirty="0" smtClean="0">
+                  <a:latin typeface="Corbel" charset="0"/>
+                  <a:ea typeface="Corbel" charset="0"/>
+                  <a:cs typeface="Corbel" charset="0"/>
+                </a:rPr>
+                <a:t>/sync)</a:t>
+              </a:r>
+              <a:r>
+                <a:rPr kumimoji="1" lang="zh-CN" altLang="en-US" sz="1600" dirty="0" smtClean="0">
+                  <a:latin typeface="Corbel" charset="0"/>
+                  <a:ea typeface="Corbel" charset="0"/>
+                  <a:cs typeface="Corbel" charset="0"/>
+                </a:rPr>
+                <a:t> </a:t>
+              </a:r>
+              <a:r>
+                <a:rPr kumimoji="1" lang="en-US" altLang="zh-CN" sz="1600" dirty="0" smtClean="0">
+                  <a:latin typeface="Corbel" charset="0"/>
+                  <a:ea typeface="Corbel" charset="0"/>
+                  <a:cs typeface="Corbel" charset="0"/>
+                </a:rPr>
+                <a:t>or</a:t>
+              </a:r>
+              <a:r>
+                <a:rPr kumimoji="1" lang="zh-CN" altLang="en-US" sz="1600" dirty="0" smtClean="0">
+                  <a:latin typeface="Corbel" charset="0"/>
+                  <a:ea typeface="Corbel" charset="0"/>
+                  <a:cs typeface="Corbel" charset="0"/>
+                </a:rPr>
+                <a:t> </a:t>
+              </a:r>
+              <a:r>
+                <a:rPr kumimoji="1" lang="en-US" altLang="zh-CN" sz="1600" dirty="0" smtClean="0">
+                  <a:latin typeface="Corbel" charset="0"/>
+                  <a:ea typeface="Corbel" charset="0"/>
+                  <a:cs typeface="Corbel" charset="0"/>
+                </a:rPr>
+                <a:t>write(also</a:t>
+              </a:r>
+              <a:r>
+                <a:rPr kumimoji="1" lang="zh-CN" altLang="en-US" sz="1600" dirty="0" smtClean="0">
+                  <a:latin typeface="Corbel" charset="0"/>
+                  <a:ea typeface="Corbel" charset="0"/>
+                  <a:cs typeface="Corbel" charset="0"/>
+                </a:rPr>
+                <a:t> </a:t>
+              </a:r>
+              <a:r>
+                <a:rPr kumimoji="1" lang="en-US" altLang="zh-CN" sz="1600" dirty="0" smtClean="0">
+                  <a:latin typeface="Corbel" charset="0"/>
+                  <a:ea typeface="Corbel" charset="0"/>
+                  <a:cs typeface="Corbel" charset="0"/>
+                </a:rPr>
+                <a:t>to</a:t>
+              </a:r>
+              <a:r>
+                <a:rPr kumimoji="1" lang="zh-CN" altLang="en-US" sz="1600" dirty="0" smtClean="0">
+                  <a:latin typeface="Corbel" charset="0"/>
+                  <a:ea typeface="Corbel" charset="0"/>
+                  <a:cs typeface="Corbel" charset="0"/>
+                </a:rPr>
+                <a:t> </a:t>
+              </a:r>
+              <a:r>
+                <a:rPr kumimoji="1" lang="en-US" altLang="zh-CN" sz="1600" dirty="0" smtClean="0">
+                  <a:latin typeface="Corbel" charset="0"/>
+                  <a:ea typeface="Corbel" charset="0"/>
+                  <a:cs typeface="Corbel" charset="0"/>
+                </a:rPr>
+                <a:t>replicas)</a:t>
+              </a:r>
+              <a:r>
+                <a:rPr kumimoji="1" lang="zh-CN" altLang="en-US" sz="1600" dirty="0" smtClean="0">
+                  <a:latin typeface="Corbel" charset="0"/>
+                  <a:ea typeface="Corbel" charset="0"/>
+                  <a:cs typeface="Corbel" charset="0"/>
+                </a:rPr>
+                <a:t> </a:t>
+              </a:r>
+              <a:r>
+                <a:rPr kumimoji="1" lang="en-US" altLang="zh-CN" sz="1600" dirty="0" smtClean="0">
+                  <a:latin typeface="Corbel" charset="0"/>
+                  <a:ea typeface="Corbel" charset="0"/>
+                  <a:cs typeface="Corbel" charset="0"/>
+                </a:rPr>
+                <a:t>,</a:t>
+              </a:r>
+              <a:r>
+                <a:rPr kumimoji="1" lang="zh-CN" altLang="en-US" sz="1600" dirty="0" smtClean="0">
+                  <a:latin typeface="Corbel" charset="0"/>
+                  <a:ea typeface="Corbel" charset="0"/>
+                  <a:cs typeface="Corbel" charset="0"/>
+                </a:rPr>
+                <a:t> </a:t>
+              </a:r>
+              <a:r>
+                <a:rPr kumimoji="1" lang="en-US" altLang="zh-CN" sz="1600" dirty="0" smtClean="0">
+                  <a:latin typeface="Corbel" charset="0"/>
+                  <a:ea typeface="Corbel" charset="0"/>
+                  <a:cs typeface="Corbel" charset="0"/>
+                </a:rPr>
+                <a:t>submit</a:t>
+              </a:r>
+              <a:r>
+                <a:rPr kumimoji="1" lang="zh-CN" altLang="en-US" sz="1600" dirty="0" smtClean="0">
+                  <a:latin typeface="Corbel" charset="0"/>
+                  <a:ea typeface="Corbel" charset="0"/>
+                  <a:cs typeface="Corbel" charset="0"/>
+                </a:rPr>
+                <a:t> </a:t>
+              </a:r>
+              <a:r>
+                <a:rPr kumimoji="1" lang="en-US" altLang="zh-CN" sz="1600" dirty="0" smtClean="0">
+                  <a:latin typeface="Corbel" charset="0"/>
+                  <a:ea typeface="Corbel" charset="0"/>
+                  <a:cs typeface="Corbel" charset="0"/>
+                </a:rPr>
+                <a:t>transaction</a:t>
+              </a:r>
+              <a:r>
+                <a:rPr kumimoji="1" lang="zh-CN" altLang="en-US" sz="1600" dirty="0" smtClean="0">
+                  <a:latin typeface="Corbel" charset="0"/>
+                  <a:ea typeface="Corbel" charset="0"/>
+                  <a:cs typeface="Corbel" charset="0"/>
+                </a:rPr>
+                <a:t> </a:t>
+              </a:r>
+              <a:r>
+                <a:rPr kumimoji="1" lang="en-US" altLang="zh-CN" sz="1600" dirty="0" smtClean="0">
+                  <a:latin typeface="Corbel" charset="0"/>
+                  <a:ea typeface="Corbel" charset="0"/>
+                  <a:cs typeface="Corbel" charset="0"/>
+                </a:rPr>
+                <a:t>and</a:t>
+              </a:r>
+              <a:r>
+                <a:rPr kumimoji="1" lang="zh-CN" altLang="en-US" sz="1600" dirty="0" smtClean="0">
+                  <a:latin typeface="Corbel" charset="0"/>
+                  <a:ea typeface="Corbel" charset="0"/>
+                  <a:cs typeface="Corbel" charset="0"/>
+                </a:rPr>
+                <a:t> </a:t>
+              </a:r>
+              <a:r>
+                <a:rPr kumimoji="1" lang="en-US" altLang="zh-CN" sz="1600" dirty="0" smtClean="0">
+                  <a:latin typeface="Corbel" charset="0"/>
+                  <a:ea typeface="Corbel" charset="0"/>
+                  <a:cs typeface="Corbel" charset="0"/>
+                </a:rPr>
+                <a:t>reply</a:t>
+              </a:r>
+              <a:r>
+                <a:rPr kumimoji="1" lang="zh-CN" altLang="en-US" sz="1600" dirty="0" smtClean="0">
+                  <a:latin typeface="Corbel" charset="0"/>
+                  <a:ea typeface="Corbel" charset="0"/>
+                  <a:cs typeface="Corbel" charset="0"/>
+                </a:rPr>
+                <a:t> </a:t>
+              </a:r>
+              <a:r>
+                <a:rPr kumimoji="1" lang="en-US" altLang="zh-CN" sz="1600" dirty="0" smtClean="0">
+                  <a:latin typeface="Corbel" charset="0"/>
+                  <a:ea typeface="Corbel" charset="0"/>
+                  <a:cs typeface="Corbel" charset="0"/>
+                </a:rPr>
+                <a:t>to</a:t>
+              </a:r>
+              <a:r>
+                <a:rPr kumimoji="1" lang="zh-CN" altLang="en-US" sz="1600" dirty="0" smtClean="0">
+                  <a:latin typeface="Corbel" charset="0"/>
+                  <a:ea typeface="Corbel" charset="0"/>
+                  <a:cs typeface="Corbel" charset="0"/>
+                </a:rPr>
+                <a:t> </a:t>
+              </a:r>
+              <a:r>
+                <a:rPr kumimoji="1" lang="en-US" altLang="zh-CN" sz="1600" dirty="0" smtClean="0">
+                  <a:latin typeface="Corbel" charset="0"/>
+                  <a:ea typeface="Corbel" charset="0"/>
+                  <a:cs typeface="Corbel" charset="0"/>
+                </a:rPr>
+                <a:t>client</a:t>
+              </a:r>
+              <a:endParaRPr kumimoji="1" lang="zh-CN" altLang="en-US" sz="1600" dirty="0">
+                <a:latin typeface="Corbel" charset="0"/>
+                <a:ea typeface="Corbel" charset="0"/>
+                <a:cs typeface="Corbel" charset="0"/>
+              </a:endParaRPr>
+            </a:p>
+          </p:txBody>
+        </p:sp>
+        <p:sp>
+          <p:nvSpPr>
+            <p:cNvPr id="15" name="圆角矩形 14"/>
+            <p:cNvSpPr/>
+            <p:nvPr/>
+          </p:nvSpPr>
+          <p:spPr>
+            <a:xfrm>
+              <a:off x="1491916" y="5540208"/>
+              <a:ext cx="2654968" cy="902368"/>
+            </a:xfrm>
+            <a:prstGeom prst="roundRect">
+              <a:avLst/>
+            </a:prstGeom>
+            <a:solidFill>
+              <a:srgbClr val="D5BAB5"/>
+            </a:solidFill>
+            <a:ln>
+              <a:noFill/>
+            </a:ln>
+          </p:spPr>
+          <p:style>
+            <a:lnRef idx="2">
+              <a:schemeClr val="accent1">
+                <a:shade val="50000"/>
+              </a:schemeClr>
+            </a:lnRef>
+            <a:fillRef idx="1">
+              <a:schemeClr val="accent1"/>
+            </a:fillRef>
+            <a:effectRef idx="0">
+              <a:schemeClr val="accent1"/>
+            </a:effectRef>
+            <a:fontRef idx="minor">
+              <a:schemeClr val="lt1"/>
+            </a:fontRef>
+          </p:style>
+          <p:txBody>
+            <a:bodyPr rtlCol="0" anchor="ctr"/>
+            <a:lstStyle/>
+            <a:p>
+              <a:pPr algn="ctr"/>
+              <a:r>
+                <a:rPr kumimoji="1" lang="en-US" altLang="zh-CN" sz="1600" dirty="0" smtClean="0">
+                  <a:latin typeface="Corbel" charset="0"/>
+                  <a:ea typeface="Corbel" charset="0"/>
+                  <a:cs typeface="Corbel" charset="0"/>
+                </a:rPr>
+                <a:t>Receiving</a:t>
+              </a:r>
+              <a:r>
+                <a:rPr kumimoji="1" lang="zh-CN" altLang="en-US" sz="1600" dirty="0" smtClean="0">
+                  <a:latin typeface="Corbel" charset="0"/>
+                  <a:ea typeface="Corbel" charset="0"/>
+                  <a:cs typeface="Corbel" charset="0"/>
+                </a:rPr>
+                <a:t> </a:t>
+              </a:r>
+              <a:r>
+                <a:rPr kumimoji="1" lang="en-US" altLang="zh-CN" sz="1600" dirty="0" smtClean="0">
+                  <a:latin typeface="Corbel" charset="0"/>
+                  <a:ea typeface="Corbel" charset="0"/>
+                  <a:cs typeface="Corbel" charset="0"/>
+                </a:rPr>
+                <a:t>reply</a:t>
+              </a:r>
+              <a:endParaRPr kumimoji="1" lang="zh-CN" altLang="en-US" sz="1600" dirty="0">
+                <a:latin typeface="Corbel" charset="0"/>
+                <a:ea typeface="Corbel" charset="0"/>
+                <a:cs typeface="Corbel" charset="0"/>
+              </a:endParaRPr>
+            </a:p>
+          </p:txBody>
+        </p:sp>
+        <p:sp>
+          <p:nvSpPr>
+            <p:cNvPr id="16" name="椭圆 15"/>
+            <p:cNvSpPr/>
+            <p:nvPr/>
+          </p:nvSpPr>
+          <p:spPr>
+            <a:xfrm>
+              <a:off x="9456821" y="3404978"/>
+              <a:ext cx="2530642" cy="1150297"/>
+            </a:xfrm>
+            <a:prstGeom prst="ellipse">
+              <a:avLst/>
+            </a:prstGeom>
+            <a:solidFill>
+              <a:srgbClr val="0096FF"/>
+            </a:solidFill>
+            <a:ln>
+              <a:noFill/>
+            </a:ln>
+          </p:spPr>
+          <p:style>
+            <a:lnRef idx="2">
+              <a:schemeClr val="accent1">
+                <a:shade val="50000"/>
+              </a:schemeClr>
+            </a:lnRef>
+            <a:fillRef idx="1">
+              <a:schemeClr val="accent1"/>
+            </a:fillRef>
+            <a:effectRef idx="0">
+              <a:schemeClr val="accent1"/>
+            </a:effectRef>
+            <a:fontRef idx="minor">
+              <a:schemeClr val="lt1"/>
+            </a:fontRef>
+          </p:style>
+          <p:txBody>
+            <a:bodyPr rtlCol="0" anchor="ctr"/>
+            <a:lstStyle/>
+            <a:p>
+              <a:pPr algn="ctr"/>
+              <a:r>
+                <a:rPr kumimoji="1" lang="en-US" altLang="zh-CN" dirty="0" smtClean="0">
+                  <a:latin typeface="Corbel" charset="0"/>
+                  <a:ea typeface="Corbel" charset="0"/>
+                  <a:cs typeface="Corbel" charset="0"/>
+                </a:rPr>
+                <a:t>Worker</a:t>
+              </a:r>
+              <a:r>
+                <a:rPr kumimoji="1" lang="zh-CN" altLang="en-US" dirty="0" smtClean="0">
+                  <a:latin typeface="Corbel" charset="0"/>
+                  <a:ea typeface="Corbel" charset="0"/>
+                  <a:cs typeface="Corbel" charset="0"/>
+                </a:rPr>
+                <a:t> </a:t>
+              </a:r>
+              <a:r>
+                <a:rPr kumimoji="1" lang="en-US" altLang="zh-CN" dirty="0" smtClean="0">
+                  <a:latin typeface="Corbel" charset="0"/>
+                  <a:ea typeface="Corbel" charset="0"/>
+                  <a:cs typeface="Corbel" charset="0"/>
+                </a:rPr>
+                <a:t>thread</a:t>
+              </a:r>
+              <a:r>
+                <a:rPr kumimoji="1" lang="zh-CN" altLang="en-US" dirty="0" smtClean="0">
+                  <a:latin typeface="Corbel" charset="0"/>
+                  <a:ea typeface="Corbel" charset="0"/>
+                  <a:cs typeface="Corbel" charset="0"/>
+                </a:rPr>
+                <a:t> </a:t>
+              </a:r>
+              <a:r>
+                <a:rPr kumimoji="1" lang="en-US" altLang="zh-CN" dirty="0" err="1" smtClean="0">
+                  <a:latin typeface="Corbel" charset="0"/>
+                  <a:ea typeface="Corbel" charset="0"/>
+                  <a:cs typeface="Corbel" charset="0"/>
+                </a:rPr>
+                <a:t>dequeues</a:t>
+              </a:r>
+              <a:r>
+                <a:rPr kumimoji="1" lang="zh-CN" altLang="en-US" dirty="0" smtClean="0">
+                  <a:latin typeface="Corbel" charset="0"/>
+                  <a:ea typeface="Corbel" charset="0"/>
+                  <a:cs typeface="Corbel" charset="0"/>
+                </a:rPr>
+                <a:t> </a:t>
+              </a:r>
+              <a:r>
+                <a:rPr kumimoji="1" lang="en-US" altLang="zh-CN" dirty="0" smtClean="0">
+                  <a:latin typeface="Corbel" charset="0"/>
+                  <a:ea typeface="Corbel" charset="0"/>
+                  <a:cs typeface="Corbel" charset="0"/>
+                </a:rPr>
+                <a:t>op</a:t>
+              </a:r>
+              <a:r>
+                <a:rPr kumimoji="1" lang="zh-CN" altLang="en-US" dirty="0" smtClean="0">
+                  <a:latin typeface="Corbel" charset="0"/>
+                  <a:ea typeface="Corbel" charset="0"/>
+                  <a:cs typeface="Corbel" charset="0"/>
+                </a:rPr>
+                <a:t> </a:t>
+              </a:r>
+              <a:r>
+                <a:rPr kumimoji="1" lang="en-US" altLang="zh-CN" dirty="0" smtClean="0">
+                  <a:latin typeface="Corbel" charset="0"/>
+                  <a:ea typeface="Corbel" charset="0"/>
+                  <a:cs typeface="Corbel" charset="0"/>
+                </a:rPr>
+                <a:t>and</a:t>
+              </a:r>
+              <a:r>
+                <a:rPr kumimoji="1" lang="zh-CN" altLang="en-US" dirty="0" smtClean="0">
+                  <a:latin typeface="Corbel" charset="0"/>
+                  <a:ea typeface="Corbel" charset="0"/>
+                  <a:cs typeface="Corbel" charset="0"/>
+                </a:rPr>
+                <a:t> </a:t>
+              </a:r>
+              <a:r>
+                <a:rPr kumimoji="1" lang="en-US" altLang="zh-CN" dirty="0" smtClean="0">
+                  <a:latin typeface="Corbel" charset="0"/>
+                  <a:ea typeface="Corbel" charset="0"/>
+                  <a:cs typeface="Corbel" charset="0"/>
+                </a:rPr>
+                <a:t>process</a:t>
+              </a:r>
+              <a:endParaRPr kumimoji="1" lang="zh-CN" altLang="en-US" dirty="0">
+                <a:latin typeface="Corbel" charset="0"/>
+                <a:ea typeface="Corbel" charset="0"/>
+                <a:cs typeface="Corbel" charset="0"/>
+              </a:endParaRPr>
+            </a:p>
+          </p:txBody>
+        </p:sp>
+        <p:cxnSp>
+          <p:nvCxnSpPr>
+            <p:cNvPr id="42" name="直线连接符 41"/>
+            <p:cNvCxnSpPr/>
+            <p:nvPr/>
+          </p:nvCxnSpPr>
+          <p:spPr>
+            <a:xfrm>
+              <a:off x="4918908" y="1604462"/>
+              <a:ext cx="0" cy="4760555"/>
+            </a:xfrm>
+            <a:prstGeom prst="line">
+              <a:avLst/>
+            </a:prstGeom>
+            <a:ln w="57150">
+              <a:solidFill>
+                <a:srgbClr val="D5BAB5"/>
+              </a:solidFill>
+              <a:prstDash val="sysDot"/>
+            </a:ln>
+          </p:spPr>
+          <p:style>
+            <a:lnRef idx="1">
+              <a:schemeClr val="accent1"/>
+            </a:lnRef>
+            <a:fillRef idx="0">
+              <a:schemeClr val="accent1"/>
+            </a:fillRef>
+            <a:effectRef idx="0">
+              <a:schemeClr val="accent1"/>
+            </a:effectRef>
+            <a:fontRef idx="minor">
+              <a:schemeClr val="tx1"/>
+            </a:fontRef>
+          </p:style>
+        </p:cxnSp>
+        <p:cxnSp>
+          <p:nvCxnSpPr>
+            <p:cNvPr id="18" name="直线箭头连接符 17"/>
+            <p:cNvCxnSpPr>
+              <a:stCxn id="7" idx="2"/>
+              <a:endCxn id="8" idx="0"/>
+            </p:cNvCxnSpPr>
+            <p:nvPr/>
+          </p:nvCxnSpPr>
+          <p:spPr>
+            <a:xfrm>
+              <a:off x="2819400" y="2506830"/>
+              <a:ext cx="0" cy="409547"/>
+            </a:xfrm>
+            <a:prstGeom prst="straightConnector1">
+              <a:avLst/>
+            </a:prstGeom>
+            <a:ln w="19050">
+              <a:solidFill>
+                <a:schemeClr val="tx1">
+                  <a:lumMod val="95000"/>
+                  <a:lumOff val="5000"/>
+                </a:schemeClr>
+              </a:solidFill>
+              <a:tailEnd type="triangle"/>
+            </a:ln>
+          </p:spPr>
+          <p:style>
+            <a:lnRef idx="1">
+              <a:schemeClr val="accent1"/>
+            </a:lnRef>
+            <a:fillRef idx="0">
+              <a:schemeClr val="accent1"/>
+            </a:fillRef>
+            <a:effectRef idx="0">
+              <a:schemeClr val="accent1"/>
+            </a:effectRef>
+            <a:fontRef idx="minor">
+              <a:schemeClr val="tx1"/>
+            </a:fontRef>
+          </p:style>
+        </p:cxnSp>
+        <p:cxnSp>
+          <p:nvCxnSpPr>
+            <p:cNvPr id="20" name="直线箭头连接符 19"/>
+            <p:cNvCxnSpPr>
+              <a:stCxn id="8" idx="2"/>
+              <a:endCxn id="9" idx="0"/>
+            </p:cNvCxnSpPr>
+            <p:nvPr/>
+          </p:nvCxnSpPr>
+          <p:spPr>
+            <a:xfrm>
+              <a:off x="2819400" y="3818745"/>
+              <a:ext cx="0" cy="409547"/>
+            </a:xfrm>
+            <a:prstGeom prst="straightConnector1">
+              <a:avLst/>
+            </a:prstGeom>
+            <a:ln w="19050">
+              <a:solidFill>
+                <a:schemeClr val="tx1">
+                  <a:lumMod val="95000"/>
+                  <a:lumOff val="5000"/>
+                </a:schemeClr>
+              </a:solidFill>
+              <a:tailEnd type="triangle"/>
+            </a:ln>
+          </p:spPr>
+          <p:style>
+            <a:lnRef idx="1">
+              <a:schemeClr val="accent1"/>
+            </a:lnRef>
+            <a:fillRef idx="0">
+              <a:schemeClr val="accent1"/>
+            </a:fillRef>
+            <a:effectRef idx="0">
+              <a:schemeClr val="accent1"/>
+            </a:effectRef>
+            <a:fontRef idx="minor">
+              <a:schemeClr val="tx1"/>
+            </a:fontRef>
+          </p:style>
+        </p:cxnSp>
+        <p:cxnSp>
+          <p:nvCxnSpPr>
+            <p:cNvPr id="24" name="曲线连接符 23"/>
+            <p:cNvCxnSpPr>
+              <a:stCxn id="9" idx="3"/>
+              <a:endCxn id="10" idx="1"/>
+            </p:cNvCxnSpPr>
+            <p:nvPr/>
+          </p:nvCxnSpPr>
+          <p:spPr>
+            <a:xfrm flipV="1">
+              <a:off x="4146884" y="2055646"/>
+              <a:ext cx="1584156" cy="2623830"/>
+            </a:xfrm>
+            <a:prstGeom prst="curvedConnector3">
+              <a:avLst/>
+            </a:prstGeom>
+            <a:ln w="19050">
+              <a:solidFill>
+                <a:schemeClr val="tx1">
+                  <a:lumMod val="95000"/>
+                  <a:lumOff val="5000"/>
+                </a:schemeClr>
+              </a:solidFill>
+              <a:tailEnd type="triangle"/>
+            </a:ln>
+          </p:spPr>
+          <p:style>
+            <a:lnRef idx="1">
+              <a:schemeClr val="accent1"/>
+            </a:lnRef>
+            <a:fillRef idx="0">
+              <a:schemeClr val="accent1"/>
+            </a:fillRef>
+            <a:effectRef idx="0">
+              <a:schemeClr val="accent1"/>
+            </a:effectRef>
+            <a:fontRef idx="minor">
+              <a:schemeClr val="tx1"/>
+            </a:fontRef>
+          </p:style>
+        </p:cxnSp>
+        <p:cxnSp>
+          <p:nvCxnSpPr>
+            <p:cNvPr id="26" name="直线箭头连接符 25"/>
+            <p:cNvCxnSpPr>
+              <a:stCxn id="10" idx="2"/>
+              <a:endCxn id="11" idx="0"/>
+            </p:cNvCxnSpPr>
+            <p:nvPr/>
+          </p:nvCxnSpPr>
+          <p:spPr>
+            <a:xfrm>
+              <a:off x="7481635" y="2506830"/>
+              <a:ext cx="0" cy="410949"/>
+            </a:xfrm>
+            <a:prstGeom prst="straightConnector1">
+              <a:avLst/>
+            </a:prstGeom>
+            <a:ln w="19050">
+              <a:solidFill>
+                <a:schemeClr val="tx1">
+                  <a:lumMod val="95000"/>
+                  <a:lumOff val="5000"/>
+                </a:schemeClr>
+              </a:solidFill>
+              <a:tailEnd type="triangle"/>
+            </a:ln>
+          </p:spPr>
+          <p:style>
+            <a:lnRef idx="1">
+              <a:schemeClr val="accent1"/>
+            </a:lnRef>
+            <a:fillRef idx="0">
+              <a:schemeClr val="accent1"/>
+            </a:fillRef>
+            <a:effectRef idx="0">
+              <a:schemeClr val="accent1"/>
+            </a:effectRef>
+            <a:fontRef idx="minor">
+              <a:schemeClr val="tx1"/>
+            </a:fontRef>
+          </p:style>
+        </p:cxnSp>
+        <p:cxnSp>
+          <p:nvCxnSpPr>
+            <p:cNvPr id="28" name="直线箭头连接符 27"/>
+            <p:cNvCxnSpPr>
+              <a:stCxn id="11" idx="2"/>
+              <a:endCxn id="13" idx="0"/>
+            </p:cNvCxnSpPr>
+            <p:nvPr/>
+          </p:nvCxnSpPr>
+          <p:spPr>
+            <a:xfrm>
+              <a:off x="7481635" y="3820147"/>
+              <a:ext cx="0" cy="408145"/>
+            </a:xfrm>
+            <a:prstGeom prst="straightConnector1">
+              <a:avLst/>
+            </a:prstGeom>
+            <a:ln w="19050">
+              <a:solidFill>
+                <a:schemeClr val="tx1">
+                  <a:lumMod val="95000"/>
+                  <a:lumOff val="5000"/>
+                </a:schemeClr>
+              </a:solidFill>
+              <a:tailEnd type="triangle"/>
+            </a:ln>
+          </p:spPr>
+          <p:style>
+            <a:lnRef idx="1">
+              <a:schemeClr val="accent1"/>
+            </a:lnRef>
+            <a:fillRef idx="0">
+              <a:schemeClr val="accent1"/>
+            </a:fillRef>
+            <a:effectRef idx="0">
+              <a:schemeClr val="accent1"/>
+            </a:effectRef>
+            <a:fontRef idx="minor">
+              <a:schemeClr val="tx1"/>
+            </a:fontRef>
+          </p:style>
+        </p:cxnSp>
+        <p:cxnSp>
+          <p:nvCxnSpPr>
+            <p:cNvPr id="30" name="直线箭头连接符 29"/>
+            <p:cNvCxnSpPr>
+              <a:stCxn id="13" idx="2"/>
+              <a:endCxn id="14" idx="0"/>
+            </p:cNvCxnSpPr>
+            <p:nvPr/>
+          </p:nvCxnSpPr>
+          <p:spPr>
+            <a:xfrm>
+              <a:off x="7481635" y="5130660"/>
+              <a:ext cx="0" cy="408145"/>
+            </a:xfrm>
+            <a:prstGeom prst="straightConnector1">
+              <a:avLst/>
+            </a:prstGeom>
+            <a:ln w="19050">
+              <a:solidFill>
+                <a:schemeClr val="tx1">
+                  <a:lumMod val="95000"/>
+                  <a:lumOff val="5000"/>
+                </a:schemeClr>
+              </a:solidFill>
+              <a:tailEnd type="triangle"/>
+            </a:ln>
+          </p:spPr>
+          <p:style>
+            <a:lnRef idx="1">
+              <a:schemeClr val="accent1"/>
+            </a:lnRef>
+            <a:fillRef idx="0">
+              <a:schemeClr val="accent1"/>
+            </a:fillRef>
+            <a:effectRef idx="0">
+              <a:schemeClr val="accent1"/>
+            </a:effectRef>
+            <a:fontRef idx="minor">
+              <a:schemeClr val="tx1"/>
+            </a:fontRef>
+          </p:style>
+        </p:cxnSp>
+        <p:cxnSp>
+          <p:nvCxnSpPr>
+            <p:cNvPr id="32" name="直线箭头连接符 31"/>
+            <p:cNvCxnSpPr>
+              <a:stCxn id="14" idx="1"/>
+              <a:endCxn id="15" idx="3"/>
+            </p:cNvCxnSpPr>
+            <p:nvPr/>
+          </p:nvCxnSpPr>
+          <p:spPr>
+            <a:xfrm flipH="1">
+              <a:off x="4146884" y="5989989"/>
+              <a:ext cx="1584156" cy="1403"/>
+            </a:xfrm>
+            <a:prstGeom prst="straightConnector1">
+              <a:avLst/>
+            </a:prstGeom>
+            <a:ln w="19050">
+              <a:solidFill>
+                <a:schemeClr val="tx1">
+                  <a:lumMod val="95000"/>
+                  <a:lumOff val="5000"/>
+                </a:schemeClr>
+              </a:solidFill>
+              <a:tailEnd type="triangle"/>
+            </a:ln>
+          </p:spPr>
+          <p:style>
+            <a:lnRef idx="1">
+              <a:schemeClr val="accent1"/>
+            </a:lnRef>
+            <a:fillRef idx="0">
+              <a:schemeClr val="accent1"/>
+            </a:fillRef>
+            <a:effectRef idx="0">
+              <a:schemeClr val="accent1"/>
+            </a:effectRef>
+            <a:fontRef idx="minor">
+              <a:schemeClr val="tx1"/>
+            </a:fontRef>
+          </p:style>
+        </p:cxnSp>
+        <p:cxnSp>
+          <p:nvCxnSpPr>
+            <p:cNvPr id="34" name="曲线连接符 33"/>
+            <p:cNvCxnSpPr>
+              <a:stCxn id="11" idx="3"/>
+              <a:endCxn id="16" idx="1"/>
+            </p:cNvCxnSpPr>
+            <p:nvPr/>
+          </p:nvCxnSpPr>
+          <p:spPr>
+            <a:xfrm>
+              <a:off x="9232230" y="3368963"/>
+              <a:ext cx="595195" cy="204472"/>
+            </a:xfrm>
+            <a:prstGeom prst="curvedConnector2">
+              <a:avLst/>
+            </a:prstGeom>
+            <a:ln w="19050">
+              <a:solidFill>
+                <a:schemeClr val="tx1">
+                  <a:lumMod val="95000"/>
+                  <a:lumOff val="5000"/>
+                </a:schemeClr>
+              </a:solidFill>
+              <a:tailEnd type="triangle"/>
+            </a:ln>
+          </p:spPr>
+          <p:style>
+            <a:lnRef idx="1">
+              <a:schemeClr val="accent1"/>
+            </a:lnRef>
+            <a:fillRef idx="0">
+              <a:schemeClr val="accent1"/>
+            </a:fillRef>
+            <a:effectRef idx="0">
+              <a:schemeClr val="accent1"/>
+            </a:effectRef>
+            <a:fontRef idx="minor">
+              <a:schemeClr val="tx1"/>
+            </a:fontRef>
+          </p:style>
+        </p:cxnSp>
+        <p:cxnSp>
+          <p:nvCxnSpPr>
+            <p:cNvPr id="36" name="曲线连接符 35"/>
+            <p:cNvCxnSpPr>
+              <a:stCxn id="16" idx="3"/>
+              <a:endCxn id="13" idx="3"/>
+            </p:cNvCxnSpPr>
+            <p:nvPr/>
+          </p:nvCxnSpPr>
+          <p:spPr>
+            <a:xfrm rot="5400000">
+              <a:off x="9383499" y="4235550"/>
+              <a:ext cx="292658" cy="595195"/>
+            </a:xfrm>
+            <a:prstGeom prst="curvedConnector2">
+              <a:avLst/>
+            </a:prstGeom>
+            <a:ln w="19050">
+              <a:solidFill>
+                <a:schemeClr val="tx1">
+                  <a:lumMod val="95000"/>
+                  <a:lumOff val="5000"/>
+                </a:schemeClr>
+              </a:solidFill>
+              <a:tailEnd type="triangle"/>
+            </a:ln>
+          </p:spPr>
+          <p:style>
+            <a:lnRef idx="1">
+              <a:schemeClr val="accent1"/>
+            </a:lnRef>
+            <a:fillRef idx="0">
+              <a:schemeClr val="accent1"/>
+            </a:fillRef>
+            <a:effectRef idx="0">
+              <a:schemeClr val="accent1"/>
+            </a:effectRef>
+            <a:fontRef idx="minor">
+              <a:schemeClr val="tx1"/>
+            </a:fontRef>
+          </p:style>
+        </p:cxnSp>
+        <p:sp>
+          <p:nvSpPr>
+            <p:cNvPr id="43" name="文本框 42"/>
+            <p:cNvSpPr txBox="1"/>
+            <p:nvPr/>
+          </p:nvSpPr>
+          <p:spPr>
+            <a:xfrm>
+              <a:off x="374771" y="1855591"/>
+              <a:ext cx="888385" cy="400110"/>
+            </a:xfrm>
+            <a:prstGeom prst="rect">
+              <a:avLst/>
+            </a:prstGeom>
+            <a:noFill/>
+          </p:spPr>
+          <p:txBody>
+            <a:bodyPr wrap="none" rtlCol="0">
+              <a:spAutoFit/>
+            </a:bodyPr>
+            <a:lstStyle/>
+            <a:p>
+              <a:r>
+                <a:rPr kumimoji="1" lang="en-US" altLang="zh-CN" sz="2000" b="1" smtClean="0">
+                  <a:latin typeface="Corbel" charset="0"/>
+                  <a:ea typeface="Corbel" charset="0"/>
+                  <a:cs typeface="Corbel" charset="0"/>
+                </a:rPr>
+                <a:t>Client</a:t>
+              </a:r>
+              <a:r>
+                <a:rPr kumimoji="1" lang="zh-CN" altLang="en-US" sz="2000" b="1" dirty="0" smtClean="0">
+                  <a:latin typeface="Corbel" charset="0"/>
+                  <a:ea typeface="Corbel" charset="0"/>
+                  <a:cs typeface="Corbel" charset="0"/>
+                </a:rPr>
+                <a:t> </a:t>
+              </a:r>
+              <a:endParaRPr kumimoji="1" lang="zh-CN" altLang="en-US" sz="2000" b="1" dirty="0">
+                <a:latin typeface="Corbel" charset="0"/>
+                <a:ea typeface="Corbel" charset="0"/>
+                <a:cs typeface="Corbel" charset="0"/>
+              </a:endParaRPr>
+            </a:p>
+          </p:txBody>
+        </p:sp>
+        <p:sp>
+          <p:nvSpPr>
+            <p:cNvPr id="44" name="文本框 43"/>
+            <p:cNvSpPr txBox="1"/>
+            <p:nvPr/>
+          </p:nvSpPr>
+          <p:spPr>
+            <a:xfrm>
+              <a:off x="9434561" y="1863973"/>
+              <a:ext cx="702436" cy="400110"/>
+            </a:xfrm>
+            <a:prstGeom prst="rect">
+              <a:avLst/>
+            </a:prstGeom>
+            <a:noFill/>
+          </p:spPr>
+          <p:txBody>
+            <a:bodyPr wrap="none" rtlCol="0">
+              <a:spAutoFit/>
+            </a:bodyPr>
+            <a:lstStyle/>
+            <a:p>
+              <a:r>
+                <a:rPr kumimoji="1" lang="en-US" altLang="zh-CN" sz="2000" b="1" dirty="0" smtClean="0">
+                  <a:latin typeface="Corbel" charset="0"/>
+                  <a:ea typeface="Corbel" charset="0"/>
+                  <a:cs typeface="Corbel" charset="0"/>
+                </a:rPr>
+                <a:t>OSD</a:t>
+              </a:r>
+              <a:endParaRPr kumimoji="1" lang="zh-CN" altLang="en-US" sz="2000" b="1" dirty="0">
+                <a:latin typeface="Corbel" charset="0"/>
+                <a:ea typeface="Corbel" charset="0"/>
+                <a:cs typeface="Corbel" charset="0"/>
+              </a:endParaRPr>
+            </a:p>
+          </p:txBody>
+        </p:sp>
+      </p:grpSp>
+    </p:spTree>
+    <p:extLst>
+      <p:ext uri="{BB962C8B-B14F-4D97-AF65-F5344CB8AC3E}">
+        <p14:creationId xmlns:p14="http://schemas.microsoft.com/office/powerpoint/2010/main" val="1478480474"/>
+      </p:ext>
+    </p:extLst>
+  </p:cSld>
+  <p:clrMapOvr>
+    <a:masterClrMapping/>
+  </p:clrMapOvr>
+  <mc:AlternateContent xmlns:mc="http://schemas.openxmlformats.org/markup-compatibility/2006" xmlns:p14="http://schemas.microsoft.com/office/powerpoint/2010/main">
+    <mc:Choice Requires="p14">
+      <p:transition spd="slow" p14:dur="2000"/>
+    </mc:Choice>
+    <mc:Fallback xmlns="">
+      <p:transition spd="slow"/>
+    </mc:Fallback>
+  </mc:AlternateContent>
+  <p:timing>
+    <p:tnLst>
+      <p:par>
+        <p:cTn id="1" dur="indefinite" restart="never" nodeType="tmRoot"/>
+      </p:par>
+    </p:tnLst>
+  </p:timing>
+</p:sld>
+</file>
+
+<file path=ppt/slides/slide11.xml><?xml version="1.0" encoding="utf-8"?>
 <p:sld xmlns:a="http://schemas.openxmlformats.org/drawingml/2006/main" xmlns:r="http://schemas.openxmlformats.org/officeDocument/2006/relationships" xmlns:p="http://schemas.openxmlformats.org/presentationml/2006/main">
   <p:cSld>
     <p:spTree>
@@ -3984,7 +6175,7 @@
             <a:fld id="{7A42213F-69D4-1749-942C-9A85A9F9A76E}" type="slidenum">
               <a:rPr kumimoji="1" lang="zh-CN" altLang="en-US" smtClean="0"/>
               <a:pPr/>
-              <a:t>10</a:t>
+              <a:t>11</a:t>
             </a:fld>
             <a:endParaRPr kumimoji="1" lang="zh-CN" altLang="en-US"/>
           </a:p>
@@ -7999,7 +10190,7 @@
 </p:sld>
 </file>
 
-<file path=ppt/slides/slide11.xml><?xml version="1.0" encoding="utf-8"?>
+<file path=ppt/slides/slide12.xml><?xml version="1.0" encoding="utf-8"?>
 <p:sld xmlns:a="http://schemas.openxmlformats.org/drawingml/2006/main" xmlns:r="http://schemas.openxmlformats.org/officeDocument/2006/relationships" xmlns:p="http://schemas.openxmlformats.org/presentationml/2006/main">
   <p:cSld>
     <p:spTree>
@@ -8057,7 +10248,7 @@
             <a:fld id="{7A42213F-69D4-1749-942C-9A85A9F9A76E}" type="slidenum">
               <a:rPr kumimoji="1" lang="zh-CN" altLang="en-US" smtClean="0"/>
               <a:pPr/>
-              <a:t>11</a:t>
+              <a:t>12</a:t>
             </a:fld>
             <a:endParaRPr kumimoji="1" lang="zh-CN" altLang="en-US" dirty="0"/>
           </a:p>
@@ -8071,10 +10262,10 @@
         </p:nvGrpSpPr>
         <p:grpSpPr>
           <a:xfrm>
-            <a:off x="1357546" y="1522246"/>
-            <a:ext cx="9476907" cy="4186254"/>
-            <a:chOff x="1357546" y="1690688"/>
-            <a:chExt cx="9476907" cy="4186254"/>
+            <a:off x="1206230" y="1522246"/>
+            <a:ext cx="9727659" cy="4186254"/>
+            <a:chOff x="1206230" y="1690688"/>
+            <a:chExt cx="9727659" cy="4186254"/>
           </a:xfrm>
         </p:grpSpPr>
         <p:sp>
@@ -8122,14 +10313,14 @@
             <a:p>
               <a:pPr algn="ctr"/>
               <a:r>
-                <a:rPr kumimoji="1" lang="en-US" altLang="zh-CN" sz="2000" dirty="0" smtClean="0">
+                <a:rPr kumimoji="1" lang="en-US" altLang="zh-CN" sz="2400" dirty="0" smtClean="0">
                   <a:latin typeface="Corbel" charset="0"/>
                   <a:ea typeface="Corbel" charset="0"/>
                   <a:cs typeface="Corbel" charset="0"/>
                 </a:rPr>
                 <a:t>RBD</a:t>
               </a:r>
-              <a:endParaRPr kumimoji="1" lang="zh-CN" altLang="en-US" sz="2000" dirty="0">
+              <a:endParaRPr kumimoji="1" lang="zh-CN" altLang="en-US" sz="2400" dirty="0">
                 <a:latin typeface="Corbel" charset="0"/>
                 <a:ea typeface="Corbel" charset="0"/>
                 <a:cs typeface="Corbel" charset="0"/>
@@ -8182,7 +10373,7 @@
             <a:p>
               <a:pPr algn="ctr"/>
               <a:r>
-                <a:rPr kumimoji="1" lang="en-US" altLang="zh-CN" sz="2000" dirty="0" err="1" smtClean="0">
+                <a:rPr kumimoji="1" lang="en-US" altLang="zh-CN" sz="2400" dirty="0" err="1" smtClean="0">
                   <a:latin typeface="Corbel" charset="0"/>
                   <a:ea typeface="Corbel" charset="0"/>
                   <a:cs typeface="Corbel" charset="0"/>
@@ -8190,7 +10381,7 @@
                 <a:t>Ceph</a:t>
               </a:r>
               <a:r>
-                <a:rPr kumimoji="1" lang="zh-CN" altLang="en-US" sz="2000" dirty="0" smtClean="0">
+                <a:rPr kumimoji="1" lang="zh-CN" altLang="en-US" sz="2400" dirty="0" smtClean="0">
                   <a:latin typeface="Corbel" charset="0"/>
                   <a:ea typeface="Corbel" charset="0"/>
                   <a:cs typeface="Corbel" charset="0"/>
@@ -8198,14 +10389,14 @@
                 <a:t> </a:t>
               </a:r>
               <a:r>
-                <a:rPr kumimoji="1" lang="en-US" altLang="zh-CN" sz="2000" dirty="0" smtClean="0">
+                <a:rPr kumimoji="1" lang="en-US" altLang="zh-CN" sz="2400" dirty="0" smtClean="0">
                   <a:latin typeface="Corbel" charset="0"/>
                   <a:ea typeface="Corbel" charset="0"/>
                   <a:cs typeface="Corbel" charset="0"/>
                 </a:rPr>
                 <a:t>FS</a:t>
               </a:r>
-              <a:endParaRPr kumimoji="1" lang="zh-CN" altLang="en-US" sz="2000" dirty="0">
+              <a:endParaRPr kumimoji="1" lang="zh-CN" altLang="en-US" sz="2400" dirty="0">
                 <a:latin typeface="Corbel" charset="0"/>
                 <a:ea typeface="Corbel" charset="0"/>
                 <a:cs typeface="Corbel" charset="0"/>
@@ -8258,14 +10449,14 @@
             <a:p>
               <a:pPr algn="ctr"/>
               <a:r>
-                <a:rPr kumimoji="1" lang="en-US" altLang="zh-CN" sz="2000" dirty="0" smtClean="0">
+                <a:rPr kumimoji="1" lang="en-US" altLang="zh-CN" sz="2400" dirty="0" smtClean="0">
                   <a:latin typeface="Corbel" charset="0"/>
                   <a:ea typeface="Corbel" charset="0"/>
                   <a:cs typeface="Corbel" charset="0"/>
                 </a:rPr>
                 <a:t>RGW</a:t>
               </a:r>
-              <a:endParaRPr kumimoji="1" lang="zh-CN" altLang="en-US" sz="2000" dirty="0">
+              <a:endParaRPr kumimoji="1" lang="zh-CN" altLang="en-US" sz="2400" dirty="0">
                 <a:latin typeface="Corbel" charset="0"/>
                 <a:ea typeface="Corbel" charset="0"/>
                 <a:cs typeface="Corbel" charset="0"/>
@@ -8318,7 +10509,7 @@
             <a:p>
               <a:pPr algn="ctr"/>
               <a:r>
-                <a:rPr kumimoji="1" lang="en-US" altLang="zh-CN" sz="2000" dirty="0" err="1" smtClean="0">
+                <a:rPr kumimoji="1" lang="en-US" altLang="zh-CN" sz="2400" dirty="0" err="1" smtClean="0">
                   <a:latin typeface="Corbel" charset="0"/>
                   <a:ea typeface="Corbel" charset="0"/>
                   <a:cs typeface="Corbel" charset="0"/>
@@ -8326,14 +10517,14 @@
                 <a:t>WorkQueue</a:t>
               </a:r>
               <a:r>
-                <a:rPr kumimoji="1" lang="zh-CN" altLang="en-US" sz="2000" dirty="0" smtClean="0">
+                <a:rPr kumimoji="1" lang="zh-CN" altLang="en-US" sz="2400" dirty="0" smtClean="0">
                   <a:latin typeface="Corbel" charset="0"/>
                   <a:ea typeface="Corbel" charset="0"/>
                   <a:cs typeface="Corbel" charset="0"/>
                 </a:rPr>
                 <a:t> </a:t>
               </a:r>
-              <a:endParaRPr kumimoji="1" lang="zh-CN" altLang="en-US" sz="2000" dirty="0">
+              <a:endParaRPr kumimoji="1" lang="zh-CN" altLang="en-US" sz="2400" dirty="0">
                 <a:latin typeface="Corbel" charset="0"/>
                 <a:ea typeface="Corbel" charset="0"/>
                 <a:cs typeface="Corbel" charset="0"/>
@@ -8350,7 +10541,7 @@
           <p:spPr>
             <a:xfrm>
               <a:off x="4496185" y="4375089"/>
-              <a:ext cx="1107996" cy="400110"/>
+              <a:ext cx="1290738" cy="461665"/>
             </a:xfrm>
             <a:prstGeom prst="rect">
               <a:avLst/>
@@ -8367,14 +10558,14 @@
             <a:lstStyle/>
             <a:p>
               <a:r>
-                <a:rPr kumimoji="1" lang="en-US" altLang="zh-CN" sz="2000" dirty="0" err="1" smtClean="0">
+                <a:rPr kumimoji="1" lang="en-US" altLang="zh-CN" sz="2400" dirty="0" err="1" smtClean="0">
                   <a:latin typeface="Corbel" charset="0"/>
                   <a:ea typeface="Corbel" charset="0"/>
                   <a:cs typeface="Corbel" charset="0"/>
                 </a:rPr>
                 <a:t>dequeue</a:t>
               </a:r>
-              <a:endParaRPr kumimoji="1" lang="zh-CN" altLang="en-US" sz="2000" dirty="0">
+              <a:endParaRPr kumimoji="1" lang="zh-CN" altLang="en-US" sz="2400" dirty="0">
                 <a:latin typeface="Corbel" charset="0"/>
                 <a:ea typeface="Corbel" charset="0"/>
                 <a:cs typeface="Corbel" charset="0"/>
@@ -8425,14 +10616,14 @@
             <a:p>
               <a:pPr algn="ctr"/>
               <a:r>
-                <a:rPr kumimoji="1" lang="en-US" altLang="zh-CN" sz="2000" dirty="0" smtClean="0">
+                <a:rPr kumimoji="1" lang="en-US" altLang="zh-CN" sz="2400" dirty="0" smtClean="0">
                   <a:latin typeface="Corbel" charset="0"/>
                   <a:ea typeface="Corbel" charset="0"/>
                   <a:cs typeface="Corbel" charset="0"/>
                 </a:rPr>
                 <a:t>PG</a:t>
               </a:r>
-              <a:endParaRPr kumimoji="1" lang="zh-CN" altLang="en-US" sz="2000" dirty="0">
+              <a:endParaRPr kumimoji="1" lang="zh-CN" altLang="en-US" sz="2400" dirty="0">
                 <a:latin typeface="Corbel" charset="0"/>
                 <a:ea typeface="Corbel" charset="0"/>
                 <a:cs typeface="Corbel" charset="0"/>
@@ -8557,7 +10748,7 @@
           <p:spPr>
             <a:xfrm>
               <a:off x="7672653" y="4479245"/>
-              <a:ext cx="184731" cy="369332"/>
+              <a:ext cx="184731" cy="400110"/>
             </a:xfrm>
             <a:prstGeom prst="rect">
               <a:avLst/>
@@ -8570,7 +10761,7 @@
             </a:bodyPr>
             <a:lstStyle/>
             <a:p>
-              <a:endParaRPr kumimoji="1" lang="zh-CN" altLang="en-US"/>
+              <a:endParaRPr kumimoji="1" lang="zh-CN" altLang="en-US" sz="2000"/>
             </a:p>
           </p:txBody>
         </p:sp>
@@ -8583,7 +10774,7 @@
           <p:spPr>
             <a:xfrm>
               <a:off x="3331251" y="2796112"/>
-              <a:ext cx="1053494" cy="369332"/>
+              <a:ext cx="1104790" cy="400110"/>
             </a:xfrm>
             <a:prstGeom prst="rect">
               <a:avLst/>
@@ -8597,14 +10788,14 @@
             <a:lstStyle/>
             <a:p>
               <a:r>
-                <a:rPr kumimoji="1" lang="en-US" altLang="zh-CN" dirty="0" err="1" smtClean="0">
+                <a:rPr kumimoji="1" lang="en-US" altLang="zh-CN" sz="2000" dirty="0" err="1" smtClean="0">
                   <a:latin typeface="Corbel" charset="0"/>
                   <a:ea typeface="Corbel" charset="0"/>
                   <a:cs typeface="Corbel" charset="0"/>
                 </a:rPr>
                 <a:t>enqueue</a:t>
               </a:r>
-              <a:endParaRPr kumimoji="1" lang="zh-CN" altLang="en-US" dirty="0">
+              <a:endParaRPr kumimoji="1" lang="zh-CN" altLang="en-US" sz="2000" dirty="0">
                 <a:latin typeface="Corbel" charset="0"/>
                 <a:ea typeface="Corbel" charset="0"/>
                 <a:cs typeface="Corbel" charset="0"/>
@@ -8655,14 +10846,14 @@
             <a:p>
               <a:pPr algn="ctr"/>
               <a:r>
-                <a:rPr kumimoji="1" lang="en-US" altLang="zh-CN" sz="2000" dirty="0" smtClean="0">
+                <a:rPr kumimoji="1" lang="en-US" altLang="zh-CN" sz="2400" dirty="0" smtClean="0">
                   <a:latin typeface="Corbel" charset="0"/>
                   <a:ea typeface="Corbel" charset="0"/>
                   <a:cs typeface="Corbel" charset="0"/>
                 </a:rPr>
                 <a:t>PG</a:t>
               </a:r>
-              <a:endParaRPr kumimoji="1" lang="zh-CN" altLang="en-US" sz="2000" dirty="0">
+              <a:endParaRPr kumimoji="1" lang="zh-CN" altLang="en-US" sz="2400" dirty="0">
                 <a:latin typeface="Corbel" charset="0"/>
                 <a:ea typeface="Corbel" charset="0"/>
                 <a:cs typeface="Corbel" charset="0"/>
@@ -8713,14 +10904,14 @@
             <a:p>
               <a:pPr algn="ctr"/>
               <a:r>
-                <a:rPr kumimoji="1" lang="en-US" altLang="zh-CN" sz="2000" dirty="0" smtClean="0">
+                <a:rPr kumimoji="1" lang="en-US" altLang="zh-CN" sz="2400" dirty="0" smtClean="0">
                   <a:latin typeface="Corbel" charset="0"/>
                   <a:ea typeface="Corbel" charset="0"/>
                   <a:cs typeface="Corbel" charset="0"/>
                 </a:rPr>
                 <a:t>PG</a:t>
               </a:r>
-              <a:endParaRPr kumimoji="1" lang="zh-CN" altLang="en-US" sz="2000" dirty="0">
+              <a:endParaRPr kumimoji="1" lang="zh-CN" altLang="en-US" sz="2400" dirty="0">
                 <a:latin typeface="Corbel" charset="0"/>
                 <a:ea typeface="Corbel" charset="0"/>
                 <a:cs typeface="Corbel" charset="0"/>
@@ -8844,8 +11035,8 @@
           </p:nvSpPr>
           <p:spPr>
             <a:xfrm>
-              <a:off x="1357546" y="3258295"/>
-              <a:ext cx="1484027" cy="1004341"/>
+              <a:off x="1206230" y="3258295"/>
+              <a:ext cx="1635343" cy="1004341"/>
             </a:xfrm>
             <a:prstGeom prst="ellipse">
               <a:avLst/>
@@ -8881,7 +11072,7 @@
             <a:p>
               <a:pPr algn="ctr"/>
               <a:r>
-                <a:rPr kumimoji="1" lang="en-US" altLang="zh-CN" sz="2000" smtClean="0">
+                <a:rPr kumimoji="1" lang="en-US" altLang="zh-CN" sz="2400" dirty="0" smtClean="0">
                   <a:latin typeface="Corbel" charset="0"/>
                   <a:ea typeface="Corbel" charset="0"/>
                   <a:cs typeface="Corbel" charset="0"/>
@@ -8892,14 +11083,14 @@
             <a:p>
               <a:pPr algn="ctr"/>
               <a:r>
-                <a:rPr kumimoji="1" lang="en-US" altLang="zh-CN" sz="2000" dirty="0" smtClean="0">
+                <a:rPr kumimoji="1" lang="en-US" altLang="zh-CN" sz="2400" dirty="0" smtClean="0">
                   <a:latin typeface="Corbel" charset="0"/>
                   <a:ea typeface="Corbel" charset="0"/>
                   <a:cs typeface="Corbel" charset="0"/>
                 </a:rPr>
                 <a:t>pool</a:t>
               </a:r>
-              <a:endParaRPr kumimoji="1" lang="zh-CN" altLang="en-US" sz="2000" dirty="0">
+              <a:endParaRPr kumimoji="1" lang="zh-CN" altLang="en-US" sz="2400" dirty="0">
                 <a:latin typeface="Corbel" charset="0"/>
                 <a:ea typeface="Corbel" charset="0"/>
                 <a:cs typeface="Corbel" charset="0"/>
@@ -8916,7 +11107,7 @@
           <p:spPr>
             <a:xfrm>
               <a:off x="2841573" y="3373065"/>
-              <a:ext cx="909223" cy="369332"/>
+              <a:ext cx="992579" cy="400110"/>
             </a:xfrm>
             <a:prstGeom prst="rect">
               <a:avLst/>
@@ -8930,14 +11121,14 @@
             <a:lstStyle/>
             <a:p>
               <a:r>
-                <a:rPr kumimoji="1" lang="en-US" altLang="zh-CN" smtClean="0">
+                <a:rPr kumimoji="1" lang="en-US" altLang="zh-CN" sz="2000" smtClean="0">
                   <a:latin typeface="Corbel" charset="0"/>
                   <a:ea typeface="Corbel" charset="0"/>
                   <a:cs typeface="Corbel" charset="0"/>
                 </a:rPr>
                 <a:t>process</a:t>
               </a:r>
-              <a:endParaRPr kumimoji="1" lang="zh-CN" altLang="en-US" dirty="0">
+              <a:endParaRPr kumimoji="1" lang="zh-CN" altLang="en-US" sz="2000" dirty="0">
                 <a:latin typeface="Corbel" charset="0"/>
                 <a:ea typeface="Corbel" charset="0"/>
                 <a:cs typeface="Corbel" charset="0"/>
@@ -8993,7 +11184,7 @@
           <p:spPr>
             <a:xfrm>
               <a:off x="9350426" y="3258295"/>
-              <a:ext cx="1484027" cy="1004341"/>
+              <a:ext cx="1583463" cy="1004341"/>
             </a:xfrm>
             <a:prstGeom prst="ellipse">
               <a:avLst/>
@@ -9027,7 +11218,7 @@
             <a:p>
               <a:pPr algn="ctr"/>
               <a:r>
-                <a:rPr kumimoji="1" lang="en-US" altLang="zh-CN" sz="2000" smtClean="0">
+                <a:rPr kumimoji="1" lang="en-US" altLang="zh-CN" sz="2400" dirty="0" smtClean="0">
                   <a:latin typeface="Corbel" charset="0"/>
                   <a:ea typeface="Corbel" charset="0"/>
                   <a:cs typeface="Corbel" charset="0"/>
@@ -9038,14 +11229,14 @@
             <a:p>
               <a:pPr algn="ctr"/>
               <a:r>
-                <a:rPr kumimoji="1" lang="en-US" altLang="zh-CN" sz="2000" dirty="0" smtClean="0">
+                <a:rPr kumimoji="1" lang="en-US" altLang="zh-CN" sz="2400" dirty="0" smtClean="0">
                   <a:latin typeface="Corbel" charset="0"/>
                   <a:ea typeface="Corbel" charset="0"/>
                   <a:cs typeface="Corbel" charset="0"/>
                 </a:rPr>
                 <a:t>pool</a:t>
               </a:r>
-              <a:endParaRPr kumimoji="1" lang="zh-CN" altLang="en-US" sz="2000" dirty="0">
+              <a:endParaRPr kumimoji="1" lang="zh-CN" altLang="en-US" sz="2400" dirty="0">
                 <a:latin typeface="Corbel" charset="0"/>
                 <a:ea typeface="Corbel" charset="0"/>
                 <a:cs typeface="Corbel" charset="0"/>
@@ -9062,7 +11253,7 @@
           <p:spPr>
             <a:xfrm>
               <a:off x="8376690" y="3425162"/>
-              <a:ext cx="909223" cy="369332"/>
+              <a:ext cx="992579" cy="400110"/>
             </a:xfrm>
             <a:prstGeom prst="rect">
               <a:avLst/>
@@ -9076,14 +11267,14 @@
             <a:lstStyle/>
             <a:p>
               <a:r>
-                <a:rPr kumimoji="1" lang="en-US" altLang="zh-CN" smtClean="0">
+                <a:rPr kumimoji="1" lang="en-US" altLang="zh-CN" sz="2000" smtClean="0">
                   <a:latin typeface="Corbel" charset="0"/>
                   <a:ea typeface="Corbel" charset="0"/>
                   <a:cs typeface="Corbel" charset="0"/>
                 </a:rPr>
                 <a:t>process</a:t>
               </a:r>
-              <a:endParaRPr kumimoji="1" lang="zh-CN" altLang="en-US" dirty="0">
+              <a:endParaRPr kumimoji="1" lang="zh-CN" altLang="en-US" sz="2000" dirty="0">
                 <a:latin typeface="Corbel" charset="0"/>
                 <a:ea typeface="Corbel" charset="0"/>
                 <a:cs typeface="Corbel" charset="0"/>
@@ -9282,7 +11473,7 @@
       </p:sp>
       <p:sp>
         <p:nvSpPr>
-          <p:cNvPr id="12" name="圆角矩形 11"/>
+          <p:cNvPr id="41" name="圆角矩形 40"/>
           <p:cNvSpPr/>
           <p:nvPr/>
         </p:nvSpPr>
@@ -9598,7 +11789,7 @@
                                           </p:stCondLst>
                                         </p:cTn>
                                         <p:tgtEl>
-                                          <p:spTgt spid="12"/>
+                                          <p:spTgt spid="41"/>
                                         </p:tgtEl>
                                         <p:attrNameLst>
                                           <p:attrName>style.visibility</p:attrName>
@@ -9612,7 +11803,7 @@
                                       <p:cBhvr>
                                         <p:cTn id="7" dur="1000"/>
                                         <p:tgtEl>
-                                          <p:spTgt spid="12"/>
+                                          <p:spTgt spid="41"/>
                                         </p:tgtEl>
                                       </p:cBhvr>
                                     </p:animEffect>
@@ -9620,7 +11811,7 @@
                                       <p:cBhvr>
                                         <p:cTn id="8" dur="1000" fill="hold"/>
                                         <p:tgtEl>
-                                          <p:spTgt spid="12"/>
+                                          <p:spTgt spid="41"/>
                                         </p:tgtEl>
                                         <p:attrNameLst>
                                           <p:attrName>ppt_x</p:attrName>
@@ -9643,7 +11834,7 @@
                                       <p:cBhvr>
                                         <p:cTn id="9" dur="1000" fill="hold"/>
                                         <p:tgtEl>
-                                          <p:spTgt spid="12"/>
+                                          <p:spTgt spid="41"/>
                                         </p:tgtEl>
                                         <p:attrNameLst>
                                           <p:attrName>ppt_y</p:attrName>
@@ -9693,13 +11884,13 @@
       </p:par>
     </p:tnLst>
     <p:bldLst>
-      <p:bldP spid="12" grpId="0" animBg="1"/>
+      <p:bldP spid="41" grpId="0" animBg="1"/>
     </p:bldLst>
   </p:timing>
 </p:sld>
 </file>
 
-<file path=ppt/slides/slide12.xml><?xml version="1.0" encoding="utf-8"?>
+<file path=ppt/slides/slide13.xml><?xml version="1.0" encoding="utf-8"?>
 <p:sld xmlns:a="http://schemas.openxmlformats.org/drawingml/2006/main" xmlns:r="http://schemas.openxmlformats.org/officeDocument/2006/relationships" xmlns:p="http://schemas.openxmlformats.org/presentationml/2006/main">
   <p:cSld>
     <p:spTree>
@@ -9794,7 +11985,7 @@
 </p:sld>
 </file>
 
-<file path=ppt/slides/slide13.xml><?xml version="1.0" encoding="utf-8"?>
+<file path=ppt/slides/slide14.xml><?xml version="1.0" encoding="utf-8"?>
 <p:sld xmlns:a="http://schemas.openxmlformats.org/drawingml/2006/main" xmlns:r="http://schemas.openxmlformats.org/officeDocument/2006/relationships" xmlns:p="http://schemas.openxmlformats.org/presentationml/2006/main">
   <p:cSld>
     <p:spTree>
@@ -9982,7 +12173,7 @@
             <a:fld id="{7A42213F-69D4-1749-942C-9A85A9F9A76E}" type="slidenum">
               <a:rPr kumimoji="1" lang="zh-CN" altLang="en-US" smtClean="0"/>
               <a:pPr/>
-              <a:t>13</a:t>
+              <a:t>14</a:t>
             </a:fld>
             <a:endParaRPr kumimoji="1" lang="zh-CN" altLang="en-US"/>
           </a:p>
@@ -10617,7 +12808,7 @@
             <a:avLst/>
           </a:prstGeom>
           <a:solidFill>
-            <a:srgbClr val="C3E9F1"/>
+            <a:srgbClr val="0070C0"/>
           </a:solidFill>
           <a:ln w="19050">
             <a:solidFill>
@@ -10665,7 +12856,7 @@
             <a:avLst/>
           </a:prstGeom>
           <a:solidFill>
-            <a:srgbClr val="C3E9F1"/>
+            <a:srgbClr val="0070C0"/>
           </a:solidFill>
           <a:ln w="19050">
             <a:solidFill>
@@ -11048,9 +13239,97 @@
           </a:fontRef>
         </p:style>
       </p:cxnSp>
+      <p:sp>
+        <p:nvSpPr>
+          <p:cNvPr id="51" name="圆角矩形 50"/>
+          <p:cNvSpPr/>
+          <p:nvPr/>
+        </p:nvSpPr>
+        <p:spPr>
+          <a:xfrm>
+            <a:off x="1482224" y="5421726"/>
+            <a:ext cx="9231805" cy="783635"/>
+          </a:xfrm>
+          <a:prstGeom prst="roundRect">
+            <a:avLst/>
+          </a:prstGeom>
+          <a:noFill/>
+          <a:ln w="19050">
+            <a:solidFill>
+              <a:schemeClr val="bg1">
+                <a:lumMod val="65000"/>
+              </a:schemeClr>
+            </a:solidFill>
+            <a:prstDash val="dash"/>
+          </a:ln>
+        </p:spPr>
+        <p:style>
+          <a:lnRef idx="2">
+            <a:schemeClr val="accent1">
+              <a:shade val="50000"/>
+            </a:schemeClr>
+          </a:lnRef>
+          <a:fillRef idx="1">
+            <a:schemeClr val="accent1"/>
+          </a:fillRef>
+          <a:effectRef idx="0">
+            <a:schemeClr val="accent1"/>
+          </a:effectRef>
+          <a:fontRef idx="minor">
+            <a:schemeClr val="lt1"/>
+          </a:fontRef>
+        </p:style>
+        <p:txBody>
+          <a:bodyPr rtlCol="0" anchor="ctr"/>
+          <a:lstStyle/>
+          <a:p>
+            <a:pPr algn="ctr"/>
+            <a:endParaRPr kumimoji="1" lang="zh-CN" altLang="en-US"/>
+          </a:p>
+        </p:txBody>
+      </p:sp>
+      <p:sp>
+        <p:nvSpPr>
+          <p:cNvPr id="52" name="文本框 51"/>
+          <p:cNvSpPr txBox="1"/>
+          <p:nvPr/>
+        </p:nvSpPr>
+        <p:spPr>
+          <a:xfrm>
+            <a:off x="10947721" y="5510745"/>
+            <a:ext cx="942887" cy="461665"/>
+          </a:xfrm>
+          <a:prstGeom prst="rect">
+            <a:avLst/>
+          </a:prstGeom>
+          <a:noFill/>
+        </p:spPr>
+        <p:txBody>
+          <a:bodyPr wrap="none" rtlCol="0">
+            <a:spAutoFit/>
+          </a:bodyPr>
+          <a:lstStyle/>
+          <a:p>
+            <a:pPr algn="ctr"/>
+            <a:r>
+              <a:rPr kumimoji="1" lang="en-US" altLang="zh-CN" sz="2400" b="1" smtClean="0">
+                <a:latin typeface="Corbel" charset="0"/>
+                <a:ea typeface="Corbel" charset="0"/>
+                <a:cs typeface="Corbel" charset="0"/>
+              </a:rPr>
+              <a:t>stripe</a:t>
+            </a:r>
+            <a:endParaRPr kumimoji="1" lang="zh-CN" altLang="en-US" sz="2400" b="1" dirty="0">
+              <a:latin typeface="Corbel" charset="0"/>
+              <a:ea typeface="Corbel" charset="0"/>
+              <a:cs typeface="Corbel" charset="0"/>
+            </a:endParaRPr>
+          </a:p>
+        </p:txBody>
+      </p:sp>
       <p:grpSp>
         <p:nvGrpSpPr>
-          <p:cNvPr id="49" name="组 48"/>
+          <p:cNvPr id="37" name="组 48"/>
           <p:cNvGrpSpPr/>
           <p:nvPr/>
         </p:nvGrpSpPr>
@@ -11064,7 +13343,7 @@
         </p:grpSpPr>
         <p:sp>
           <p:nvSpPr>
-            <p:cNvPr id="44" name="矩形 43"/>
+            <p:cNvPr id="38" name="矩形 37"/>
             <p:cNvSpPr/>
             <p:nvPr/>
           </p:nvSpPr>
@@ -11112,7 +13391,7 @@
         </p:sp>
         <p:sp>
           <p:nvSpPr>
-            <p:cNvPr id="45" name="矩形 44"/>
+            <p:cNvPr id="39" name="矩形 38"/>
             <p:cNvSpPr/>
             <p:nvPr/>
           </p:nvSpPr>
@@ -11160,7 +13439,7 @@
         </p:sp>
         <p:sp>
           <p:nvSpPr>
-            <p:cNvPr id="46" name="矩形 45"/>
+            <p:cNvPr id="40" name="矩形 39"/>
             <p:cNvSpPr/>
             <p:nvPr/>
           </p:nvSpPr>
@@ -11208,7 +13487,7 @@
         </p:sp>
         <p:sp>
           <p:nvSpPr>
-            <p:cNvPr id="47" name="矩形 46"/>
+            <p:cNvPr id="41" name="矩形 40"/>
             <p:cNvSpPr/>
             <p:nvPr/>
           </p:nvSpPr>
@@ -11221,7 +13500,7 @@
               <a:avLst/>
             </a:prstGeom>
             <a:solidFill>
-              <a:srgbClr val="C3E9F1"/>
+              <a:srgbClr val="0070C0"/>
             </a:solidFill>
             <a:ln w="19050">
               <a:solidFill>
@@ -11256,7 +13535,7 @@
         </p:sp>
         <p:sp>
           <p:nvSpPr>
-            <p:cNvPr id="48" name="矩形 47"/>
+            <p:cNvPr id="42" name="矩形 41"/>
             <p:cNvSpPr/>
             <p:nvPr/>
           </p:nvSpPr>
@@ -11269,7 +13548,7 @@
               <a:avLst/>
             </a:prstGeom>
             <a:solidFill>
-              <a:srgbClr val="C3E9F1"/>
+              <a:srgbClr val="0070C0"/>
             </a:solidFill>
             <a:ln w="19050">
               <a:solidFill>
@@ -11303,94 +13582,6 @@
           </p:txBody>
         </p:sp>
       </p:grpSp>
-      <p:sp>
-        <p:nvSpPr>
-          <p:cNvPr id="51" name="圆角矩形 50"/>
-          <p:cNvSpPr/>
-          <p:nvPr/>
-        </p:nvSpPr>
-        <p:spPr>
-          <a:xfrm>
-            <a:off x="1482224" y="5441182"/>
-            <a:ext cx="9231805" cy="783635"/>
-          </a:xfrm>
-          <a:prstGeom prst="roundRect">
-            <a:avLst/>
-          </a:prstGeom>
-          <a:noFill/>
-          <a:ln w="19050">
-            <a:solidFill>
-              <a:schemeClr val="bg1">
-                <a:lumMod val="65000"/>
-              </a:schemeClr>
-            </a:solidFill>
-            <a:prstDash val="dash"/>
-          </a:ln>
-        </p:spPr>
-        <p:style>
-          <a:lnRef idx="2">
-            <a:schemeClr val="accent1">
-              <a:shade val="50000"/>
-            </a:schemeClr>
-          </a:lnRef>
-          <a:fillRef idx="1">
-            <a:schemeClr val="accent1"/>
-          </a:fillRef>
-          <a:effectRef idx="0">
-            <a:schemeClr val="accent1"/>
-          </a:effectRef>
-          <a:fontRef idx="minor">
-            <a:schemeClr val="lt1"/>
-          </a:fontRef>
-        </p:style>
-        <p:txBody>
-          <a:bodyPr rtlCol="0" anchor="ctr"/>
-          <a:lstStyle/>
-          <a:p>
-            <a:pPr algn="ctr"/>
-            <a:endParaRPr kumimoji="1" lang="zh-CN" altLang="en-US"/>
-          </a:p>
-        </p:txBody>
-      </p:sp>
-      <p:sp>
-        <p:nvSpPr>
-          <p:cNvPr id="52" name="文本框 51"/>
-          <p:cNvSpPr txBox="1"/>
-          <p:nvPr/>
-        </p:nvSpPr>
-        <p:spPr>
-          <a:xfrm>
-            <a:off x="10947721" y="5510745"/>
-            <a:ext cx="942887" cy="461665"/>
-          </a:xfrm>
-          <a:prstGeom prst="rect">
-            <a:avLst/>
-          </a:prstGeom>
-          <a:noFill/>
-        </p:spPr>
-        <p:txBody>
-          <a:bodyPr wrap="none" rtlCol="0">
-            <a:spAutoFit/>
-          </a:bodyPr>
-          <a:lstStyle/>
-          <a:p>
-            <a:pPr algn="ctr"/>
-            <a:r>
-              <a:rPr kumimoji="1" lang="en-US" altLang="zh-CN" sz="2400" b="1" smtClean="0">
-                <a:latin typeface="Corbel" charset="0"/>
-                <a:ea typeface="Corbel" charset="0"/>
-                <a:cs typeface="Corbel" charset="0"/>
-              </a:rPr>
-              <a:t>stripe</a:t>
-            </a:r>
-            <a:endParaRPr kumimoji="1" lang="zh-CN" altLang="en-US" sz="2400" b="1" dirty="0">
-              <a:latin typeface="Corbel" charset="0"/>
-              <a:ea typeface="Corbel" charset="0"/>
-              <a:cs typeface="Corbel" charset="0"/>
-            </a:endParaRPr>
-          </a:p>
-        </p:txBody>
-      </p:sp>
     </p:spTree>
     <p:extLst>
       <p:ext uri="{BB962C8B-B14F-4D97-AF65-F5344CB8AC3E}">
@@ -11431,7 +13622,7 @@
                                       <p:cBhvr>
                                         <p:cTn id="6" dur="2000" fill="hold"/>
                                         <p:tgtEl>
-                                          <p:spTgt spid="49"/>
+                                          <p:spTgt spid="37"/>
                                         </p:tgtEl>
                                         <p:attrNameLst>
                                           <p:attrName>ppt_x</p:attrName>
@@ -11550,7 +13741,7 @@
 </p:sld>
 </file>
 
-<file path=ppt/slides/slide14.xml><?xml version="1.0" encoding="utf-8"?>
+<file path=ppt/slides/slide15.xml><?xml version="1.0" encoding="utf-8"?>
 <p:sld xmlns:a="http://schemas.openxmlformats.org/drawingml/2006/main" xmlns:r="http://schemas.openxmlformats.org/officeDocument/2006/relationships" xmlns:p="http://schemas.openxmlformats.org/presentationml/2006/main">
   <p:cSld>
     <p:spTree>
@@ -11987,7 +14178,7 @@
             <a:fld id="{7A42213F-69D4-1749-942C-9A85A9F9A76E}" type="slidenum">
               <a:rPr kumimoji="1" lang="zh-CN" altLang="en-US" smtClean="0"/>
               <a:pPr/>
-              <a:t>14</a:t>
+              <a:t>15</a:t>
             </a:fld>
             <a:endParaRPr kumimoji="1" lang="zh-CN" altLang="en-US"/>
           </a:p>
@@ -12849,7 +15040,7 @@
               <a:avLst/>
             </a:prstGeom>
             <a:solidFill>
-              <a:srgbClr val="C3E9F1"/>
+              <a:srgbClr val="0070C0"/>
             </a:solidFill>
             <a:ln w="19050">
               <a:solidFill>
@@ -12901,7 +15092,7 @@
               <a:avLst/>
             </a:prstGeom>
             <a:solidFill>
-              <a:srgbClr val="C3E9F1"/>
+              <a:srgbClr val="0070C0"/>
             </a:solidFill>
             <a:ln w="19050">
               <a:solidFill>
@@ -13716,7 +15907,7 @@
               <a:avLst/>
             </a:prstGeom>
             <a:solidFill>
-              <a:srgbClr val="C3E9F1"/>
+              <a:srgbClr val="0070C0"/>
             </a:solidFill>
             <a:ln w="19050">
               <a:solidFill>
@@ -13768,7 +15959,7 @@
               <a:avLst/>
             </a:prstGeom>
             <a:solidFill>
-              <a:srgbClr val="C3E9F1"/>
+              <a:srgbClr val="0070C0"/>
             </a:solidFill>
             <a:ln w="19050">
               <a:solidFill>
@@ -13826,7 +16017,7 @@
 </p:sld>
 </file>
 
-<file path=ppt/slides/slide15.xml><?xml version="1.0" encoding="utf-8"?>
+<file path=ppt/slides/slide16.xml><?xml version="1.0" encoding="utf-8"?>
 <p:sld xmlns:a="http://schemas.openxmlformats.org/drawingml/2006/main" xmlns:r="http://schemas.openxmlformats.org/officeDocument/2006/relationships" xmlns:p="http://schemas.openxmlformats.org/presentationml/2006/main">
   <p:cSld>
     <p:spTree>
@@ -14242,7 +16433,7 @@
             <a:fld id="{7A42213F-69D4-1749-942C-9A85A9F9A76E}" type="slidenum">
               <a:rPr kumimoji="1" lang="zh-CN" altLang="en-US" smtClean="0"/>
               <a:pPr/>
-              <a:t>15</a:t>
+              <a:t>16</a:t>
             </a:fld>
             <a:endParaRPr kumimoji="1" lang="zh-CN" altLang="en-US"/>
           </a:p>
@@ -14457,7 +16648,7 @@
               <a:avLst/>
             </a:prstGeom>
             <a:solidFill>
-              <a:srgbClr val="C3E9F1"/>
+              <a:srgbClr val="0070C0"/>
             </a:solidFill>
             <a:ln w="19050">
               <a:solidFill>
@@ -14525,7 +16716,7 @@
               <a:avLst/>
             </a:prstGeom>
             <a:solidFill>
-              <a:srgbClr val="C3E9F1"/>
+              <a:srgbClr val="0070C0"/>
             </a:solidFill>
             <a:ln w="19050">
               <a:solidFill>
@@ -14842,7 +17033,7 @@
             <a:avLst/>
           </a:prstGeom>
           <a:solidFill>
-            <a:srgbClr val="C3E9F1"/>
+            <a:srgbClr val="0070C0"/>
           </a:solidFill>
           <a:ln w="19050">
             <a:solidFill>
@@ -14873,6 +17064,9 @@
             <a:pPr algn="ctr"/>
             <a:r>
               <a:rPr kumimoji="1" lang="en-US" altLang="zh-CN" dirty="0" smtClean="0">
+                <a:solidFill>
+                  <a:schemeClr val="bg1"/>
+                </a:solidFill>
                 <a:latin typeface="Corbel" charset="0"/>
                 <a:ea typeface="Corbel" charset="0"/>
                 <a:cs typeface="Corbel" charset="0"/>
@@ -14881,6 +17075,9 @@
             </a:r>
             <a:r>
               <a:rPr kumimoji="1" lang="en-US" altLang="zh-CN" baseline="-25000" dirty="0" smtClean="0">
+                <a:solidFill>
+                  <a:schemeClr val="bg1"/>
+                </a:solidFill>
                 <a:latin typeface="Corbel" charset="0"/>
                 <a:ea typeface="Corbel" charset="0"/>
                 <a:cs typeface="Corbel" charset="0"/>
@@ -14889,6 +17086,9 @@
             </a:r>
             <a:r>
               <a:rPr kumimoji="1" lang="en-US" altLang="zh-CN" dirty="0" smtClean="0">
+                <a:solidFill>
+                  <a:schemeClr val="bg1"/>
+                </a:solidFill>
                 <a:latin typeface="Corbel" charset="0"/>
                 <a:ea typeface="Corbel" charset="0"/>
                 <a:cs typeface="Corbel" charset="0"/>
@@ -14896,6 +17096,9 @@
               <a:t>’</a:t>
             </a:r>
             <a:endParaRPr kumimoji="1" lang="zh-CN" altLang="en-US" dirty="0">
+              <a:solidFill>
+                <a:schemeClr val="bg1"/>
+              </a:solidFill>
               <a:latin typeface="Corbel" charset="0"/>
               <a:ea typeface="Corbel" charset="0"/>
               <a:cs typeface="Corbel" charset="0"/>
@@ -14918,7 +17121,7 @@
             <a:avLst/>
           </a:prstGeom>
           <a:solidFill>
-            <a:srgbClr val="C3E9F1"/>
+            <a:srgbClr val="0070C0"/>
           </a:solidFill>
           <a:ln w="19050">
             <a:solidFill>
@@ -14949,6 +17152,9 @@
             <a:pPr algn="ctr"/>
             <a:r>
               <a:rPr kumimoji="1" lang="en-US" altLang="zh-CN" dirty="0" smtClean="0">
+                <a:solidFill>
+                  <a:schemeClr val="bg1"/>
+                </a:solidFill>
                 <a:latin typeface="Corbel" charset="0"/>
                 <a:ea typeface="Corbel" charset="0"/>
                 <a:cs typeface="Corbel" charset="0"/>
@@ -14957,6 +17163,9 @@
             </a:r>
             <a:r>
               <a:rPr kumimoji="1" lang="en-US" altLang="zh-CN" baseline="-25000" dirty="0" smtClean="0">
+                <a:solidFill>
+                  <a:schemeClr val="bg1"/>
+                </a:solidFill>
                 <a:latin typeface="Corbel" charset="0"/>
                 <a:ea typeface="Corbel" charset="0"/>
                 <a:cs typeface="Corbel" charset="0"/>
@@ -14965,6 +17174,9 @@
             </a:r>
             <a:r>
               <a:rPr kumimoji="1" lang="en-US" altLang="zh-CN" dirty="0" smtClean="0">
+                <a:solidFill>
+                  <a:schemeClr val="bg1"/>
+                </a:solidFill>
                 <a:latin typeface="Corbel" charset="0"/>
                 <a:ea typeface="Corbel" charset="0"/>
                 <a:cs typeface="Corbel" charset="0"/>
@@ -14972,6 +17184,9 @@
               <a:t>’</a:t>
             </a:r>
             <a:endParaRPr kumimoji="1" lang="zh-CN" altLang="en-US" dirty="0">
+              <a:solidFill>
+                <a:schemeClr val="bg1"/>
+              </a:solidFill>
               <a:latin typeface="Corbel" charset="0"/>
               <a:ea typeface="Corbel" charset="0"/>
               <a:cs typeface="Corbel" charset="0"/>
@@ -15250,13 +17465,13 @@
       </p:cxnSp>
       <p:sp>
         <p:nvSpPr>
-          <p:cNvPr id="32" name="圆角矩形 31"/>
+          <p:cNvPr id="31" name="圆角矩形 30"/>
           <p:cNvSpPr/>
           <p:nvPr/>
         </p:nvSpPr>
         <p:spPr>
           <a:xfrm>
-            <a:off x="1243262" y="2889763"/>
+            <a:off x="1243262" y="3251500"/>
             <a:ext cx="9591191" cy="1496931"/>
           </a:xfrm>
           <a:prstGeom prst="roundRect">
@@ -15331,20 +17546,12 @@
               <a:t> </a:t>
             </a:r>
             <a:r>
-              <a:rPr kumimoji="1" lang="en-US" altLang="zh-CN" sz="2800" b="1" dirty="0" err="1" smtClean="0">
+              <a:rPr kumimoji="1" lang="en-US" altLang="zh-CN" sz="2800" b="1" dirty="0" smtClean="0">
                 <a:latin typeface="Corbel" charset="0"/>
                 <a:ea typeface="Corbel" charset="0"/>
                 <a:cs typeface="Corbel" charset="0"/>
               </a:rPr>
-              <a:t>pertial</a:t>
-            </a:r>
-            <a:r>
-              <a:rPr kumimoji="1" lang="en-US" altLang="zh-CN" sz="2800" b="1" dirty="0" smtClean="0">
-                <a:latin typeface="Corbel" charset="0"/>
-                <a:ea typeface="Corbel" charset="0"/>
-                <a:cs typeface="Corbel" charset="0"/>
-              </a:rPr>
-              <a:t>-stripe</a:t>
+              <a:t>partial-stripe</a:t>
             </a:r>
             <a:r>
               <a:rPr kumimoji="1" lang="zh-CN" altLang="en-US" sz="2800" b="1" dirty="0" smtClean="0">
@@ -16082,7 +18289,7 @@
                                           </p:stCondLst>
                                         </p:cTn>
                                         <p:tgtEl>
-                                          <p:spTgt spid="32"/>
+                                          <p:spTgt spid="31"/>
                                         </p:tgtEl>
                                         <p:attrNameLst>
                                           <p:attrName>style.visibility</p:attrName>
@@ -16096,7 +18303,7 @@
                                       <p:cBhvr>
                                         <p:cTn id="52" dur="1000" fill="hold"/>
                                         <p:tgtEl>
-                                          <p:spTgt spid="32"/>
+                                          <p:spTgt spid="31"/>
                                         </p:tgtEl>
                                         <p:attrNameLst>
                                           <p:attrName>ppt_w</p:attrName>
@@ -16119,7 +18326,7 @@
                                       <p:cBhvr>
                                         <p:cTn id="53" dur="1000" fill="hold"/>
                                         <p:tgtEl>
-                                          <p:spTgt spid="32"/>
+                                          <p:spTgt spid="31"/>
                                         </p:tgtEl>
                                         <p:attrNameLst>
                                           <p:attrName>ppt_h</p:attrName>
@@ -16142,7 +18349,7 @@
                                       <p:cBhvr>
                                         <p:cTn id="54" dur="1000"/>
                                         <p:tgtEl>
-                                          <p:spTgt spid="32"/>
+                                          <p:spTgt spid="31"/>
                                         </p:tgtEl>
                                       </p:cBhvr>
                                     </p:animEffect>
@@ -16186,13 +18393,13 @@
       <p:bldP spid="28" grpId="1" animBg="1"/>
       <p:bldP spid="29" grpId="0" animBg="1"/>
       <p:bldP spid="29" grpId="1" animBg="1"/>
-      <p:bldP spid="32" grpId="0" animBg="1"/>
+      <p:bldP spid="31" grpId="0" animBg="1"/>
     </p:bldLst>
   </p:timing>
 </p:sld>
 </file>
 
-<file path=ppt/slides/slide16.xml><?xml version="1.0" encoding="utf-8"?>
+<file path=ppt/slides/slide17.xml><?xml version="1.0" encoding="utf-8"?>
 <p:sld xmlns:a="http://schemas.openxmlformats.org/drawingml/2006/main" xmlns:r="http://schemas.openxmlformats.org/officeDocument/2006/relationships" xmlns:p="http://schemas.openxmlformats.org/presentationml/2006/main">
   <p:cSld>
     <p:spTree>
@@ -16299,7 +18506,7 @@
 </p:sld>
 </file>
 
-<file path=ppt/slides/slide17.xml><?xml version="1.0" encoding="utf-8"?>
+<file path=ppt/slides/slide18.xml><?xml version="1.0" encoding="utf-8"?>
 <p:sld xmlns:a="http://schemas.openxmlformats.org/drawingml/2006/main" xmlns:r="http://schemas.openxmlformats.org/officeDocument/2006/relationships" xmlns:p="http://schemas.openxmlformats.org/presentationml/2006/main">
   <p:cSld>
     <p:spTree>
@@ -16815,7 +19022,7 @@
             <a:fld id="{7A42213F-69D4-1749-942C-9A85A9F9A76E}" type="slidenum">
               <a:rPr kumimoji="1" lang="zh-CN" altLang="en-US" smtClean="0"/>
               <a:pPr/>
-              <a:t>17</a:t>
+              <a:t>18</a:t>
             </a:fld>
             <a:endParaRPr kumimoji="1" lang="zh-CN" altLang="en-US"/>
           </a:p>
@@ -16825,936 +19032,6 @@
     <p:extLst>
       <p:ext uri="{BB962C8B-B14F-4D97-AF65-F5344CB8AC3E}">
         <p14:creationId xmlns:p14="http://schemas.microsoft.com/office/powerpoint/2010/main" val="699036844"/>
-      </p:ext>
-    </p:extLst>
-  </p:cSld>
-  <p:clrMapOvr>
-    <a:masterClrMapping/>
-  </p:clrMapOvr>
-  <p:timing>
-    <p:tnLst>
-      <p:par>
-        <p:cTn id="1" dur="indefinite" restart="never" nodeType="tmRoot"/>
-      </p:par>
-    </p:tnLst>
-  </p:timing>
-</p:sld>
-</file>
-
-<file path=ppt/slides/slide18.xml><?xml version="1.0" encoding="utf-8"?>
-<p:sld xmlns:a="http://schemas.openxmlformats.org/drawingml/2006/main" xmlns:r="http://schemas.openxmlformats.org/officeDocument/2006/relationships" xmlns:p="http://schemas.openxmlformats.org/presentationml/2006/main">
-  <p:cSld>
-    <p:spTree>
-      <p:nvGrpSpPr>
-        <p:cNvPr id="1" name=""/>
-        <p:cNvGrpSpPr/>
-        <p:nvPr/>
-      </p:nvGrpSpPr>
-      <p:grpSpPr>
-        <a:xfrm>
-          <a:off x="0" y="0"/>
-          <a:ext cx="0" cy="0"/>
-          <a:chOff x="0" y="0"/>
-          <a:chExt cx="0" cy="0"/>
-        </a:xfrm>
-      </p:grpSpPr>
-      <p:sp>
-        <p:nvSpPr>
-          <p:cNvPr id="2" name="标题 1"/>
-          <p:cNvSpPr>
-            <a:spLocks noGrp="1"/>
-          </p:cNvSpPr>
-          <p:nvPr>
-            <p:ph type="title"/>
-          </p:nvPr>
-        </p:nvSpPr>
-        <p:spPr/>
-        <p:txBody>
-          <a:bodyPr/>
-          <a:lstStyle/>
-          <a:p>
-            <a:r>
-              <a:rPr kumimoji="1" lang="en-US" altLang="zh-CN" dirty="0" smtClean="0"/>
-              <a:t>Cache</a:t>
-            </a:r>
-            <a:r>
-              <a:rPr kumimoji="1" lang="zh-CN" altLang="en-US" dirty="0" smtClean="0"/>
-              <a:t> </a:t>
-            </a:r>
-            <a:r>
-              <a:rPr kumimoji="1" lang="en-US" altLang="zh-CN" dirty="0" smtClean="0"/>
-              <a:t>mode</a:t>
-            </a:r>
-            <a:endParaRPr kumimoji="1" lang="zh-CN" altLang="en-US" dirty="0"/>
-          </a:p>
-        </p:txBody>
-      </p:sp>
-      <p:sp>
-        <p:nvSpPr>
-          <p:cNvPr id="3" name="内容占位符 2"/>
-          <p:cNvSpPr>
-            <a:spLocks noGrp="1"/>
-          </p:cNvSpPr>
-          <p:nvPr>
-            <p:ph idx="1"/>
-          </p:nvPr>
-        </p:nvSpPr>
-        <p:spPr/>
-        <p:txBody>
-          <a:bodyPr>
-            <a:normAutofit fontScale="85000" lnSpcReduction="20000"/>
-          </a:bodyPr>
-          <a:lstStyle/>
-          <a:p>
-            <a:r>
-              <a:rPr kumimoji="1" lang="en-US" altLang="zh-CN" b="1" dirty="0" err="1" smtClean="0">
-                <a:solidFill>
-                  <a:srgbClr val="0096FF"/>
-                </a:solidFill>
-              </a:rPr>
-              <a:t>Writeback</a:t>
-            </a:r>
-            <a:r>
-              <a:rPr kumimoji="1" lang="en-US" altLang="zh-CN" b="1" dirty="0" smtClean="0">
-                <a:solidFill>
-                  <a:srgbClr val="0096FF"/>
-                </a:solidFill>
-              </a:rPr>
-              <a:t>(default)</a:t>
-            </a:r>
-          </a:p>
-          <a:p>
-            <a:pPr lvl="1"/>
-            <a:r>
-              <a:rPr kumimoji="1" lang="en-US" altLang="zh-CN" dirty="0" smtClean="0"/>
-              <a:t>Clients</a:t>
-            </a:r>
-            <a:r>
-              <a:rPr kumimoji="1" lang="zh-CN" altLang="en-US" dirty="0" smtClean="0"/>
-              <a:t> </a:t>
-            </a:r>
-            <a:r>
-              <a:rPr kumimoji="1" lang="en-US" altLang="zh-CN" dirty="0" smtClean="0"/>
-              <a:t>write</a:t>
-            </a:r>
-            <a:r>
-              <a:rPr kumimoji="1" lang="zh-CN" altLang="en-US" dirty="0" smtClean="0"/>
-              <a:t> </a:t>
-            </a:r>
-            <a:r>
-              <a:rPr kumimoji="1" lang="en-US" altLang="zh-CN" dirty="0" smtClean="0"/>
-              <a:t>to</a:t>
-            </a:r>
-            <a:r>
-              <a:rPr kumimoji="1" lang="zh-CN" altLang="en-US" dirty="0" smtClean="0"/>
-              <a:t> </a:t>
-            </a:r>
-            <a:r>
-              <a:rPr kumimoji="1" lang="en-US" altLang="zh-CN" dirty="0" smtClean="0"/>
-              <a:t>cache</a:t>
-            </a:r>
-            <a:r>
-              <a:rPr kumimoji="1" lang="zh-CN" altLang="en-US" dirty="0" smtClean="0"/>
-              <a:t> </a:t>
-            </a:r>
-            <a:r>
-              <a:rPr kumimoji="1" lang="en-US" altLang="zh-CN" dirty="0" smtClean="0"/>
-              <a:t>tier</a:t>
-            </a:r>
-            <a:r>
-              <a:rPr kumimoji="1" lang="zh-CN" altLang="en-US" dirty="0" smtClean="0"/>
-              <a:t> </a:t>
-            </a:r>
-            <a:r>
-              <a:rPr kumimoji="1" lang="en-US" altLang="zh-CN" dirty="0" smtClean="0"/>
-              <a:t>and</a:t>
-            </a:r>
-            <a:r>
-              <a:rPr kumimoji="1" lang="zh-CN" altLang="en-US" dirty="0" smtClean="0"/>
-              <a:t> </a:t>
-            </a:r>
-            <a:r>
-              <a:rPr kumimoji="1" lang="en-US" altLang="zh-CN" dirty="0" smtClean="0"/>
-              <a:t>receive</a:t>
-            </a:r>
-            <a:r>
-              <a:rPr kumimoji="1" lang="zh-CN" altLang="en-US" dirty="0" smtClean="0"/>
-              <a:t> </a:t>
-            </a:r>
-            <a:r>
-              <a:rPr kumimoji="1" lang="en-US" altLang="zh-CN" dirty="0" smtClean="0"/>
-              <a:t>an</a:t>
-            </a:r>
-            <a:r>
-              <a:rPr kumimoji="1" lang="zh-CN" altLang="en-US" dirty="0" smtClean="0"/>
-              <a:t> </a:t>
-            </a:r>
-            <a:r>
-              <a:rPr kumimoji="1" lang="en-US" altLang="zh-CN" dirty="0" smtClean="0"/>
-              <a:t>ACK</a:t>
-            </a:r>
-            <a:r>
-              <a:rPr kumimoji="1" lang="zh-CN" altLang="en-US" dirty="0" smtClean="0"/>
-              <a:t> </a:t>
-            </a:r>
-            <a:r>
-              <a:rPr kumimoji="1" lang="en-US" altLang="zh-CN" dirty="0" smtClean="0"/>
-              <a:t>from</a:t>
-            </a:r>
-            <a:r>
-              <a:rPr kumimoji="1" lang="zh-CN" altLang="en-US" dirty="0" smtClean="0"/>
-              <a:t> </a:t>
-            </a:r>
-            <a:r>
-              <a:rPr kumimoji="1" lang="en-US" altLang="zh-CN" dirty="0" smtClean="0"/>
-              <a:t>cache</a:t>
-            </a:r>
-            <a:r>
-              <a:rPr kumimoji="1" lang="zh-CN" altLang="en-US" dirty="0" smtClean="0"/>
-              <a:t> </a:t>
-            </a:r>
-            <a:r>
-              <a:rPr kumimoji="1" lang="en-US" altLang="zh-CN" dirty="0" smtClean="0"/>
-              <a:t>tier</a:t>
-            </a:r>
-          </a:p>
-          <a:p>
-            <a:pPr lvl="1"/>
-            <a:r>
-              <a:rPr kumimoji="1" lang="en-US" altLang="zh-CN" dirty="0" smtClean="0"/>
-              <a:t>Read</a:t>
-            </a:r>
-            <a:r>
-              <a:rPr kumimoji="1" lang="zh-CN" altLang="en-US" dirty="0" smtClean="0"/>
-              <a:t> </a:t>
-            </a:r>
-            <a:r>
-              <a:rPr kumimoji="1" lang="en-US" altLang="zh-CN" dirty="0" smtClean="0"/>
-              <a:t>from</a:t>
-            </a:r>
-            <a:r>
-              <a:rPr kumimoji="1" lang="zh-CN" altLang="en-US" dirty="0" smtClean="0"/>
-              <a:t> </a:t>
-            </a:r>
-            <a:r>
-              <a:rPr kumimoji="1" lang="en-US" altLang="zh-CN" dirty="0" smtClean="0"/>
-              <a:t>cache</a:t>
-            </a:r>
-            <a:r>
-              <a:rPr kumimoji="1" lang="zh-CN" altLang="en-US" dirty="0" smtClean="0"/>
-              <a:t> </a:t>
-            </a:r>
-            <a:r>
-              <a:rPr kumimoji="1" lang="en-US" altLang="zh-CN" dirty="0" smtClean="0"/>
-              <a:t>tier</a:t>
-            </a:r>
-            <a:r>
-              <a:rPr kumimoji="1" lang="zh-CN" altLang="en-US" dirty="0" smtClean="0"/>
-              <a:t> </a:t>
-            </a:r>
-            <a:r>
-              <a:rPr kumimoji="1" lang="en-US" altLang="zh-CN" dirty="0" smtClean="0"/>
-              <a:t>first</a:t>
-            </a:r>
-            <a:r>
-              <a:rPr kumimoji="1" lang="zh-CN" altLang="en-US" dirty="0" smtClean="0"/>
-              <a:t> </a:t>
-            </a:r>
-            <a:r>
-              <a:rPr kumimoji="1" lang="en-US" altLang="zh-CN" dirty="0" smtClean="0"/>
-              <a:t>if</a:t>
-            </a:r>
-            <a:r>
-              <a:rPr kumimoji="1" lang="zh-CN" altLang="en-US" dirty="0" smtClean="0"/>
-              <a:t> </a:t>
-            </a:r>
-            <a:r>
-              <a:rPr kumimoji="1" lang="en-US" altLang="zh-CN" dirty="0" smtClean="0"/>
-              <a:t>cache</a:t>
-            </a:r>
-            <a:r>
-              <a:rPr kumimoji="1" lang="zh-CN" altLang="en-US" dirty="0" smtClean="0"/>
-              <a:t> </a:t>
-            </a:r>
-            <a:r>
-              <a:rPr kumimoji="1" lang="en-US" altLang="zh-CN" dirty="0" smtClean="0"/>
-              <a:t>hits,</a:t>
-            </a:r>
-            <a:r>
-              <a:rPr kumimoji="1" lang="zh-CN" altLang="en-US" dirty="0" smtClean="0"/>
-              <a:t> </a:t>
-            </a:r>
-            <a:r>
-              <a:rPr kumimoji="1" lang="en-US" altLang="zh-CN" dirty="0" smtClean="0"/>
-              <a:t>else</a:t>
-            </a:r>
-            <a:r>
-              <a:rPr kumimoji="1" lang="zh-CN" altLang="en-US" dirty="0" smtClean="0"/>
-              <a:t> </a:t>
-            </a:r>
-            <a:r>
-              <a:rPr kumimoji="1" lang="en-US" altLang="zh-CN" dirty="0" smtClean="0"/>
-              <a:t>read</a:t>
-            </a:r>
-            <a:r>
-              <a:rPr kumimoji="1" lang="zh-CN" altLang="en-US" dirty="0" smtClean="0"/>
-              <a:t> </a:t>
-            </a:r>
-            <a:r>
-              <a:rPr kumimoji="1" lang="en-US" altLang="zh-CN" dirty="0" smtClean="0"/>
-              <a:t>from</a:t>
-            </a:r>
-            <a:r>
-              <a:rPr kumimoji="1" lang="zh-CN" altLang="en-US" dirty="0" smtClean="0"/>
-              <a:t> </a:t>
-            </a:r>
-            <a:r>
-              <a:rPr kumimoji="1" lang="en-US" altLang="zh-CN" dirty="0" smtClean="0"/>
-              <a:t>storage</a:t>
-            </a:r>
-            <a:r>
-              <a:rPr kumimoji="1" lang="zh-CN" altLang="en-US" dirty="0" smtClean="0"/>
-              <a:t> </a:t>
-            </a:r>
-            <a:r>
-              <a:rPr kumimoji="1" lang="en-US" altLang="zh-CN" dirty="0" smtClean="0"/>
-              <a:t>tier</a:t>
-            </a:r>
-            <a:r>
-              <a:rPr kumimoji="1" lang="zh-CN" altLang="en-US" dirty="0" smtClean="0"/>
-              <a:t> </a:t>
-            </a:r>
-            <a:r>
-              <a:rPr kumimoji="1" lang="en-US" altLang="zh-CN" dirty="0" smtClean="0"/>
-              <a:t>to</a:t>
-            </a:r>
-            <a:r>
-              <a:rPr kumimoji="1" lang="zh-CN" altLang="en-US" dirty="0" smtClean="0"/>
-              <a:t> </a:t>
-            </a:r>
-            <a:r>
-              <a:rPr kumimoji="1" lang="en-US" altLang="zh-CN" dirty="0" smtClean="0"/>
-              <a:t>cache</a:t>
-            </a:r>
-            <a:r>
-              <a:rPr kumimoji="1" lang="zh-CN" altLang="en-US" dirty="0" smtClean="0"/>
-              <a:t> </a:t>
-            </a:r>
-            <a:r>
-              <a:rPr kumimoji="1" lang="en-US" altLang="zh-CN" dirty="0" smtClean="0"/>
-              <a:t>tier</a:t>
-            </a:r>
-            <a:r>
-              <a:rPr kumimoji="1" lang="zh-CN" altLang="en-US" dirty="0" smtClean="0"/>
-              <a:t> </a:t>
-            </a:r>
-            <a:r>
-              <a:rPr kumimoji="1" lang="en-US" altLang="zh-CN" dirty="0" smtClean="0"/>
-              <a:t>and</a:t>
-            </a:r>
-            <a:r>
-              <a:rPr kumimoji="1" lang="zh-CN" altLang="en-US" dirty="0" smtClean="0"/>
-              <a:t> </a:t>
-            </a:r>
-            <a:r>
-              <a:rPr kumimoji="1" lang="en-US" altLang="zh-CN" dirty="0" smtClean="0"/>
-              <a:t>resides</a:t>
-            </a:r>
-            <a:r>
-              <a:rPr kumimoji="1" lang="zh-CN" altLang="en-US" dirty="0" smtClean="0"/>
-              <a:t> </a:t>
-            </a:r>
-            <a:r>
-              <a:rPr kumimoji="1" lang="en-US" altLang="zh-CN" dirty="0" smtClean="0"/>
-              <a:t>then</a:t>
-            </a:r>
-            <a:r>
-              <a:rPr kumimoji="1" lang="zh-CN" altLang="en-US" dirty="0" smtClean="0"/>
-              <a:t> </a:t>
-            </a:r>
-            <a:r>
-              <a:rPr kumimoji="1" lang="en-US" altLang="zh-CN" dirty="0" smtClean="0"/>
-              <a:t>send</a:t>
-            </a:r>
-            <a:r>
-              <a:rPr kumimoji="1" lang="zh-CN" altLang="en-US" dirty="0" smtClean="0"/>
-              <a:t> </a:t>
-            </a:r>
-            <a:r>
-              <a:rPr kumimoji="1" lang="en-US" altLang="zh-CN" dirty="0" smtClean="0"/>
-              <a:t>to</a:t>
-            </a:r>
-            <a:r>
-              <a:rPr kumimoji="1" lang="zh-CN" altLang="en-US" dirty="0" smtClean="0"/>
-              <a:t> </a:t>
-            </a:r>
-            <a:r>
-              <a:rPr kumimoji="1" lang="en-US" altLang="zh-CN" dirty="0" smtClean="0"/>
-              <a:t>clients</a:t>
-            </a:r>
-          </a:p>
-          <a:p>
-            <a:r>
-              <a:rPr kumimoji="1" lang="en-US" altLang="zh-CN" b="1" dirty="0" err="1" smtClean="0">
-                <a:solidFill>
-                  <a:srgbClr val="0096FF"/>
-                </a:solidFill>
-              </a:rPr>
-              <a:t>Readproxy</a:t>
-            </a:r>
-            <a:endParaRPr kumimoji="1" lang="en-US" altLang="zh-CN" b="1" dirty="0" smtClean="0">
-              <a:solidFill>
-                <a:srgbClr val="0096FF"/>
-              </a:solidFill>
-            </a:endParaRPr>
-          </a:p>
-          <a:p>
-            <a:pPr lvl="1"/>
-            <a:r>
-              <a:rPr kumimoji="1" lang="en-US" altLang="zh-CN" dirty="0" smtClean="0"/>
-              <a:t>Read</a:t>
-            </a:r>
-            <a:r>
-              <a:rPr kumimoji="1" lang="zh-CN" altLang="en-US" dirty="0" smtClean="0"/>
-              <a:t> </a:t>
-            </a:r>
-            <a:r>
-              <a:rPr kumimoji="1" lang="en-US" altLang="zh-CN" dirty="0" smtClean="0"/>
-              <a:t>requests</a:t>
-            </a:r>
-            <a:r>
-              <a:rPr kumimoji="1" lang="zh-CN" altLang="en-US" dirty="0" smtClean="0"/>
-              <a:t> </a:t>
-            </a:r>
-            <a:r>
-              <a:rPr kumimoji="1" lang="en-US" altLang="zh-CN" dirty="0" smtClean="0"/>
-              <a:t>send</a:t>
-            </a:r>
-            <a:r>
-              <a:rPr kumimoji="1" lang="zh-CN" altLang="en-US" dirty="0" smtClean="0"/>
-              <a:t> </a:t>
-            </a:r>
-            <a:r>
-              <a:rPr kumimoji="1" lang="en-US" altLang="zh-CN" dirty="0" smtClean="0"/>
-              <a:t>to</a:t>
-            </a:r>
-            <a:r>
-              <a:rPr kumimoji="1" lang="zh-CN" altLang="en-US" dirty="0" smtClean="0"/>
-              <a:t> </a:t>
-            </a:r>
-            <a:r>
-              <a:rPr kumimoji="1" lang="en-US" altLang="zh-CN" dirty="0" smtClean="0"/>
-              <a:t>cache</a:t>
-            </a:r>
-            <a:r>
-              <a:rPr kumimoji="1" lang="zh-CN" altLang="en-US" dirty="0" smtClean="0"/>
-              <a:t> </a:t>
-            </a:r>
-            <a:r>
-              <a:rPr kumimoji="1" lang="en-US" altLang="zh-CN" dirty="0" smtClean="0"/>
-              <a:t>tier,</a:t>
-            </a:r>
-            <a:r>
-              <a:rPr kumimoji="1" lang="zh-CN" altLang="en-US" dirty="0" smtClean="0"/>
-              <a:t> </a:t>
-            </a:r>
-            <a:r>
-              <a:rPr kumimoji="1" lang="en-US" altLang="zh-CN" dirty="0" smtClean="0"/>
-              <a:t>cache</a:t>
-            </a:r>
-            <a:r>
-              <a:rPr kumimoji="1" lang="zh-CN" altLang="en-US" dirty="0" smtClean="0"/>
-              <a:t> </a:t>
-            </a:r>
-            <a:r>
-              <a:rPr kumimoji="1" lang="en-US" altLang="zh-CN" dirty="0" smtClean="0"/>
-              <a:t>tier</a:t>
-            </a:r>
-            <a:r>
-              <a:rPr kumimoji="1" lang="zh-CN" altLang="en-US" dirty="0" smtClean="0"/>
-              <a:t> </a:t>
-            </a:r>
-            <a:r>
-              <a:rPr kumimoji="1" lang="en-US" altLang="zh-CN" dirty="0" smtClean="0"/>
-              <a:t>read</a:t>
-            </a:r>
-            <a:r>
-              <a:rPr kumimoji="1" lang="zh-CN" altLang="en-US" dirty="0" smtClean="0"/>
-              <a:t> </a:t>
-            </a:r>
-            <a:r>
-              <a:rPr kumimoji="1" lang="en-US" altLang="zh-CN" dirty="0" smtClean="0"/>
-              <a:t>from</a:t>
-            </a:r>
-            <a:r>
-              <a:rPr kumimoji="1" lang="zh-CN" altLang="en-US" dirty="0" smtClean="0"/>
-              <a:t> </a:t>
-            </a:r>
-            <a:r>
-              <a:rPr kumimoji="1" lang="en-US" altLang="zh-CN" dirty="0" smtClean="0"/>
-              <a:t>storage</a:t>
-            </a:r>
-            <a:r>
-              <a:rPr kumimoji="1" lang="zh-CN" altLang="en-US" dirty="0" smtClean="0"/>
-              <a:t> </a:t>
-            </a:r>
-            <a:r>
-              <a:rPr kumimoji="1" lang="en-US" altLang="zh-CN" dirty="0" smtClean="0"/>
-              <a:t>tier</a:t>
-            </a:r>
-            <a:r>
-              <a:rPr kumimoji="1" lang="zh-CN" altLang="en-US" dirty="0" smtClean="0"/>
-              <a:t> </a:t>
-            </a:r>
-            <a:r>
-              <a:rPr kumimoji="1" lang="en-US" altLang="zh-CN" dirty="0" smtClean="0"/>
-              <a:t>and</a:t>
-            </a:r>
-            <a:r>
-              <a:rPr kumimoji="1" lang="zh-CN" altLang="en-US" dirty="0" smtClean="0"/>
-              <a:t> </a:t>
-            </a:r>
-            <a:r>
-              <a:rPr kumimoji="1" lang="en-US" altLang="zh-CN" dirty="0" smtClean="0"/>
-              <a:t>bot</a:t>
-            </a:r>
-            <a:r>
-              <a:rPr kumimoji="1" lang="zh-CN" altLang="en-US" dirty="0" smtClean="0"/>
-              <a:t> </a:t>
-            </a:r>
-            <a:r>
-              <a:rPr kumimoji="1" lang="en-US" altLang="zh-CN" dirty="0" smtClean="0"/>
-              <a:t>caching</a:t>
-            </a:r>
-          </a:p>
-          <a:p>
-            <a:pPr lvl="1"/>
-            <a:r>
-              <a:rPr kumimoji="1" lang="en-US" altLang="zh-CN" dirty="0" smtClean="0"/>
-              <a:t>Write</a:t>
-            </a:r>
-            <a:r>
-              <a:rPr kumimoji="1" lang="zh-CN" altLang="en-US" dirty="0" smtClean="0"/>
-              <a:t> </a:t>
-            </a:r>
-            <a:r>
-              <a:rPr kumimoji="1" lang="en-US" altLang="zh-CN" dirty="0" smtClean="0"/>
-              <a:t>requests</a:t>
-            </a:r>
-            <a:r>
-              <a:rPr kumimoji="1" lang="zh-CN" altLang="en-US" dirty="0" smtClean="0"/>
-              <a:t> </a:t>
-            </a:r>
-            <a:r>
-              <a:rPr kumimoji="1" lang="en-US" altLang="zh-CN" dirty="0" smtClean="0"/>
-              <a:t>benefit</a:t>
-            </a:r>
-            <a:r>
-              <a:rPr kumimoji="1" lang="zh-CN" altLang="en-US" dirty="0" smtClean="0"/>
-              <a:t> </a:t>
-            </a:r>
-            <a:r>
-              <a:rPr kumimoji="1" lang="en-US" altLang="zh-CN" dirty="0" err="1" smtClean="0"/>
-              <a:t>writeback</a:t>
-            </a:r>
-            <a:r>
-              <a:rPr kumimoji="1" lang="zh-CN" altLang="en-US" dirty="0" smtClean="0"/>
-              <a:t> </a:t>
-            </a:r>
-            <a:r>
-              <a:rPr kumimoji="1" lang="en-US" altLang="zh-CN" dirty="0" smtClean="0"/>
-              <a:t>mode</a:t>
-            </a:r>
-          </a:p>
-          <a:p>
-            <a:r>
-              <a:rPr kumimoji="1" lang="en-US" altLang="zh-CN" b="1" dirty="0" smtClean="0"/>
-              <a:t>Forward</a:t>
-            </a:r>
-            <a:endParaRPr kumimoji="1" lang="en-US" altLang="zh-CN" b="1" dirty="0"/>
-          </a:p>
-          <a:p>
-            <a:pPr lvl="1"/>
-            <a:r>
-              <a:rPr kumimoji="1" lang="en-US" altLang="zh-CN" dirty="0" smtClean="0"/>
-              <a:t>All</a:t>
-            </a:r>
-            <a:r>
-              <a:rPr kumimoji="1" lang="zh-CN" altLang="en-US" dirty="0" smtClean="0"/>
-              <a:t> </a:t>
-            </a:r>
-            <a:r>
-              <a:rPr kumimoji="1" lang="en-US" altLang="zh-CN" dirty="0" smtClean="0"/>
-              <a:t>requests</a:t>
-            </a:r>
-            <a:r>
-              <a:rPr kumimoji="1" lang="zh-CN" altLang="en-US" dirty="0" smtClean="0"/>
-              <a:t> </a:t>
-            </a:r>
-            <a:r>
-              <a:rPr kumimoji="1" lang="en-US" altLang="zh-CN" dirty="0" smtClean="0"/>
-              <a:t>redirect</a:t>
-            </a:r>
-            <a:r>
-              <a:rPr kumimoji="1" lang="zh-CN" altLang="en-US" dirty="0" smtClean="0"/>
-              <a:t> </a:t>
-            </a:r>
-            <a:r>
-              <a:rPr kumimoji="1" lang="en-US" altLang="zh-CN" dirty="0" smtClean="0"/>
-              <a:t>to</a:t>
-            </a:r>
-            <a:r>
-              <a:rPr kumimoji="1" lang="zh-CN" altLang="en-US" dirty="0" smtClean="0"/>
-              <a:t> </a:t>
-            </a:r>
-            <a:r>
-              <a:rPr kumimoji="1" lang="en-US" altLang="zh-CN" dirty="0" smtClean="0"/>
-              <a:t>storage</a:t>
-            </a:r>
-            <a:r>
-              <a:rPr kumimoji="1" lang="zh-CN" altLang="en-US" dirty="0" smtClean="0"/>
-              <a:t> </a:t>
-            </a:r>
-            <a:r>
-              <a:rPr kumimoji="1" lang="en-US" altLang="zh-CN" dirty="0" smtClean="0"/>
-              <a:t>tier</a:t>
-            </a:r>
-          </a:p>
-          <a:p>
-            <a:r>
-              <a:rPr kumimoji="1" lang="en-US" altLang="zh-CN" b="1" dirty="0" err="1" smtClean="0"/>
-              <a:t>Readonly</a:t>
-            </a:r>
-            <a:endParaRPr kumimoji="1" lang="en-US" altLang="zh-CN" b="1" dirty="0" smtClean="0"/>
-          </a:p>
-          <a:p>
-            <a:pPr lvl="1"/>
-            <a:r>
-              <a:rPr kumimoji="1" lang="en-US" altLang="zh-CN" dirty="0" smtClean="0"/>
-              <a:t>Write</a:t>
-            </a:r>
-            <a:r>
-              <a:rPr kumimoji="1" lang="zh-CN" altLang="en-US" dirty="0" smtClean="0"/>
-              <a:t> </a:t>
-            </a:r>
-            <a:r>
-              <a:rPr kumimoji="1" lang="en-US" altLang="zh-CN" dirty="0" smtClean="0"/>
-              <a:t>to</a:t>
-            </a:r>
-            <a:r>
-              <a:rPr kumimoji="1" lang="zh-CN" altLang="en-US" dirty="0" smtClean="0"/>
-              <a:t> </a:t>
-            </a:r>
-            <a:r>
-              <a:rPr kumimoji="1" lang="en-US" altLang="zh-CN" dirty="0" smtClean="0"/>
-              <a:t>storage</a:t>
-            </a:r>
-            <a:r>
-              <a:rPr kumimoji="1" lang="zh-CN" altLang="en-US" dirty="0" smtClean="0"/>
-              <a:t> </a:t>
-            </a:r>
-            <a:r>
-              <a:rPr kumimoji="1" lang="en-US" altLang="zh-CN" dirty="0" smtClean="0"/>
-              <a:t>tier</a:t>
-            </a:r>
-            <a:r>
-              <a:rPr kumimoji="1" lang="zh-CN" altLang="en-US" dirty="0" smtClean="0"/>
-              <a:t> </a:t>
-            </a:r>
-            <a:r>
-              <a:rPr kumimoji="1" lang="en-US" altLang="zh-CN" dirty="0" smtClean="0"/>
-              <a:t>directly</a:t>
-            </a:r>
-            <a:r>
-              <a:rPr kumimoji="1" lang="zh-CN" altLang="en-US" dirty="0" smtClean="0"/>
-              <a:t> </a:t>
-            </a:r>
-            <a:r>
-              <a:rPr kumimoji="1" lang="en-US" altLang="zh-CN" dirty="0" smtClean="0"/>
-              <a:t>and</a:t>
-            </a:r>
-            <a:r>
-              <a:rPr kumimoji="1" lang="zh-CN" altLang="en-US" dirty="0" smtClean="0"/>
-              <a:t> </a:t>
-            </a:r>
-            <a:r>
-              <a:rPr kumimoji="1" lang="en-US" altLang="zh-CN" dirty="0" smtClean="0"/>
-              <a:t>read</a:t>
-            </a:r>
-            <a:r>
-              <a:rPr kumimoji="1" lang="zh-CN" altLang="en-US" dirty="0" smtClean="0"/>
-              <a:t> </a:t>
-            </a:r>
-            <a:r>
-              <a:rPr kumimoji="1" lang="en-US" altLang="zh-CN" dirty="0" smtClean="0"/>
-              <a:t>from</a:t>
-            </a:r>
-            <a:r>
-              <a:rPr kumimoji="1" lang="zh-CN" altLang="en-US" dirty="0" smtClean="0"/>
-              <a:t> </a:t>
-            </a:r>
-            <a:r>
-              <a:rPr kumimoji="1" lang="en-US" altLang="zh-CN" dirty="0" smtClean="0"/>
-              <a:t>cache</a:t>
-            </a:r>
-            <a:r>
-              <a:rPr kumimoji="1" lang="zh-CN" altLang="en-US" dirty="0" smtClean="0"/>
-              <a:t> </a:t>
-            </a:r>
-            <a:r>
-              <a:rPr kumimoji="1" lang="en-US" altLang="zh-CN" dirty="0" smtClean="0"/>
-              <a:t>tier</a:t>
-            </a:r>
-            <a:r>
-              <a:rPr kumimoji="1" lang="zh-CN" altLang="en-US" dirty="0" smtClean="0"/>
-              <a:t> </a:t>
-            </a:r>
-            <a:r>
-              <a:rPr kumimoji="1" lang="en-US" altLang="zh-CN" dirty="0" smtClean="0"/>
-              <a:t>if</a:t>
-            </a:r>
-            <a:r>
-              <a:rPr kumimoji="1" lang="zh-CN" altLang="en-US" dirty="0" smtClean="0"/>
-              <a:t> </a:t>
-            </a:r>
-            <a:r>
-              <a:rPr kumimoji="1" lang="en-US" altLang="zh-CN" dirty="0" smtClean="0"/>
-              <a:t>cache</a:t>
-            </a:r>
-            <a:r>
-              <a:rPr kumimoji="1" lang="zh-CN" altLang="en-US" dirty="0" smtClean="0"/>
-              <a:t> </a:t>
-            </a:r>
-            <a:r>
-              <a:rPr kumimoji="1" lang="en-US" altLang="zh-CN" dirty="0" smtClean="0"/>
-              <a:t>hits,</a:t>
-            </a:r>
-            <a:r>
-              <a:rPr kumimoji="1" lang="zh-CN" altLang="en-US" dirty="0" smtClean="0"/>
-              <a:t> </a:t>
-            </a:r>
-            <a:r>
-              <a:rPr kumimoji="1" lang="en-US" altLang="zh-CN" dirty="0" smtClean="0"/>
-              <a:t>else</a:t>
-            </a:r>
-            <a:r>
-              <a:rPr kumimoji="1" lang="zh-CN" altLang="en-US" dirty="0" smtClean="0"/>
-              <a:t> </a:t>
-            </a:r>
-            <a:r>
-              <a:rPr kumimoji="1" lang="en-US" altLang="zh-CN" dirty="0" smtClean="0"/>
-              <a:t>read</a:t>
-            </a:r>
-            <a:r>
-              <a:rPr kumimoji="1" lang="zh-CN" altLang="en-US" dirty="0" smtClean="0"/>
-              <a:t> </a:t>
-            </a:r>
-            <a:r>
-              <a:rPr kumimoji="1" lang="en-US" altLang="zh-CN" dirty="0" smtClean="0"/>
-              <a:t>from</a:t>
-            </a:r>
-            <a:r>
-              <a:rPr kumimoji="1" lang="zh-CN" altLang="en-US" dirty="0" smtClean="0"/>
-              <a:t> </a:t>
-            </a:r>
-            <a:r>
-              <a:rPr kumimoji="1" lang="en-US" altLang="zh-CN" dirty="0" smtClean="0"/>
-              <a:t>storage</a:t>
-            </a:r>
-            <a:r>
-              <a:rPr kumimoji="1" lang="zh-CN" altLang="en-US" dirty="0" smtClean="0"/>
-              <a:t> </a:t>
-            </a:r>
-            <a:r>
-              <a:rPr kumimoji="1" lang="en-US" altLang="zh-CN" dirty="0" smtClean="0"/>
-              <a:t>tier</a:t>
-            </a:r>
-            <a:r>
-              <a:rPr kumimoji="1" lang="zh-CN" altLang="en-US" dirty="0" smtClean="0"/>
-              <a:t> </a:t>
-            </a:r>
-            <a:r>
-              <a:rPr kumimoji="1" lang="en-US" altLang="zh-CN" dirty="0" smtClean="0"/>
-              <a:t>and</a:t>
-            </a:r>
-            <a:r>
-              <a:rPr kumimoji="1" lang="zh-CN" altLang="en-US" dirty="0" smtClean="0"/>
-              <a:t> </a:t>
-            </a:r>
-            <a:r>
-              <a:rPr kumimoji="1" lang="en-US" altLang="zh-CN" dirty="0" smtClean="0"/>
-              <a:t>resides</a:t>
-            </a:r>
-            <a:r>
-              <a:rPr kumimoji="1" lang="zh-CN" altLang="en-US" dirty="0" smtClean="0"/>
-              <a:t> </a:t>
-            </a:r>
-            <a:r>
-              <a:rPr kumimoji="1" lang="en-US" altLang="zh-CN" dirty="0" smtClean="0"/>
-              <a:t>then</a:t>
-            </a:r>
-            <a:r>
-              <a:rPr kumimoji="1" lang="zh-CN" altLang="en-US" dirty="0" smtClean="0"/>
-              <a:t> </a:t>
-            </a:r>
-            <a:r>
-              <a:rPr kumimoji="1" lang="en-US" altLang="zh-CN" dirty="0" smtClean="0"/>
-              <a:t>send</a:t>
-            </a:r>
-            <a:r>
-              <a:rPr kumimoji="1" lang="zh-CN" altLang="en-US" dirty="0" smtClean="0"/>
-              <a:t> </a:t>
-            </a:r>
-            <a:r>
-              <a:rPr kumimoji="1" lang="en-US" altLang="zh-CN" dirty="0" smtClean="0"/>
-              <a:t>to</a:t>
-            </a:r>
-            <a:r>
-              <a:rPr kumimoji="1" lang="zh-CN" altLang="en-US" dirty="0" smtClean="0"/>
-              <a:t> </a:t>
-            </a:r>
-            <a:r>
-              <a:rPr kumimoji="1" lang="en-US" altLang="zh-CN" dirty="0" smtClean="0"/>
-              <a:t>clients</a:t>
-            </a:r>
-            <a:endParaRPr kumimoji="1" lang="en-US" altLang="zh-CN" dirty="0"/>
-          </a:p>
-          <a:p>
-            <a:r>
-              <a:rPr kumimoji="1" lang="en-US" altLang="zh-CN" b="1" dirty="0" err="1" smtClean="0"/>
-              <a:t>Readforward</a:t>
-            </a:r>
-            <a:r>
-              <a:rPr kumimoji="1" lang="zh-CN" altLang="en-US" b="1" dirty="0" smtClean="0"/>
-              <a:t> </a:t>
-            </a:r>
-            <a:endParaRPr kumimoji="1" lang="en-US" altLang="zh-CN" b="1" dirty="0" smtClean="0"/>
-          </a:p>
-          <a:p>
-            <a:pPr lvl="1"/>
-            <a:r>
-              <a:rPr kumimoji="1" lang="en-US" altLang="zh-CN" dirty="0" smtClean="0"/>
-              <a:t>Read</a:t>
-            </a:r>
-            <a:r>
-              <a:rPr kumimoji="1" lang="zh-CN" altLang="en-US" dirty="0" smtClean="0"/>
-              <a:t> </a:t>
-            </a:r>
-            <a:r>
-              <a:rPr kumimoji="1" lang="en-US" altLang="zh-CN" dirty="0" smtClean="0"/>
-              <a:t>requests</a:t>
-            </a:r>
-            <a:r>
-              <a:rPr kumimoji="1" lang="zh-CN" altLang="en-US" dirty="0" smtClean="0"/>
-              <a:t> </a:t>
-            </a:r>
-            <a:r>
-              <a:rPr kumimoji="1" lang="en-US" altLang="zh-CN" dirty="0" smtClean="0"/>
-              <a:t>redirect</a:t>
-            </a:r>
-            <a:r>
-              <a:rPr kumimoji="1" lang="zh-CN" altLang="en-US" dirty="0" smtClean="0"/>
-              <a:t> </a:t>
-            </a:r>
-            <a:r>
-              <a:rPr kumimoji="1" lang="en-US" altLang="zh-CN" dirty="0" smtClean="0"/>
-              <a:t>to</a:t>
-            </a:r>
-            <a:r>
-              <a:rPr kumimoji="1" lang="zh-CN" altLang="en-US" dirty="0" smtClean="0"/>
-              <a:t> </a:t>
-            </a:r>
-            <a:r>
-              <a:rPr kumimoji="1" lang="en-US" altLang="zh-CN" dirty="0" smtClean="0"/>
-              <a:t>storage</a:t>
-            </a:r>
-            <a:r>
-              <a:rPr kumimoji="1" lang="zh-CN" altLang="en-US" dirty="0" smtClean="0"/>
-              <a:t> </a:t>
-            </a:r>
-            <a:r>
-              <a:rPr kumimoji="1" lang="en-US" altLang="zh-CN" dirty="0" smtClean="0"/>
-              <a:t>tier</a:t>
-            </a:r>
-            <a:r>
-              <a:rPr kumimoji="1" lang="zh-CN" altLang="en-US" dirty="0" smtClean="0"/>
-              <a:t> </a:t>
-            </a:r>
-            <a:r>
-              <a:rPr kumimoji="1" lang="en-US" altLang="zh-CN" dirty="0" smtClean="0"/>
-              <a:t>and</a:t>
-            </a:r>
-            <a:r>
-              <a:rPr kumimoji="1" lang="zh-CN" altLang="en-US" dirty="0" smtClean="0"/>
-              <a:t> </a:t>
-            </a:r>
-            <a:r>
-              <a:rPr kumimoji="1" lang="en-US" altLang="zh-CN" dirty="0" smtClean="0"/>
-              <a:t>write</a:t>
-            </a:r>
-            <a:r>
-              <a:rPr kumimoji="1" lang="zh-CN" altLang="en-US" dirty="0" smtClean="0"/>
-              <a:t> </a:t>
-            </a:r>
-            <a:r>
-              <a:rPr kumimoji="1" lang="en-US" altLang="zh-CN" dirty="0" smtClean="0"/>
-              <a:t>requests</a:t>
-            </a:r>
-            <a:r>
-              <a:rPr kumimoji="1" lang="zh-CN" altLang="en-US" dirty="0" smtClean="0"/>
-              <a:t> </a:t>
-            </a:r>
-            <a:r>
-              <a:rPr kumimoji="1" lang="en-US" altLang="zh-CN" dirty="0" smtClean="0"/>
-              <a:t>benefit</a:t>
-            </a:r>
-            <a:r>
-              <a:rPr kumimoji="1" lang="zh-CN" altLang="en-US" dirty="0" smtClean="0"/>
-              <a:t> </a:t>
-            </a:r>
-            <a:r>
-              <a:rPr kumimoji="1" lang="en-US" altLang="zh-CN" dirty="0" err="1" smtClean="0"/>
-              <a:t>writeback</a:t>
-            </a:r>
-            <a:r>
-              <a:rPr kumimoji="1" lang="zh-CN" altLang="en-US" dirty="0" smtClean="0"/>
-              <a:t> </a:t>
-            </a:r>
-            <a:r>
-              <a:rPr kumimoji="1" lang="en-US" altLang="zh-CN" dirty="0" smtClean="0"/>
-              <a:t>mode</a:t>
-            </a:r>
-          </a:p>
-        </p:txBody>
-      </p:sp>
-      <p:sp>
-        <p:nvSpPr>
-          <p:cNvPr id="4" name="幻灯片编号占位符 3"/>
-          <p:cNvSpPr>
-            <a:spLocks noGrp="1"/>
-          </p:cNvSpPr>
-          <p:nvPr>
-            <p:ph type="sldNum" sz="quarter" idx="12"/>
-          </p:nvPr>
-        </p:nvSpPr>
-        <p:spPr/>
-        <p:txBody>
-          <a:bodyPr/>
-          <a:lstStyle/>
-          <a:p>
-            <a:fld id="{7A42213F-69D4-1749-942C-9A85A9F9A76E}" type="slidenum">
-              <a:rPr kumimoji="1" lang="zh-CN" altLang="en-US" smtClean="0"/>
-              <a:pPr/>
-              <a:t>18</a:t>
-            </a:fld>
-            <a:endParaRPr kumimoji="1" lang="zh-CN" altLang="en-US"/>
-          </a:p>
-        </p:txBody>
-      </p:sp>
-    </p:spTree>
-    <p:extLst>
-      <p:ext uri="{BB962C8B-B14F-4D97-AF65-F5344CB8AC3E}">
-        <p14:creationId xmlns:p14="http://schemas.microsoft.com/office/powerpoint/2010/main" val="1976688018"/>
       </p:ext>
     </p:extLst>
   </p:cSld>
@@ -17805,11 +19082,937 @@
           <a:p>
             <a:r>
               <a:rPr kumimoji="1" lang="en-US" altLang="zh-CN" dirty="0" smtClean="0"/>
-              <a:t>Problem</a:t>
+              <a:t>Cache</a:t>
             </a:r>
             <a:r>
               <a:rPr kumimoji="1" lang="zh-CN" altLang="en-US" dirty="0" smtClean="0"/>
               <a:t> </a:t>
+            </a:r>
+            <a:r>
+              <a:rPr kumimoji="1" lang="en-US" altLang="zh-CN" dirty="0" smtClean="0"/>
+              <a:t>mode</a:t>
+            </a:r>
+            <a:endParaRPr kumimoji="1" lang="zh-CN" altLang="en-US" dirty="0"/>
+          </a:p>
+        </p:txBody>
+      </p:sp>
+      <p:sp>
+        <p:nvSpPr>
+          <p:cNvPr id="3" name="内容占位符 2"/>
+          <p:cNvSpPr>
+            <a:spLocks noGrp="1"/>
+          </p:cNvSpPr>
+          <p:nvPr>
+            <p:ph idx="1"/>
+          </p:nvPr>
+        </p:nvSpPr>
+        <p:spPr/>
+        <p:txBody>
+          <a:bodyPr>
+            <a:normAutofit fontScale="85000" lnSpcReduction="20000"/>
+          </a:bodyPr>
+          <a:lstStyle/>
+          <a:p>
+            <a:r>
+              <a:rPr kumimoji="1" lang="en-US" altLang="zh-CN" b="1" dirty="0" err="1" smtClean="0">
+                <a:solidFill>
+                  <a:srgbClr val="0096FF"/>
+                </a:solidFill>
+              </a:rPr>
+              <a:t>Writeback</a:t>
+            </a:r>
+            <a:r>
+              <a:rPr kumimoji="1" lang="en-US" altLang="zh-CN" b="1" dirty="0" smtClean="0">
+                <a:solidFill>
+                  <a:srgbClr val="0096FF"/>
+                </a:solidFill>
+              </a:rPr>
+              <a:t>(default)</a:t>
+            </a:r>
+          </a:p>
+          <a:p>
+            <a:pPr lvl="1"/>
+            <a:r>
+              <a:rPr kumimoji="1" lang="en-US" altLang="zh-CN" dirty="0" smtClean="0"/>
+              <a:t>Clients</a:t>
+            </a:r>
+            <a:r>
+              <a:rPr kumimoji="1" lang="zh-CN" altLang="en-US" dirty="0" smtClean="0"/>
+              <a:t> </a:t>
+            </a:r>
+            <a:r>
+              <a:rPr kumimoji="1" lang="en-US" altLang="zh-CN" dirty="0" smtClean="0"/>
+              <a:t>write</a:t>
+            </a:r>
+            <a:r>
+              <a:rPr kumimoji="1" lang="zh-CN" altLang="en-US" dirty="0" smtClean="0"/>
+              <a:t> </a:t>
+            </a:r>
+            <a:r>
+              <a:rPr kumimoji="1" lang="en-US" altLang="zh-CN" dirty="0" smtClean="0"/>
+              <a:t>to</a:t>
+            </a:r>
+            <a:r>
+              <a:rPr kumimoji="1" lang="zh-CN" altLang="en-US" dirty="0" smtClean="0"/>
+              <a:t> </a:t>
+            </a:r>
+            <a:r>
+              <a:rPr kumimoji="1" lang="en-US" altLang="zh-CN" dirty="0" smtClean="0"/>
+              <a:t>cache</a:t>
+            </a:r>
+            <a:r>
+              <a:rPr kumimoji="1" lang="zh-CN" altLang="en-US" dirty="0" smtClean="0"/>
+              <a:t> </a:t>
+            </a:r>
+            <a:r>
+              <a:rPr kumimoji="1" lang="en-US" altLang="zh-CN" dirty="0" smtClean="0"/>
+              <a:t>tier</a:t>
+            </a:r>
+            <a:r>
+              <a:rPr kumimoji="1" lang="zh-CN" altLang="en-US" dirty="0" smtClean="0"/>
+              <a:t> </a:t>
+            </a:r>
+            <a:r>
+              <a:rPr kumimoji="1" lang="en-US" altLang="zh-CN" dirty="0" smtClean="0"/>
+              <a:t>and</a:t>
+            </a:r>
+            <a:r>
+              <a:rPr kumimoji="1" lang="zh-CN" altLang="en-US" dirty="0" smtClean="0"/>
+              <a:t> </a:t>
+            </a:r>
+            <a:r>
+              <a:rPr kumimoji="1" lang="en-US" altLang="zh-CN" dirty="0" smtClean="0"/>
+              <a:t>receive</a:t>
+            </a:r>
+            <a:r>
+              <a:rPr kumimoji="1" lang="zh-CN" altLang="en-US" dirty="0" smtClean="0"/>
+              <a:t> </a:t>
+            </a:r>
+            <a:r>
+              <a:rPr kumimoji="1" lang="en-US" altLang="zh-CN" dirty="0" smtClean="0"/>
+              <a:t>an</a:t>
+            </a:r>
+            <a:r>
+              <a:rPr kumimoji="1" lang="zh-CN" altLang="en-US" dirty="0" smtClean="0"/>
+              <a:t> </a:t>
+            </a:r>
+            <a:r>
+              <a:rPr kumimoji="1" lang="en-US" altLang="zh-CN" dirty="0" smtClean="0"/>
+              <a:t>ACK</a:t>
+            </a:r>
+            <a:r>
+              <a:rPr kumimoji="1" lang="zh-CN" altLang="en-US" dirty="0" smtClean="0"/>
+              <a:t> </a:t>
+            </a:r>
+            <a:r>
+              <a:rPr kumimoji="1" lang="en-US" altLang="zh-CN" dirty="0" smtClean="0"/>
+              <a:t>from</a:t>
+            </a:r>
+            <a:r>
+              <a:rPr kumimoji="1" lang="zh-CN" altLang="en-US" dirty="0" smtClean="0"/>
+              <a:t> </a:t>
+            </a:r>
+            <a:r>
+              <a:rPr kumimoji="1" lang="en-US" altLang="zh-CN" dirty="0" smtClean="0"/>
+              <a:t>cache</a:t>
+            </a:r>
+            <a:r>
+              <a:rPr kumimoji="1" lang="zh-CN" altLang="en-US" dirty="0" smtClean="0"/>
+              <a:t> </a:t>
+            </a:r>
+            <a:r>
+              <a:rPr kumimoji="1" lang="en-US" altLang="zh-CN" dirty="0" smtClean="0"/>
+              <a:t>tier</a:t>
+            </a:r>
+          </a:p>
+          <a:p>
+            <a:pPr lvl="1"/>
+            <a:r>
+              <a:rPr kumimoji="1" lang="en-US" altLang="zh-CN" dirty="0" smtClean="0"/>
+              <a:t>Read</a:t>
+            </a:r>
+            <a:r>
+              <a:rPr kumimoji="1" lang="zh-CN" altLang="en-US" dirty="0" smtClean="0"/>
+              <a:t> </a:t>
+            </a:r>
+            <a:r>
+              <a:rPr kumimoji="1" lang="en-US" altLang="zh-CN" dirty="0" smtClean="0"/>
+              <a:t>from</a:t>
+            </a:r>
+            <a:r>
+              <a:rPr kumimoji="1" lang="zh-CN" altLang="en-US" dirty="0" smtClean="0"/>
+              <a:t> </a:t>
+            </a:r>
+            <a:r>
+              <a:rPr kumimoji="1" lang="en-US" altLang="zh-CN" dirty="0" smtClean="0"/>
+              <a:t>cache</a:t>
+            </a:r>
+            <a:r>
+              <a:rPr kumimoji="1" lang="zh-CN" altLang="en-US" dirty="0" smtClean="0"/>
+              <a:t> </a:t>
+            </a:r>
+            <a:r>
+              <a:rPr kumimoji="1" lang="en-US" altLang="zh-CN" dirty="0" smtClean="0"/>
+              <a:t>tier</a:t>
+            </a:r>
+            <a:r>
+              <a:rPr kumimoji="1" lang="zh-CN" altLang="en-US" dirty="0" smtClean="0"/>
+              <a:t> </a:t>
+            </a:r>
+            <a:r>
+              <a:rPr kumimoji="1" lang="en-US" altLang="zh-CN" dirty="0" smtClean="0"/>
+              <a:t>first</a:t>
+            </a:r>
+            <a:r>
+              <a:rPr kumimoji="1" lang="zh-CN" altLang="en-US" dirty="0" smtClean="0"/>
+              <a:t> </a:t>
+            </a:r>
+            <a:r>
+              <a:rPr kumimoji="1" lang="en-US" altLang="zh-CN" dirty="0" smtClean="0"/>
+              <a:t>if</a:t>
+            </a:r>
+            <a:r>
+              <a:rPr kumimoji="1" lang="zh-CN" altLang="en-US" dirty="0" smtClean="0"/>
+              <a:t> </a:t>
+            </a:r>
+            <a:r>
+              <a:rPr kumimoji="1" lang="en-US" altLang="zh-CN" dirty="0" smtClean="0"/>
+              <a:t>cache</a:t>
+            </a:r>
+            <a:r>
+              <a:rPr kumimoji="1" lang="zh-CN" altLang="en-US" dirty="0" smtClean="0"/>
+              <a:t> </a:t>
+            </a:r>
+            <a:r>
+              <a:rPr kumimoji="1" lang="en-US" altLang="zh-CN" dirty="0" smtClean="0"/>
+              <a:t>hits,</a:t>
+            </a:r>
+            <a:r>
+              <a:rPr kumimoji="1" lang="zh-CN" altLang="en-US" dirty="0" smtClean="0"/>
+              <a:t> </a:t>
+            </a:r>
+            <a:r>
+              <a:rPr kumimoji="1" lang="en-US" altLang="zh-CN" dirty="0" smtClean="0"/>
+              <a:t>else</a:t>
+            </a:r>
+            <a:r>
+              <a:rPr kumimoji="1" lang="zh-CN" altLang="en-US" dirty="0" smtClean="0"/>
+              <a:t> </a:t>
+            </a:r>
+            <a:r>
+              <a:rPr kumimoji="1" lang="en-US" altLang="zh-CN" dirty="0" smtClean="0"/>
+              <a:t>read</a:t>
+            </a:r>
+            <a:r>
+              <a:rPr kumimoji="1" lang="zh-CN" altLang="en-US" dirty="0" smtClean="0"/>
+              <a:t> </a:t>
+            </a:r>
+            <a:r>
+              <a:rPr kumimoji="1" lang="en-US" altLang="zh-CN" dirty="0" smtClean="0"/>
+              <a:t>from</a:t>
+            </a:r>
+            <a:r>
+              <a:rPr kumimoji="1" lang="zh-CN" altLang="en-US" dirty="0" smtClean="0"/>
+              <a:t> </a:t>
+            </a:r>
+            <a:r>
+              <a:rPr kumimoji="1" lang="en-US" altLang="zh-CN" dirty="0" smtClean="0"/>
+              <a:t>storage</a:t>
+            </a:r>
+            <a:r>
+              <a:rPr kumimoji="1" lang="zh-CN" altLang="en-US" dirty="0" smtClean="0"/>
+              <a:t> </a:t>
+            </a:r>
+            <a:r>
+              <a:rPr kumimoji="1" lang="en-US" altLang="zh-CN" dirty="0" smtClean="0"/>
+              <a:t>tier</a:t>
+            </a:r>
+            <a:r>
+              <a:rPr kumimoji="1" lang="zh-CN" altLang="en-US" dirty="0" smtClean="0"/>
+              <a:t> </a:t>
+            </a:r>
+            <a:r>
+              <a:rPr kumimoji="1" lang="en-US" altLang="zh-CN" dirty="0" smtClean="0"/>
+              <a:t>to</a:t>
+            </a:r>
+            <a:r>
+              <a:rPr kumimoji="1" lang="zh-CN" altLang="en-US" dirty="0" smtClean="0"/>
+              <a:t> </a:t>
+            </a:r>
+            <a:r>
+              <a:rPr kumimoji="1" lang="en-US" altLang="zh-CN" dirty="0" smtClean="0"/>
+              <a:t>cache</a:t>
+            </a:r>
+            <a:r>
+              <a:rPr kumimoji="1" lang="zh-CN" altLang="en-US" dirty="0" smtClean="0"/>
+              <a:t> </a:t>
+            </a:r>
+            <a:r>
+              <a:rPr kumimoji="1" lang="en-US" altLang="zh-CN" dirty="0" smtClean="0"/>
+              <a:t>tier</a:t>
+            </a:r>
+            <a:r>
+              <a:rPr kumimoji="1" lang="zh-CN" altLang="en-US" dirty="0" smtClean="0"/>
+              <a:t> </a:t>
+            </a:r>
+            <a:r>
+              <a:rPr kumimoji="1" lang="en-US" altLang="zh-CN" dirty="0" smtClean="0"/>
+              <a:t>and</a:t>
+            </a:r>
+            <a:r>
+              <a:rPr kumimoji="1" lang="zh-CN" altLang="en-US" dirty="0" smtClean="0"/>
+              <a:t> </a:t>
+            </a:r>
+            <a:r>
+              <a:rPr kumimoji="1" lang="en-US" altLang="zh-CN" dirty="0" smtClean="0"/>
+              <a:t>resides</a:t>
+            </a:r>
+            <a:r>
+              <a:rPr kumimoji="1" lang="zh-CN" altLang="en-US" dirty="0" smtClean="0"/>
+              <a:t> </a:t>
+            </a:r>
+            <a:r>
+              <a:rPr kumimoji="1" lang="en-US" altLang="zh-CN" dirty="0" smtClean="0"/>
+              <a:t>then</a:t>
+            </a:r>
+            <a:r>
+              <a:rPr kumimoji="1" lang="zh-CN" altLang="en-US" dirty="0" smtClean="0"/>
+              <a:t> </a:t>
+            </a:r>
+            <a:r>
+              <a:rPr kumimoji="1" lang="en-US" altLang="zh-CN" dirty="0" smtClean="0"/>
+              <a:t>send</a:t>
+            </a:r>
+            <a:r>
+              <a:rPr kumimoji="1" lang="zh-CN" altLang="en-US" dirty="0" smtClean="0"/>
+              <a:t> </a:t>
+            </a:r>
+            <a:r>
+              <a:rPr kumimoji="1" lang="en-US" altLang="zh-CN" dirty="0" smtClean="0"/>
+              <a:t>to</a:t>
+            </a:r>
+            <a:r>
+              <a:rPr kumimoji="1" lang="zh-CN" altLang="en-US" dirty="0" smtClean="0"/>
+              <a:t> </a:t>
+            </a:r>
+            <a:r>
+              <a:rPr kumimoji="1" lang="en-US" altLang="zh-CN" dirty="0" smtClean="0"/>
+              <a:t>clients</a:t>
+            </a:r>
+          </a:p>
+          <a:p>
+            <a:r>
+              <a:rPr kumimoji="1" lang="en-US" altLang="zh-CN" b="1" dirty="0" err="1" smtClean="0">
+                <a:solidFill>
+                  <a:srgbClr val="0096FF"/>
+                </a:solidFill>
+              </a:rPr>
+              <a:t>Readproxy</a:t>
+            </a:r>
+            <a:endParaRPr kumimoji="1" lang="en-US" altLang="zh-CN" b="1" dirty="0" smtClean="0">
+              <a:solidFill>
+                <a:srgbClr val="0096FF"/>
+              </a:solidFill>
+            </a:endParaRPr>
+          </a:p>
+          <a:p>
+            <a:pPr lvl="1"/>
+            <a:r>
+              <a:rPr kumimoji="1" lang="en-US" altLang="zh-CN" dirty="0" smtClean="0"/>
+              <a:t>Read</a:t>
+            </a:r>
+            <a:r>
+              <a:rPr kumimoji="1" lang="zh-CN" altLang="en-US" dirty="0" smtClean="0"/>
+              <a:t> </a:t>
+            </a:r>
+            <a:r>
+              <a:rPr kumimoji="1" lang="en-US" altLang="zh-CN" dirty="0" smtClean="0"/>
+              <a:t>requests</a:t>
+            </a:r>
+            <a:r>
+              <a:rPr kumimoji="1" lang="zh-CN" altLang="en-US" dirty="0" smtClean="0"/>
+              <a:t> </a:t>
+            </a:r>
+            <a:r>
+              <a:rPr kumimoji="1" lang="en-US" altLang="zh-CN" dirty="0" smtClean="0"/>
+              <a:t>send</a:t>
+            </a:r>
+            <a:r>
+              <a:rPr kumimoji="1" lang="zh-CN" altLang="en-US" dirty="0" smtClean="0"/>
+              <a:t> </a:t>
+            </a:r>
+            <a:r>
+              <a:rPr kumimoji="1" lang="en-US" altLang="zh-CN" dirty="0" smtClean="0"/>
+              <a:t>to</a:t>
+            </a:r>
+            <a:r>
+              <a:rPr kumimoji="1" lang="zh-CN" altLang="en-US" dirty="0" smtClean="0"/>
+              <a:t> </a:t>
+            </a:r>
+            <a:r>
+              <a:rPr kumimoji="1" lang="en-US" altLang="zh-CN" dirty="0" smtClean="0"/>
+              <a:t>cache</a:t>
+            </a:r>
+            <a:r>
+              <a:rPr kumimoji="1" lang="zh-CN" altLang="en-US" dirty="0" smtClean="0"/>
+              <a:t> </a:t>
+            </a:r>
+            <a:r>
+              <a:rPr kumimoji="1" lang="en-US" altLang="zh-CN" dirty="0" smtClean="0"/>
+              <a:t>tier,</a:t>
+            </a:r>
+            <a:r>
+              <a:rPr kumimoji="1" lang="zh-CN" altLang="en-US" dirty="0" smtClean="0"/>
+              <a:t> </a:t>
+            </a:r>
+            <a:r>
+              <a:rPr kumimoji="1" lang="en-US" altLang="zh-CN" dirty="0" smtClean="0"/>
+              <a:t>cache</a:t>
+            </a:r>
+            <a:r>
+              <a:rPr kumimoji="1" lang="zh-CN" altLang="en-US" dirty="0" smtClean="0"/>
+              <a:t> </a:t>
+            </a:r>
+            <a:r>
+              <a:rPr kumimoji="1" lang="en-US" altLang="zh-CN" dirty="0" smtClean="0"/>
+              <a:t>tier</a:t>
+            </a:r>
+            <a:r>
+              <a:rPr kumimoji="1" lang="zh-CN" altLang="en-US" dirty="0" smtClean="0"/>
+              <a:t> </a:t>
+            </a:r>
+            <a:r>
+              <a:rPr kumimoji="1" lang="en-US" altLang="zh-CN" dirty="0" smtClean="0"/>
+              <a:t>read</a:t>
+            </a:r>
+            <a:r>
+              <a:rPr kumimoji="1" lang="zh-CN" altLang="en-US" dirty="0" smtClean="0"/>
+              <a:t> </a:t>
+            </a:r>
+            <a:r>
+              <a:rPr kumimoji="1" lang="en-US" altLang="zh-CN" dirty="0" smtClean="0"/>
+              <a:t>from</a:t>
+            </a:r>
+            <a:r>
+              <a:rPr kumimoji="1" lang="zh-CN" altLang="en-US" dirty="0" smtClean="0"/>
+              <a:t> </a:t>
+            </a:r>
+            <a:r>
+              <a:rPr kumimoji="1" lang="en-US" altLang="zh-CN" dirty="0" smtClean="0"/>
+              <a:t>storage</a:t>
+            </a:r>
+            <a:r>
+              <a:rPr kumimoji="1" lang="zh-CN" altLang="en-US" dirty="0" smtClean="0"/>
+              <a:t> </a:t>
+            </a:r>
+            <a:r>
+              <a:rPr kumimoji="1" lang="en-US" altLang="zh-CN" dirty="0" smtClean="0"/>
+              <a:t>tier</a:t>
+            </a:r>
+            <a:r>
+              <a:rPr kumimoji="1" lang="zh-CN" altLang="en-US" dirty="0" smtClean="0"/>
+              <a:t> </a:t>
+            </a:r>
+            <a:r>
+              <a:rPr kumimoji="1" lang="en-US" altLang="zh-CN" dirty="0" smtClean="0"/>
+              <a:t>and</a:t>
+            </a:r>
+            <a:r>
+              <a:rPr kumimoji="1" lang="zh-CN" altLang="en-US" dirty="0" smtClean="0"/>
+              <a:t> </a:t>
+            </a:r>
+            <a:r>
+              <a:rPr kumimoji="1" lang="en-US" altLang="zh-CN" dirty="0" smtClean="0"/>
+              <a:t>abort</a:t>
+            </a:r>
+            <a:r>
+              <a:rPr kumimoji="1" lang="zh-CN" altLang="en-US" dirty="0" smtClean="0"/>
+              <a:t> </a:t>
+            </a:r>
+            <a:r>
+              <a:rPr kumimoji="1" lang="en-US" altLang="zh-CN" dirty="0" smtClean="0"/>
+              <a:t>caching</a:t>
+            </a:r>
+          </a:p>
+          <a:p>
+            <a:pPr lvl="1"/>
+            <a:r>
+              <a:rPr kumimoji="1" lang="en-US" altLang="zh-CN" dirty="0" smtClean="0"/>
+              <a:t>Write</a:t>
+            </a:r>
+            <a:r>
+              <a:rPr kumimoji="1" lang="zh-CN" altLang="en-US" dirty="0" smtClean="0"/>
+              <a:t> </a:t>
+            </a:r>
+            <a:r>
+              <a:rPr kumimoji="1" lang="en-US" altLang="zh-CN" dirty="0" smtClean="0"/>
+              <a:t>requests</a:t>
+            </a:r>
+            <a:r>
+              <a:rPr kumimoji="1" lang="zh-CN" altLang="en-US" dirty="0" smtClean="0"/>
+              <a:t> </a:t>
+            </a:r>
+            <a:r>
+              <a:rPr kumimoji="1" lang="en-US" altLang="zh-CN" dirty="0" smtClean="0"/>
+              <a:t>benefit</a:t>
+            </a:r>
+            <a:r>
+              <a:rPr kumimoji="1" lang="zh-CN" altLang="en-US" dirty="0" smtClean="0"/>
+              <a:t> </a:t>
+            </a:r>
+            <a:r>
+              <a:rPr kumimoji="1" lang="en-US" altLang="zh-CN" dirty="0" err="1" smtClean="0"/>
+              <a:t>writeback</a:t>
+            </a:r>
+            <a:r>
+              <a:rPr kumimoji="1" lang="zh-CN" altLang="en-US" dirty="0" smtClean="0"/>
+              <a:t> </a:t>
+            </a:r>
+            <a:r>
+              <a:rPr kumimoji="1" lang="en-US" altLang="zh-CN" dirty="0" smtClean="0"/>
+              <a:t>mode</a:t>
+            </a:r>
+          </a:p>
+          <a:p>
+            <a:r>
+              <a:rPr kumimoji="1" lang="en-US" altLang="zh-CN" b="1" dirty="0" smtClean="0"/>
+              <a:t>Forward</a:t>
+            </a:r>
+            <a:endParaRPr kumimoji="1" lang="en-US" altLang="zh-CN" b="1" dirty="0"/>
+          </a:p>
+          <a:p>
+            <a:pPr lvl="1"/>
+            <a:r>
+              <a:rPr kumimoji="1" lang="en-US" altLang="zh-CN" dirty="0" smtClean="0"/>
+              <a:t>All</a:t>
+            </a:r>
+            <a:r>
+              <a:rPr kumimoji="1" lang="zh-CN" altLang="en-US" dirty="0" smtClean="0"/>
+              <a:t> </a:t>
+            </a:r>
+            <a:r>
+              <a:rPr kumimoji="1" lang="en-US" altLang="zh-CN" dirty="0" smtClean="0"/>
+              <a:t>requests</a:t>
+            </a:r>
+            <a:r>
+              <a:rPr kumimoji="1" lang="zh-CN" altLang="en-US" dirty="0" smtClean="0"/>
+              <a:t> </a:t>
+            </a:r>
+            <a:r>
+              <a:rPr kumimoji="1" lang="en-US" altLang="zh-CN" dirty="0" smtClean="0"/>
+              <a:t>redirect</a:t>
+            </a:r>
+            <a:r>
+              <a:rPr kumimoji="1" lang="zh-CN" altLang="en-US" dirty="0" smtClean="0"/>
+              <a:t> </a:t>
+            </a:r>
+            <a:r>
+              <a:rPr kumimoji="1" lang="en-US" altLang="zh-CN" dirty="0" smtClean="0"/>
+              <a:t>to</a:t>
+            </a:r>
+            <a:r>
+              <a:rPr kumimoji="1" lang="zh-CN" altLang="en-US" dirty="0" smtClean="0"/>
+              <a:t> </a:t>
+            </a:r>
+            <a:r>
+              <a:rPr kumimoji="1" lang="en-US" altLang="zh-CN" dirty="0" smtClean="0"/>
+              <a:t>storage</a:t>
+            </a:r>
+            <a:r>
+              <a:rPr kumimoji="1" lang="zh-CN" altLang="en-US" dirty="0" smtClean="0"/>
+              <a:t> </a:t>
+            </a:r>
+            <a:r>
+              <a:rPr kumimoji="1" lang="en-US" altLang="zh-CN" dirty="0" smtClean="0"/>
+              <a:t>tier</a:t>
+            </a:r>
+          </a:p>
+          <a:p>
+            <a:r>
+              <a:rPr kumimoji="1" lang="en-US" altLang="zh-CN" b="1" dirty="0" err="1" smtClean="0"/>
+              <a:t>Readonly</a:t>
+            </a:r>
+            <a:endParaRPr kumimoji="1" lang="en-US" altLang="zh-CN" b="1" dirty="0" smtClean="0"/>
+          </a:p>
+          <a:p>
+            <a:pPr lvl="1"/>
+            <a:r>
+              <a:rPr kumimoji="1" lang="en-US" altLang="zh-CN" dirty="0" smtClean="0"/>
+              <a:t>Write</a:t>
+            </a:r>
+            <a:r>
+              <a:rPr kumimoji="1" lang="zh-CN" altLang="en-US" dirty="0" smtClean="0"/>
+              <a:t> </a:t>
+            </a:r>
+            <a:r>
+              <a:rPr kumimoji="1" lang="en-US" altLang="zh-CN" dirty="0" smtClean="0"/>
+              <a:t>to</a:t>
+            </a:r>
+            <a:r>
+              <a:rPr kumimoji="1" lang="zh-CN" altLang="en-US" dirty="0" smtClean="0"/>
+              <a:t> </a:t>
+            </a:r>
+            <a:r>
+              <a:rPr kumimoji="1" lang="en-US" altLang="zh-CN" dirty="0" smtClean="0"/>
+              <a:t>storage</a:t>
+            </a:r>
+            <a:r>
+              <a:rPr kumimoji="1" lang="zh-CN" altLang="en-US" dirty="0" smtClean="0"/>
+              <a:t> </a:t>
+            </a:r>
+            <a:r>
+              <a:rPr kumimoji="1" lang="en-US" altLang="zh-CN" dirty="0" smtClean="0"/>
+              <a:t>tier</a:t>
+            </a:r>
+            <a:r>
+              <a:rPr kumimoji="1" lang="zh-CN" altLang="en-US" dirty="0" smtClean="0"/>
+              <a:t> </a:t>
+            </a:r>
+            <a:r>
+              <a:rPr kumimoji="1" lang="en-US" altLang="zh-CN" dirty="0" smtClean="0"/>
+              <a:t>directly</a:t>
+            </a:r>
+            <a:r>
+              <a:rPr kumimoji="1" lang="zh-CN" altLang="en-US" dirty="0" smtClean="0"/>
+              <a:t> </a:t>
+            </a:r>
+            <a:r>
+              <a:rPr kumimoji="1" lang="en-US" altLang="zh-CN" dirty="0" smtClean="0"/>
+              <a:t>and</a:t>
+            </a:r>
+            <a:r>
+              <a:rPr kumimoji="1" lang="zh-CN" altLang="en-US" dirty="0" smtClean="0"/>
+              <a:t> </a:t>
+            </a:r>
+            <a:r>
+              <a:rPr kumimoji="1" lang="en-US" altLang="zh-CN" dirty="0" smtClean="0"/>
+              <a:t>read</a:t>
+            </a:r>
+            <a:r>
+              <a:rPr kumimoji="1" lang="zh-CN" altLang="en-US" dirty="0" smtClean="0"/>
+              <a:t> </a:t>
+            </a:r>
+            <a:r>
+              <a:rPr kumimoji="1" lang="en-US" altLang="zh-CN" dirty="0" smtClean="0"/>
+              <a:t>from</a:t>
+            </a:r>
+            <a:r>
+              <a:rPr kumimoji="1" lang="zh-CN" altLang="en-US" dirty="0" smtClean="0"/>
+              <a:t> </a:t>
+            </a:r>
+            <a:r>
+              <a:rPr kumimoji="1" lang="en-US" altLang="zh-CN" dirty="0" smtClean="0"/>
+              <a:t>cache</a:t>
+            </a:r>
+            <a:r>
+              <a:rPr kumimoji="1" lang="zh-CN" altLang="en-US" dirty="0" smtClean="0"/>
+              <a:t> </a:t>
+            </a:r>
+            <a:r>
+              <a:rPr kumimoji="1" lang="en-US" altLang="zh-CN" dirty="0" smtClean="0"/>
+              <a:t>tier</a:t>
+            </a:r>
+            <a:r>
+              <a:rPr kumimoji="1" lang="zh-CN" altLang="en-US" dirty="0" smtClean="0"/>
+              <a:t> </a:t>
+            </a:r>
+            <a:r>
+              <a:rPr kumimoji="1" lang="en-US" altLang="zh-CN" dirty="0" smtClean="0"/>
+              <a:t>if</a:t>
+            </a:r>
+            <a:r>
+              <a:rPr kumimoji="1" lang="zh-CN" altLang="en-US" dirty="0" smtClean="0"/>
+              <a:t> </a:t>
+            </a:r>
+            <a:r>
+              <a:rPr kumimoji="1" lang="en-US" altLang="zh-CN" dirty="0" smtClean="0"/>
+              <a:t>cache</a:t>
+            </a:r>
+            <a:r>
+              <a:rPr kumimoji="1" lang="zh-CN" altLang="en-US" dirty="0" smtClean="0"/>
+              <a:t> </a:t>
+            </a:r>
+            <a:r>
+              <a:rPr kumimoji="1" lang="en-US" altLang="zh-CN" dirty="0" smtClean="0"/>
+              <a:t>hits,</a:t>
+            </a:r>
+            <a:r>
+              <a:rPr kumimoji="1" lang="zh-CN" altLang="en-US" dirty="0" smtClean="0"/>
+              <a:t> </a:t>
+            </a:r>
+            <a:r>
+              <a:rPr kumimoji="1" lang="en-US" altLang="zh-CN" dirty="0" smtClean="0"/>
+              <a:t>else</a:t>
+            </a:r>
+            <a:r>
+              <a:rPr kumimoji="1" lang="zh-CN" altLang="en-US" dirty="0" smtClean="0"/>
+              <a:t> </a:t>
+            </a:r>
+            <a:r>
+              <a:rPr kumimoji="1" lang="en-US" altLang="zh-CN" dirty="0" smtClean="0"/>
+              <a:t>read</a:t>
+            </a:r>
+            <a:r>
+              <a:rPr kumimoji="1" lang="zh-CN" altLang="en-US" dirty="0" smtClean="0"/>
+              <a:t> </a:t>
+            </a:r>
+            <a:r>
+              <a:rPr kumimoji="1" lang="en-US" altLang="zh-CN" dirty="0" smtClean="0"/>
+              <a:t>from</a:t>
+            </a:r>
+            <a:r>
+              <a:rPr kumimoji="1" lang="zh-CN" altLang="en-US" dirty="0" smtClean="0"/>
+              <a:t> </a:t>
+            </a:r>
+            <a:r>
+              <a:rPr kumimoji="1" lang="en-US" altLang="zh-CN" dirty="0" smtClean="0"/>
+              <a:t>storage</a:t>
+            </a:r>
+            <a:r>
+              <a:rPr kumimoji="1" lang="zh-CN" altLang="en-US" dirty="0" smtClean="0"/>
+              <a:t> </a:t>
+            </a:r>
+            <a:r>
+              <a:rPr kumimoji="1" lang="en-US" altLang="zh-CN" dirty="0" smtClean="0"/>
+              <a:t>tier</a:t>
+            </a:r>
+            <a:r>
+              <a:rPr kumimoji="1" lang="zh-CN" altLang="en-US" dirty="0" smtClean="0"/>
+              <a:t> </a:t>
+            </a:r>
+            <a:r>
+              <a:rPr kumimoji="1" lang="en-US" altLang="zh-CN" dirty="0" smtClean="0"/>
+              <a:t>and</a:t>
+            </a:r>
+            <a:r>
+              <a:rPr kumimoji="1" lang="zh-CN" altLang="en-US" dirty="0" smtClean="0"/>
+              <a:t> </a:t>
+            </a:r>
+            <a:r>
+              <a:rPr kumimoji="1" lang="en-US" altLang="zh-CN" dirty="0" smtClean="0"/>
+              <a:t>resides</a:t>
+            </a:r>
+            <a:r>
+              <a:rPr kumimoji="1" lang="zh-CN" altLang="en-US" dirty="0" smtClean="0"/>
+              <a:t> </a:t>
+            </a:r>
+            <a:r>
+              <a:rPr kumimoji="1" lang="en-US" altLang="zh-CN" dirty="0" smtClean="0"/>
+              <a:t>then</a:t>
+            </a:r>
+            <a:r>
+              <a:rPr kumimoji="1" lang="zh-CN" altLang="en-US" dirty="0" smtClean="0"/>
+              <a:t> </a:t>
+            </a:r>
+            <a:r>
+              <a:rPr kumimoji="1" lang="en-US" altLang="zh-CN" dirty="0" smtClean="0"/>
+              <a:t>send</a:t>
+            </a:r>
+            <a:r>
+              <a:rPr kumimoji="1" lang="zh-CN" altLang="en-US" dirty="0" smtClean="0"/>
+              <a:t> </a:t>
+            </a:r>
+            <a:r>
+              <a:rPr kumimoji="1" lang="en-US" altLang="zh-CN" dirty="0" smtClean="0"/>
+              <a:t>to</a:t>
+            </a:r>
+            <a:r>
+              <a:rPr kumimoji="1" lang="zh-CN" altLang="en-US" dirty="0" smtClean="0"/>
+              <a:t> </a:t>
+            </a:r>
+            <a:r>
+              <a:rPr kumimoji="1" lang="en-US" altLang="zh-CN" dirty="0" smtClean="0"/>
+              <a:t>clients</a:t>
+            </a:r>
+            <a:endParaRPr kumimoji="1" lang="en-US" altLang="zh-CN" dirty="0"/>
+          </a:p>
+          <a:p>
+            <a:r>
+              <a:rPr kumimoji="1" lang="en-US" altLang="zh-CN" b="1" dirty="0" err="1" smtClean="0"/>
+              <a:t>Readforward</a:t>
+            </a:r>
+            <a:r>
+              <a:rPr kumimoji="1" lang="zh-CN" altLang="en-US" b="1" dirty="0" smtClean="0"/>
+              <a:t> </a:t>
+            </a:r>
+            <a:endParaRPr kumimoji="1" lang="en-US" altLang="zh-CN" b="1" dirty="0" smtClean="0"/>
+          </a:p>
+          <a:p>
+            <a:pPr lvl="1"/>
+            <a:r>
+              <a:rPr kumimoji="1" lang="en-US" altLang="zh-CN" dirty="0" smtClean="0"/>
+              <a:t>Read</a:t>
+            </a:r>
+            <a:r>
+              <a:rPr kumimoji="1" lang="zh-CN" altLang="en-US" dirty="0" smtClean="0"/>
+              <a:t> </a:t>
+            </a:r>
+            <a:r>
+              <a:rPr kumimoji="1" lang="en-US" altLang="zh-CN" dirty="0" smtClean="0"/>
+              <a:t>requests</a:t>
+            </a:r>
+            <a:r>
+              <a:rPr kumimoji="1" lang="zh-CN" altLang="en-US" dirty="0" smtClean="0"/>
+              <a:t> </a:t>
+            </a:r>
+            <a:r>
+              <a:rPr kumimoji="1" lang="en-US" altLang="zh-CN" dirty="0" smtClean="0"/>
+              <a:t>redirect</a:t>
+            </a:r>
+            <a:r>
+              <a:rPr kumimoji="1" lang="zh-CN" altLang="en-US" dirty="0" smtClean="0"/>
+              <a:t> </a:t>
+            </a:r>
+            <a:r>
+              <a:rPr kumimoji="1" lang="en-US" altLang="zh-CN" dirty="0" smtClean="0"/>
+              <a:t>to</a:t>
+            </a:r>
+            <a:r>
+              <a:rPr kumimoji="1" lang="zh-CN" altLang="en-US" dirty="0" smtClean="0"/>
+              <a:t> </a:t>
+            </a:r>
+            <a:r>
+              <a:rPr kumimoji="1" lang="en-US" altLang="zh-CN" dirty="0" smtClean="0"/>
+              <a:t>storage</a:t>
+            </a:r>
+            <a:r>
+              <a:rPr kumimoji="1" lang="zh-CN" altLang="en-US" dirty="0" smtClean="0"/>
+              <a:t> </a:t>
+            </a:r>
+            <a:r>
+              <a:rPr kumimoji="1" lang="en-US" altLang="zh-CN" dirty="0" smtClean="0"/>
+              <a:t>tier</a:t>
+            </a:r>
+            <a:r>
+              <a:rPr kumimoji="1" lang="zh-CN" altLang="en-US" dirty="0" smtClean="0"/>
+              <a:t> </a:t>
+            </a:r>
+            <a:r>
+              <a:rPr kumimoji="1" lang="en-US" altLang="zh-CN" dirty="0" smtClean="0"/>
+              <a:t>and</a:t>
+            </a:r>
+            <a:r>
+              <a:rPr kumimoji="1" lang="zh-CN" altLang="en-US" dirty="0" smtClean="0"/>
+              <a:t> </a:t>
+            </a:r>
+            <a:r>
+              <a:rPr kumimoji="1" lang="en-US" altLang="zh-CN" dirty="0" smtClean="0"/>
+              <a:t>write</a:t>
+            </a:r>
+            <a:r>
+              <a:rPr kumimoji="1" lang="zh-CN" altLang="en-US" dirty="0" smtClean="0"/>
+              <a:t> </a:t>
+            </a:r>
+            <a:r>
+              <a:rPr kumimoji="1" lang="en-US" altLang="zh-CN" dirty="0" smtClean="0"/>
+              <a:t>requests</a:t>
+            </a:r>
+            <a:r>
+              <a:rPr kumimoji="1" lang="zh-CN" altLang="en-US" dirty="0" smtClean="0"/>
+              <a:t> </a:t>
+            </a:r>
+            <a:r>
+              <a:rPr kumimoji="1" lang="en-US" altLang="zh-CN" dirty="0" smtClean="0"/>
+              <a:t>benefit</a:t>
+            </a:r>
+            <a:r>
+              <a:rPr kumimoji="1" lang="zh-CN" altLang="en-US" dirty="0" smtClean="0"/>
+              <a:t> </a:t>
+            </a:r>
+            <a:r>
+              <a:rPr kumimoji="1" lang="en-US" altLang="zh-CN" dirty="0" err="1" smtClean="0"/>
+              <a:t>writeback</a:t>
+            </a:r>
+            <a:r>
+              <a:rPr kumimoji="1" lang="zh-CN" altLang="en-US" dirty="0" smtClean="0"/>
+              <a:t> </a:t>
+            </a:r>
+            <a:r>
+              <a:rPr kumimoji="1" lang="en-US" altLang="zh-CN" dirty="0" smtClean="0"/>
+              <a:t>mode</a:t>
+            </a:r>
+          </a:p>
+        </p:txBody>
+      </p:sp>
+      <p:sp>
+        <p:nvSpPr>
+          <p:cNvPr id="4" name="幻灯片编号占位符 3"/>
+          <p:cNvSpPr>
+            <a:spLocks noGrp="1"/>
+          </p:cNvSpPr>
+          <p:nvPr>
+            <p:ph type="sldNum" sz="quarter" idx="12"/>
+          </p:nvPr>
+        </p:nvSpPr>
+        <p:spPr/>
+        <p:txBody>
+          <a:bodyPr/>
+          <a:lstStyle/>
+          <a:p>
+            <a:fld id="{7A42213F-69D4-1749-942C-9A85A9F9A76E}" type="slidenum">
+              <a:rPr kumimoji="1" lang="zh-CN" altLang="en-US" smtClean="0"/>
+              <a:pPr/>
+              <a:t>19</a:t>
+            </a:fld>
+            <a:endParaRPr kumimoji="1" lang="zh-CN" altLang="en-US"/>
+          </a:p>
+        </p:txBody>
+      </p:sp>
+    </p:spTree>
+    <p:extLst>
+      <p:ext uri="{BB962C8B-B14F-4D97-AF65-F5344CB8AC3E}">
+        <p14:creationId xmlns:p14="http://schemas.microsoft.com/office/powerpoint/2010/main" val="1976688018"/>
+      </p:ext>
+    </p:extLst>
+  </p:cSld>
+  <p:clrMapOvr>
+    <a:masterClrMapping/>
+  </p:clrMapOvr>
+  <p:timing>
+    <p:tnLst>
+      <p:par>
+        <p:cTn id="1" dur="indefinite" restart="never" nodeType="tmRoot"/>
+      </p:par>
+    </p:tnLst>
+  </p:timing>
+</p:sld>
+</file>
+
+<file path=ppt/slides/slide2.xml><?xml version="1.0" encoding="utf-8"?>
+<p:sld xmlns:a="http://schemas.openxmlformats.org/drawingml/2006/main" xmlns:r="http://schemas.openxmlformats.org/officeDocument/2006/relationships" xmlns:p="http://schemas.openxmlformats.org/presentationml/2006/main">
+  <p:cSld>
+    <p:spTree>
+      <p:nvGrpSpPr>
+        <p:cNvPr id="1" name=""/>
+        <p:cNvGrpSpPr/>
+        <p:nvPr/>
+      </p:nvGrpSpPr>
+      <p:grpSpPr>
+        <a:xfrm>
+          <a:off x="0" y="0"/>
+          <a:ext cx="0" cy="0"/>
+          <a:chOff x="0" y="0"/>
+          <a:chExt cx="0" cy="0"/>
+        </a:xfrm>
+      </p:grpSpPr>
+      <p:sp>
+        <p:nvSpPr>
+          <p:cNvPr id="2" name="标题 1"/>
+          <p:cNvSpPr>
+            <a:spLocks noGrp="1"/>
+          </p:cNvSpPr>
+          <p:nvPr>
+            <p:ph type="title"/>
+          </p:nvPr>
+        </p:nvSpPr>
+        <p:spPr/>
+        <p:txBody>
+          <a:bodyPr/>
+          <a:lstStyle/>
+          <a:p>
+            <a:r>
+              <a:rPr kumimoji="1" lang="en-US" altLang="zh-CN" dirty="0" err="1" smtClean="0"/>
+              <a:t>Ceph</a:t>
             </a:r>
             <a:endParaRPr kumimoji="1" lang="zh-CN" altLang="en-US" dirty="0"/>
           </a:p>
@@ -17831,325 +20034,64 @@
           <a:lstStyle/>
           <a:p>
             <a:r>
-              <a:rPr kumimoji="1" lang="en-US" altLang="zh-CN" dirty="0" smtClean="0"/>
-              <a:t>Small</a:t>
-            </a:r>
-            <a:r>
-              <a:rPr kumimoji="1" lang="zh-CN" altLang="en-US" dirty="0" smtClean="0"/>
-              <a:t> </a:t>
-            </a:r>
-            <a:r>
-              <a:rPr kumimoji="1" lang="en-US" altLang="zh-CN" dirty="0" smtClean="0"/>
-              <a:t>I/O</a:t>
-            </a:r>
-            <a:r>
-              <a:rPr kumimoji="1" lang="zh-CN" altLang="en-US" dirty="0" smtClean="0"/>
-              <a:t> </a:t>
-            </a:r>
-            <a:r>
-              <a:rPr kumimoji="1" lang="en-US" altLang="zh-CN" dirty="0" smtClean="0"/>
-              <a:t>update</a:t>
+              <a:rPr lang="en-US" altLang="zh-CN" dirty="0"/>
+              <a:t>A Scalable, High-Performance Distributed File System </a:t>
+            </a:r>
+            <a:endParaRPr lang="en-US" altLang="zh-CN" dirty="0" smtClean="0"/>
+          </a:p>
+          <a:p>
+            <a:r>
+              <a:rPr lang="en-US" altLang="zh-CN" dirty="0" smtClean="0"/>
+              <a:t>Intro</a:t>
             </a:r>
           </a:p>
           <a:p>
             <a:pPr lvl="1"/>
             <a:r>
-              <a:rPr kumimoji="1" lang="en-US" altLang="zh-CN" dirty="0" smtClean="0"/>
+              <a:rPr lang="en-US" altLang="zh-CN" dirty="0" smtClean="0">
+                <a:effectLst/>
+              </a:rPr>
               <a:t>Object</a:t>
             </a:r>
             <a:r>
-              <a:rPr kumimoji="1" lang="zh-CN" altLang="en-US" dirty="0" smtClean="0"/>
-              <a:t> </a:t>
-            </a:r>
-            <a:r>
-              <a:rPr kumimoji="1" lang="en-US" altLang="zh-CN" dirty="0" smtClean="0"/>
-              <a:t>size</a:t>
-            </a:r>
-            <a:r>
-              <a:rPr kumimoji="1" lang="mr-IN" altLang="zh-CN" dirty="0" smtClean="0"/>
-              <a:t>–</a:t>
-            </a:r>
-            <a:r>
-              <a:rPr kumimoji="1" lang="zh-CN" altLang="en-US" dirty="0" smtClean="0"/>
-              <a:t> </a:t>
-            </a:r>
-            <a:r>
-              <a:rPr kumimoji="1" lang="en-US" altLang="zh-CN" dirty="0" smtClean="0"/>
-              <a:t>4MB(default)</a:t>
+              <a:rPr lang="zh-CN" altLang="en-US" dirty="0" smtClean="0">
+                <a:effectLst/>
+              </a:rPr>
+              <a:t> </a:t>
+            </a:r>
+            <a:r>
+              <a:rPr lang="en-US" altLang="zh-CN" dirty="0" smtClean="0">
+                <a:effectLst/>
+              </a:rPr>
+              <a:t>storage</a:t>
             </a:r>
           </a:p>
           <a:p>
             <a:pPr lvl="1"/>
             <a:r>
-              <a:rPr kumimoji="1" lang="en-US" altLang="zh-CN" dirty="0" smtClean="0"/>
-              <a:t>Extra</a:t>
-            </a:r>
-            <a:r>
-              <a:rPr kumimoji="1" lang="zh-CN" altLang="en-US" dirty="0" smtClean="0"/>
-              <a:t> </a:t>
-            </a:r>
-            <a:r>
-              <a:rPr kumimoji="1" lang="en-US" altLang="zh-CN" dirty="0" smtClean="0"/>
-              <a:t>read</a:t>
-            </a:r>
-            <a:r>
-              <a:rPr kumimoji="1" lang="zh-CN" altLang="en-US" dirty="0" smtClean="0"/>
-              <a:t> </a:t>
-            </a:r>
-            <a:r>
-              <a:rPr kumimoji="1" lang="en-US" altLang="zh-CN" dirty="0" smtClean="0"/>
-              <a:t>op</a:t>
+              <a:rPr lang="en-US" altLang="zh-CN" dirty="0" smtClean="0"/>
+              <a:t>Block</a:t>
+            </a:r>
+            <a:r>
+              <a:rPr lang="zh-CN" altLang="en-US" dirty="0" smtClean="0"/>
+              <a:t> </a:t>
+            </a:r>
+            <a:r>
+              <a:rPr lang="en-US" altLang="zh-CN" dirty="0" smtClean="0"/>
+              <a:t>device</a:t>
             </a:r>
           </a:p>
           <a:p>
             <a:pPr lvl="1"/>
             <a:r>
-              <a:rPr kumimoji="1" lang="en-US" altLang="zh-CN" dirty="0" smtClean="0"/>
-              <a:t>Merge</a:t>
-            </a:r>
-            <a:r>
-              <a:rPr kumimoji="1" lang="zh-CN" altLang="en-US" dirty="0" smtClean="0"/>
-              <a:t> </a:t>
-            </a:r>
-            <a:r>
-              <a:rPr kumimoji="1" lang="en-US" altLang="zh-CN" dirty="0" smtClean="0"/>
-              <a:t>small</a:t>
-            </a:r>
-            <a:r>
-              <a:rPr kumimoji="1" lang="zh-CN" altLang="en-US" dirty="0" smtClean="0"/>
-              <a:t> </a:t>
-            </a:r>
-            <a:r>
-              <a:rPr kumimoji="1" lang="en-US" altLang="zh-CN" dirty="0" smtClean="0"/>
-              <a:t>update</a:t>
-            </a:r>
-          </a:p>
-          <a:p>
-            <a:pPr lvl="1"/>
-            <a:r>
-              <a:rPr kumimoji="1" lang="en-US" altLang="zh-CN" dirty="0" smtClean="0"/>
-              <a:t>Evict</a:t>
-            </a:r>
-            <a:r>
-              <a:rPr kumimoji="1" lang="zh-CN" altLang="en-US" dirty="0" smtClean="0"/>
-              <a:t> </a:t>
-            </a:r>
-            <a:r>
-              <a:rPr kumimoji="1" lang="en-US" altLang="zh-CN" dirty="0" smtClean="0"/>
-              <a:t>new</a:t>
-            </a:r>
-            <a:r>
-              <a:rPr kumimoji="1" lang="zh-CN" altLang="en-US" dirty="0" smtClean="0"/>
-              <a:t> </a:t>
-            </a:r>
-            <a:r>
-              <a:rPr kumimoji="1" lang="en-US" altLang="zh-CN" dirty="0" smtClean="0"/>
-              <a:t>object</a:t>
-            </a:r>
-          </a:p>
-          <a:p>
-            <a:pPr lvl="1"/>
-            <a:endParaRPr kumimoji="1" lang="en-US" altLang="zh-CN" dirty="0"/>
-          </a:p>
-          <a:p>
-            <a:r>
-              <a:rPr kumimoji="1" lang="en-US" altLang="zh-CN" dirty="0" smtClean="0">
-                <a:solidFill>
-                  <a:srgbClr val="0096FF"/>
-                </a:solidFill>
+              <a:rPr lang="en-US" altLang="zh-CN" dirty="0" smtClean="0">
+                <a:effectLst/>
               </a:rPr>
-              <a:t>Goal</a:t>
-            </a:r>
-          </a:p>
-          <a:p>
-            <a:pPr lvl="1"/>
-            <a:r>
-              <a:rPr kumimoji="1" lang="en-US" altLang="zh-CN" dirty="0" smtClean="0">
-                <a:solidFill>
-                  <a:srgbClr val="0096FF"/>
-                </a:solidFill>
-              </a:rPr>
-              <a:t>Combine</a:t>
-            </a:r>
-            <a:r>
-              <a:rPr kumimoji="1" lang="zh-CN" altLang="en-US" dirty="0" smtClean="0">
-                <a:solidFill>
-                  <a:srgbClr val="0096FF"/>
-                </a:solidFill>
-              </a:rPr>
-              <a:t> </a:t>
-            </a:r>
-            <a:r>
-              <a:rPr kumimoji="1" lang="en-US" altLang="zh-CN" dirty="0" smtClean="0">
-                <a:solidFill>
-                  <a:srgbClr val="0096FF"/>
-                </a:solidFill>
-              </a:rPr>
-              <a:t>small</a:t>
-            </a:r>
-            <a:r>
-              <a:rPr kumimoji="1" lang="zh-CN" altLang="en-US" dirty="0" smtClean="0">
-                <a:solidFill>
-                  <a:srgbClr val="0096FF"/>
-                </a:solidFill>
-              </a:rPr>
-              <a:t> </a:t>
-            </a:r>
-            <a:r>
-              <a:rPr kumimoji="1" lang="en-US" altLang="zh-CN" dirty="0" smtClean="0">
-                <a:solidFill>
-                  <a:srgbClr val="0096FF"/>
-                </a:solidFill>
-              </a:rPr>
-              <a:t>I/O</a:t>
-            </a:r>
-            <a:r>
-              <a:rPr kumimoji="1" lang="zh-CN" altLang="en-US" dirty="0" smtClean="0">
-                <a:solidFill>
-                  <a:srgbClr val="0096FF"/>
-                </a:solidFill>
-              </a:rPr>
-              <a:t> </a:t>
-            </a:r>
-            <a:r>
-              <a:rPr kumimoji="1" lang="en-US" altLang="zh-CN" dirty="0" smtClean="0">
-                <a:solidFill>
-                  <a:srgbClr val="0096FF"/>
-                </a:solidFill>
-              </a:rPr>
-              <a:t>into</a:t>
-            </a:r>
-            <a:r>
-              <a:rPr kumimoji="1" lang="zh-CN" altLang="en-US" dirty="0" smtClean="0">
-                <a:solidFill>
-                  <a:srgbClr val="0096FF"/>
-                </a:solidFill>
-              </a:rPr>
-              <a:t> </a:t>
-            </a:r>
-            <a:r>
-              <a:rPr kumimoji="1" lang="en-US" altLang="zh-CN" dirty="0" smtClean="0">
-                <a:solidFill>
-                  <a:srgbClr val="0096FF"/>
-                </a:solidFill>
-              </a:rPr>
-              <a:t>large</a:t>
-            </a:r>
-            <a:r>
-              <a:rPr kumimoji="1" lang="zh-CN" altLang="en-US" dirty="0" smtClean="0">
-                <a:solidFill>
-                  <a:srgbClr val="0096FF"/>
-                </a:solidFill>
-              </a:rPr>
-              <a:t> </a:t>
-            </a:r>
-            <a:r>
-              <a:rPr kumimoji="1" lang="en-US" altLang="zh-CN" dirty="0" smtClean="0">
-                <a:solidFill>
-                  <a:srgbClr val="0096FF"/>
-                </a:solidFill>
-              </a:rPr>
-              <a:t>one</a:t>
-            </a:r>
-          </a:p>
-          <a:p>
-            <a:pPr lvl="1"/>
-            <a:r>
-              <a:rPr kumimoji="1" lang="en-US" altLang="zh-CN" dirty="0" smtClean="0">
-                <a:solidFill>
-                  <a:srgbClr val="0096FF"/>
-                </a:solidFill>
-              </a:rPr>
-              <a:t>Evict</a:t>
-            </a:r>
-            <a:r>
-              <a:rPr kumimoji="1" lang="zh-CN" altLang="en-US" dirty="0" smtClean="0">
-                <a:solidFill>
-                  <a:srgbClr val="0096FF"/>
-                </a:solidFill>
-              </a:rPr>
-              <a:t> </a:t>
-            </a:r>
-            <a:r>
-              <a:rPr kumimoji="1" lang="en-US" altLang="zh-CN" dirty="0" smtClean="0">
-                <a:solidFill>
-                  <a:srgbClr val="0096FF"/>
-                </a:solidFill>
-              </a:rPr>
-              <a:t>with</a:t>
-            </a:r>
-            <a:r>
-              <a:rPr kumimoji="1" lang="zh-CN" altLang="en-US" dirty="0" smtClean="0">
-                <a:solidFill>
-                  <a:srgbClr val="0096FF"/>
-                </a:solidFill>
-              </a:rPr>
-              <a:t> </a:t>
-            </a:r>
-            <a:r>
-              <a:rPr kumimoji="1" lang="en-US" altLang="zh-CN" dirty="0" smtClean="0">
-                <a:solidFill>
-                  <a:srgbClr val="0096FF"/>
-                </a:solidFill>
-              </a:rPr>
-              <a:t>no</a:t>
-            </a:r>
-            <a:r>
-              <a:rPr kumimoji="1" lang="zh-CN" altLang="en-US" dirty="0" smtClean="0">
-                <a:solidFill>
-                  <a:srgbClr val="0096FF"/>
-                </a:solidFill>
-              </a:rPr>
-              <a:t> </a:t>
-            </a:r>
-            <a:r>
-              <a:rPr kumimoji="1" lang="en-US" altLang="zh-CN" dirty="0" smtClean="0">
-                <a:solidFill>
-                  <a:srgbClr val="0096FF"/>
-                </a:solidFill>
-              </a:rPr>
-              <a:t>extra</a:t>
-            </a:r>
-            <a:r>
-              <a:rPr kumimoji="1" lang="zh-CN" altLang="en-US" dirty="0" smtClean="0">
-                <a:solidFill>
-                  <a:srgbClr val="0096FF"/>
-                </a:solidFill>
-              </a:rPr>
-              <a:t> </a:t>
-            </a:r>
-            <a:r>
-              <a:rPr kumimoji="1" lang="en-US" altLang="zh-CN" dirty="0" smtClean="0">
-                <a:solidFill>
-                  <a:srgbClr val="0096FF"/>
-                </a:solidFill>
-              </a:rPr>
-              <a:t>read</a:t>
-            </a:r>
-            <a:r>
-              <a:rPr kumimoji="1" lang="zh-CN" altLang="en-US" dirty="0" smtClean="0">
-                <a:solidFill>
-                  <a:srgbClr val="0096FF"/>
-                </a:solidFill>
-              </a:rPr>
-              <a:t> </a:t>
-            </a:r>
-            <a:r>
-              <a:rPr kumimoji="1" lang="en-US" altLang="zh-CN" dirty="0" smtClean="0">
-                <a:solidFill>
-                  <a:srgbClr val="0096FF"/>
-                </a:solidFill>
-              </a:rPr>
-              <a:t>op</a:t>
-            </a:r>
-          </a:p>
-          <a:p>
-            <a:pPr lvl="1"/>
-            <a:endParaRPr kumimoji="1" lang="en-US" altLang="zh-CN" dirty="0" smtClean="0"/>
-          </a:p>
-          <a:p>
-            <a:pPr lvl="1"/>
-            <a:endParaRPr kumimoji="1" lang="zh-CN" altLang="en-US" dirty="0"/>
+              <a:t>Filesystem</a:t>
+            </a:r>
+            <a:endParaRPr lang="en-US" altLang="zh-CN" dirty="0">
+              <a:effectLst/>
+            </a:endParaRPr>
           </a:p>
         </p:txBody>
       </p:sp>
@@ -18170,8 +20112,465 @@
           <a:p>
             <a:fld id="{7A42213F-69D4-1749-942C-9A85A9F9A76E}" type="slidenum">
               <a:rPr kumimoji="1" lang="zh-CN" altLang="en-US" smtClean="0"/>
+              <a:t>2</a:t>
+            </a:fld>
+            <a:endParaRPr kumimoji="1" lang="zh-CN" altLang="en-US"/>
+          </a:p>
+        </p:txBody>
+      </p:sp>
+      <p:pic>
+        <p:nvPicPr>
+          <p:cNvPr id="7" name="图片 6"/>
+          <p:cNvPicPr>
+            <a:picLocks noChangeAspect="1"/>
+          </p:cNvPicPr>
+          <p:nvPr/>
+        </p:nvPicPr>
+        <p:blipFill>
+          <a:blip r:embed="rId2"/>
+          <a:stretch>
+            <a:fillRect/>
+          </a:stretch>
+        </p:blipFill>
+        <p:spPr>
+          <a:xfrm>
+            <a:off x="3833446" y="2733474"/>
+            <a:ext cx="7877908" cy="3334096"/>
+          </a:xfrm>
+          <a:prstGeom prst="rect">
+            <a:avLst/>
+          </a:prstGeom>
+        </p:spPr>
+      </p:pic>
+    </p:spTree>
+    <p:extLst>
+      <p:ext uri="{BB962C8B-B14F-4D97-AF65-F5344CB8AC3E}">
+        <p14:creationId xmlns:p14="http://schemas.microsoft.com/office/powerpoint/2010/main" val="523336708"/>
+      </p:ext>
+    </p:extLst>
+  </p:cSld>
+  <p:clrMapOvr>
+    <a:masterClrMapping/>
+  </p:clrMapOvr>
+  <mc:AlternateContent xmlns:mc="http://schemas.openxmlformats.org/markup-compatibility/2006" xmlns:p14="http://schemas.microsoft.com/office/powerpoint/2010/main">
+    <mc:Choice Requires="p14">
+      <p:transition spd="slow" p14:dur="2000"/>
+    </mc:Choice>
+    <mc:Fallback xmlns="">
+      <p:transition spd="slow"/>
+    </mc:Fallback>
+  </mc:AlternateContent>
+  <p:timing>
+    <p:tnLst>
+      <p:par>
+        <p:cTn id="1" dur="indefinite" restart="never" nodeType="tmRoot"/>
+      </p:par>
+    </p:tnLst>
+  </p:timing>
+</p:sld>
+</file>
+
+<file path=ppt/slides/slide20.xml><?xml version="1.0" encoding="utf-8"?>
+<p:sld xmlns:a="http://schemas.openxmlformats.org/drawingml/2006/main" xmlns:r="http://schemas.openxmlformats.org/officeDocument/2006/relationships" xmlns:p="http://schemas.openxmlformats.org/presentationml/2006/main">
+  <p:cSld>
+    <p:spTree>
+      <p:nvGrpSpPr>
+        <p:cNvPr id="1" name=""/>
+        <p:cNvGrpSpPr/>
+        <p:nvPr/>
+      </p:nvGrpSpPr>
+      <p:grpSpPr>
+        <a:xfrm>
+          <a:off x="0" y="0"/>
+          <a:ext cx="0" cy="0"/>
+          <a:chOff x="0" y="0"/>
+          <a:chExt cx="0" cy="0"/>
+        </a:xfrm>
+      </p:grpSpPr>
+      <p:sp>
+        <p:nvSpPr>
+          <p:cNvPr id="2" name="标题 1"/>
+          <p:cNvSpPr>
+            <a:spLocks noGrp="1"/>
+          </p:cNvSpPr>
+          <p:nvPr>
+            <p:ph type="title"/>
+          </p:nvPr>
+        </p:nvSpPr>
+        <p:spPr/>
+        <p:txBody>
+          <a:bodyPr/>
+          <a:lstStyle/>
+          <a:p>
+            <a:r>
+              <a:rPr kumimoji="1" lang="en-US" altLang="zh-CN" dirty="0" smtClean="0"/>
+              <a:t>Problem</a:t>
+            </a:r>
+            <a:r>
+              <a:rPr kumimoji="1" lang="zh-CN" altLang="en-US" dirty="0" smtClean="0"/>
+              <a:t> </a:t>
+            </a:r>
+            <a:endParaRPr kumimoji="1" lang="zh-CN" altLang="en-US" dirty="0"/>
+          </a:p>
+        </p:txBody>
+      </p:sp>
+      <p:sp>
+        <p:nvSpPr>
+          <p:cNvPr id="3" name="内容占位符 2"/>
+          <p:cNvSpPr>
+            <a:spLocks noGrp="1"/>
+          </p:cNvSpPr>
+          <p:nvPr>
+            <p:ph idx="1"/>
+          </p:nvPr>
+        </p:nvSpPr>
+        <p:spPr/>
+        <p:txBody>
+          <a:bodyPr/>
+          <a:lstStyle/>
+          <a:p>
+            <a:r>
+              <a:rPr kumimoji="1" lang="en-US" altLang="zh-CN" dirty="0" smtClean="0"/>
+              <a:t>Small</a:t>
+            </a:r>
+            <a:r>
+              <a:rPr kumimoji="1" lang="zh-CN" altLang="en-US" dirty="0" smtClean="0"/>
+              <a:t> </a:t>
+            </a:r>
+            <a:r>
+              <a:rPr kumimoji="1" lang="en-US" altLang="zh-CN" dirty="0" smtClean="0"/>
+              <a:t>I/O</a:t>
+            </a:r>
+            <a:r>
+              <a:rPr kumimoji="1" lang="zh-CN" altLang="en-US" dirty="0" smtClean="0"/>
+              <a:t> </a:t>
+            </a:r>
+            <a:r>
+              <a:rPr kumimoji="1" lang="en-US" altLang="zh-CN" dirty="0" smtClean="0"/>
+              <a:t>update</a:t>
+            </a:r>
+          </a:p>
+          <a:p>
+            <a:pPr lvl="1"/>
+            <a:r>
+              <a:rPr kumimoji="1" lang="en-US" altLang="zh-CN" dirty="0" smtClean="0"/>
+              <a:t>Object</a:t>
+            </a:r>
+            <a:r>
+              <a:rPr kumimoji="1" lang="zh-CN" altLang="en-US" dirty="0" smtClean="0"/>
+              <a:t> </a:t>
+            </a:r>
+            <a:r>
+              <a:rPr kumimoji="1" lang="en-US" altLang="zh-CN" dirty="0" smtClean="0"/>
+              <a:t>size</a:t>
+            </a:r>
+            <a:r>
+              <a:rPr kumimoji="1" lang="mr-IN" altLang="zh-CN" dirty="0" smtClean="0"/>
+              <a:t>–</a:t>
+            </a:r>
+            <a:r>
+              <a:rPr kumimoji="1" lang="zh-CN" altLang="en-US" dirty="0" smtClean="0"/>
+              <a:t> </a:t>
+            </a:r>
+            <a:r>
+              <a:rPr kumimoji="1" lang="en-US" altLang="zh-CN" dirty="0" smtClean="0"/>
+              <a:t>4MB(default)</a:t>
+            </a:r>
+          </a:p>
+          <a:p>
+            <a:pPr lvl="1"/>
+            <a:r>
+              <a:rPr kumimoji="1" lang="en-US" altLang="zh-CN" dirty="0" smtClean="0"/>
+              <a:t>Extra</a:t>
+            </a:r>
+            <a:r>
+              <a:rPr kumimoji="1" lang="zh-CN" altLang="en-US" dirty="0" smtClean="0"/>
+              <a:t> </a:t>
+            </a:r>
+            <a:r>
+              <a:rPr kumimoji="1" lang="en-US" altLang="zh-CN" dirty="0" smtClean="0"/>
+              <a:t>read</a:t>
+            </a:r>
+            <a:r>
+              <a:rPr kumimoji="1" lang="zh-CN" altLang="en-US" dirty="0" smtClean="0"/>
+              <a:t> </a:t>
+            </a:r>
+            <a:r>
+              <a:rPr kumimoji="1" lang="en-US" altLang="zh-CN" dirty="0" smtClean="0"/>
+              <a:t>op</a:t>
+            </a:r>
+          </a:p>
+          <a:p>
+            <a:pPr lvl="1"/>
+            <a:r>
+              <a:rPr kumimoji="1" lang="en-US" altLang="zh-CN" dirty="0" smtClean="0"/>
+              <a:t>Merge</a:t>
+            </a:r>
+            <a:r>
+              <a:rPr kumimoji="1" lang="zh-CN" altLang="en-US" dirty="0" smtClean="0"/>
+              <a:t> </a:t>
+            </a:r>
+            <a:r>
+              <a:rPr kumimoji="1" lang="en-US" altLang="zh-CN" dirty="0" smtClean="0"/>
+              <a:t>small</a:t>
+            </a:r>
+            <a:r>
+              <a:rPr kumimoji="1" lang="zh-CN" altLang="en-US" dirty="0" smtClean="0"/>
+              <a:t> </a:t>
+            </a:r>
+            <a:r>
+              <a:rPr kumimoji="1" lang="en-US" altLang="zh-CN" dirty="0" smtClean="0"/>
+              <a:t>update</a:t>
+            </a:r>
+          </a:p>
+          <a:p>
+            <a:pPr lvl="1"/>
+            <a:r>
+              <a:rPr kumimoji="1" lang="en-US" altLang="zh-CN" dirty="0" smtClean="0"/>
+              <a:t>Evict</a:t>
+            </a:r>
+            <a:r>
+              <a:rPr kumimoji="1" lang="zh-CN" altLang="en-US" dirty="0" smtClean="0"/>
+              <a:t> </a:t>
+            </a:r>
+            <a:r>
+              <a:rPr kumimoji="1" lang="en-US" altLang="zh-CN" dirty="0" smtClean="0"/>
+              <a:t>new</a:t>
+            </a:r>
+            <a:r>
+              <a:rPr kumimoji="1" lang="zh-CN" altLang="en-US" dirty="0" smtClean="0"/>
+              <a:t> </a:t>
+            </a:r>
+            <a:r>
+              <a:rPr kumimoji="1" lang="en-US" altLang="zh-CN" dirty="0" smtClean="0"/>
+              <a:t>object</a:t>
+            </a:r>
+          </a:p>
+          <a:p>
+            <a:pPr lvl="1"/>
+            <a:endParaRPr kumimoji="1" lang="en-US" altLang="zh-CN" dirty="0"/>
+          </a:p>
+          <a:p>
+            <a:r>
+              <a:rPr kumimoji="1" lang="en-US" altLang="zh-CN" dirty="0" smtClean="0">
+                <a:solidFill>
+                  <a:srgbClr val="0096FF"/>
+                </a:solidFill>
+              </a:rPr>
+              <a:t>Goal</a:t>
+            </a:r>
+          </a:p>
+          <a:p>
+            <a:pPr lvl="1"/>
+            <a:r>
+              <a:rPr kumimoji="1" lang="en-US" altLang="zh-CN" dirty="0" smtClean="0">
+                <a:solidFill>
+                  <a:srgbClr val="0096FF"/>
+                </a:solidFill>
+              </a:rPr>
+              <a:t>Combine</a:t>
+            </a:r>
+            <a:r>
+              <a:rPr kumimoji="1" lang="zh-CN" altLang="en-US" dirty="0" smtClean="0">
+                <a:solidFill>
+                  <a:srgbClr val="0096FF"/>
+                </a:solidFill>
+              </a:rPr>
+              <a:t> </a:t>
+            </a:r>
+            <a:r>
+              <a:rPr kumimoji="1" lang="en-US" altLang="zh-CN" dirty="0" smtClean="0">
+                <a:solidFill>
+                  <a:srgbClr val="0096FF"/>
+                </a:solidFill>
+              </a:rPr>
+              <a:t>small</a:t>
+            </a:r>
+            <a:r>
+              <a:rPr kumimoji="1" lang="zh-CN" altLang="en-US" dirty="0" smtClean="0">
+                <a:solidFill>
+                  <a:srgbClr val="0096FF"/>
+                </a:solidFill>
+              </a:rPr>
+              <a:t> </a:t>
+            </a:r>
+            <a:r>
+              <a:rPr kumimoji="1" lang="en-US" altLang="zh-CN" dirty="0" smtClean="0">
+                <a:solidFill>
+                  <a:srgbClr val="0096FF"/>
+                </a:solidFill>
+              </a:rPr>
+              <a:t>I/O</a:t>
+            </a:r>
+            <a:r>
+              <a:rPr kumimoji="1" lang="zh-CN" altLang="en-US" dirty="0" smtClean="0">
+                <a:solidFill>
+                  <a:srgbClr val="0096FF"/>
+                </a:solidFill>
+              </a:rPr>
+              <a:t> </a:t>
+            </a:r>
+            <a:r>
+              <a:rPr kumimoji="1" lang="en-US" altLang="zh-CN" dirty="0" smtClean="0">
+                <a:solidFill>
+                  <a:srgbClr val="0096FF"/>
+                </a:solidFill>
+              </a:rPr>
+              <a:t>into</a:t>
+            </a:r>
+            <a:r>
+              <a:rPr kumimoji="1" lang="zh-CN" altLang="en-US" dirty="0" smtClean="0">
+                <a:solidFill>
+                  <a:srgbClr val="0096FF"/>
+                </a:solidFill>
+              </a:rPr>
+              <a:t> </a:t>
+            </a:r>
+            <a:r>
+              <a:rPr kumimoji="1" lang="en-US" altLang="zh-CN" dirty="0" smtClean="0">
+                <a:solidFill>
+                  <a:srgbClr val="0096FF"/>
+                </a:solidFill>
+              </a:rPr>
+              <a:t>large</a:t>
+            </a:r>
+            <a:r>
+              <a:rPr kumimoji="1" lang="zh-CN" altLang="en-US" dirty="0" smtClean="0">
+                <a:solidFill>
+                  <a:srgbClr val="0096FF"/>
+                </a:solidFill>
+              </a:rPr>
+              <a:t> </a:t>
+            </a:r>
+            <a:r>
+              <a:rPr kumimoji="1" lang="en-US" altLang="zh-CN" dirty="0" smtClean="0">
+                <a:solidFill>
+                  <a:srgbClr val="0096FF"/>
+                </a:solidFill>
+              </a:rPr>
+              <a:t>one</a:t>
+            </a:r>
+          </a:p>
+          <a:p>
+            <a:pPr lvl="1"/>
+            <a:r>
+              <a:rPr kumimoji="1" lang="en-US" altLang="zh-CN" dirty="0" smtClean="0">
+                <a:solidFill>
+                  <a:srgbClr val="0096FF"/>
+                </a:solidFill>
+              </a:rPr>
+              <a:t>Evict</a:t>
+            </a:r>
+            <a:r>
+              <a:rPr kumimoji="1" lang="zh-CN" altLang="en-US" dirty="0" smtClean="0">
+                <a:solidFill>
+                  <a:srgbClr val="0096FF"/>
+                </a:solidFill>
+              </a:rPr>
+              <a:t> </a:t>
+            </a:r>
+            <a:r>
+              <a:rPr kumimoji="1" lang="en-US" altLang="zh-CN" dirty="0" smtClean="0">
+                <a:solidFill>
+                  <a:srgbClr val="0096FF"/>
+                </a:solidFill>
+              </a:rPr>
+              <a:t>with</a:t>
+            </a:r>
+            <a:r>
+              <a:rPr kumimoji="1" lang="zh-CN" altLang="en-US" dirty="0" smtClean="0">
+                <a:solidFill>
+                  <a:srgbClr val="0096FF"/>
+                </a:solidFill>
+              </a:rPr>
+              <a:t> </a:t>
+            </a:r>
+            <a:r>
+              <a:rPr kumimoji="1" lang="en-US" altLang="zh-CN" dirty="0" smtClean="0">
+                <a:solidFill>
+                  <a:srgbClr val="0096FF"/>
+                </a:solidFill>
+              </a:rPr>
+              <a:t>no</a:t>
+            </a:r>
+            <a:r>
+              <a:rPr kumimoji="1" lang="zh-CN" altLang="en-US" dirty="0" smtClean="0">
+                <a:solidFill>
+                  <a:srgbClr val="0096FF"/>
+                </a:solidFill>
+              </a:rPr>
+              <a:t> </a:t>
+            </a:r>
+            <a:r>
+              <a:rPr kumimoji="1" lang="en-US" altLang="zh-CN" dirty="0" smtClean="0">
+                <a:solidFill>
+                  <a:srgbClr val="0096FF"/>
+                </a:solidFill>
+              </a:rPr>
+              <a:t>extra</a:t>
+            </a:r>
+            <a:r>
+              <a:rPr kumimoji="1" lang="zh-CN" altLang="en-US" dirty="0" smtClean="0">
+                <a:solidFill>
+                  <a:srgbClr val="0096FF"/>
+                </a:solidFill>
+              </a:rPr>
+              <a:t> </a:t>
+            </a:r>
+            <a:r>
+              <a:rPr kumimoji="1" lang="en-US" altLang="zh-CN" dirty="0" smtClean="0">
+                <a:solidFill>
+                  <a:srgbClr val="0096FF"/>
+                </a:solidFill>
+              </a:rPr>
+              <a:t>read</a:t>
+            </a:r>
+            <a:r>
+              <a:rPr kumimoji="1" lang="zh-CN" altLang="en-US" dirty="0" smtClean="0">
+                <a:solidFill>
+                  <a:srgbClr val="0096FF"/>
+                </a:solidFill>
+              </a:rPr>
+              <a:t> </a:t>
+            </a:r>
+            <a:r>
+              <a:rPr kumimoji="1" lang="en-US" altLang="zh-CN" dirty="0" smtClean="0">
+                <a:solidFill>
+                  <a:srgbClr val="0096FF"/>
+                </a:solidFill>
+              </a:rPr>
+              <a:t>op</a:t>
+            </a:r>
+          </a:p>
+          <a:p>
+            <a:pPr lvl="1"/>
+            <a:endParaRPr kumimoji="1" lang="en-US" altLang="zh-CN" dirty="0" smtClean="0"/>
+          </a:p>
+          <a:p>
+            <a:pPr lvl="1"/>
+            <a:endParaRPr kumimoji="1" lang="zh-CN" altLang="en-US" dirty="0"/>
+          </a:p>
+        </p:txBody>
+      </p:sp>
+      <p:sp>
+        <p:nvSpPr>
+          <p:cNvPr id="6" name="幻灯片编号占位符 5"/>
+          <p:cNvSpPr>
+            <a:spLocks noGrp="1"/>
+          </p:cNvSpPr>
+          <p:nvPr>
+            <p:ph type="sldNum" sz="quarter" idx="12"/>
+          </p:nvPr>
+        </p:nvSpPr>
+        <p:spPr/>
+        <p:txBody>
+          <a:bodyPr/>
+          <a:lstStyle/>
+          <a:p>
+            <a:fld id="{7A42213F-69D4-1749-942C-9A85A9F9A76E}" type="slidenum">
+              <a:rPr kumimoji="1" lang="zh-CN" altLang="en-US" smtClean="0"/>
               <a:pPr/>
-              <a:t>19</a:t>
+              <a:t>20</a:t>
             </a:fld>
             <a:endParaRPr kumimoji="1" lang="zh-CN" altLang="en-US"/>
           </a:p>
@@ -18724,9 +21123,9 @@
           <p:nvPr/>
         </p:nvCxnSpPr>
         <p:spPr>
-          <a:xfrm>
-            <a:off x="7038221" y="3504134"/>
-            <a:ext cx="12283" cy="850649"/>
+          <a:xfrm flipH="1">
+            <a:off x="7050504" y="3504134"/>
+            <a:ext cx="1" cy="850649"/>
           </a:xfrm>
           <a:prstGeom prst="straightConnector1">
             <a:avLst/>
@@ -19662,8 +22061,8 @@
 </p:sld>
 </file>
 
-<file path=ppt/slides/slide2.xml><?xml version="1.0" encoding="utf-8"?>
-<p:sld xmlns:a="http://schemas.openxmlformats.org/drawingml/2006/main" xmlns:r="http://schemas.openxmlformats.org/officeDocument/2006/relationships" xmlns:p="http://schemas.openxmlformats.org/presentationml/2006/main">
+<file path=ppt/slides/slide21.xml><?xml version="1.0" encoding="utf-8"?>
+<p:sld xmlns:a="http://schemas.openxmlformats.org/drawingml/2006/main" xmlns:r="http://schemas.openxmlformats.org/officeDocument/2006/relationships" xmlns:p="http://schemas.openxmlformats.org/presentationml/2006/main" show="0">
   <p:cSld>
     <p:spTree>
       <p:nvGrpSpPr>
@@ -19695,198 +22094,6 @@
           <a:lstStyle/>
           <a:p>
             <a:r>
-              <a:rPr kumimoji="1" lang="en-US" altLang="zh-CN" dirty="0" err="1" smtClean="0"/>
-              <a:t>Ceph</a:t>
-            </a:r>
-            <a:endParaRPr kumimoji="1" lang="zh-CN" altLang="en-US" dirty="0"/>
-          </a:p>
-        </p:txBody>
-      </p:sp>
-      <p:sp>
-        <p:nvSpPr>
-          <p:cNvPr id="3" name="内容占位符 2"/>
-          <p:cNvSpPr>
-            <a:spLocks noGrp="1"/>
-          </p:cNvSpPr>
-          <p:nvPr>
-            <p:ph idx="1"/>
-          </p:nvPr>
-        </p:nvSpPr>
-        <p:spPr/>
-        <p:txBody>
-          <a:bodyPr/>
-          <a:lstStyle/>
-          <a:p>
-            <a:r>
-              <a:rPr lang="en-US" altLang="zh-CN" dirty="0"/>
-              <a:t>A Scalable, High-Performance Distributed File System </a:t>
-            </a:r>
-            <a:endParaRPr lang="en-US" altLang="zh-CN" dirty="0" smtClean="0"/>
-          </a:p>
-          <a:p>
-            <a:r>
-              <a:rPr lang="en-US" altLang="zh-CN" dirty="0" smtClean="0"/>
-              <a:t>Intro</a:t>
-            </a:r>
-          </a:p>
-          <a:p>
-            <a:pPr lvl="1"/>
-            <a:r>
-              <a:rPr lang="en-US" altLang="zh-CN" dirty="0" smtClean="0">
-                <a:effectLst/>
-              </a:rPr>
-              <a:t>Object</a:t>
-            </a:r>
-            <a:r>
-              <a:rPr lang="zh-CN" altLang="en-US" dirty="0" smtClean="0">
-                <a:effectLst/>
-              </a:rPr>
-              <a:t> </a:t>
-            </a:r>
-            <a:r>
-              <a:rPr lang="en-US" altLang="zh-CN" dirty="0" smtClean="0">
-                <a:effectLst/>
-              </a:rPr>
-              <a:t>storage</a:t>
-            </a:r>
-          </a:p>
-          <a:p>
-            <a:pPr lvl="1"/>
-            <a:r>
-              <a:rPr lang="en-US" altLang="zh-CN" dirty="0" smtClean="0"/>
-              <a:t>Block</a:t>
-            </a:r>
-            <a:r>
-              <a:rPr lang="zh-CN" altLang="en-US" dirty="0" smtClean="0"/>
-              <a:t> </a:t>
-            </a:r>
-            <a:r>
-              <a:rPr lang="en-US" altLang="zh-CN" dirty="0" smtClean="0"/>
-              <a:t>device</a:t>
-            </a:r>
-          </a:p>
-          <a:p>
-            <a:pPr lvl="1"/>
-            <a:r>
-              <a:rPr lang="en-US" altLang="zh-CN" dirty="0" smtClean="0">
-                <a:effectLst/>
-              </a:rPr>
-              <a:t>Filesystem</a:t>
-            </a:r>
-            <a:endParaRPr lang="en-US" altLang="zh-CN" dirty="0">
-              <a:effectLst/>
-            </a:endParaRPr>
-          </a:p>
-        </p:txBody>
-      </p:sp>
-      <p:sp>
-        <p:nvSpPr>
-          <p:cNvPr id="6" name="幻灯片编号占位符 5"/>
-          <p:cNvSpPr>
-            <a:spLocks noGrp="1"/>
-          </p:cNvSpPr>
-          <p:nvPr>
-            <p:ph type="sldNum" sz="quarter" idx="12"/>
-          </p:nvPr>
-        </p:nvSpPr>
-        <p:spPr/>
-        <p:txBody>
-          <a:bodyPr/>
-          <a:lstStyle/>
-          <a:p>
-            <a:fld id="{7A42213F-69D4-1749-942C-9A85A9F9A76E}" type="slidenum">
-              <a:rPr kumimoji="1" lang="zh-CN" altLang="en-US" smtClean="0"/>
-              <a:t>2</a:t>
-            </a:fld>
-            <a:endParaRPr kumimoji="1" lang="zh-CN" altLang="en-US"/>
-          </a:p>
-        </p:txBody>
-      </p:sp>
-      <p:pic>
-        <p:nvPicPr>
-          <p:cNvPr id="7" name="图片 6"/>
-          <p:cNvPicPr>
-            <a:picLocks noChangeAspect="1"/>
-          </p:cNvPicPr>
-          <p:nvPr/>
-        </p:nvPicPr>
-        <p:blipFill>
-          <a:blip r:embed="rId2"/>
-          <a:stretch>
-            <a:fillRect/>
-          </a:stretch>
-        </p:blipFill>
-        <p:spPr>
-          <a:xfrm>
-            <a:off x="3833446" y="2733474"/>
-            <a:ext cx="7877908" cy="3334096"/>
-          </a:xfrm>
-          <a:prstGeom prst="rect">
-            <a:avLst/>
-          </a:prstGeom>
-        </p:spPr>
-      </p:pic>
-    </p:spTree>
-    <p:extLst>
-      <p:ext uri="{BB962C8B-B14F-4D97-AF65-F5344CB8AC3E}">
-        <p14:creationId xmlns:p14="http://schemas.microsoft.com/office/powerpoint/2010/main" val="523336708"/>
-      </p:ext>
-    </p:extLst>
-  </p:cSld>
-  <p:clrMapOvr>
-    <a:masterClrMapping/>
-  </p:clrMapOvr>
-  <mc:AlternateContent xmlns:mc="http://schemas.openxmlformats.org/markup-compatibility/2006" xmlns:p14="http://schemas.microsoft.com/office/powerpoint/2010/main">
-    <mc:Choice Requires="p14">
-      <p:transition spd="slow" p14:dur="2000"/>
-    </mc:Choice>
-    <mc:Fallback xmlns="">
-      <p:transition spd="slow"/>
-    </mc:Fallback>
-  </mc:AlternateContent>
-  <p:timing>
-    <p:tnLst>
-      <p:par>
-        <p:cTn id="1" dur="indefinite" restart="never" nodeType="tmRoot"/>
-      </p:par>
-    </p:tnLst>
-  </p:timing>
-</p:sld>
-</file>
-
-<file path=ppt/slides/slide20.xml><?xml version="1.0" encoding="utf-8"?>
-<p:sld xmlns:a="http://schemas.openxmlformats.org/drawingml/2006/main" xmlns:r="http://schemas.openxmlformats.org/officeDocument/2006/relationships" xmlns:p="http://schemas.openxmlformats.org/presentationml/2006/main">
-  <p:cSld>
-    <p:spTree>
-      <p:nvGrpSpPr>
-        <p:cNvPr id="1" name=""/>
-        <p:cNvGrpSpPr/>
-        <p:nvPr/>
-      </p:nvGrpSpPr>
-      <p:grpSpPr>
-        <a:xfrm>
-          <a:off x="0" y="0"/>
-          <a:ext cx="0" cy="0"/>
-          <a:chOff x="0" y="0"/>
-          <a:chExt cx="0" cy="0"/>
-        </a:xfrm>
-      </p:grpSpPr>
-      <p:sp>
-        <p:nvSpPr>
-          <p:cNvPr id="2" name="标题 1"/>
-          <p:cNvSpPr>
-            <a:spLocks noGrp="1"/>
-          </p:cNvSpPr>
-          <p:nvPr>
-            <p:ph type="title"/>
-          </p:nvPr>
-        </p:nvSpPr>
-        <p:spPr/>
-        <p:txBody>
-          <a:bodyPr/>
-          <a:lstStyle/>
-          <a:p>
-            <a:r>
               <a:rPr kumimoji="1" lang="en-US" altLang="zh-CN" dirty="0" smtClean="0"/>
               <a:t>Cache</a:t>
             </a:r>
@@ -20469,7 +22676,7 @@
             <a:fld id="{7A42213F-69D4-1749-942C-9A85A9F9A76E}" type="slidenum">
               <a:rPr kumimoji="1" lang="zh-CN" altLang="en-US" smtClean="0"/>
               <a:pPr/>
-              <a:t>20</a:t>
+              <a:t>21</a:t>
             </a:fld>
             <a:endParaRPr kumimoji="1" lang="zh-CN" altLang="en-US"/>
           </a:p>
@@ -20485,6 +22692,14 @@
   <p:clrMapOvr>
     <a:masterClrMapping/>
   </p:clrMapOvr>
+  <mc:AlternateContent xmlns:mc="http://schemas.openxmlformats.org/markup-compatibility/2006" xmlns:p14="http://schemas.microsoft.com/office/powerpoint/2010/main">
+    <mc:Choice Requires="p14">
+      <p:transition spd="slow" p14:dur="2000"/>
+    </mc:Choice>
+    <mc:Fallback xmlns="">
+      <p:transition spd="slow"/>
+    </mc:Fallback>
+  </mc:AlternateContent>
   <p:timing>
     <p:tnLst>
       <p:par>
@@ -20529,23 +22744,23 @@
           <a:p>
             <a:r>
               <a:rPr kumimoji="1" lang="en-US" altLang="zh-CN" dirty="0" smtClean="0"/>
+              <a:t>RADOS</a:t>
+            </a:r>
+            <a:r>
+              <a:rPr kumimoji="1" lang="zh-CN" altLang="en-US" dirty="0"/>
+              <a:t> </a:t>
+            </a:r>
+            <a:r>
+              <a:rPr kumimoji="1" lang="en-US" altLang="zh-CN" dirty="0"/>
+              <a:t>-</a:t>
+            </a:r>
+            <a:r>
+              <a:rPr kumimoji="1" lang="zh-CN" altLang="en-US" dirty="0"/>
+              <a:t> </a:t>
+            </a:r>
+            <a:r>
+              <a:rPr kumimoji="1" lang="en-US" altLang="zh-CN" dirty="0" smtClean="0"/>
               <a:t>Architecture</a:t>
-            </a:r>
-            <a:r>
-              <a:rPr kumimoji="1" lang="zh-CN" altLang="en-US" dirty="0" smtClean="0"/>
-              <a:t> </a:t>
-            </a:r>
-            <a:r>
-              <a:rPr kumimoji="1" lang="en-US" altLang="zh-CN" dirty="0" smtClean="0"/>
-              <a:t>-</a:t>
-            </a:r>
-            <a:r>
-              <a:rPr kumimoji="1" lang="zh-CN" altLang="en-US" dirty="0" smtClean="0"/>
-              <a:t> </a:t>
-            </a:r>
-            <a:r>
-              <a:rPr kumimoji="1" lang="en-US" altLang="zh-CN" dirty="0" smtClean="0"/>
-              <a:t>RADOS</a:t>
             </a:r>
             <a:endParaRPr kumimoji="1" lang="zh-CN" altLang="en-US" dirty="0"/>
           </a:p>
@@ -22717,9 +24932,7 @@
           <a:noFill/>
           <a:ln w="28575">
             <a:solidFill>
-              <a:schemeClr val="bg1">
-                <a:lumMod val="65000"/>
-              </a:schemeClr>
+              <a:srgbClr val="C00000"/>
             </a:solidFill>
             <a:prstDash val="dash"/>
           </a:ln>
@@ -22910,9 +25123,7 @@
             <a:noFill/>
             <a:ln w="19050">
               <a:solidFill>
-                <a:schemeClr val="bg1">
-                  <a:lumMod val="50000"/>
-                </a:schemeClr>
+                <a:schemeClr val="tx1"/>
               </a:solidFill>
             </a:ln>
           </p:spPr>
@@ -23039,9 +25250,7 @@
             <a:noFill/>
             <a:ln w="19050">
               <a:solidFill>
-                <a:schemeClr val="bg1">
-                  <a:lumMod val="50000"/>
-                </a:schemeClr>
+                <a:schemeClr val="tx1"/>
               </a:solidFill>
             </a:ln>
           </p:spPr>
@@ -23129,9 +25338,7 @@
             <a:noFill/>
             <a:ln w="19050">
               <a:solidFill>
-                <a:schemeClr val="bg1">
-                  <a:lumMod val="50000"/>
-                </a:schemeClr>
+                <a:schemeClr val="tx1"/>
               </a:solidFill>
             </a:ln>
           </p:spPr>
@@ -23181,9 +25388,7 @@
             <a:noFill/>
             <a:ln w="19050">
               <a:solidFill>
-                <a:schemeClr val="bg1">
-                  <a:lumMod val="50000"/>
-                </a:schemeClr>
+                <a:schemeClr val="tx1"/>
               </a:solidFill>
             </a:ln>
           </p:spPr>
@@ -26306,8 +28511,8 @@
         </p:nvSpPr>
         <p:spPr>
           <a:xfrm>
-            <a:off x="963513" y="1299467"/>
-            <a:ext cx="1904689" cy="369332"/>
+            <a:off x="1088694" y="1290578"/>
+            <a:ext cx="1987916" cy="400110"/>
           </a:xfrm>
           <a:prstGeom prst="rect">
             <a:avLst/>
@@ -26321,34 +28526,50 @@
           <a:lstStyle/>
           <a:p>
             <a:r>
-              <a:rPr kumimoji="1" lang="en-US" altLang="zh-CN" dirty="0" smtClean="0"/>
+              <a:rPr kumimoji="1" lang="en-US" altLang="zh-CN" sz="2000" dirty="0" smtClean="0">
+                <a:latin typeface="Corbel" panose="020B0503020204020204" pitchFamily="34" charset="0"/>
+              </a:rPr>
               <a:t>Pool</a:t>
             </a:r>
             <a:r>
-              <a:rPr kumimoji="1" lang="zh-CN" altLang="en-US" dirty="0" smtClean="0"/>
-              <a:t> </a:t>
-            </a:r>
-            <a:r>
-              <a:rPr kumimoji="1" lang="en-US" altLang="zh-CN" dirty="0" smtClean="0"/>
+              <a:rPr kumimoji="1" lang="zh-CN" altLang="en-US" sz="2000" dirty="0" smtClean="0">
+                <a:latin typeface="Corbel" panose="020B0503020204020204" pitchFamily="34" charset="0"/>
+              </a:rPr>
+              <a:t> </a:t>
+            </a:r>
+            <a:r>
+              <a:rPr kumimoji="1" lang="en-US" altLang="zh-CN" sz="2000" dirty="0" smtClean="0">
+                <a:latin typeface="Corbel" panose="020B0503020204020204" pitchFamily="34" charset="0"/>
+              </a:rPr>
               <a:t>A</a:t>
             </a:r>
             <a:r>
-              <a:rPr kumimoji="1" lang="zh-CN" altLang="en-US" dirty="0" smtClean="0"/>
-              <a:t> </a:t>
-            </a:r>
-            <a:r>
-              <a:rPr kumimoji="1" lang="mr-IN" altLang="zh-CN" dirty="0" smtClean="0"/>
+              <a:rPr kumimoji="1" lang="zh-CN" altLang="en-US" sz="2000" dirty="0" smtClean="0">
+                <a:latin typeface="Corbel" panose="020B0503020204020204" pitchFamily="34" charset="0"/>
+              </a:rPr>
+              <a:t> </a:t>
+            </a:r>
+            <a:r>
+              <a:rPr kumimoji="1" lang="mr-IN" altLang="zh-CN" sz="2000" dirty="0" smtClean="0">
+                <a:latin typeface="Corbel" panose="020B0503020204020204" pitchFamily="34" charset="0"/>
+              </a:rPr>
               <a:t>–</a:t>
             </a:r>
             <a:r>
-              <a:rPr kumimoji="1" lang="zh-CN" altLang="en-US" dirty="0" smtClean="0"/>
-              <a:t> </a:t>
-            </a:r>
-            <a:r>
-              <a:rPr kumimoji="1" lang="en-US" altLang="zh-CN" dirty="0" smtClean="0"/>
+              <a:rPr kumimoji="1" lang="zh-CN" altLang="en-US" sz="2000" dirty="0" smtClean="0">
+                <a:latin typeface="Corbel" panose="020B0503020204020204" pitchFamily="34" charset="0"/>
+              </a:rPr>
+              <a:t> </a:t>
+            </a:r>
+            <a:r>
+              <a:rPr kumimoji="1" lang="en-US" altLang="zh-CN" sz="2000" dirty="0" smtClean="0">
+                <a:latin typeface="Corbel" panose="020B0503020204020204" pitchFamily="34" charset="0"/>
+              </a:rPr>
               <a:t>replica.2</a:t>
             </a:r>
-            <a:endParaRPr kumimoji="1" lang="zh-CN" altLang="en-US" dirty="0"/>
+            <a:endParaRPr kumimoji="1" lang="zh-CN" altLang="en-US" sz="2000" dirty="0">
+              <a:latin typeface="Corbel" panose="020B0503020204020204" pitchFamily="34" charset="0"/>
+            </a:endParaRPr>
           </a:p>
         </p:txBody>
       </p:sp>
@@ -26360,8 +28581,8 @@
         </p:nvSpPr>
         <p:spPr>
           <a:xfrm>
-            <a:off x="5626087" y="1307456"/>
-            <a:ext cx="1885453" cy="369332"/>
+            <a:off x="5669541" y="1287528"/>
+            <a:ext cx="1973554" cy="400110"/>
           </a:xfrm>
           <a:prstGeom prst="rect">
             <a:avLst/>
@@ -26375,34 +28596,50 @@
           <a:lstStyle/>
           <a:p>
             <a:r>
-              <a:rPr kumimoji="1" lang="en-US" altLang="zh-CN" dirty="0" smtClean="0"/>
+              <a:rPr kumimoji="1" lang="en-US" altLang="zh-CN" sz="2000" dirty="0" smtClean="0">
+                <a:latin typeface="Corbel" panose="020B0503020204020204" pitchFamily="34" charset="0"/>
+              </a:rPr>
               <a:t>Pool</a:t>
             </a:r>
             <a:r>
-              <a:rPr kumimoji="1" lang="zh-CN" altLang="en-US" dirty="0" smtClean="0"/>
-              <a:t> </a:t>
-            </a:r>
-            <a:r>
-              <a:rPr kumimoji="1" lang="en-US" altLang="zh-CN" dirty="0"/>
+              <a:rPr kumimoji="1" lang="zh-CN" altLang="en-US" sz="2000" dirty="0" smtClean="0">
+                <a:latin typeface="Corbel" panose="020B0503020204020204" pitchFamily="34" charset="0"/>
+              </a:rPr>
+              <a:t> </a:t>
+            </a:r>
+            <a:r>
+              <a:rPr kumimoji="1" lang="en-US" altLang="zh-CN" sz="2000" dirty="0">
+                <a:latin typeface="Corbel" panose="020B0503020204020204" pitchFamily="34" charset="0"/>
+              </a:rPr>
               <a:t>B</a:t>
             </a:r>
             <a:r>
-              <a:rPr kumimoji="1" lang="zh-CN" altLang="en-US" dirty="0" smtClean="0"/>
-              <a:t> </a:t>
-            </a:r>
-            <a:r>
-              <a:rPr kumimoji="1" lang="mr-IN" altLang="zh-CN" dirty="0" smtClean="0"/>
+              <a:rPr kumimoji="1" lang="zh-CN" altLang="en-US" sz="2000" dirty="0" smtClean="0">
+                <a:latin typeface="Corbel" panose="020B0503020204020204" pitchFamily="34" charset="0"/>
+              </a:rPr>
+              <a:t> </a:t>
+            </a:r>
+            <a:r>
+              <a:rPr kumimoji="1" lang="mr-IN" altLang="zh-CN" sz="2000" dirty="0" smtClean="0">
+                <a:latin typeface="Corbel" panose="020B0503020204020204" pitchFamily="34" charset="0"/>
+              </a:rPr>
               <a:t>–</a:t>
             </a:r>
             <a:r>
-              <a:rPr kumimoji="1" lang="zh-CN" altLang="en-US" dirty="0" smtClean="0"/>
-              <a:t> </a:t>
-            </a:r>
-            <a:r>
-              <a:rPr kumimoji="1" lang="en-US" altLang="zh-CN" dirty="0" smtClean="0"/>
+              <a:rPr kumimoji="1" lang="zh-CN" altLang="en-US" sz="2000" dirty="0" smtClean="0">
+                <a:latin typeface="Corbel" panose="020B0503020204020204" pitchFamily="34" charset="0"/>
+              </a:rPr>
+              <a:t> </a:t>
+            </a:r>
+            <a:r>
+              <a:rPr kumimoji="1" lang="en-US" altLang="zh-CN" sz="2000" dirty="0" smtClean="0">
+                <a:latin typeface="Corbel" panose="020B0503020204020204" pitchFamily="34" charset="0"/>
+              </a:rPr>
               <a:t>replica.3</a:t>
             </a:r>
-            <a:endParaRPr kumimoji="1" lang="zh-CN" altLang="en-US" dirty="0"/>
+            <a:endParaRPr kumimoji="1" lang="zh-CN" altLang="en-US" sz="2000" dirty="0">
+              <a:latin typeface="Corbel" panose="020B0503020204020204" pitchFamily="34" charset="0"/>
+            </a:endParaRPr>
           </a:p>
         </p:txBody>
       </p:sp>
@@ -26506,10 +28743,10 @@
         </p:nvGrpSpPr>
         <p:grpSpPr>
           <a:xfrm>
-            <a:off x="1357546" y="1522246"/>
-            <a:ext cx="9476907" cy="4186254"/>
-            <a:chOff x="1357546" y="1690688"/>
-            <a:chExt cx="9476907" cy="4186254"/>
+            <a:off x="1167320" y="1522246"/>
+            <a:ext cx="9805480" cy="4186254"/>
+            <a:chOff x="1167320" y="1690688"/>
+            <a:chExt cx="9805480" cy="4186254"/>
           </a:xfrm>
         </p:grpSpPr>
         <p:sp>
@@ -26557,14 +28794,14 @@
             <a:p>
               <a:pPr algn="ctr"/>
               <a:r>
-                <a:rPr kumimoji="1" lang="en-US" altLang="zh-CN" sz="2000" dirty="0" smtClean="0">
+                <a:rPr kumimoji="1" lang="en-US" altLang="zh-CN" sz="2400" dirty="0" smtClean="0">
                   <a:latin typeface="Corbel" charset="0"/>
                   <a:ea typeface="Corbel" charset="0"/>
                   <a:cs typeface="Corbel" charset="0"/>
                 </a:rPr>
                 <a:t>RBD</a:t>
               </a:r>
-              <a:endParaRPr kumimoji="1" lang="zh-CN" altLang="en-US" sz="2000" dirty="0">
+              <a:endParaRPr kumimoji="1" lang="zh-CN" altLang="en-US" sz="2400" dirty="0">
                 <a:latin typeface="Corbel" charset="0"/>
                 <a:ea typeface="Corbel" charset="0"/>
                 <a:cs typeface="Corbel" charset="0"/>
@@ -26617,7 +28854,7 @@
             <a:p>
               <a:pPr algn="ctr"/>
               <a:r>
-                <a:rPr kumimoji="1" lang="en-US" altLang="zh-CN" sz="2000" dirty="0" err="1" smtClean="0">
+                <a:rPr kumimoji="1" lang="en-US" altLang="zh-CN" sz="2400" dirty="0" err="1" smtClean="0">
                   <a:latin typeface="Corbel" charset="0"/>
                   <a:ea typeface="Corbel" charset="0"/>
                   <a:cs typeface="Corbel" charset="0"/>
@@ -26625,7 +28862,7 @@
                 <a:t>Ceph</a:t>
               </a:r>
               <a:r>
-                <a:rPr kumimoji="1" lang="zh-CN" altLang="en-US" sz="2000" dirty="0" smtClean="0">
+                <a:rPr kumimoji="1" lang="zh-CN" altLang="en-US" sz="2400" dirty="0" smtClean="0">
                   <a:latin typeface="Corbel" charset="0"/>
                   <a:ea typeface="Corbel" charset="0"/>
                   <a:cs typeface="Corbel" charset="0"/>
@@ -26633,14 +28870,14 @@
                 <a:t> </a:t>
               </a:r>
               <a:r>
-                <a:rPr kumimoji="1" lang="en-US" altLang="zh-CN" sz="2000" dirty="0" smtClean="0">
+                <a:rPr kumimoji="1" lang="en-US" altLang="zh-CN" sz="2400" dirty="0" smtClean="0">
                   <a:latin typeface="Corbel" charset="0"/>
                   <a:ea typeface="Corbel" charset="0"/>
                   <a:cs typeface="Corbel" charset="0"/>
                 </a:rPr>
                 <a:t>FS</a:t>
               </a:r>
-              <a:endParaRPr kumimoji="1" lang="zh-CN" altLang="en-US" sz="2000" dirty="0">
+              <a:endParaRPr kumimoji="1" lang="zh-CN" altLang="en-US" sz="2400" dirty="0">
                 <a:latin typeface="Corbel" charset="0"/>
                 <a:ea typeface="Corbel" charset="0"/>
                 <a:cs typeface="Corbel" charset="0"/>
@@ -26693,14 +28930,14 @@
             <a:p>
               <a:pPr algn="ctr"/>
               <a:r>
-                <a:rPr kumimoji="1" lang="en-US" altLang="zh-CN" sz="2000" dirty="0" smtClean="0">
+                <a:rPr kumimoji="1" lang="en-US" altLang="zh-CN" sz="2400" dirty="0" smtClean="0">
                   <a:latin typeface="Corbel" charset="0"/>
                   <a:ea typeface="Corbel" charset="0"/>
                   <a:cs typeface="Corbel" charset="0"/>
                 </a:rPr>
                 <a:t>RGW</a:t>
               </a:r>
-              <a:endParaRPr kumimoji="1" lang="zh-CN" altLang="en-US" sz="2000" dirty="0">
+              <a:endParaRPr kumimoji="1" lang="zh-CN" altLang="en-US" sz="2400" dirty="0">
                 <a:latin typeface="Corbel" charset="0"/>
                 <a:ea typeface="Corbel" charset="0"/>
                 <a:cs typeface="Corbel" charset="0"/>
@@ -26753,7 +28990,7 @@
             <a:p>
               <a:pPr algn="ctr"/>
               <a:r>
-                <a:rPr kumimoji="1" lang="en-US" altLang="zh-CN" sz="2000" dirty="0" err="1" smtClean="0">
+                <a:rPr kumimoji="1" lang="en-US" altLang="zh-CN" sz="2400" dirty="0" err="1" smtClean="0">
                   <a:latin typeface="Corbel" charset="0"/>
                   <a:ea typeface="Corbel" charset="0"/>
                   <a:cs typeface="Corbel" charset="0"/>
@@ -26761,14 +28998,14 @@
                 <a:t>WorkQueue</a:t>
               </a:r>
               <a:r>
-                <a:rPr kumimoji="1" lang="zh-CN" altLang="en-US" sz="2000" dirty="0" smtClean="0">
+                <a:rPr kumimoji="1" lang="zh-CN" altLang="en-US" sz="2400" dirty="0" smtClean="0">
                   <a:latin typeface="Corbel" charset="0"/>
                   <a:ea typeface="Corbel" charset="0"/>
                   <a:cs typeface="Corbel" charset="0"/>
                 </a:rPr>
                 <a:t> </a:t>
               </a:r>
-              <a:endParaRPr kumimoji="1" lang="zh-CN" altLang="en-US" sz="2000" dirty="0">
+              <a:endParaRPr kumimoji="1" lang="zh-CN" altLang="en-US" sz="2400" dirty="0">
                 <a:latin typeface="Corbel" charset="0"/>
                 <a:ea typeface="Corbel" charset="0"/>
                 <a:cs typeface="Corbel" charset="0"/>
@@ -26785,7 +29022,7 @@
           <p:spPr>
             <a:xfrm>
               <a:off x="4496185" y="4375089"/>
-              <a:ext cx="1107996" cy="400110"/>
+              <a:ext cx="1290738" cy="461665"/>
             </a:xfrm>
             <a:prstGeom prst="rect">
               <a:avLst/>
@@ -26802,14 +29039,14 @@
             <a:lstStyle/>
             <a:p>
               <a:r>
-                <a:rPr kumimoji="1" lang="en-US" altLang="zh-CN" sz="2000" dirty="0" err="1" smtClean="0">
+                <a:rPr kumimoji="1" lang="en-US" altLang="zh-CN" sz="2400" dirty="0" err="1" smtClean="0">
                   <a:latin typeface="Corbel" charset="0"/>
                   <a:ea typeface="Corbel" charset="0"/>
                   <a:cs typeface="Corbel" charset="0"/>
                 </a:rPr>
                 <a:t>dequeue</a:t>
               </a:r>
-              <a:endParaRPr kumimoji="1" lang="zh-CN" altLang="en-US" sz="2000" dirty="0">
+              <a:endParaRPr kumimoji="1" lang="zh-CN" altLang="en-US" sz="2400" dirty="0">
                 <a:latin typeface="Corbel" charset="0"/>
                 <a:ea typeface="Corbel" charset="0"/>
                 <a:cs typeface="Corbel" charset="0"/>
@@ -26860,14 +29097,14 @@
             <a:p>
               <a:pPr algn="ctr"/>
               <a:r>
-                <a:rPr kumimoji="1" lang="en-US" altLang="zh-CN" sz="2000" dirty="0" smtClean="0">
+                <a:rPr kumimoji="1" lang="en-US" altLang="zh-CN" sz="2400" dirty="0" smtClean="0">
                   <a:latin typeface="Corbel" charset="0"/>
                   <a:ea typeface="Corbel" charset="0"/>
                   <a:cs typeface="Corbel" charset="0"/>
                 </a:rPr>
                 <a:t>PG</a:t>
               </a:r>
-              <a:endParaRPr kumimoji="1" lang="zh-CN" altLang="en-US" sz="2000" dirty="0">
+              <a:endParaRPr kumimoji="1" lang="zh-CN" altLang="en-US" sz="2400" dirty="0">
                 <a:latin typeface="Corbel" charset="0"/>
                 <a:ea typeface="Corbel" charset="0"/>
                 <a:cs typeface="Corbel" charset="0"/>
@@ -26992,7 +29229,7 @@
           <p:spPr>
             <a:xfrm>
               <a:off x="7672653" y="4479245"/>
-              <a:ext cx="184731" cy="369332"/>
+              <a:ext cx="184731" cy="400110"/>
             </a:xfrm>
             <a:prstGeom prst="rect">
               <a:avLst/>
@@ -27005,7 +29242,7 @@
             </a:bodyPr>
             <a:lstStyle/>
             <a:p>
-              <a:endParaRPr kumimoji="1" lang="zh-CN" altLang="en-US"/>
+              <a:endParaRPr kumimoji="1" lang="zh-CN" altLang="en-US" sz="2000"/>
             </a:p>
           </p:txBody>
         </p:sp>
@@ -27018,7 +29255,7 @@
           <p:spPr>
             <a:xfrm>
               <a:off x="3331251" y="2796112"/>
-              <a:ext cx="1053494" cy="369332"/>
+              <a:ext cx="1104790" cy="400110"/>
             </a:xfrm>
             <a:prstGeom prst="rect">
               <a:avLst/>
@@ -27032,14 +29269,14 @@
             <a:lstStyle/>
             <a:p>
               <a:r>
-                <a:rPr kumimoji="1" lang="en-US" altLang="zh-CN" dirty="0" err="1" smtClean="0">
+                <a:rPr kumimoji="1" lang="en-US" altLang="zh-CN" sz="2000" dirty="0" err="1" smtClean="0">
                   <a:latin typeface="Corbel" charset="0"/>
                   <a:ea typeface="Corbel" charset="0"/>
                   <a:cs typeface="Corbel" charset="0"/>
                 </a:rPr>
                 <a:t>enqueue</a:t>
               </a:r>
-              <a:endParaRPr kumimoji="1" lang="zh-CN" altLang="en-US" dirty="0">
+              <a:endParaRPr kumimoji="1" lang="zh-CN" altLang="en-US" sz="2000" dirty="0">
                 <a:latin typeface="Corbel" charset="0"/>
                 <a:ea typeface="Corbel" charset="0"/>
                 <a:cs typeface="Corbel" charset="0"/>
@@ -27090,14 +29327,14 @@
             <a:p>
               <a:pPr algn="ctr"/>
               <a:r>
-                <a:rPr kumimoji="1" lang="en-US" altLang="zh-CN" sz="2000" dirty="0" smtClean="0">
+                <a:rPr kumimoji="1" lang="en-US" altLang="zh-CN" sz="2400" dirty="0" smtClean="0">
                   <a:latin typeface="Corbel" charset="0"/>
                   <a:ea typeface="Corbel" charset="0"/>
                   <a:cs typeface="Corbel" charset="0"/>
                 </a:rPr>
                 <a:t>PG</a:t>
               </a:r>
-              <a:endParaRPr kumimoji="1" lang="zh-CN" altLang="en-US" sz="2000" dirty="0">
+              <a:endParaRPr kumimoji="1" lang="zh-CN" altLang="en-US" sz="2400" dirty="0">
                 <a:latin typeface="Corbel" charset="0"/>
                 <a:ea typeface="Corbel" charset="0"/>
                 <a:cs typeface="Corbel" charset="0"/>
@@ -27148,14 +29385,14 @@
             <a:p>
               <a:pPr algn="ctr"/>
               <a:r>
-                <a:rPr kumimoji="1" lang="en-US" altLang="zh-CN" sz="2000" dirty="0" smtClean="0">
+                <a:rPr kumimoji="1" lang="en-US" altLang="zh-CN" sz="2400" dirty="0" smtClean="0">
                   <a:latin typeface="Corbel" charset="0"/>
                   <a:ea typeface="Corbel" charset="0"/>
                   <a:cs typeface="Corbel" charset="0"/>
                 </a:rPr>
                 <a:t>PG</a:t>
               </a:r>
-              <a:endParaRPr kumimoji="1" lang="zh-CN" altLang="en-US" sz="2000" dirty="0">
+              <a:endParaRPr kumimoji="1" lang="zh-CN" altLang="en-US" sz="2400" dirty="0">
                 <a:latin typeface="Corbel" charset="0"/>
                 <a:ea typeface="Corbel" charset="0"/>
                 <a:cs typeface="Corbel" charset="0"/>
@@ -27279,8 +29516,8 @@
           </p:nvSpPr>
           <p:spPr>
             <a:xfrm>
-              <a:off x="1357546" y="3258295"/>
-              <a:ext cx="1484027" cy="1004341"/>
+              <a:off x="1167320" y="3258295"/>
+              <a:ext cx="1674254" cy="1004341"/>
             </a:xfrm>
             <a:prstGeom prst="ellipse">
               <a:avLst/>
@@ -27316,7 +29553,7 @@
             <a:p>
               <a:pPr algn="ctr"/>
               <a:r>
-                <a:rPr kumimoji="1" lang="en-US" altLang="zh-CN" sz="2000" smtClean="0">
+                <a:rPr kumimoji="1" lang="en-US" altLang="zh-CN" sz="2400" smtClean="0">
                   <a:latin typeface="Corbel" charset="0"/>
                   <a:ea typeface="Corbel" charset="0"/>
                   <a:cs typeface="Corbel" charset="0"/>
@@ -27327,14 +29564,14 @@
             <a:p>
               <a:pPr algn="ctr"/>
               <a:r>
-                <a:rPr kumimoji="1" lang="en-US" altLang="zh-CN" sz="2000" dirty="0" smtClean="0">
+                <a:rPr kumimoji="1" lang="en-US" altLang="zh-CN" sz="2400" dirty="0" smtClean="0">
                   <a:latin typeface="Corbel" charset="0"/>
                   <a:ea typeface="Corbel" charset="0"/>
                   <a:cs typeface="Corbel" charset="0"/>
                 </a:rPr>
                 <a:t>pool</a:t>
               </a:r>
-              <a:endParaRPr kumimoji="1" lang="zh-CN" altLang="en-US" sz="2000" dirty="0">
+              <a:endParaRPr kumimoji="1" lang="zh-CN" altLang="en-US" sz="2400" dirty="0">
                 <a:latin typeface="Corbel" charset="0"/>
                 <a:ea typeface="Corbel" charset="0"/>
                 <a:cs typeface="Corbel" charset="0"/>
@@ -27351,7 +29588,7 @@
           <p:spPr>
             <a:xfrm>
               <a:off x="2841573" y="3373065"/>
-              <a:ext cx="909223" cy="369332"/>
+              <a:ext cx="992579" cy="400110"/>
             </a:xfrm>
             <a:prstGeom prst="rect">
               <a:avLst/>
@@ -27365,14 +29602,14 @@
             <a:lstStyle/>
             <a:p>
               <a:r>
-                <a:rPr kumimoji="1" lang="en-US" altLang="zh-CN" smtClean="0">
+                <a:rPr kumimoji="1" lang="en-US" altLang="zh-CN" sz="2000" smtClean="0">
                   <a:latin typeface="Corbel" charset="0"/>
                   <a:ea typeface="Corbel" charset="0"/>
                   <a:cs typeface="Corbel" charset="0"/>
                 </a:rPr>
                 <a:t>process</a:t>
               </a:r>
-              <a:endParaRPr kumimoji="1" lang="zh-CN" altLang="en-US" dirty="0">
+              <a:endParaRPr kumimoji="1" lang="zh-CN" altLang="en-US" sz="2000" dirty="0">
                 <a:latin typeface="Corbel" charset="0"/>
                 <a:ea typeface="Corbel" charset="0"/>
                 <a:cs typeface="Corbel" charset="0"/>
@@ -27391,8 +29628,8 @@
           </p:nvCxnSpPr>
           <p:spPr>
             <a:xfrm>
-              <a:off x="2841573" y="3760466"/>
-              <a:ext cx="979356" cy="1"/>
+              <a:off x="2841574" y="3760466"/>
+              <a:ext cx="979355" cy="1"/>
             </a:xfrm>
             <a:prstGeom prst="straightConnector1">
               <a:avLst/>
@@ -27428,7 +29665,7 @@
           <p:spPr>
             <a:xfrm>
               <a:off x="9350426" y="3258295"/>
-              <a:ext cx="1484027" cy="1004341"/>
+              <a:ext cx="1622374" cy="1004341"/>
             </a:xfrm>
             <a:prstGeom prst="ellipse">
               <a:avLst/>
@@ -27462,7 +29699,7 @@
             <a:p>
               <a:pPr algn="ctr"/>
               <a:r>
-                <a:rPr kumimoji="1" lang="en-US" altLang="zh-CN" sz="2000" smtClean="0">
+                <a:rPr kumimoji="1" lang="en-US" altLang="zh-CN" sz="2400" smtClean="0">
                   <a:latin typeface="Corbel" charset="0"/>
                   <a:ea typeface="Corbel" charset="0"/>
                   <a:cs typeface="Corbel" charset="0"/>
@@ -27473,14 +29710,14 @@
             <a:p>
               <a:pPr algn="ctr"/>
               <a:r>
-                <a:rPr kumimoji="1" lang="en-US" altLang="zh-CN" sz="2000" dirty="0" smtClean="0">
+                <a:rPr kumimoji="1" lang="en-US" altLang="zh-CN" sz="2400" dirty="0" smtClean="0">
                   <a:latin typeface="Corbel" charset="0"/>
                   <a:ea typeface="Corbel" charset="0"/>
                   <a:cs typeface="Corbel" charset="0"/>
                 </a:rPr>
                 <a:t>pool</a:t>
               </a:r>
-              <a:endParaRPr kumimoji="1" lang="zh-CN" altLang="en-US" sz="2000" dirty="0">
+              <a:endParaRPr kumimoji="1" lang="zh-CN" altLang="en-US" sz="2400" dirty="0">
                 <a:latin typeface="Corbel" charset="0"/>
                 <a:ea typeface="Corbel" charset="0"/>
                 <a:cs typeface="Corbel" charset="0"/>
@@ -27497,7 +29734,7 @@
           <p:spPr>
             <a:xfrm>
               <a:off x="8376690" y="3425162"/>
-              <a:ext cx="909223" cy="369332"/>
+              <a:ext cx="992579" cy="400110"/>
             </a:xfrm>
             <a:prstGeom prst="rect">
               <a:avLst/>
@@ -27511,14 +29748,14 @@
             <a:lstStyle/>
             <a:p>
               <a:r>
-                <a:rPr kumimoji="1" lang="en-US" altLang="zh-CN" smtClean="0">
+                <a:rPr kumimoji="1" lang="en-US" altLang="zh-CN" sz="2000" smtClean="0">
                   <a:latin typeface="Corbel" charset="0"/>
                   <a:ea typeface="Corbel" charset="0"/>
                   <a:cs typeface="Corbel" charset="0"/>
                 </a:rPr>
                 <a:t>process</a:t>
               </a:r>
-              <a:endParaRPr kumimoji="1" lang="zh-CN" altLang="en-US" dirty="0">
+              <a:endParaRPr kumimoji="1" lang="zh-CN" altLang="en-US" sz="2000" dirty="0">
                 <a:latin typeface="Corbel" charset="0"/>
                 <a:ea typeface="Corbel" charset="0"/>
                 <a:cs typeface="Corbel" charset="0"/>
@@ -28482,7 +30719,7 @@
         <p:spPr>
           <a:xfrm>
             <a:off x="268704" y="3909210"/>
-            <a:ext cx="2348720" cy="369332"/>
+            <a:ext cx="2512226" cy="400110"/>
           </a:xfrm>
           <a:prstGeom prst="rect">
             <a:avLst/>
@@ -28496,7 +30733,7 @@
           <a:lstStyle/>
           <a:p>
             <a:r>
-              <a:rPr kumimoji="1" lang="en-US" altLang="zh-CN" dirty="0">
+              <a:rPr kumimoji="1" lang="en-US" altLang="zh-CN" sz="2000" dirty="0">
                 <a:latin typeface="Corbel" charset="0"/>
                 <a:ea typeface="Corbel" charset="0"/>
                 <a:cs typeface="Corbel" charset="0"/>
@@ -28504,7 +30741,7 @@
               <a:t>H</a:t>
             </a:r>
             <a:r>
-              <a:rPr kumimoji="1" lang="en-US" altLang="zh-CN" dirty="0" smtClean="0">
+              <a:rPr kumimoji="1" lang="en-US" altLang="zh-CN" sz="2000" dirty="0" smtClean="0">
                 <a:latin typeface="Corbel" charset="0"/>
                 <a:ea typeface="Corbel" charset="0"/>
                 <a:cs typeface="Corbel" charset="0"/>
@@ -28512,7 +30749,7 @@
               <a:t>andle</a:t>
             </a:r>
             <a:r>
-              <a:rPr kumimoji="1" lang="zh-CN" altLang="en-US" dirty="0" smtClean="0">
+              <a:rPr kumimoji="1" lang="zh-CN" altLang="en-US" sz="2000" dirty="0" smtClean="0">
                 <a:latin typeface="Corbel" charset="0"/>
                 <a:ea typeface="Corbel" charset="0"/>
                 <a:cs typeface="Corbel" charset="0"/>
@@ -28520,7 +30757,7 @@
               <a:t> </a:t>
             </a:r>
             <a:r>
-              <a:rPr kumimoji="1" lang="en-US" altLang="zh-CN" dirty="0" smtClean="0">
+              <a:rPr kumimoji="1" lang="en-US" altLang="zh-CN" sz="2000" dirty="0" smtClean="0">
                 <a:latin typeface="Corbel" charset="0"/>
                 <a:ea typeface="Corbel" charset="0"/>
                 <a:cs typeface="Corbel" charset="0"/>
@@ -28528,7 +30765,7 @@
               <a:t>recovery</a:t>
             </a:r>
             <a:r>
-              <a:rPr kumimoji="1" lang="zh-CN" altLang="en-US" dirty="0" smtClean="0">
+              <a:rPr kumimoji="1" lang="zh-CN" altLang="en-US" sz="2000" dirty="0" smtClean="0">
                 <a:latin typeface="Corbel" charset="0"/>
                 <a:ea typeface="Corbel" charset="0"/>
                 <a:cs typeface="Corbel" charset="0"/>
@@ -28536,14 +30773,14 @@
               <a:t> </a:t>
             </a:r>
             <a:r>
-              <a:rPr kumimoji="1" lang="en-US" altLang="zh-CN" dirty="0" smtClean="0">
+              <a:rPr kumimoji="1" lang="en-US" altLang="zh-CN" sz="2000" dirty="0" smtClean="0">
                 <a:latin typeface="Corbel" charset="0"/>
                 <a:ea typeface="Corbel" charset="0"/>
                 <a:cs typeface="Corbel" charset="0"/>
               </a:rPr>
               <a:t>tasks</a:t>
             </a:r>
-            <a:endParaRPr kumimoji="1" lang="zh-CN" altLang="en-US" dirty="0">
+            <a:endParaRPr kumimoji="1" lang="zh-CN" altLang="en-US" sz="2000" dirty="0">
               <a:latin typeface="Corbel" charset="0"/>
               <a:ea typeface="Corbel" charset="0"/>
               <a:cs typeface="Corbel" charset="0"/>
@@ -28560,7 +30797,7 @@
         <p:spPr>
           <a:xfrm>
             <a:off x="234996" y="1654599"/>
-            <a:ext cx="2377574" cy="369332"/>
+            <a:ext cx="2621230" cy="400110"/>
           </a:xfrm>
           <a:prstGeom prst="rect">
             <a:avLst/>
@@ -28574,7 +30811,7 @@
           <a:lstStyle/>
           <a:p>
             <a:r>
-              <a:rPr kumimoji="1" lang="en-US" altLang="zh-CN" dirty="0" smtClean="0">
+              <a:rPr kumimoji="1" lang="en-US" altLang="zh-CN" sz="2000" dirty="0" smtClean="0">
                 <a:latin typeface="Corbel" charset="0"/>
                 <a:ea typeface="Corbel" charset="0"/>
                 <a:cs typeface="Corbel" charset="0"/>
@@ -28582,7 +30819,7 @@
               <a:t>Handle</a:t>
             </a:r>
             <a:r>
-              <a:rPr kumimoji="1" lang="zh-CN" altLang="en-US" dirty="0" smtClean="0">
+              <a:rPr kumimoji="1" lang="zh-CN" altLang="en-US" sz="2000" dirty="0" smtClean="0">
                 <a:latin typeface="Corbel" charset="0"/>
                 <a:ea typeface="Corbel" charset="0"/>
                 <a:cs typeface="Corbel" charset="0"/>
@@ -28590,7 +30827,7 @@
               <a:t> </a:t>
             </a:r>
             <a:r>
-              <a:rPr kumimoji="1" lang="en-US" altLang="zh-CN" dirty="0" smtClean="0">
+              <a:rPr kumimoji="1" lang="en-US" altLang="zh-CN" sz="2000" dirty="0" smtClean="0">
                 <a:latin typeface="Corbel" charset="0"/>
                 <a:ea typeface="Corbel" charset="0"/>
                 <a:cs typeface="Corbel" charset="0"/>
@@ -28598,7 +30835,7 @@
               <a:t>ops</a:t>
             </a:r>
             <a:r>
-              <a:rPr kumimoji="1" lang="zh-CN" altLang="en-US" dirty="0" smtClean="0">
+              <a:rPr kumimoji="1" lang="zh-CN" altLang="en-US" sz="2000" dirty="0" smtClean="0">
                 <a:latin typeface="Corbel" charset="0"/>
                 <a:ea typeface="Corbel" charset="0"/>
                 <a:cs typeface="Corbel" charset="0"/>
@@ -28606,7 +30843,7 @@
               <a:t> </a:t>
             </a:r>
             <a:r>
-              <a:rPr kumimoji="1" lang="en-US" altLang="zh-CN" dirty="0" smtClean="0">
+              <a:rPr kumimoji="1" lang="en-US" altLang="zh-CN" sz="2000" dirty="0" smtClean="0">
                 <a:latin typeface="Corbel" charset="0"/>
                 <a:ea typeface="Corbel" charset="0"/>
                 <a:cs typeface="Corbel" charset="0"/>
@@ -28614,7 +30851,7 @@
               <a:t>and</a:t>
             </a:r>
             <a:r>
-              <a:rPr kumimoji="1" lang="zh-CN" altLang="en-US" dirty="0" smtClean="0">
+              <a:rPr kumimoji="1" lang="zh-CN" altLang="en-US" sz="2000" dirty="0" smtClean="0">
                 <a:latin typeface="Corbel" charset="0"/>
                 <a:ea typeface="Corbel" charset="0"/>
                 <a:cs typeface="Corbel" charset="0"/>
@@ -28622,14 +30859,14 @@
               <a:t> </a:t>
             </a:r>
             <a:r>
-              <a:rPr kumimoji="1" lang="en-US" altLang="zh-CN" dirty="0" err="1" smtClean="0">
+              <a:rPr kumimoji="1" lang="en-US" altLang="zh-CN" sz="2000" dirty="0" err="1" smtClean="0">
                 <a:latin typeface="Corbel" charset="0"/>
                 <a:ea typeface="Corbel" charset="0"/>
                 <a:cs typeface="Corbel" charset="0"/>
               </a:rPr>
               <a:t>subops</a:t>
             </a:r>
-            <a:endParaRPr kumimoji="1" lang="zh-CN" altLang="en-US" dirty="0">
+            <a:endParaRPr kumimoji="1" lang="zh-CN" altLang="en-US" sz="2000" dirty="0">
               <a:latin typeface="Corbel" charset="0"/>
               <a:ea typeface="Corbel" charset="0"/>
               <a:cs typeface="Corbel" charset="0"/>
@@ -28646,7 +30883,7 @@
         <p:spPr>
           <a:xfrm>
             <a:off x="32261" y="5003710"/>
-            <a:ext cx="2821606" cy="369332"/>
+            <a:ext cx="3026791" cy="400110"/>
           </a:xfrm>
           <a:prstGeom prst="rect">
             <a:avLst/>
@@ -28660,7 +30897,7 @@
           <a:lstStyle/>
           <a:p>
             <a:r>
-              <a:rPr kumimoji="1" lang="en-US" altLang="zh-CN" dirty="0">
+              <a:rPr kumimoji="1" lang="en-US" altLang="zh-CN" sz="2000" dirty="0">
                 <a:latin typeface="Corbel" charset="0"/>
                 <a:ea typeface="Corbel" charset="0"/>
                 <a:cs typeface="Corbel" charset="0"/>
@@ -28668,7 +30905,7 @@
               <a:t>H</a:t>
             </a:r>
             <a:r>
-              <a:rPr kumimoji="1" lang="en-US" altLang="zh-CN" dirty="0" smtClean="0">
+              <a:rPr kumimoji="1" lang="en-US" altLang="zh-CN" sz="2000" dirty="0" smtClean="0">
                 <a:latin typeface="Corbel" charset="0"/>
                 <a:ea typeface="Corbel" charset="0"/>
                 <a:cs typeface="Corbel" charset="0"/>
@@ -28676,7 +30913,7 @@
               <a:t>andle</a:t>
             </a:r>
             <a:r>
-              <a:rPr kumimoji="1" lang="zh-CN" altLang="en-US" dirty="0" smtClean="0">
+              <a:rPr kumimoji="1" lang="zh-CN" altLang="en-US" sz="2000" dirty="0" smtClean="0">
                 <a:latin typeface="Corbel" charset="0"/>
                 <a:ea typeface="Corbel" charset="0"/>
                 <a:cs typeface="Corbel" charset="0"/>
@@ -28684,7 +30921,7 @@
               <a:t> </a:t>
             </a:r>
             <a:r>
-              <a:rPr kumimoji="1" lang="en-US" altLang="zh-CN" dirty="0" smtClean="0">
+              <a:rPr kumimoji="1" lang="en-US" altLang="zh-CN" sz="2000" dirty="0" smtClean="0">
                 <a:latin typeface="Corbel" charset="0"/>
                 <a:ea typeface="Corbel" charset="0"/>
                 <a:cs typeface="Corbel" charset="0"/>
@@ -28692,7 +30929,7 @@
               <a:t>disk</a:t>
             </a:r>
             <a:r>
-              <a:rPr kumimoji="1" lang="zh-CN" altLang="en-US" dirty="0" smtClean="0">
+              <a:rPr kumimoji="1" lang="zh-CN" altLang="en-US" sz="2000" dirty="0" smtClean="0">
                 <a:latin typeface="Corbel" charset="0"/>
                 <a:ea typeface="Corbel" charset="0"/>
                 <a:cs typeface="Corbel" charset="0"/>
@@ -28700,7 +30937,7 @@
               <a:t> </a:t>
             </a:r>
             <a:r>
-              <a:rPr kumimoji="1" lang="en-US" altLang="zh-CN" dirty="0" smtClean="0">
+              <a:rPr kumimoji="1" lang="en-US" altLang="zh-CN" sz="2000" dirty="0" smtClean="0">
                 <a:latin typeface="Corbel" charset="0"/>
                 <a:ea typeface="Corbel" charset="0"/>
                 <a:cs typeface="Corbel" charset="0"/>
@@ -28708,7 +30945,7 @@
               <a:t>intensive</a:t>
             </a:r>
             <a:r>
-              <a:rPr kumimoji="1" lang="zh-CN" altLang="en-US" dirty="0" smtClean="0">
+              <a:rPr kumimoji="1" lang="zh-CN" altLang="en-US" sz="2000" dirty="0" smtClean="0">
                 <a:latin typeface="Corbel" charset="0"/>
                 <a:ea typeface="Corbel" charset="0"/>
                 <a:cs typeface="Corbel" charset="0"/>
@@ -28716,14 +30953,14 @@
               <a:t> </a:t>
             </a:r>
             <a:r>
-              <a:rPr kumimoji="1" lang="en-US" altLang="zh-CN" dirty="0" smtClean="0">
+              <a:rPr kumimoji="1" lang="en-US" altLang="zh-CN" sz="2000" dirty="0" smtClean="0">
                 <a:latin typeface="Corbel" charset="0"/>
                 <a:ea typeface="Corbel" charset="0"/>
                 <a:cs typeface="Corbel" charset="0"/>
               </a:rPr>
               <a:t>tasks</a:t>
             </a:r>
-            <a:endParaRPr kumimoji="1" lang="zh-CN" altLang="en-US" dirty="0">
+            <a:endParaRPr kumimoji="1" lang="zh-CN" altLang="en-US" sz="2000" dirty="0">
               <a:latin typeface="Corbel" charset="0"/>
               <a:ea typeface="Corbel" charset="0"/>
               <a:cs typeface="Corbel" charset="0"/>
@@ -28740,7 +30977,7 @@
         <p:spPr>
           <a:xfrm>
             <a:off x="387125" y="2802229"/>
-            <a:ext cx="2047355" cy="369332"/>
+            <a:ext cx="2169184" cy="400110"/>
           </a:xfrm>
           <a:prstGeom prst="rect">
             <a:avLst/>
@@ -28754,7 +30991,7 @@
           <a:lstStyle/>
           <a:p>
             <a:r>
-              <a:rPr kumimoji="1" lang="en-US" altLang="zh-CN" dirty="0">
+              <a:rPr kumimoji="1" lang="en-US" altLang="zh-CN" sz="2000" dirty="0">
                 <a:latin typeface="Corbel" charset="0"/>
                 <a:ea typeface="Corbel" charset="0"/>
                 <a:cs typeface="Corbel" charset="0"/>
@@ -28762,7 +30999,7 @@
               <a:t>H</a:t>
             </a:r>
             <a:r>
-              <a:rPr kumimoji="1" lang="en-US" altLang="zh-CN" dirty="0" smtClean="0">
+              <a:rPr kumimoji="1" lang="en-US" altLang="zh-CN" sz="2000" dirty="0" smtClean="0">
                 <a:latin typeface="Corbel" charset="0"/>
                 <a:ea typeface="Corbel" charset="0"/>
                 <a:cs typeface="Corbel" charset="0"/>
@@ -28770,7 +31007,7 @@
               <a:t>andle</a:t>
             </a:r>
             <a:r>
-              <a:rPr kumimoji="1" lang="zh-CN" altLang="en-US" dirty="0" smtClean="0">
+              <a:rPr kumimoji="1" lang="zh-CN" altLang="en-US" sz="2000" dirty="0" smtClean="0">
                 <a:latin typeface="Corbel" charset="0"/>
                 <a:ea typeface="Corbel" charset="0"/>
                 <a:cs typeface="Corbel" charset="0"/>
@@ -28778,14 +31015,14 @@
               <a:t> </a:t>
             </a:r>
             <a:r>
-              <a:rPr kumimoji="1" lang="en-US" altLang="zh-CN" dirty="0" smtClean="0">
+              <a:rPr kumimoji="1" lang="en-US" altLang="zh-CN" sz="2000" dirty="0" smtClean="0">
                 <a:latin typeface="Corbel" charset="0"/>
                 <a:ea typeface="Corbel" charset="0"/>
                 <a:cs typeface="Corbel" charset="0"/>
               </a:rPr>
               <a:t>commands</a:t>
             </a:r>
-            <a:endParaRPr kumimoji="1" lang="zh-CN" altLang="en-US" dirty="0">
+            <a:endParaRPr kumimoji="1" lang="zh-CN" altLang="en-US" sz="2000" dirty="0">
               <a:latin typeface="Corbel" charset="0"/>
               <a:ea typeface="Corbel" charset="0"/>
               <a:cs typeface="Corbel" charset="0"/>
@@ -29194,7 +31431,7 @@
           <a:p>
             <a:pPr algn="ctr"/>
             <a:r>
-              <a:rPr kumimoji="1" lang="en-US" altLang="zh-CN" dirty="0">
+              <a:rPr kumimoji="1" lang="en-US" altLang="zh-CN" sz="2000" dirty="0">
                 <a:solidFill>
                   <a:sysClr val="windowText" lastClr="000000"/>
                 </a:solidFill>
@@ -29205,7 +31442,7 @@
               <a:t>o</a:t>
             </a:r>
             <a:r>
-              <a:rPr kumimoji="1" lang="en-US" altLang="zh-CN" dirty="0" smtClean="0">
+              <a:rPr kumimoji="1" lang="en-US" altLang="zh-CN" sz="2000" dirty="0" smtClean="0">
                 <a:solidFill>
                   <a:sysClr val="windowText" lastClr="000000"/>
                 </a:solidFill>
@@ -29216,7 +31453,7 @@
               <a:t>ps</a:t>
             </a:r>
             <a:r>
-              <a:rPr kumimoji="1" lang="zh-CN" altLang="en-US" dirty="0" smtClean="0">
+              <a:rPr kumimoji="1" lang="zh-CN" altLang="en-US" sz="2000" dirty="0" smtClean="0">
                 <a:solidFill>
                   <a:sysClr val="windowText" lastClr="000000"/>
                 </a:solidFill>
@@ -29227,7 +31464,7 @@
               <a:t> </a:t>
             </a:r>
             <a:r>
-              <a:rPr kumimoji="1" lang="en-US" altLang="zh-CN" dirty="0" smtClean="0">
+              <a:rPr kumimoji="1" lang="en-US" altLang="zh-CN" sz="2000" dirty="0" smtClean="0">
                 <a:solidFill>
                   <a:sysClr val="windowText" lastClr="000000"/>
                 </a:solidFill>
@@ -29238,7 +31475,7 @@
               <a:t>from</a:t>
             </a:r>
             <a:r>
-              <a:rPr kumimoji="1" lang="zh-CN" altLang="en-US" dirty="0" smtClean="0">
+              <a:rPr kumimoji="1" lang="zh-CN" altLang="en-US" sz="2000" dirty="0" smtClean="0">
                 <a:solidFill>
                   <a:sysClr val="windowText" lastClr="000000"/>
                 </a:solidFill>
@@ -29249,7 +31486,7 @@
               <a:t> </a:t>
             </a:r>
             <a:r>
-              <a:rPr kumimoji="1" lang="en-US" altLang="zh-CN" dirty="0" smtClean="0">
+              <a:rPr kumimoji="1" lang="en-US" altLang="zh-CN" sz="2000" dirty="0" smtClean="0">
                 <a:solidFill>
                   <a:sysClr val="windowText" lastClr="000000"/>
                 </a:solidFill>
@@ -29260,7 +31497,7 @@
               <a:t>client</a:t>
             </a:r>
             <a:r>
-              <a:rPr kumimoji="1" lang="zh-CN" altLang="en-US" dirty="0" smtClean="0">
+              <a:rPr kumimoji="1" lang="zh-CN" altLang="en-US" sz="2000" dirty="0" smtClean="0">
                 <a:solidFill>
                   <a:sysClr val="windowText" lastClr="000000"/>
                 </a:solidFill>
@@ -29271,7 +31508,7 @@
               <a:t> </a:t>
             </a:r>
             <a:r>
-              <a:rPr kumimoji="1" lang="en-US" altLang="zh-CN" dirty="0" smtClean="0">
+              <a:rPr kumimoji="1" lang="en-US" altLang="zh-CN" sz="2000" dirty="0" smtClean="0">
                 <a:solidFill>
                   <a:sysClr val="windowText" lastClr="000000"/>
                 </a:solidFill>
@@ -29282,7 +31519,7 @@
               <a:t>&amp;</a:t>
             </a:r>
             <a:r>
-              <a:rPr kumimoji="1" lang="zh-CN" altLang="en-US" dirty="0" smtClean="0">
+              <a:rPr kumimoji="1" lang="zh-CN" altLang="en-US" sz="2000" dirty="0" smtClean="0">
                 <a:solidFill>
                   <a:sysClr val="windowText" lastClr="000000"/>
                 </a:solidFill>
@@ -29293,7 +31530,7 @@
               <a:t> </a:t>
             </a:r>
             <a:r>
-              <a:rPr kumimoji="1" lang="en-US" altLang="zh-CN" dirty="0" smtClean="0">
+              <a:rPr kumimoji="1" lang="en-US" altLang="zh-CN" sz="2000" dirty="0" smtClean="0">
                 <a:solidFill>
                   <a:sysClr val="windowText" lastClr="000000"/>
                 </a:solidFill>
@@ -29303,7 +31540,7 @@
               </a:rPr>
               <a:t>OSD</a:t>
             </a:r>
-            <a:endParaRPr kumimoji="1" lang="zh-CN" altLang="en-US" dirty="0">
+            <a:endParaRPr kumimoji="1" lang="zh-CN" altLang="en-US" sz="2000" dirty="0">
               <a:solidFill>
                 <a:sysClr val="windowText" lastClr="000000"/>
               </a:solidFill>
@@ -29355,7 +31592,7 @@
           <a:p>
             <a:pPr algn="ctr"/>
             <a:r>
-              <a:rPr kumimoji="1" lang="en-US" altLang="zh-CN" dirty="0" smtClean="0">
+              <a:rPr kumimoji="1" lang="en-US" altLang="zh-CN" sz="2000" dirty="0" smtClean="0">
                 <a:solidFill>
                   <a:sysClr val="windowText" lastClr="000000"/>
                 </a:solidFill>
@@ -29366,7 +31603,7 @@
               <a:t>Peering</a:t>
             </a:r>
             <a:r>
-              <a:rPr kumimoji="1" lang="zh-CN" altLang="en-US" dirty="0" smtClean="0">
+              <a:rPr kumimoji="1" lang="zh-CN" altLang="en-US" sz="2000" dirty="0" smtClean="0">
                 <a:solidFill>
                   <a:sysClr val="windowText" lastClr="000000"/>
                 </a:solidFill>
@@ -29377,7 +31614,7 @@
               <a:t> </a:t>
             </a:r>
             <a:r>
-              <a:rPr kumimoji="1" lang="en-US" altLang="zh-CN" dirty="0" smtClean="0">
+              <a:rPr kumimoji="1" lang="en-US" altLang="zh-CN" sz="2000" dirty="0" smtClean="0">
                 <a:solidFill>
                   <a:sysClr val="windowText" lastClr="000000"/>
                 </a:solidFill>
@@ -29388,7 +31625,7 @@
               <a:t>tasks</a:t>
             </a:r>
             <a:r>
-              <a:rPr kumimoji="1" lang="zh-CN" altLang="en-US" dirty="0" smtClean="0">
+              <a:rPr kumimoji="1" lang="zh-CN" altLang="en-US" sz="2000" dirty="0" smtClean="0">
                 <a:solidFill>
                   <a:sysClr val="windowText" lastClr="000000"/>
                 </a:solidFill>
@@ -29399,7 +31636,7 @@
               <a:t> </a:t>
             </a:r>
             <a:r>
-              <a:rPr kumimoji="1" lang="en-US" altLang="zh-CN" dirty="0" smtClean="0">
+              <a:rPr kumimoji="1" lang="en-US" altLang="zh-CN" sz="2000" dirty="0" smtClean="0">
                 <a:solidFill>
                   <a:sysClr val="windowText" lastClr="000000"/>
                 </a:solidFill>
@@ -29410,7 +31647,7 @@
               <a:t>&amp;</a:t>
             </a:r>
             <a:r>
-              <a:rPr kumimoji="1" lang="zh-CN" altLang="en-US" dirty="0" smtClean="0">
+              <a:rPr kumimoji="1" lang="zh-CN" altLang="en-US" sz="2000" dirty="0" smtClean="0">
                 <a:solidFill>
                   <a:sysClr val="windowText" lastClr="000000"/>
                 </a:solidFill>
@@ -29421,7 +31658,7 @@
               <a:t> </a:t>
             </a:r>
             <a:r>
-              <a:rPr kumimoji="1" lang="en-US" altLang="zh-CN" dirty="0" err="1" smtClean="0">
+              <a:rPr kumimoji="1" lang="en-US" altLang="zh-CN" sz="2000" dirty="0" err="1" smtClean="0">
                 <a:solidFill>
                   <a:sysClr val="windowText" lastClr="000000"/>
                 </a:solidFill>
@@ -29432,7 +31669,7 @@
               <a:t>pg</a:t>
             </a:r>
             <a:r>
-              <a:rPr kumimoji="1" lang="zh-CN" altLang="en-US" dirty="0" smtClean="0">
+              <a:rPr kumimoji="1" lang="zh-CN" altLang="en-US" sz="2000" dirty="0" smtClean="0">
                 <a:solidFill>
                   <a:sysClr val="windowText" lastClr="000000"/>
                 </a:solidFill>
@@ -29443,7 +31680,7 @@
               <a:t> </a:t>
             </a:r>
             <a:r>
-              <a:rPr kumimoji="1" lang="en-US" altLang="zh-CN" dirty="0" smtClean="0">
+              <a:rPr kumimoji="1" lang="en-US" altLang="zh-CN" sz="2000" dirty="0" smtClean="0">
                 <a:solidFill>
                   <a:sysClr val="windowText" lastClr="000000"/>
                 </a:solidFill>
@@ -29453,7 +31690,7 @@
               </a:rPr>
               <a:t>map</a:t>
             </a:r>
-            <a:endParaRPr kumimoji="1" lang="zh-CN" altLang="en-US" dirty="0">
+            <a:endParaRPr kumimoji="1" lang="zh-CN" altLang="en-US" sz="2000" dirty="0">
               <a:solidFill>
                 <a:sysClr val="windowText" lastClr="000000"/>
               </a:solidFill>
@@ -29505,7 +31742,7 @@
           <a:p>
             <a:pPr algn="ctr"/>
             <a:r>
-              <a:rPr kumimoji="1" lang="en-US" altLang="zh-CN" dirty="0" smtClean="0">
+              <a:rPr kumimoji="1" lang="en-US" altLang="zh-CN" sz="2000" dirty="0" smtClean="0">
                 <a:solidFill>
                   <a:sysClr val="windowText" lastClr="000000"/>
                 </a:solidFill>
@@ -29516,7 +31753,7 @@
               <a:t>Commands</a:t>
             </a:r>
             <a:r>
-              <a:rPr kumimoji="1" lang="zh-CN" altLang="en-US" dirty="0" smtClean="0">
+              <a:rPr kumimoji="1" lang="zh-CN" altLang="en-US" sz="2000" dirty="0" smtClean="0">
                 <a:solidFill>
                   <a:sysClr val="windowText" lastClr="000000"/>
                 </a:solidFill>
@@ -29526,7 +31763,7 @@
               </a:rPr>
               <a:t> </a:t>
             </a:r>
-            <a:endParaRPr kumimoji="1" lang="zh-CN" altLang="en-US" dirty="0">
+            <a:endParaRPr kumimoji="1" lang="zh-CN" altLang="en-US" sz="2000" dirty="0">
               <a:solidFill>
                 <a:sysClr val="windowText" lastClr="000000"/>
               </a:solidFill>
@@ -29578,7 +31815,7 @@
           <a:p>
             <a:pPr algn="ctr"/>
             <a:r>
-              <a:rPr kumimoji="1" lang="en-US" altLang="zh-CN" dirty="0" smtClean="0">
+              <a:rPr kumimoji="1" lang="en-US" altLang="zh-CN" sz="2000" dirty="0" smtClean="0">
                 <a:solidFill>
                   <a:sysClr val="windowText" lastClr="000000"/>
                 </a:solidFill>
@@ -29589,7 +31826,7 @@
               <a:t>Recovery</a:t>
             </a:r>
             <a:r>
-              <a:rPr kumimoji="1" lang="zh-CN" altLang="en-US" dirty="0" smtClean="0">
+              <a:rPr kumimoji="1" lang="zh-CN" altLang="en-US" sz="2000" dirty="0" smtClean="0">
                 <a:solidFill>
                   <a:sysClr val="windowText" lastClr="000000"/>
                 </a:solidFill>
@@ -29600,7 +31837,7 @@
               <a:t> </a:t>
             </a:r>
             <a:r>
-              <a:rPr kumimoji="1" lang="en-US" altLang="zh-CN" dirty="0" smtClean="0">
+              <a:rPr kumimoji="1" lang="en-US" altLang="zh-CN" sz="2000" dirty="0" smtClean="0">
                 <a:solidFill>
                   <a:sysClr val="windowText" lastClr="000000"/>
                 </a:solidFill>
@@ -29610,7 +31847,7 @@
               </a:rPr>
               <a:t>tasks</a:t>
             </a:r>
-            <a:endParaRPr kumimoji="1" lang="zh-CN" altLang="en-US" dirty="0">
+            <a:endParaRPr kumimoji="1" lang="zh-CN" altLang="en-US" sz="2000" dirty="0">
               <a:solidFill>
                 <a:sysClr val="windowText" lastClr="000000"/>
               </a:solidFill>
@@ -29662,7 +31899,7 @@
           <a:p>
             <a:pPr algn="ctr"/>
             <a:r>
-              <a:rPr kumimoji="1" lang="en-US" altLang="zh-CN" dirty="0" smtClean="0">
+              <a:rPr kumimoji="1" lang="en-US" altLang="zh-CN" sz="2000" dirty="0" smtClean="0">
                 <a:solidFill>
                   <a:sysClr val="windowText" lastClr="000000"/>
                 </a:solidFill>
@@ -29673,7 +31910,7 @@
               <a:t>Snap</a:t>
             </a:r>
             <a:r>
-              <a:rPr kumimoji="1" lang="zh-CN" altLang="en-US" dirty="0" smtClean="0">
+              <a:rPr kumimoji="1" lang="zh-CN" altLang="en-US" sz="2000" dirty="0" smtClean="0">
                 <a:solidFill>
                   <a:sysClr val="windowText" lastClr="000000"/>
                 </a:solidFill>
@@ -29684,7 +31921,7 @@
               <a:t> </a:t>
             </a:r>
             <a:r>
-              <a:rPr kumimoji="1" lang="en-US" altLang="zh-CN" dirty="0" smtClean="0">
+              <a:rPr kumimoji="1" lang="en-US" altLang="zh-CN" sz="2000" dirty="0" smtClean="0">
                 <a:solidFill>
                   <a:sysClr val="windowText" lastClr="000000"/>
                 </a:solidFill>
@@ -29694,7 +31931,7 @@
               </a:rPr>
               <a:t>trimming</a:t>
             </a:r>
-            <a:endParaRPr kumimoji="1" lang="zh-CN" altLang="en-US" dirty="0">
+            <a:endParaRPr kumimoji="1" lang="zh-CN" altLang="en-US" sz="2000" dirty="0">
               <a:solidFill>
                 <a:sysClr val="windowText" lastClr="000000"/>
               </a:solidFill>
@@ -29746,7 +31983,7 @@
           <a:p>
             <a:pPr algn="ctr"/>
             <a:r>
-              <a:rPr kumimoji="1" lang="en-US" altLang="zh-CN" dirty="0" smtClean="0">
+              <a:rPr kumimoji="1" lang="en-US" altLang="zh-CN" sz="2000" dirty="0" smtClean="0">
                 <a:solidFill>
                   <a:sysClr val="windowText" lastClr="000000"/>
                 </a:solidFill>
@@ -29757,7 +31994,7 @@
               <a:t>Primary</a:t>
             </a:r>
             <a:r>
-              <a:rPr kumimoji="1" lang="zh-CN" altLang="en-US" dirty="0" smtClean="0">
+              <a:rPr kumimoji="1" lang="zh-CN" altLang="en-US" sz="2000" dirty="0" smtClean="0">
                 <a:solidFill>
                   <a:sysClr val="windowText" lastClr="000000"/>
                 </a:solidFill>
@@ -29768,7 +32005,7 @@
               <a:t> </a:t>
             </a:r>
             <a:r>
-              <a:rPr kumimoji="1" lang="en-US" altLang="zh-CN" dirty="0" smtClean="0">
+              <a:rPr kumimoji="1" lang="en-US" altLang="zh-CN" sz="2000" dirty="0" smtClean="0">
                 <a:solidFill>
                   <a:sysClr val="windowText" lastClr="000000"/>
                 </a:solidFill>
@@ -29779,7 +32016,7 @@
               <a:t>scrub</a:t>
             </a:r>
             <a:r>
-              <a:rPr kumimoji="1" lang="zh-CN" altLang="en-US" dirty="0" smtClean="0">
+              <a:rPr kumimoji="1" lang="zh-CN" altLang="en-US" sz="2000" dirty="0" smtClean="0">
                 <a:solidFill>
                   <a:sysClr val="windowText" lastClr="000000"/>
                 </a:solidFill>
@@ -29790,7 +32027,7 @@
               <a:t> </a:t>
             </a:r>
             <a:r>
-              <a:rPr kumimoji="1" lang="en-US" altLang="zh-CN" dirty="0" smtClean="0">
+              <a:rPr kumimoji="1" lang="en-US" altLang="zh-CN" sz="2000" dirty="0" smtClean="0">
                 <a:solidFill>
                   <a:sysClr val="windowText" lastClr="000000"/>
                 </a:solidFill>
@@ -29800,7 +32037,7 @@
               </a:rPr>
               <a:t>path</a:t>
             </a:r>
-            <a:endParaRPr kumimoji="1" lang="zh-CN" altLang="en-US" dirty="0">
+            <a:endParaRPr kumimoji="1" lang="zh-CN" altLang="en-US" sz="2000" dirty="0">
               <a:solidFill>
                 <a:sysClr val="windowText" lastClr="000000"/>
               </a:solidFill>
@@ -29852,7 +32089,7 @@
           <a:p>
             <a:pPr algn="ctr"/>
             <a:r>
-              <a:rPr kumimoji="1" lang="en-US" altLang="zh-CN" dirty="0" smtClean="0">
+              <a:rPr kumimoji="1" lang="en-US" altLang="zh-CN" sz="2000" dirty="0" smtClean="0">
                 <a:solidFill>
                   <a:sysClr val="windowText" lastClr="000000"/>
                 </a:solidFill>
@@ -29863,7 +32100,7 @@
               <a:t>Removes</a:t>
             </a:r>
             <a:r>
-              <a:rPr kumimoji="1" lang="zh-CN" altLang="en-US" dirty="0" smtClean="0">
+              <a:rPr kumimoji="1" lang="zh-CN" altLang="en-US" sz="2000" dirty="0" smtClean="0">
                 <a:solidFill>
                   <a:sysClr val="windowText" lastClr="000000"/>
                 </a:solidFill>
@@ -29874,7 +32111,7 @@
               <a:t> </a:t>
             </a:r>
             <a:r>
-              <a:rPr kumimoji="1" lang="en-US" altLang="zh-CN" dirty="0" smtClean="0">
+              <a:rPr kumimoji="1" lang="en-US" altLang="zh-CN" sz="2000" dirty="0" smtClean="0">
                 <a:solidFill>
                   <a:sysClr val="windowText" lastClr="000000"/>
                 </a:solidFill>
@@ -29885,7 +32122,7 @@
               <a:t>old</a:t>
             </a:r>
             <a:r>
-              <a:rPr kumimoji="1" lang="zh-CN" altLang="en-US" dirty="0" smtClean="0">
+              <a:rPr kumimoji="1" lang="zh-CN" altLang="en-US" sz="2000" dirty="0" smtClean="0">
                 <a:solidFill>
                   <a:sysClr val="windowText" lastClr="000000"/>
                 </a:solidFill>
@@ -29896,7 +32133,7 @@
               <a:t> </a:t>
             </a:r>
             <a:r>
-              <a:rPr kumimoji="1" lang="en-US" altLang="zh-CN" dirty="0" err="1" smtClean="0">
+              <a:rPr kumimoji="1" lang="en-US" altLang="zh-CN" sz="2000" dirty="0" err="1" smtClean="0">
                 <a:solidFill>
                   <a:sysClr val="windowText" lastClr="000000"/>
                 </a:solidFill>
@@ -29907,7 +32144,7 @@
               <a:t>pg</a:t>
             </a:r>
             <a:r>
-              <a:rPr kumimoji="1" lang="zh-CN" altLang="en-US" dirty="0" smtClean="0">
+              <a:rPr kumimoji="1" lang="zh-CN" altLang="en-US" sz="2000" dirty="0" smtClean="0">
                 <a:solidFill>
                   <a:sysClr val="windowText" lastClr="000000"/>
                 </a:solidFill>
@@ -29918,7 +32155,7 @@
               <a:t> </a:t>
             </a:r>
             <a:r>
-              <a:rPr kumimoji="1" lang="en-US" altLang="zh-CN" dirty="0" err="1" smtClean="0">
+              <a:rPr kumimoji="1" lang="en-US" altLang="zh-CN" sz="2000" dirty="0" err="1" smtClean="0">
                 <a:solidFill>
                   <a:sysClr val="windowText" lastClr="000000"/>
                 </a:solidFill>
@@ -29928,7 +32165,7 @@
               </a:rPr>
               <a:t>dirs</a:t>
             </a:r>
-            <a:endParaRPr kumimoji="1" lang="zh-CN" altLang="en-US" dirty="0">
+            <a:endParaRPr kumimoji="1" lang="zh-CN" altLang="en-US" sz="2000" dirty="0">
               <a:solidFill>
                 <a:sysClr val="windowText" lastClr="000000"/>
               </a:solidFill>
@@ -29980,7 +32217,7 @@
           <a:p>
             <a:pPr algn="ctr"/>
             <a:r>
-              <a:rPr kumimoji="1" lang="en-US" altLang="zh-CN" dirty="0" smtClean="0">
+              <a:rPr kumimoji="1" lang="en-US" altLang="zh-CN" sz="2000" dirty="0" smtClean="0">
                 <a:solidFill>
                   <a:sysClr val="windowText" lastClr="000000"/>
                 </a:solidFill>
@@ -29991,7 +32228,7 @@
               <a:t>Primary</a:t>
             </a:r>
             <a:r>
-              <a:rPr kumimoji="1" lang="zh-CN" altLang="en-US" dirty="0" smtClean="0">
+              <a:rPr kumimoji="1" lang="zh-CN" altLang="en-US" sz="2000" dirty="0" smtClean="0">
                 <a:solidFill>
                   <a:sysClr val="windowText" lastClr="000000"/>
                 </a:solidFill>
@@ -30002,7 +32239,7 @@
               <a:t> </a:t>
             </a:r>
             <a:r>
-              <a:rPr kumimoji="1" lang="en-US" altLang="zh-CN" dirty="0" smtClean="0">
+              <a:rPr kumimoji="1" lang="en-US" altLang="zh-CN" sz="2000" dirty="0" smtClean="0">
                 <a:solidFill>
                   <a:sysClr val="windowText" lastClr="000000"/>
                 </a:solidFill>
@@ -30013,7 +32250,7 @@
               <a:t>scrub</a:t>
             </a:r>
             <a:r>
-              <a:rPr kumimoji="1" lang="zh-CN" altLang="en-US" dirty="0" smtClean="0">
+              <a:rPr kumimoji="1" lang="zh-CN" altLang="en-US" sz="2000" dirty="0" smtClean="0">
                 <a:solidFill>
                   <a:sysClr val="windowText" lastClr="000000"/>
                 </a:solidFill>
@@ -30024,7 +32261,7 @@
               <a:t> </a:t>
             </a:r>
             <a:r>
-              <a:rPr kumimoji="1" lang="en-US" altLang="zh-CN" dirty="0" smtClean="0">
+              <a:rPr kumimoji="1" lang="en-US" altLang="zh-CN" sz="2000" dirty="0" smtClean="0">
                 <a:solidFill>
                   <a:sysClr val="windowText" lastClr="000000"/>
                 </a:solidFill>
@@ -30034,7 +32271,7 @@
               </a:rPr>
               <a:t>finalize</a:t>
             </a:r>
-            <a:endParaRPr kumimoji="1" lang="zh-CN" altLang="en-US" dirty="0">
+            <a:endParaRPr kumimoji="1" lang="zh-CN" altLang="en-US" sz="2000" dirty="0">
               <a:solidFill>
                 <a:sysClr val="windowText" lastClr="000000"/>
               </a:solidFill>
@@ -30086,7 +32323,7 @@
           <a:p>
             <a:pPr algn="ctr"/>
             <a:r>
-              <a:rPr kumimoji="1" lang="en-US" altLang="zh-CN" dirty="0" smtClean="0">
+              <a:rPr kumimoji="1" lang="en-US" altLang="zh-CN" sz="2000" dirty="0" smtClean="0">
                 <a:solidFill>
                   <a:sysClr val="windowText" lastClr="000000"/>
                 </a:solidFill>
@@ -30097,7 +32334,7 @@
               <a:t>Replica</a:t>
             </a:r>
             <a:r>
-              <a:rPr kumimoji="1" lang="zh-CN" altLang="en-US" dirty="0" smtClean="0">
+              <a:rPr kumimoji="1" lang="zh-CN" altLang="en-US" sz="2000" dirty="0" smtClean="0">
                 <a:solidFill>
                   <a:sysClr val="windowText" lastClr="000000"/>
                 </a:solidFill>
@@ -30108,7 +32345,7 @@
               <a:t> </a:t>
             </a:r>
             <a:r>
-              <a:rPr kumimoji="1" lang="en-US" altLang="zh-CN" dirty="0" smtClean="0">
+              <a:rPr kumimoji="1" lang="en-US" altLang="zh-CN" sz="2000" dirty="0" smtClean="0">
                 <a:solidFill>
                   <a:sysClr val="windowText" lastClr="000000"/>
                 </a:solidFill>
@@ -30119,7 +32356,7 @@
               <a:t>scrub</a:t>
             </a:r>
             <a:r>
-              <a:rPr kumimoji="1" lang="zh-CN" altLang="en-US" dirty="0" smtClean="0">
+              <a:rPr kumimoji="1" lang="zh-CN" altLang="en-US" sz="2000" dirty="0" smtClean="0">
                 <a:solidFill>
                   <a:sysClr val="windowText" lastClr="000000"/>
                 </a:solidFill>
@@ -30130,7 +32367,7 @@
               <a:t> </a:t>
             </a:r>
             <a:r>
-              <a:rPr kumimoji="1" lang="en-US" altLang="zh-CN" dirty="0" smtClean="0">
+              <a:rPr kumimoji="1" lang="en-US" altLang="zh-CN" sz="2000" dirty="0" smtClean="0">
                 <a:solidFill>
                   <a:sysClr val="windowText" lastClr="000000"/>
                 </a:solidFill>
@@ -30140,7 +32377,7 @@
               </a:rPr>
               <a:t>path</a:t>
             </a:r>
-            <a:endParaRPr kumimoji="1" lang="zh-CN" altLang="en-US" dirty="0">
+            <a:endParaRPr kumimoji="1" lang="zh-CN" altLang="en-US" sz="2000" dirty="0">
               <a:solidFill>
                 <a:sysClr val="windowText" lastClr="000000"/>
               </a:solidFill>
@@ -30300,7 +32537,7 @@
             <a:p>
               <a:pPr algn="ctr"/>
               <a:r>
-                <a:rPr kumimoji="1" lang="en-US" altLang="zh-CN" sz="1600" dirty="0" smtClean="0">
+                <a:rPr kumimoji="1" lang="en-US" altLang="zh-CN" dirty="0" smtClean="0">
                   <a:latin typeface="Corbel" charset="0"/>
                   <a:ea typeface="Corbel" charset="0"/>
                   <a:cs typeface="Corbel" charset="0"/>
@@ -30308,7 +32545,7 @@
                 <a:t>Client</a:t>
               </a:r>
               <a:r>
-                <a:rPr kumimoji="1" lang="zh-CN" altLang="en-US" sz="1600" dirty="0" smtClean="0">
+                <a:rPr kumimoji="1" lang="zh-CN" altLang="en-US" dirty="0" smtClean="0">
                   <a:latin typeface="Corbel" charset="0"/>
                   <a:ea typeface="Corbel" charset="0"/>
                   <a:cs typeface="Corbel" charset="0"/>
@@ -30316,7 +32553,7 @@
                 <a:t> </a:t>
               </a:r>
               <a:r>
-                <a:rPr kumimoji="1" lang="en-US" altLang="zh-CN" sz="1600" dirty="0" smtClean="0">
+                <a:rPr kumimoji="1" lang="en-US" altLang="zh-CN" dirty="0" smtClean="0">
                   <a:latin typeface="Corbel" charset="0"/>
                   <a:ea typeface="Corbel" charset="0"/>
                   <a:cs typeface="Corbel" charset="0"/>
@@ -30324,7 +32561,7 @@
                 <a:t>read/write</a:t>
               </a:r>
               <a:r>
-                <a:rPr kumimoji="1" lang="zh-CN" altLang="en-US" sz="1600" dirty="0" smtClean="0">
+                <a:rPr kumimoji="1" lang="zh-CN" altLang="en-US" dirty="0" smtClean="0">
                   <a:latin typeface="Corbel" charset="0"/>
                   <a:ea typeface="Corbel" charset="0"/>
                   <a:cs typeface="Corbel" charset="0"/>
@@ -30332,7 +32569,7 @@
                 <a:t> </a:t>
               </a:r>
               <a:r>
-                <a:rPr kumimoji="1" lang="en-US" altLang="zh-CN" sz="1600" dirty="0" smtClean="0">
+                <a:rPr kumimoji="1" lang="en-US" altLang="zh-CN" dirty="0" smtClean="0">
                   <a:latin typeface="Corbel" charset="0"/>
                   <a:ea typeface="Corbel" charset="0"/>
                   <a:cs typeface="Corbel" charset="0"/>
@@ -30340,7 +32577,7 @@
                 <a:t>a</a:t>
               </a:r>
               <a:r>
-                <a:rPr kumimoji="1" lang="zh-CN" altLang="en-US" sz="1600" dirty="0" smtClean="0">
+                <a:rPr kumimoji="1" lang="zh-CN" altLang="en-US" dirty="0" smtClean="0">
                   <a:latin typeface="Corbel" charset="0"/>
                   <a:ea typeface="Corbel" charset="0"/>
                   <a:cs typeface="Corbel" charset="0"/>
@@ -30348,14 +32585,14 @@
                 <a:t> </a:t>
               </a:r>
               <a:r>
-                <a:rPr kumimoji="1" lang="en-US" altLang="zh-CN" sz="1600" dirty="0" smtClean="0">
+                <a:rPr kumimoji="1" lang="en-US" altLang="zh-CN" dirty="0" smtClean="0">
                   <a:latin typeface="Corbel" charset="0"/>
                   <a:ea typeface="Corbel" charset="0"/>
                   <a:cs typeface="Corbel" charset="0"/>
                 </a:rPr>
                 <a:t>file</a:t>
               </a:r>
-              <a:endParaRPr kumimoji="1" lang="zh-CN" altLang="en-US" sz="1600" dirty="0">
+              <a:endParaRPr kumimoji="1" lang="zh-CN" altLang="en-US" dirty="0">
                 <a:latin typeface="Corbel" charset="0"/>
                 <a:ea typeface="Corbel" charset="0"/>
                 <a:cs typeface="Corbel" charset="0"/>
@@ -30406,7 +32643,7 @@
             <a:p>
               <a:pPr algn="ctr"/>
               <a:r>
-                <a:rPr kumimoji="1" lang="en-US" altLang="zh-CN" sz="1600" dirty="0" smtClean="0">
+                <a:rPr kumimoji="1" lang="en-US" altLang="zh-CN" dirty="0" smtClean="0">
                   <a:latin typeface="Corbel" charset="0"/>
                   <a:ea typeface="Corbel" charset="0"/>
                   <a:cs typeface="Corbel" charset="0"/>
@@ -30414,7 +32651,7 @@
                 <a:t>Slicing</a:t>
               </a:r>
               <a:r>
-                <a:rPr kumimoji="1" lang="zh-CN" altLang="en-US" sz="1600" dirty="0" smtClean="0">
+                <a:rPr kumimoji="1" lang="zh-CN" altLang="en-US" dirty="0" smtClean="0">
                   <a:latin typeface="Corbel" charset="0"/>
                   <a:ea typeface="Corbel" charset="0"/>
                   <a:cs typeface="Corbel" charset="0"/>
@@ -30422,7 +32659,7 @@
                 <a:t> </a:t>
               </a:r>
               <a:r>
-                <a:rPr kumimoji="1" lang="en-US" altLang="zh-CN" sz="1600" dirty="0" smtClean="0">
+                <a:rPr kumimoji="1" lang="en-US" altLang="zh-CN" dirty="0" smtClean="0">
                   <a:latin typeface="Corbel" charset="0"/>
                   <a:ea typeface="Corbel" charset="0"/>
                   <a:cs typeface="Corbel" charset="0"/>
@@ -30430,7 +32667,7 @@
                 <a:t>files</a:t>
               </a:r>
               <a:r>
-                <a:rPr kumimoji="1" lang="zh-CN" altLang="en-US" sz="1600" dirty="0" smtClean="0">
+                <a:rPr kumimoji="1" lang="zh-CN" altLang="en-US" dirty="0" smtClean="0">
                   <a:latin typeface="Corbel" charset="0"/>
                   <a:ea typeface="Corbel" charset="0"/>
                   <a:cs typeface="Corbel" charset="0"/>
@@ -30438,7 +32675,7 @@
                 <a:t> </a:t>
               </a:r>
               <a:r>
-                <a:rPr kumimoji="1" lang="en-US" altLang="zh-CN" sz="1600" dirty="0" smtClean="0">
+                <a:rPr kumimoji="1" lang="en-US" altLang="zh-CN" dirty="0" smtClean="0">
                   <a:latin typeface="Corbel" charset="0"/>
                   <a:ea typeface="Corbel" charset="0"/>
                   <a:cs typeface="Corbel" charset="0"/>
@@ -30446,7 +32683,7 @@
                 <a:t>to</a:t>
               </a:r>
               <a:r>
-                <a:rPr kumimoji="1" lang="zh-CN" altLang="en-US" sz="1600" dirty="0" smtClean="0">
+                <a:rPr kumimoji="1" lang="zh-CN" altLang="en-US" dirty="0" smtClean="0">
                   <a:latin typeface="Corbel" charset="0"/>
                   <a:ea typeface="Corbel" charset="0"/>
                   <a:cs typeface="Corbel" charset="0"/>
@@ -30454,14 +32691,14 @@
                 <a:t> </a:t>
               </a:r>
               <a:r>
-                <a:rPr kumimoji="1" lang="en-US" altLang="zh-CN" sz="1600" dirty="0" smtClean="0">
+                <a:rPr kumimoji="1" lang="en-US" altLang="zh-CN" dirty="0" smtClean="0">
                   <a:latin typeface="Corbel" charset="0"/>
                   <a:ea typeface="Corbel" charset="0"/>
                   <a:cs typeface="Corbel" charset="0"/>
                 </a:rPr>
                 <a:t>objects</a:t>
               </a:r>
-              <a:endParaRPr kumimoji="1" lang="zh-CN" altLang="en-US" sz="1600" dirty="0">
+              <a:endParaRPr kumimoji="1" lang="zh-CN" altLang="en-US" dirty="0">
                 <a:latin typeface="Corbel" charset="0"/>
                 <a:ea typeface="Corbel" charset="0"/>
                 <a:cs typeface="Corbel" charset="0"/>
@@ -30512,7 +32749,7 @@
             <a:p>
               <a:pPr algn="ctr"/>
               <a:r>
-                <a:rPr kumimoji="1" lang="en-US" altLang="zh-CN" sz="1600" dirty="0" smtClean="0">
+                <a:rPr kumimoji="1" lang="en-US" altLang="zh-CN" dirty="0" smtClean="0">
                   <a:latin typeface="Corbel" charset="0"/>
                   <a:ea typeface="Corbel" charset="0"/>
                   <a:cs typeface="Corbel" charset="0"/>
@@ -30520,7 +32757,7 @@
                 <a:t>Encapsulate operations</a:t>
               </a:r>
               <a:r>
-                <a:rPr kumimoji="1" lang="zh-CN" altLang="en-US" sz="1600" dirty="0" smtClean="0">
+                <a:rPr kumimoji="1" lang="zh-CN" altLang="en-US" dirty="0" smtClean="0">
                   <a:latin typeface="Corbel" charset="0"/>
                   <a:ea typeface="Corbel" charset="0"/>
                   <a:cs typeface="Corbel" charset="0"/>
@@ -30528,7 +32765,7 @@
                 <a:t> </a:t>
               </a:r>
               <a:r>
-                <a:rPr kumimoji="1" lang="en-US" altLang="zh-CN" sz="1600" dirty="0" smtClean="0">
+                <a:rPr kumimoji="1" lang="en-US" altLang="zh-CN" dirty="0" smtClean="0">
                   <a:latin typeface="Corbel" charset="0"/>
                   <a:ea typeface="Corbel" charset="0"/>
                   <a:cs typeface="Corbel" charset="0"/>
@@ -30536,7 +32773,7 @@
                 <a:t>and</a:t>
               </a:r>
               <a:r>
-                <a:rPr kumimoji="1" lang="zh-CN" altLang="en-US" sz="1600" dirty="0" smtClean="0">
+                <a:rPr kumimoji="1" lang="zh-CN" altLang="en-US" dirty="0" smtClean="0">
                   <a:latin typeface="Corbel" charset="0"/>
                   <a:ea typeface="Corbel" charset="0"/>
                   <a:cs typeface="Corbel" charset="0"/>
@@ -30544,7 +32781,7 @@
                 <a:t> </a:t>
               </a:r>
               <a:r>
-                <a:rPr kumimoji="1" lang="en-US" altLang="zh-CN" sz="1600" dirty="0" smtClean="0">
+                <a:rPr kumimoji="1" lang="en-US" altLang="zh-CN" dirty="0" smtClean="0">
                   <a:latin typeface="Corbel" charset="0"/>
                   <a:ea typeface="Corbel" charset="0"/>
                   <a:cs typeface="Corbel" charset="0"/>
@@ -30552,7 +32789,7 @@
                 <a:t>send</a:t>
               </a:r>
               <a:r>
-                <a:rPr kumimoji="1" lang="zh-CN" altLang="en-US" sz="1600" dirty="0" smtClean="0">
+                <a:rPr kumimoji="1" lang="zh-CN" altLang="en-US" dirty="0" smtClean="0">
                   <a:latin typeface="Corbel" charset="0"/>
                   <a:ea typeface="Corbel" charset="0"/>
                   <a:cs typeface="Corbel" charset="0"/>
@@ -30560,7 +32797,7 @@
                 <a:t> </a:t>
               </a:r>
               <a:r>
-                <a:rPr kumimoji="1" lang="en-US" altLang="zh-CN" sz="1600" dirty="0" smtClean="0">
+                <a:rPr kumimoji="1" lang="en-US" altLang="zh-CN" dirty="0" smtClean="0">
                   <a:latin typeface="Corbel" charset="0"/>
                   <a:ea typeface="Corbel" charset="0"/>
                   <a:cs typeface="Corbel" charset="0"/>
@@ -30568,7 +32805,7 @@
                 <a:t>to</a:t>
               </a:r>
               <a:r>
-                <a:rPr kumimoji="1" lang="zh-CN" altLang="en-US" sz="1600" dirty="0" smtClean="0">
+                <a:rPr kumimoji="1" lang="zh-CN" altLang="en-US" dirty="0" smtClean="0">
                   <a:latin typeface="Corbel" charset="0"/>
                   <a:ea typeface="Corbel" charset="0"/>
                   <a:cs typeface="Corbel" charset="0"/>
@@ -30576,7 +32813,7 @@
                 <a:t> </a:t>
               </a:r>
               <a:r>
-                <a:rPr kumimoji="1" lang="en-US" altLang="zh-CN" sz="1600" dirty="0" smtClean="0">
+                <a:rPr kumimoji="1" lang="en-US" altLang="zh-CN" dirty="0" smtClean="0">
                   <a:latin typeface="Corbel" charset="0"/>
                   <a:ea typeface="Corbel" charset="0"/>
                   <a:cs typeface="Corbel" charset="0"/>
@@ -30584,7 +32821,7 @@
                 <a:t>corresponding</a:t>
               </a:r>
               <a:r>
-                <a:rPr kumimoji="1" lang="zh-CN" altLang="en-US" sz="1600" dirty="0" smtClean="0">
+                <a:rPr kumimoji="1" lang="zh-CN" altLang="en-US" dirty="0" smtClean="0">
                   <a:latin typeface="Corbel" charset="0"/>
                   <a:ea typeface="Corbel" charset="0"/>
                   <a:cs typeface="Corbel" charset="0"/>
@@ -30592,14 +32829,14 @@
                 <a:t> </a:t>
               </a:r>
               <a:r>
-                <a:rPr kumimoji="1" lang="en-US" altLang="zh-CN" sz="1600" dirty="0" smtClean="0">
+                <a:rPr kumimoji="1" lang="en-US" altLang="zh-CN" dirty="0" smtClean="0">
                   <a:latin typeface="Corbel" charset="0"/>
                   <a:ea typeface="Corbel" charset="0"/>
                   <a:cs typeface="Corbel" charset="0"/>
                 </a:rPr>
                 <a:t>OSD</a:t>
               </a:r>
-              <a:endParaRPr kumimoji="1" lang="zh-CN" altLang="en-US" sz="1600" dirty="0">
+              <a:endParaRPr kumimoji="1" lang="zh-CN" altLang="en-US" dirty="0">
                 <a:latin typeface="Corbel" charset="0"/>
                 <a:ea typeface="Corbel" charset="0"/>
                 <a:cs typeface="Corbel" charset="0"/>
@@ -30650,7 +32887,7 @@
             <a:p>
               <a:pPr algn="ctr"/>
               <a:r>
-                <a:rPr kumimoji="1" lang="en-US" altLang="zh-CN" sz="1600" dirty="0" smtClean="0">
+                <a:rPr kumimoji="1" lang="en-US" altLang="zh-CN" dirty="0" smtClean="0">
                   <a:latin typeface="Corbel" charset="0"/>
                   <a:ea typeface="Corbel" charset="0"/>
                   <a:cs typeface="Corbel" charset="0"/>
@@ -30658,7 +32895,7 @@
                 <a:t>Receiving</a:t>
               </a:r>
               <a:r>
-                <a:rPr kumimoji="1" lang="zh-CN" altLang="en-US" sz="1600" dirty="0" smtClean="0">
+                <a:rPr kumimoji="1" lang="zh-CN" altLang="en-US" dirty="0" smtClean="0">
                   <a:latin typeface="Corbel" charset="0"/>
                   <a:ea typeface="Corbel" charset="0"/>
                   <a:cs typeface="Corbel" charset="0"/>
@@ -30666,7 +32903,7 @@
                 <a:t> </a:t>
               </a:r>
               <a:r>
-                <a:rPr kumimoji="1" lang="en-US" altLang="zh-CN" sz="1600" dirty="0" smtClean="0">
+                <a:rPr kumimoji="1" lang="en-US" altLang="zh-CN" dirty="0" smtClean="0">
                   <a:latin typeface="Corbel" charset="0"/>
                   <a:ea typeface="Corbel" charset="0"/>
                   <a:cs typeface="Corbel" charset="0"/>
@@ -30674,7 +32911,7 @@
                 <a:t>a</a:t>
               </a:r>
               <a:r>
-                <a:rPr kumimoji="1" lang="zh-CN" altLang="en-US" sz="1600" dirty="0" smtClean="0">
+                <a:rPr kumimoji="1" lang="zh-CN" altLang="en-US" dirty="0" smtClean="0">
                   <a:latin typeface="Corbel" charset="0"/>
                   <a:ea typeface="Corbel" charset="0"/>
                   <a:cs typeface="Corbel" charset="0"/>
@@ -30682,7 +32919,7 @@
                 <a:t> </a:t>
               </a:r>
               <a:r>
-                <a:rPr kumimoji="1" lang="en-US" altLang="zh-CN" sz="1600" dirty="0" smtClean="0">
+                <a:rPr kumimoji="1" lang="en-US" altLang="zh-CN" dirty="0" smtClean="0">
                   <a:latin typeface="Corbel" charset="0"/>
                   <a:ea typeface="Corbel" charset="0"/>
                   <a:cs typeface="Corbel" charset="0"/>
@@ -30690,7 +32927,7 @@
                 <a:t>request</a:t>
               </a:r>
               <a:r>
-                <a:rPr kumimoji="1" lang="zh-CN" altLang="en-US" sz="1600" dirty="0" smtClean="0">
+                <a:rPr kumimoji="1" lang="zh-CN" altLang="en-US" dirty="0" smtClean="0">
                   <a:latin typeface="Corbel" charset="0"/>
                   <a:ea typeface="Corbel" charset="0"/>
                   <a:cs typeface="Corbel" charset="0"/>
@@ -30698,7 +32935,7 @@
                 <a:t> </a:t>
               </a:r>
               <a:r>
-                <a:rPr kumimoji="1" lang="en-US" altLang="zh-CN" sz="1600" dirty="0" smtClean="0">
+                <a:rPr kumimoji="1" lang="en-US" altLang="zh-CN" dirty="0" smtClean="0">
                   <a:latin typeface="Corbel" charset="0"/>
                   <a:ea typeface="Corbel" charset="0"/>
                   <a:cs typeface="Corbel" charset="0"/>
@@ -30706,7 +32943,7 @@
                 <a:t>and</a:t>
               </a:r>
               <a:r>
-                <a:rPr kumimoji="1" lang="zh-CN" altLang="en-US" sz="1600" dirty="0" smtClean="0">
+                <a:rPr kumimoji="1" lang="zh-CN" altLang="en-US" dirty="0" smtClean="0">
                   <a:latin typeface="Corbel" charset="0"/>
                   <a:ea typeface="Corbel" charset="0"/>
                   <a:cs typeface="Corbel" charset="0"/>
@@ -30714,7 +32951,7 @@
                 <a:t> </a:t>
               </a:r>
               <a:r>
-                <a:rPr kumimoji="1" lang="en-US" altLang="zh-CN" sz="1600" dirty="0" smtClean="0">
+                <a:rPr kumimoji="1" lang="en-US" altLang="zh-CN" dirty="0" smtClean="0">
                   <a:latin typeface="Corbel" charset="0"/>
                   <a:ea typeface="Corbel" charset="0"/>
                   <a:cs typeface="Corbel" charset="0"/>
@@ -30722,7 +32959,7 @@
                 <a:t>insert</a:t>
               </a:r>
               <a:r>
-                <a:rPr kumimoji="1" lang="zh-CN" altLang="en-US" sz="1600" dirty="0" smtClean="0">
+                <a:rPr kumimoji="1" lang="zh-CN" altLang="en-US" dirty="0" smtClean="0">
                   <a:latin typeface="Corbel" charset="0"/>
                   <a:ea typeface="Corbel" charset="0"/>
                   <a:cs typeface="Corbel" charset="0"/>
@@ -30730,7 +32967,7 @@
                 <a:t> </a:t>
               </a:r>
               <a:r>
-                <a:rPr kumimoji="1" lang="en-US" altLang="zh-CN" sz="1600" dirty="0" smtClean="0">
+                <a:rPr kumimoji="1" lang="en-US" altLang="zh-CN" dirty="0" smtClean="0">
                   <a:latin typeface="Corbel" charset="0"/>
                   <a:ea typeface="Corbel" charset="0"/>
                   <a:cs typeface="Corbel" charset="0"/>
@@ -30738,7 +32975,7 @@
                 <a:t>to</a:t>
               </a:r>
               <a:r>
-                <a:rPr kumimoji="1" lang="zh-CN" altLang="en-US" sz="1600" dirty="0" smtClean="0">
+                <a:rPr kumimoji="1" lang="zh-CN" altLang="en-US" dirty="0" smtClean="0">
                   <a:latin typeface="Corbel" charset="0"/>
                   <a:ea typeface="Corbel" charset="0"/>
                   <a:cs typeface="Corbel" charset="0"/>
@@ -30746,7 +32983,7 @@
                 <a:t> </a:t>
               </a:r>
               <a:r>
-                <a:rPr kumimoji="1" lang="en-US" altLang="zh-CN" sz="1600" dirty="0" smtClean="0">
+                <a:rPr kumimoji="1" lang="en-US" altLang="zh-CN" dirty="0" smtClean="0">
                   <a:latin typeface="Corbel" charset="0"/>
                   <a:ea typeface="Corbel" charset="0"/>
                   <a:cs typeface="Corbel" charset="0"/>
@@ -30754,7 +32991,7 @@
                 <a:t>session’s</a:t>
               </a:r>
               <a:r>
-                <a:rPr kumimoji="1" lang="zh-CN" altLang="en-US" sz="1600" dirty="0" smtClean="0">
+                <a:rPr kumimoji="1" lang="zh-CN" altLang="en-US" dirty="0" smtClean="0">
                   <a:latin typeface="Corbel" charset="0"/>
                   <a:ea typeface="Corbel" charset="0"/>
                   <a:cs typeface="Corbel" charset="0"/>
@@ -30762,7 +32999,7 @@
                 <a:t> </a:t>
               </a:r>
               <a:r>
-                <a:rPr kumimoji="1" lang="en-US" altLang="zh-CN" sz="1600" dirty="0" smtClean="0">
+                <a:rPr kumimoji="1" lang="en-US" altLang="zh-CN" dirty="0" smtClean="0">
                   <a:latin typeface="Corbel" charset="0"/>
                   <a:ea typeface="Corbel" charset="0"/>
                   <a:cs typeface="Corbel" charset="0"/>
@@ -30770,7 +33007,7 @@
                 <a:t>waiting</a:t>
               </a:r>
               <a:r>
-                <a:rPr kumimoji="1" lang="zh-CN" altLang="en-US" sz="1600" dirty="0" smtClean="0">
+                <a:rPr kumimoji="1" lang="zh-CN" altLang="en-US" dirty="0" smtClean="0">
                   <a:latin typeface="Corbel" charset="0"/>
                   <a:ea typeface="Corbel" charset="0"/>
                   <a:cs typeface="Corbel" charset="0"/>
@@ -30778,14 +33015,14 @@
                 <a:t> </a:t>
               </a:r>
               <a:r>
-                <a:rPr kumimoji="1" lang="en-US" altLang="zh-CN" sz="1600" dirty="0" smtClean="0">
+                <a:rPr kumimoji="1" lang="en-US" altLang="zh-CN" dirty="0" smtClean="0">
                   <a:latin typeface="Corbel" charset="0"/>
                   <a:ea typeface="Corbel" charset="0"/>
                   <a:cs typeface="Corbel" charset="0"/>
                 </a:rPr>
                 <a:t>list</a:t>
               </a:r>
-              <a:endParaRPr kumimoji="1" lang="zh-CN" altLang="en-US" sz="1600" dirty="0">
+              <a:endParaRPr kumimoji="1" lang="zh-CN" altLang="en-US" dirty="0">
                 <a:latin typeface="Corbel" charset="0"/>
                 <a:ea typeface="Corbel" charset="0"/>
                 <a:cs typeface="Corbel" charset="0"/>
@@ -30836,7 +33073,7 @@
             <a:p>
               <a:pPr algn="ctr"/>
               <a:r>
-                <a:rPr kumimoji="1" lang="en-US" altLang="zh-CN" sz="1600" dirty="0" smtClean="0">
+                <a:rPr kumimoji="1" lang="en-US" altLang="zh-CN" dirty="0" smtClean="0">
                   <a:latin typeface="Corbel" charset="0"/>
                   <a:ea typeface="Corbel" charset="0"/>
                   <a:cs typeface="Corbel" charset="0"/>
@@ -30844,7 +33081,7 @@
                 <a:t>Process</a:t>
               </a:r>
               <a:r>
-                <a:rPr kumimoji="1" lang="zh-CN" altLang="en-US" sz="1600" dirty="0" smtClean="0">
+                <a:rPr kumimoji="1" lang="zh-CN" altLang="en-US" dirty="0" smtClean="0">
                   <a:latin typeface="Corbel" charset="0"/>
                   <a:ea typeface="Corbel" charset="0"/>
                   <a:cs typeface="Corbel" charset="0"/>
@@ -30852,7 +33089,7 @@
                 <a:t> </a:t>
               </a:r>
               <a:r>
-                <a:rPr kumimoji="1" lang="en-US" altLang="zh-CN" sz="1600" dirty="0" smtClean="0">
+                <a:rPr kumimoji="1" lang="en-US" altLang="zh-CN" dirty="0" smtClean="0">
                   <a:latin typeface="Corbel" charset="0"/>
                   <a:ea typeface="Corbel" charset="0"/>
                   <a:cs typeface="Corbel" charset="0"/>
@@ -30860,7 +33097,7 @@
                 <a:t>request</a:t>
               </a:r>
               <a:r>
-                <a:rPr kumimoji="1" lang="zh-CN" altLang="en-US" sz="1600" dirty="0" smtClean="0">
+                <a:rPr kumimoji="1" lang="zh-CN" altLang="en-US" dirty="0" smtClean="0">
                   <a:latin typeface="Corbel" charset="0"/>
                   <a:ea typeface="Corbel" charset="0"/>
                   <a:cs typeface="Corbel" charset="0"/>
@@ -30868,7 +33105,7 @@
                 <a:t> </a:t>
               </a:r>
               <a:r>
-                <a:rPr kumimoji="1" lang="en-US" altLang="zh-CN" sz="1600" dirty="0" smtClean="0">
+                <a:rPr kumimoji="1" lang="en-US" altLang="zh-CN" dirty="0" smtClean="0">
                   <a:latin typeface="Corbel" charset="0"/>
                   <a:ea typeface="Corbel" charset="0"/>
                   <a:cs typeface="Corbel" charset="0"/>
@@ -30876,7 +33113,7 @@
                 <a:t>from</a:t>
               </a:r>
               <a:r>
-                <a:rPr kumimoji="1" lang="zh-CN" altLang="en-US" sz="1600" dirty="0" smtClean="0">
+                <a:rPr kumimoji="1" lang="zh-CN" altLang="en-US" dirty="0" smtClean="0">
                   <a:latin typeface="Corbel" charset="0"/>
                   <a:ea typeface="Corbel" charset="0"/>
                   <a:cs typeface="Corbel" charset="0"/>
@@ -30884,7 +33121,7 @@
                 <a:t> </a:t>
               </a:r>
               <a:r>
-                <a:rPr kumimoji="1" lang="en-US" altLang="zh-CN" sz="1600" dirty="0" smtClean="0">
+                <a:rPr kumimoji="1" lang="en-US" altLang="zh-CN" dirty="0" smtClean="0">
                   <a:latin typeface="Corbel" charset="0"/>
                   <a:ea typeface="Corbel" charset="0"/>
                   <a:cs typeface="Corbel" charset="0"/>
@@ -30892,7 +33129,7 @@
                 <a:t>waiting</a:t>
               </a:r>
               <a:r>
-                <a:rPr kumimoji="1" lang="zh-CN" altLang="en-US" sz="1600" dirty="0" smtClean="0">
+                <a:rPr kumimoji="1" lang="zh-CN" altLang="en-US" dirty="0" smtClean="0">
                   <a:latin typeface="Corbel" charset="0"/>
                   <a:ea typeface="Corbel" charset="0"/>
                   <a:cs typeface="Corbel" charset="0"/>
@@ -30900,7 +33137,7 @@
                 <a:t> </a:t>
               </a:r>
               <a:r>
-                <a:rPr kumimoji="1" lang="en-US" altLang="zh-CN" sz="1600" dirty="0" smtClean="0">
+                <a:rPr kumimoji="1" lang="en-US" altLang="zh-CN" dirty="0" smtClean="0">
                   <a:latin typeface="Corbel" charset="0"/>
                   <a:ea typeface="Corbel" charset="0"/>
                   <a:cs typeface="Corbel" charset="0"/>
@@ -30908,7 +33145,7 @@
                 <a:t>list</a:t>
               </a:r>
               <a:r>
-                <a:rPr kumimoji="1" lang="zh-CN" altLang="en-US" sz="1600" dirty="0" smtClean="0">
+                <a:rPr kumimoji="1" lang="zh-CN" altLang="en-US" dirty="0" smtClean="0">
                   <a:latin typeface="Corbel" charset="0"/>
                   <a:ea typeface="Corbel" charset="0"/>
                   <a:cs typeface="Corbel" charset="0"/>
@@ -30916,7 +33153,7 @@
                 <a:t> </a:t>
               </a:r>
               <a:r>
-                <a:rPr kumimoji="1" lang="en-US" altLang="zh-CN" sz="1600" dirty="0" smtClean="0">
+                <a:rPr kumimoji="1" lang="en-US" altLang="zh-CN" dirty="0" smtClean="0">
                   <a:latin typeface="Corbel" charset="0"/>
                   <a:ea typeface="Corbel" charset="0"/>
                   <a:cs typeface="Corbel" charset="0"/>
@@ -30924,7 +33161,7 @@
                 <a:t>and</a:t>
               </a:r>
               <a:r>
-                <a:rPr kumimoji="1" lang="zh-CN" altLang="en-US" sz="1600" dirty="0" smtClean="0">
+                <a:rPr kumimoji="1" lang="zh-CN" altLang="en-US" dirty="0" smtClean="0">
                   <a:latin typeface="Corbel" charset="0"/>
                   <a:ea typeface="Corbel" charset="0"/>
                   <a:cs typeface="Corbel" charset="0"/>
@@ -30932,7 +33169,7 @@
                 <a:t> </a:t>
               </a:r>
               <a:r>
-                <a:rPr kumimoji="1" lang="en-US" altLang="zh-CN" sz="1600" dirty="0" smtClean="0">
+                <a:rPr kumimoji="1" lang="en-US" altLang="zh-CN" dirty="0" smtClean="0">
                   <a:latin typeface="Corbel" charset="0"/>
                   <a:ea typeface="Corbel" charset="0"/>
                   <a:cs typeface="Corbel" charset="0"/>
@@ -30940,7 +33177,7 @@
                 <a:t>insert</a:t>
               </a:r>
               <a:r>
-                <a:rPr kumimoji="1" lang="zh-CN" altLang="en-US" sz="1600" dirty="0" smtClean="0">
+                <a:rPr kumimoji="1" lang="zh-CN" altLang="en-US" dirty="0" smtClean="0">
                   <a:latin typeface="Corbel" charset="0"/>
                   <a:ea typeface="Corbel" charset="0"/>
                   <a:cs typeface="Corbel" charset="0"/>
@@ -30948,7 +33185,7 @@
                 <a:t> </a:t>
               </a:r>
               <a:r>
-                <a:rPr kumimoji="1" lang="en-US" altLang="zh-CN" sz="1600" dirty="0" smtClean="0">
+                <a:rPr kumimoji="1" lang="en-US" altLang="zh-CN" dirty="0" smtClean="0">
                   <a:latin typeface="Corbel" charset="0"/>
                   <a:ea typeface="Corbel" charset="0"/>
                   <a:cs typeface="Corbel" charset="0"/>
@@ -30956,7 +33193,7 @@
                 <a:t>into</a:t>
               </a:r>
               <a:r>
-                <a:rPr kumimoji="1" lang="zh-CN" altLang="en-US" sz="1600" dirty="0" smtClean="0">
+                <a:rPr kumimoji="1" lang="zh-CN" altLang="en-US" dirty="0" smtClean="0">
                   <a:latin typeface="Corbel" charset="0"/>
                   <a:ea typeface="Corbel" charset="0"/>
                   <a:cs typeface="Corbel" charset="0"/>
@@ -30964,7 +33201,7 @@
                 <a:t> </a:t>
               </a:r>
               <a:r>
-                <a:rPr kumimoji="1" lang="en-US" altLang="zh-CN" sz="1600" dirty="0" smtClean="0">
+                <a:rPr kumimoji="1" lang="en-US" altLang="zh-CN" dirty="0" smtClean="0">
                   <a:latin typeface="Corbel" charset="0"/>
                   <a:ea typeface="Corbel" charset="0"/>
                   <a:cs typeface="Corbel" charset="0"/>
@@ -30972,7 +33209,7 @@
                 <a:t>PG’s</a:t>
               </a:r>
               <a:r>
-                <a:rPr kumimoji="1" lang="zh-CN" altLang="en-US" sz="1600" dirty="0" smtClean="0">
+                <a:rPr kumimoji="1" lang="zh-CN" altLang="en-US" dirty="0" smtClean="0">
                   <a:latin typeface="Corbel" charset="0"/>
                   <a:ea typeface="Corbel" charset="0"/>
                   <a:cs typeface="Corbel" charset="0"/>
@@ -30980,125 +33217,13 @@
                 <a:t> </a:t>
               </a:r>
               <a:r>
-                <a:rPr kumimoji="1" lang="en-US" altLang="zh-CN" sz="1600" dirty="0" smtClean="0">
+                <a:rPr kumimoji="1" lang="en-US" altLang="zh-CN" dirty="0" smtClean="0">
                   <a:latin typeface="Corbel" charset="0"/>
                   <a:ea typeface="Corbel" charset="0"/>
                   <a:cs typeface="Corbel" charset="0"/>
                 </a:rPr>
                 <a:t>queue</a:t>
               </a:r>
-            </a:p>
-            <a:p>
-              <a:pPr algn="ctr"/>
-              <a:r>
-                <a:rPr kumimoji="1" lang="en-US" altLang="zh-CN" sz="1600" dirty="0" smtClean="0">
-                  <a:latin typeface="Corbel" charset="0"/>
-                  <a:ea typeface="Corbel" charset="0"/>
-                  <a:cs typeface="Corbel" charset="0"/>
-                </a:rPr>
-                <a:t>(</a:t>
-              </a:r>
-              <a:r>
-                <a:rPr kumimoji="1" lang="en-US" altLang="zh-CN" sz="1600" dirty="0" err="1" smtClean="0">
-                  <a:latin typeface="Corbel" charset="0"/>
-                  <a:ea typeface="Corbel" charset="0"/>
-                  <a:cs typeface="Corbel" charset="0"/>
-                </a:rPr>
-                <a:t>pg</a:t>
-              </a:r>
-              <a:r>
-                <a:rPr kumimoji="1" lang="en-US" altLang="zh-CN" sz="1600" dirty="0" smtClean="0">
-                  <a:latin typeface="Corbel" charset="0"/>
-                  <a:ea typeface="Corbel" charset="0"/>
-                  <a:cs typeface="Corbel" charset="0"/>
-                </a:rPr>
-                <a:t>-&gt;</a:t>
-              </a:r>
-              <a:r>
-                <a:rPr kumimoji="1" lang="en-US" altLang="zh-CN" sz="1600" dirty="0" err="1" smtClean="0">
-                  <a:latin typeface="Corbel" charset="0"/>
-                  <a:ea typeface="Corbel" charset="0"/>
-                  <a:cs typeface="Corbel" charset="0"/>
-                </a:rPr>
-                <a:t>osdservice</a:t>
-              </a:r>
-              <a:r>
-                <a:rPr kumimoji="1" lang="en-US" altLang="zh-CN" sz="1600" dirty="0" smtClean="0">
-                  <a:latin typeface="Corbel" charset="0"/>
-                  <a:ea typeface="Corbel" charset="0"/>
-                  <a:cs typeface="Corbel" charset="0"/>
-                </a:rPr>
-                <a:t>-&gt;</a:t>
-              </a:r>
-              <a:r>
-                <a:rPr kumimoji="1" lang="en-US" altLang="zh-CN" sz="1600" dirty="0" err="1" smtClean="0">
-                  <a:latin typeface="Corbel" charset="0"/>
-                  <a:ea typeface="Corbel" charset="0"/>
-                  <a:cs typeface="Corbel" charset="0"/>
-                </a:rPr>
-                <a:t>pg</a:t>
-              </a:r>
-              <a:r>
-                <a:rPr kumimoji="1" lang="zh-CN" altLang="en-US" sz="1600" dirty="0" smtClean="0">
-                  <a:latin typeface="Corbel" charset="0"/>
-                  <a:ea typeface="Corbel" charset="0"/>
-                  <a:cs typeface="Corbel" charset="0"/>
-                </a:rPr>
-                <a:t> </a:t>
-              </a:r>
-              <a:r>
-                <a:rPr kumimoji="1" lang="en-US" altLang="zh-CN" sz="1600" dirty="0" smtClean="0">
-                  <a:latin typeface="Corbel" charset="0"/>
-                  <a:ea typeface="Corbel" charset="0"/>
-                  <a:cs typeface="Corbel" charset="0"/>
-                </a:rPr>
-                <a:t>=</a:t>
-              </a:r>
-              <a:r>
-                <a:rPr kumimoji="1" lang="zh-CN" altLang="en-US" sz="1600" dirty="0" smtClean="0">
-                  <a:latin typeface="Corbel" charset="0"/>
-                  <a:ea typeface="Corbel" charset="0"/>
-                  <a:cs typeface="Corbel" charset="0"/>
-                </a:rPr>
-                <a:t> </a:t>
-              </a:r>
-              <a:r>
-                <a:rPr kumimoji="1" lang="en-US" altLang="zh-CN" sz="1600" dirty="0" err="1" smtClean="0">
-                  <a:latin typeface="Corbel" charset="0"/>
-                  <a:ea typeface="Corbel" charset="0"/>
-                  <a:cs typeface="Corbel" charset="0"/>
-                </a:rPr>
-                <a:t>osd</a:t>
-              </a:r>
-              <a:r>
-                <a:rPr kumimoji="1" lang="en-US" altLang="zh-CN" sz="1600" dirty="0" smtClean="0">
-                  <a:latin typeface="Corbel" charset="0"/>
-                  <a:ea typeface="Corbel" charset="0"/>
-                  <a:cs typeface="Corbel" charset="0"/>
-                </a:rPr>
-                <a:t>-&gt;</a:t>
-              </a:r>
-              <a:r>
-                <a:rPr kumimoji="1" lang="en-US" altLang="zh-CN" sz="1600" dirty="0" err="1" smtClean="0">
-                  <a:latin typeface="Corbel" charset="0"/>
-                  <a:ea typeface="Corbel" charset="0"/>
-                  <a:cs typeface="Corbel" charset="0"/>
-                </a:rPr>
-                <a:t>shardedwq</a:t>
-              </a:r>
-              <a:r>
-                <a:rPr kumimoji="1" lang="en-US" altLang="zh-CN" sz="1600" dirty="0" smtClean="0">
-                  <a:latin typeface="Corbel" charset="0"/>
-                  <a:ea typeface="Corbel" charset="0"/>
-                  <a:cs typeface="Corbel" charset="0"/>
-                </a:rPr>
-                <a:t>)</a:t>
-              </a:r>
-              <a:endParaRPr kumimoji="1" lang="zh-CN" altLang="en-US" sz="1600" dirty="0">
-                <a:latin typeface="Corbel" charset="0"/>
-                <a:ea typeface="Corbel" charset="0"/>
-                <a:cs typeface="Corbel" charset="0"/>
-              </a:endParaRPr>
             </a:p>
           </p:txBody>
         </p:sp>
@@ -31145,7 +33270,7 @@
             <a:p>
               <a:pPr algn="ctr"/>
               <a:r>
-                <a:rPr kumimoji="1" lang="en-US" altLang="zh-CN" sz="1600" dirty="0" smtClean="0">
+                <a:rPr kumimoji="1" lang="en-US" altLang="zh-CN" dirty="0" smtClean="0">
                   <a:latin typeface="Corbel" charset="0"/>
                   <a:ea typeface="Corbel" charset="0"/>
                   <a:cs typeface="Corbel" charset="0"/>
@@ -31153,7 +33278,7 @@
                 <a:t>Get</a:t>
               </a:r>
               <a:r>
-                <a:rPr kumimoji="1" lang="zh-CN" altLang="en-US" sz="1600" dirty="0" smtClean="0">
+                <a:rPr kumimoji="1" lang="zh-CN" altLang="en-US" dirty="0" smtClean="0">
                   <a:latin typeface="Corbel" charset="0"/>
                   <a:ea typeface="Corbel" charset="0"/>
                   <a:cs typeface="Corbel" charset="0"/>
@@ -31161,7 +33286,7 @@
                 <a:t> </a:t>
               </a:r>
               <a:r>
-                <a:rPr kumimoji="1" lang="en-US" altLang="zh-CN" sz="1600" dirty="0" err="1" smtClean="0">
+                <a:rPr kumimoji="1" lang="en-US" altLang="zh-CN" dirty="0" err="1" smtClean="0">
                   <a:latin typeface="Corbel" charset="0"/>
                   <a:ea typeface="Corbel" charset="0"/>
                   <a:cs typeface="Corbel" charset="0"/>
@@ -31169,7 +33294,7 @@
                 <a:t>objectcontext</a:t>
               </a:r>
               <a:r>
-                <a:rPr kumimoji="1" lang="zh-CN" altLang="en-US" sz="1600" dirty="0" smtClean="0">
+                <a:rPr kumimoji="1" lang="zh-CN" altLang="en-US" dirty="0" smtClean="0">
                   <a:latin typeface="Corbel" charset="0"/>
                   <a:ea typeface="Corbel" charset="0"/>
                   <a:cs typeface="Corbel" charset="0"/>
@@ -31177,7 +33302,7 @@
                 <a:t> </a:t>
               </a:r>
               <a:r>
-                <a:rPr kumimoji="1" lang="en-US" altLang="zh-CN" sz="1600" dirty="0" smtClean="0">
+                <a:rPr kumimoji="1" lang="en-US" altLang="zh-CN" dirty="0" smtClean="0">
                   <a:latin typeface="Corbel" charset="0"/>
                   <a:ea typeface="Corbel" charset="0"/>
                   <a:cs typeface="Corbel" charset="0"/>
@@ -31185,7 +33310,7 @@
                 <a:t>and</a:t>
               </a:r>
               <a:r>
-                <a:rPr kumimoji="1" lang="zh-CN" altLang="en-US" sz="1600" dirty="0" smtClean="0">
+                <a:rPr kumimoji="1" lang="zh-CN" altLang="en-US" dirty="0" smtClean="0">
                   <a:latin typeface="Corbel" charset="0"/>
                   <a:ea typeface="Corbel" charset="0"/>
                   <a:cs typeface="Corbel" charset="0"/>
@@ -31193,7 +33318,7 @@
                 <a:t> </a:t>
               </a:r>
               <a:r>
-                <a:rPr kumimoji="1" lang="en-US" altLang="zh-CN" sz="1600" dirty="0" err="1" smtClean="0">
+                <a:rPr kumimoji="1" lang="en-US" altLang="zh-CN" dirty="0" err="1" smtClean="0">
                   <a:latin typeface="Corbel" charset="0"/>
                   <a:ea typeface="Corbel" charset="0"/>
                   <a:cs typeface="Corbel" charset="0"/>
@@ -31201,7 +33326,7 @@
                 <a:t>opcontext</a:t>
               </a:r>
               <a:r>
-                <a:rPr kumimoji="1" lang="zh-CN" altLang="en-US" sz="1600" dirty="0" smtClean="0">
+                <a:rPr kumimoji="1" lang="zh-CN" altLang="en-US" dirty="0" smtClean="0">
                   <a:latin typeface="Corbel" charset="0"/>
                   <a:ea typeface="Corbel" charset="0"/>
                   <a:cs typeface="Corbel" charset="0"/>
@@ -31209,7 +33334,7 @@
                 <a:t> </a:t>
               </a:r>
               <a:r>
-                <a:rPr kumimoji="1" lang="en-US" altLang="zh-CN" sz="1600" dirty="0" smtClean="0">
+                <a:rPr kumimoji="1" lang="en-US" altLang="zh-CN" dirty="0" smtClean="0">
                   <a:latin typeface="Corbel" charset="0"/>
                   <a:ea typeface="Corbel" charset="0"/>
                   <a:cs typeface="Corbel" charset="0"/>
@@ -31217,7 +33342,7 @@
                 <a:t>and</a:t>
               </a:r>
               <a:r>
-                <a:rPr kumimoji="1" lang="zh-CN" altLang="en-US" sz="1600" dirty="0" smtClean="0">
+                <a:rPr kumimoji="1" lang="zh-CN" altLang="en-US" dirty="0" smtClean="0">
                   <a:latin typeface="Corbel" charset="0"/>
                   <a:ea typeface="Corbel" charset="0"/>
                   <a:cs typeface="Corbel" charset="0"/>
@@ -31225,7 +33350,7 @@
                 <a:t> </a:t>
               </a:r>
               <a:r>
-                <a:rPr kumimoji="1" lang="en-US" altLang="zh-CN" sz="1600" dirty="0" smtClean="0">
+                <a:rPr kumimoji="1" lang="en-US" altLang="zh-CN" dirty="0" smtClean="0">
                   <a:latin typeface="Corbel" charset="0"/>
                   <a:ea typeface="Corbel" charset="0"/>
                   <a:cs typeface="Corbel" charset="0"/>
@@ -31233,7 +33358,7 @@
                 <a:t>encapsulate ops</a:t>
               </a:r>
               <a:r>
-                <a:rPr kumimoji="1" lang="zh-CN" altLang="en-US" sz="1600" dirty="0" smtClean="0">
+                <a:rPr kumimoji="1" lang="zh-CN" altLang="en-US" dirty="0" smtClean="0">
                   <a:latin typeface="Corbel" charset="0"/>
                   <a:ea typeface="Corbel" charset="0"/>
                   <a:cs typeface="Corbel" charset="0"/>
@@ -31241,7 +33366,7 @@
                 <a:t> </a:t>
               </a:r>
               <a:r>
-                <a:rPr kumimoji="1" lang="en-US" altLang="zh-CN" sz="1600" dirty="0" smtClean="0">
+                <a:rPr kumimoji="1" lang="en-US" altLang="zh-CN" dirty="0" smtClean="0">
                   <a:latin typeface="Corbel" charset="0"/>
                   <a:ea typeface="Corbel" charset="0"/>
                   <a:cs typeface="Corbel" charset="0"/>
@@ -31249,7 +33374,7 @@
                 <a:t>into</a:t>
               </a:r>
               <a:r>
-                <a:rPr kumimoji="1" lang="zh-CN" altLang="en-US" sz="1600" dirty="0" smtClean="0">
+                <a:rPr kumimoji="1" lang="zh-CN" altLang="en-US" dirty="0" smtClean="0">
                   <a:latin typeface="Corbel" charset="0"/>
                   <a:ea typeface="Corbel" charset="0"/>
                   <a:cs typeface="Corbel" charset="0"/>
@@ -31257,7 +33382,7 @@
                 <a:t> </a:t>
               </a:r>
               <a:r>
-                <a:rPr kumimoji="1" lang="en-US" altLang="zh-CN" sz="1600" dirty="0" smtClean="0">
+                <a:rPr kumimoji="1" lang="en-US" altLang="zh-CN" dirty="0" smtClean="0">
                   <a:latin typeface="Corbel" charset="0"/>
                   <a:ea typeface="Corbel" charset="0"/>
                   <a:cs typeface="Corbel" charset="0"/>
@@ -31265,7 +33390,7 @@
                 <a:t>a</a:t>
               </a:r>
               <a:r>
-                <a:rPr kumimoji="1" lang="zh-CN" altLang="en-US" sz="1600" dirty="0" smtClean="0">
+                <a:rPr kumimoji="1" lang="zh-CN" altLang="en-US" dirty="0" smtClean="0">
                   <a:latin typeface="Corbel" charset="0"/>
                   <a:ea typeface="Corbel" charset="0"/>
                   <a:cs typeface="Corbel" charset="0"/>
@@ -31273,14 +33398,14 @@
                 <a:t> </a:t>
               </a:r>
               <a:r>
-                <a:rPr kumimoji="1" lang="en-US" altLang="zh-CN" sz="1600" dirty="0" smtClean="0">
+                <a:rPr kumimoji="1" lang="en-US" altLang="zh-CN" dirty="0" smtClean="0">
                   <a:latin typeface="Corbel" charset="0"/>
                   <a:ea typeface="Corbel" charset="0"/>
                   <a:cs typeface="Corbel" charset="0"/>
                 </a:rPr>
                 <a:t>transaction</a:t>
               </a:r>
-              <a:endParaRPr kumimoji="1" lang="zh-CN" altLang="en-US" sz="1600" dirty="0">
+              <a:endParaRPr kumimoji="1" lang="zh-CN" altLang="en-US" dirty="0">
                 <a:latin typeface="Corbel" charset="0"/>
                 <a:ea typeface="Corbel" charset="0"/>
                 <a:cs typeface="Corbel" charset="0"/>
@@ -31331,7 +33456,7 @@
             <a:p>
               <a:pPr algn="ctr"/>
               <a:r>
-                <a:rPr kumimoji="1" lang="en-US" altLang="zh-CN" sz="1600" dirty="0" smtClean="0">
+                <a:rPr kumimoji="1" lang="en-US" altLang="zh-CN" dirty="0" smtClean="0">
                   <a:latin typeface="Corbel" charset="0"/>
                   <a:ea typeface="Corbel" charset="0"/>
                   <a:cs typeface="Corbel" charset="0"/>
@@ -31339,7 +33464,7 @@
                 <a:t>Read(</a:t>
               </a:r>
               <a:r>
-                <a:rPr kumimoji="1" lang="en-US" altLang="zh-CN" sz="1600" dirty="0" err="1" smtClean="0">
+                <a:rPr kumimoji="1" lang="en-US" altLang="zh-CN" dirty="0" err="1" smtClean="0">
                   <a:latin typeface="Corbel" charset="0"/>
                   <a:ea typeface="Corbel" charset="0"/>
                   <a:cs typeface="Corbel" charset="0"/>
@@ -31347,7 +33472,7 @@
                 <a:t>async</a:t>
               </a:r>
               <a:r>
-                <a:rPr kumimoji="1" lang="en-US" altLang="zh-CN" sz="1600" dirty="0" smtClean="0">
+                <a:rPr kumimoji="1" lang="en-US" altLang="zh-CN" dirty="0" smtClean="0">
                   <a:latin typeface="Corbel" charset="0"/>
                   <a:ea typeface="Corbel" charset="0"/>
                   <a:cs typeface="Corbel" charset="0"/>
@@ -31355,7 +33480,7 @@
                 <a:t>/sync)</a:t>
               </a:r>
               <a:r>
-                <a:rPr kumimoji="1" lang="zh-CN" altLang="en-US" sz="1600" dirty="0" smtClean="0">
+                <a:rPr kumimoji="1" lang="zh-CN" altLang="en-US" dirty="0" smtClean="0">
                   <a:latin typeface="Corbel" charset="0"/>
                   <a:ea typeface="Corbel" charset="0"/>
                   <a:cs typeface="Corbel" charset="0"/>
@@ -31363,7 +33488,7 @@
                 <a:t> </a:t>
               </a:r>
               <a:r>
-                <a:rPr kumimoji="1" lang="en-US" altLang="zh-CN" sz="1600" dirty="0" smtClean="0">
+                <a:rPr kumimoji="1" lang="en-US" altLang="zh-CN" dirty="0" smtClean="0">
                   <a:latin typeface="Corbel" charset="0"/>
                   <a:ea typeface="Corbel" charset="0"/>
                   <a:cs typeface="Corbel" charset="0"/>
@@ -31371,7 +33496,7 @@
                 <a:t>or</a:t>
               </a:r>
               <a:r>
-                <a:rPr kumimoji="1" lang="zh-CN" altLang="en-US" sz="1600" dirty="0" smtClean="0">
+                <a:rPr kumimoji="1" lang="zh-CN" altLang="en-US" dirty="0" smtClean="0">
                   <a:latin typeface="Corbel" charset="0"/>
                   <a:ea typeface="Corbel" charset="0"/>
                   <a:cs typeface="Corbel" charset="0"/>
@@ -31379,7 +33504,7 @@
                 <a:t> </a:t>
               </a:r>
               <a:r>
-                <a:rPr kumimoji="1" lang="en-US" altLang="zh-CN" sz="1600" dirty="0" smtClean="0">
+                <a:rPr kumimoji="1" lang="en-US" altLang="zh-CN" dirty="0" smtClean="0">
                   <a:latin typeface="Corbel" charset="0"/>
                   <a:ea typeface="Corbel" charset="0"/>
                   <a:cs typeface="Corbel" charset="0"/>
@@ -31387,7 +33512,7 @@
                 <a:t>write(also</a:t>
               </a:r>
               <a:r>
-                <a:rPr kumimoji="1" lang="zh-CN" altLang="en-US" sz="1600" dirty="0" smtClean="0">
+                <a:rPr kumimoji="1" lang="zh-CN" altLang="en-US" dirty="0" smtClean="0">
                   <a:latin typeface="Corbel" charset="0"/>
                   <a:ea typeface="Corbel" charset="0"/>
                   <a:cs typeface="Corbel" charset="0"/>
@@ -31395,7 +33520,7 @@
                 <a:t> </a:t>
               </a:r>
               <a:r>
-                <a:rPr kumimoji="1" lang="en-US" altLang="zh-CN" sz="1600" dirty="0" smtClean="0">
+                <a:rPr kumimoji="1" lang="en-US" altLang="zh-CN" dirty="0" smtClean="0">
                   <a:latin typeface="Corbel" charset="0"/>
                   <a:ea typeface="Corbel" charset="0"/>
                   <a:cs typeface="Corbel" charset="0"/>
@@ -31403,7 +33528,7 @@
                 <a:t>to</a:t>
               </a:r>
               <a:r>
-                <a:rPr kumimoji="1" lang="zh-CN" altLang="en-US" sz="1600" dirty="0" smtClean="0">
+                <a:rPr kumimoji="1" lang="zh-CN" altLang="en-US" dirty="0" smtClean="0">
                   <a:latin typeface="Corbel" charset="0"/>
                   <a:ea typeface="Corbel" charset="0"/>
                   <a:cs typeface="Corbel" charset="0"/>
@@ -31411,7 +33536,7 @@
                 <a:t> </a:t>
               </a:r>
               <a:r>
-                <a:rPr kumimoji="1" lang="en-US" altLang="zh-CN" sz="1600" dirty="0" smtClean="0">
+                <a:rPr kumimoji="1" lang="en-US" altLang="zh-CN" dirty="0" smtClean="0">
                   <a:latin typeface="Corbel" charset="0"/>
                   <a:ea typeface="Corbel" charset="0"/>
                   <a:cs typeface="Corbel" charset="0"/>
@@ -31419,7 +33544,7 @@
                 <a:t>replicas)</a:t>
               </a:r>
               <a:r>
-                <a:rPr kumimoji="1" lang="zh-CN" altLang="en-US" sz="1600" dirty="0" smtClean="0">
+                <a:rPr kumimoji="1" lang="zh-CN" altLang="en-US" dirty="0" smtClean="0">
                   <a:latin typeface="Corbel" charset="0"/>
                   <a:ea typeface="Corbel" charset="0"/>
                   <a:cs typeface="Corbel" charset="0"/>
@@ -31427,7 +33552,7 @@
                 <a:t> </a:t>
               </a:r>
               <a:r>
-                <a:rPr kumimoji="1" lang="en-US" altLang="zh-CN" sz="1600" dirty="0" smtClean="0">
+                <a:rPr kumimoji="1" lang="en-US" altLang="zh-CN" dirty="0" smtClean="0">
                   <a:latin typeface="Corbel" charset="0"/>
                   <a:ea typeface="Corbel" charset="0"/>
                   <a:cs typeface="Corbel" charset="0"/>
@@ -31435,7 +33560,7 @@
                 <a:t>,</a:t>
               </a:r>
               <a:r>
-                <a:rPr kumimoji="1" lang="zh-CN" altLang="en-US" sz="1600" dirty="0" smtClean="0">
+                <a:rPr kumimoji="1" lang="zh-CN" altLang="en-US" dirty="0" smtClean="0">
                   <a:latin typeface="Corbel" charset="0"/>
                   <a:ea typeface="Corbel" charset="0"/>
                   <a:cs typeface="Corbel" charset="0"/>
@@ -31443,7 +33568,7 @@
                 <a:t> </a:t>
               </a:r>
               <a:r>
-                <a:rPr kumimoji="1" lang="en-US" altLang="zh-CN" sz="1600" dirty="0" smtClean="0">
+                <a:rPr kumimoji="1" lang="en-US" altLang="zh-CN" dirty="0" smtClean="0">
                   <a:latin typeface="Corbel" charset="0"/>
                   <a:ea typeface="Corbel" charset="0"/>
                   <a:cs typeface="Corbel" charset="0"/>
@@ -31451,7 +33576,7 @@
                 <a:t>submit</a:t>
               </a:r>
               <a:r>
-                <a:rPr kumimoji="1" lang="zh-CN" altLang="en-US" sz="1600" dirty="0" smtClean="0">
+                <a:rPr kumimoji="1" lang="zh-CN" altLang="en-US" dirty="0" smtClean="0">
                   <a:latin typeface="Corbel" charset="0"/>
                   <a:ea typeface="Corbel" charset="0"/>
                   <a:cs typeface="Corbel" charset="0"/>
@@ -31459,7 +33584,7 @@
                 <a:t> </a:t>
               </a:r>
               <a:r>
-                <a:rPr kumimoji="1" lang="en-US" altLang="zh-CN" sz="1600" dirty="0" smtClean="0">
+                <a:rPr kumimoji="1" lang="en-US" altLang="zh-CN" dirty="0" smtClean="0">
                   <a:latin typeface="Corbel" charset="0"/>
                   <a:ea typeface="Corbel" charset="0"/>
                   <a:cs typeface="Corbel" charset="0"/>
@@ -31467,7 +33592,7 @@
                 <a:t>transaction</a:t>
               </a:r>
               <a:r>
-                <a:rPr kumimoji="1" lang="zh-CN" altLang="en-US" sz="1600" dirty="0" smtClean="0">
+                <a:rPr kumimoji="1" lang="zh-CN" altLang="en-US" dirty="0" smtClean="0">
                   <a:latin typeface="Corbel" charset="0"/>
                   <a:ea typeface="Corbel" charset="0"/>
                   <a:cs typeface="Corbel" charset="0"/>
@@ -31475,7 +33600,7 @@
                 <a:t> </a:t>
               </a:r>
               <a:r>
-                <a:rPr kumimoji="1" lang="en-US" altLang="zh-CN" sz="1600" dirty="0" smtClean="0">
+                <a:rPr kumimoji="1" lang="en-US" altLang="zh-CN" dirty="0" smtClean="0">
                   <a:latin typeface="Corbel" charset="0"/>
                   <a:ea typeface="Corbel" charset="0"/>
                   <a:cs typeface="Corbel" charset="0"/>
@@ -31483,7 +33608,7 @@
                 <a:t>and</a:t>
               </a:r>
               <a:r>
-                <a:rPr kumimoji="1" lang="zh-CN" altLang="en-US" sz="1600" dirty="0" smtClean="0">
+                <a:rPr kumimoji="1" lang="zh-CN" altLang="en-US" dirty="0" smtClean="0">
                   <a:latin typeface="Corbel" charset="0"/>
                   <a:ea typeface="Corbel" charset="0"/>
                   <a:cs typeface="Corbel" charset="0"/>
@@ -31491,7 +33616,7 @@
                 <a:t> </a:t>
               </a:r>
               <a:r>
-                <a:rPr kumimoji="1" lang="en-US" altLang="zh-CN" sz="1600" dirty="0" smtClean="0">
+                <a:rPr kumimoji="1" lang="en-US" altLang="zh-CN" dirty="0" smtClean="0">
                   <a:latin typeface="Corbel" charset="0"/>
                   <a:ea typeface="Corbel" charset="0"/>
                   <a:cs typeface="Corbel" charset="0"/>
@@ -31499,7 +33624,7 @@
                 <a:t>reply</a:t>
               </a:r>
               <a:r>
-                <a:rPr kumimoji="1" lang="zh-CN" altLang="en-US" sz="1600" dirty="0" smtClean="0">
+                <a:rPr kumimoji="1" lang="zh-CN" altLang="en-US" dirty="0" smtClean="0">
                   <a:latin typeface="Corbel" charset="0"/>
                   <a:ea typeface="Corbel" charset="0"/>
                   <a:cs typeface="Corbel" charset="0"/>
@@ -31507,7 +33632,7 @@
                 <a:t> </a:t>
               </a:r>
               <a:r>
-                <a:rPr kumimoji="1" lang="en-US" altLang="zh-CN" sz="1600" dirty="0" smtClean="0">
+                <a:rPr kumimoji="1" lang="en-US" altLang="zh-CN" dirty="0" smtClean="0">
                   <a:latin typeface="Corbel" charset="0"/>
                   <a:ea typeface="Corbel" charset="0"/>
                   <a:cs typeface="Corbel" charset="0"/>
@@ -31515,7 +33640,7 @@
                 <a:t>to</a:t>
               </a:r>
               <a:r>
-                <a:rPr kumimoji="1" lang="zh-CN" altLang="en-US" sz="1600" dirty="0" smtClean="0">
+                <a:rPr kumimoji="1" lang="zh-CN" altLang="en-US" dirty="0" smtClean="0">
                   <a:latin typeface="Corbel" charset="0"/>
                   <a:ea typeface="Corbel" charset="0"/>
                   <a:cs typeface="Corbel" charset="0"/>
@@ -31523,14 +33648,14 @@
                 <a:t> </a:t>
               </a:r>
               <a:r>
-                <a:rPr kumimoji="1" lang="en-US" altLang="zh-CN" sz="1600" dirty="0" smtClean="0">
+                <a:rPr kumimoji="1" lang="en-US" altLang="zh-CN" dirty="0" smtClean="0">
                   <a:latin typeface="Corbel" charset="0"/>
                   <a:ea typeface="Corbel" charset="0"/>
                   <a:cs typeface="Corbel" charset="0"/>
                 </a:rPr>
                 <a:t>client</a:t>
               </a:r>
-              <a:endParaRPr kumimoji="1" lang="zh-CN" altLang="en-US" sz="1600" dirty="0">
+              <a:endParaRPr kumimoji="1" lang="zh-CN" altLang="en-US" dirty="0">
                 <a:latin typeface="Corbel" charset="0"/>
                 <a:ea typeface="Corbel" charset="0"/>
                 <a:cs typeface="Corbel" charset="0"/>
@@ -31581,7 +33706,7 @@
             <a:p>
               <a:pPr algn="ctr"/>
               <a:r>
-                <a:rPr kumimoji="1" lang="en-US" altLang="zh-CN" sz="1600" dirty="0" smtClean="0">
+                <a:rPr kumimoji="1" lang="en-US" altLang="zh-CN" dirty="0" smtClean="0">
                   <a:latin typeface="Corbel" charset="0"/>
                   <a:ea typeface="Corbel" charset="0"/>
                   <a:cs typeface="Corbel" charset="0"/>
@@ -31589,7 +33714,7 @@
                 <a:t>Receiving</a:t>
               </a:r>
               <a:r>
-                <a:rPr kumimoji="1" lang="zh-CN" altLang="en-US" sz="1600" dirty="0" smtClean="0">
+                <a:rPr kumimoji="1" lang="zh-CN" altLang="en-US" dirty="0" smtClean="0">
                   <a:latin typeface="Corbel" charset="0"/>
                   <a:ea typeface="Corbel" charset="0"/>
                   <a:cs typeface="Corbel" charset="0"/>
@@ -31597,14 +33722,14 @@
                 <a:t> </a:t>
               </a:r>
               <a:r>
-                <a:rPr kumimoji="1" lang="en-US" altLang="zh-CN" sz="1600" dirty="0" smtClean="0">
+                <a:rPr kumimoji="1" lang="en-US" altLang="zh-CN" dirty="0" smtClean="0">
                   <a:latin typeface="Corbel" charset="0"/>
                   <a:ea typeface="Corbel" charset="0"/>
                   <a:cs typeface="Corbel" charset="0"/>
                 </a:rPr>
                 <a:t>reply</a:t>
               </a:r>
-              <a:endParaRPr kumimoji="1" lang="zh-CN" altLang="en-US" sz="1600" dirty="0">
+              <a:endParaRPr kumimoji="1" lang="zh-CN" altLang="en-US" dirty="0">
                 <a:latin typeface="Corbel" charset="0"/>
                 <a:ea typeface="Corbel" charset="0"/>
                 <a:cs typeface="Corbel" charset="0"/>
@@ -31655,7 +33780,7 @@
             <a:p>
               <a:pPr algn="ctr"/>
               <a:r>
-                <a:rPr kumimoji="1" lang="en-US" altLang="zh-CN" dirty="0" smtClean="0">
+                <a:rPr kumimoji="1" lang="en-US" altLang="zh-CN" sz="2000" dirty="0" smtClean="0">
                   <a:latin typeface="Corbel" charset="0"/>
                   <a:ea typeface="Corbel" charset="0"/>
                   <a:cs typeface="Corbel" charset="0"/>
@@ -31663,7 +33788,7 @@
                 <a:t>Worker</a:t>
               </a:r>
               <a:r>
-                <a:rPr kumimoji="1" lang="zh-CN" altLang="en-US" dirty="0" smtClean="0">
+                <a:rPr kumimoji="1" lang="zh-CN" altLang="en-US" sz="2000" dirty="0" smtClean="0">
                   <a:latin typeface="Corbel" charset="0"/>
                   <a:ea typeface="Corbel" charset="0"/>
                   <a:cs typeface="Corbel" charset="0"/>
@@ -31671,7 +33796,7 @@
                 <a:t> </a:t>
               </a:r>
               <a:r>
-                <a:rPr kumimoji="1" lang="en-US" altLang="zh-CN" dirty="0" smtClean="0">
+                <a:rPr kumimoji="1" lang="en-US" altLang="zh-CN" sz="2000" dirty="0" smtClean="0">
                   <a:latin typeface="Corbel" charset="0"/>
                   <a:ea typeface="Corbel" charset="0"/>
                   <a:cs typeface="Corbel" charset="0"/>
@@ -31679,7 +33804,7 @@
                 <a:t>thread</a:t>
               </a:r>
               <a:r>
-                <a:rPr kumimoji="1" lang="zh-CN" altLang="en-US" dirty="0" smtClean="0">
+                <a:rPr kumimoji="1" lang="zh-CN" altLang="en-US" sz="2000" dirty="0" smtClean="0">
                   <a:latin typeface="Corbel" charset="0"/>
                   <a:ea typeface="Corbel" charset="0"/>
                   <a:cs typeface="Corbel" charset="0"/>
@@ -31687,7 +33812,7 @@
                 <a:t> </a:t>
               </a:r>
               <a:r>
-                <a:rPr kumimoji="1" lang="en-US" altLang="zh-CN" dirty="0" err="1" smtClean="0">
+                <a:rPr kumimoji="1" lang="en-US" altLang="zh-CN" sz="2000" dirty="0" err="1" smtClean="0">
                   <a:latin typeface="Corbel" charset="0"/>
                   <a:ea typeface="Corbel" charset="0"/>
                   <a:cs typeface="Corbel" charset="0"/>
@@ -31695,7 +33820,7 @@
                 <a:t>dequeues</a:t>
               </a:r>
               <a:r>
-                <a:rPr kumimoji="1" lang="zh-CN" altLang="en-US" dirty="0" smtClean="0">
+                <a:rPr kumimoji="1" lang="zh-CN" altLang="en-US" sz="2000" dirty="0" smtClean="0">
                   <a:latin typeface="Corbel" charset="0"/>
                   <a:ea typeface="Corbel" charset="0"/>
                   <a:cs typeface="Corbel" charset="0"/>
@@ -31703,7 +33828,7 @@
                 <a:t> </a:t>
               </a:r>
               <a:r>
-                <a:rPr kumimoji="1" lang="en-US" altLang="zh-CN" dirty="0" smtClean="0">
+                <a:rPr kumimoji="1" lang="en-US" altLang="zh-CN" sz="2000" dirty="0" smtClean="0">
                   <a:latin typeface="Corbel" charset="0"/>
                   <a:ea typeface="Corbel" charset="0"/>
                   <a:cs typeface="Corbel" charset="0"/>
@@ -31711,7 +33836,7 @@
                 <a:t>op</a:t>
               </a:r>
               <a:r>
-                <a:rPr kumimoji="1" lang="zh-CN" altLang="en-US" dirty="0" smtClean="0">
+                <a:rPr kumimoji="1" lang="zh-CN" altLang="en-US" sz="2000" dirty="0" smtClean="0">
                   <a:latin typeface="Corbel" charset="0"/>
                   <a:ea typeface="Corbel" charset="0"/>
                   <a:cs typeface="Corbel" charset="0"/>
@@ -31719,7 +33844,7 @@
                 <a:t> </a:t>
               </a:r>
               <a:r>
-                <a:rPr kumimoji="1" lang="en-US" altLang="zh-CN" dirty="0" smtClean="0">
+                <a:rPr kumimoji="1" lang="en-US" altLang="zh-CN" sz="2000" dirty="0" smtClean="0">
                   <a:latin typeface="Corbel" charset="0"/>
                   <a:ea typeface="Corbel" charset="0"/>
                   <a:cs typeface="Corbel" charset="0"/>
@@ -31727,7 +33852,7 @@
                 <a:t>and</a:t>
               </a:r>
               <a:r>
-                <a:rPr kumimoji="1" lang="zh-CN" altLang="en-US" dirty="0" smtClean="0">
+                <a:rPr kumimoji="1" lang="zh-CN" altLang="en-US" sz="2000" dirty="0" smtClean="0">
                   <a:latin typeface="Corbel" charset="0"/>
                   <a:ea typeface="Corbel" charset="0"/>
                   <a:cs typeface="Corbel" charset="0"/>
@@ -31735,14 +33860,14 @@
                 <a:t> </a:t>
               </a:r>
               <a:r>
-                <a:rPr kumimoji="1" lang="en-US" altLang="zh-CN" dirty="0" smtClean="0">
+                <a:rPr kumimoji="1" lang="en-US" altLang="zh-CN" sz="2000" dirty="0" smtClean="0">
                   <a:latin typeface="Corbel" charset="0"/>
                   <a:ea typeface="Corbel" charset="0"/>
                   <a:cs typeface="Corbel" charset="0"/>
                 </a:rPr>
                 <a:t>process</a:t>
               </a:r>
-              <a:endParaRPr kumimoji="1" lang="zh-CN" altLang="en-US" dirty="0">
+              <a:endParaRPr kumimoji="1" lang="zh-CN" altLang="en-US" sz="2000" dirty="0">
                 <a:latin typeface="Corbel" charset="0"/>
                 <a:ea typeface="Corbel" charset="0"/>
                 <a:cs typeface="Corbel" charset="0"/>
@@ -32173,7 +34298,7 @@
           <p:spPr>
             <a:xfrm>
               <a:off x="374771" y="1855591"/>
-              <a:ext cx="888385" cy="400110"/>
+              <a:ext cx="1027845" cy="461665"/>
             </a:xfrm>
             <a:prstGeom prst="rect">
               <a:avLst/>
@@ -32187,7 +34312,7 @@
             <a:lstStyle/>
             <a:p>
               <a:r>
-                <a:rPr kumimoji="1" lang="en-US" altLang="zh-CN" sz="2000" b="1" smtClean="0">
+                <a:rPr kumimoji="1" lang="en-US" altLang="zh-CN" sz="2400" b="1" smtClean="0">
                   <a:latin typeface="Corbel" charset="0"/>
                   <a:ea typeface="Corbel" charset="0"/>
                   <a:cs typeface="Corbel" charset="0"/>
@@ -32195,14 +34320,14 @@
                 <a:t>Client</a:t>
               </a:r>
               <a:r>
-                <a:rPr kumimoji="1" lang="zh-CN" altLang="en-US" sz="2000" b="1" dirty="0" smtClean="0">
+                <a:rPr kumimoji="1" lang="zh-CN" altLang="en-US" sz="2400" b="1" dirty="0" smtClean="0">
                   <a:latin typeface="Corbel" charset="0"/>
                   <a:ea typeface="Corbel" charset="0"/>
                   <a:cs typeface="Corbel" charset="0"/>
                 </a:rPr>
                 <a:t> </a:t>
               </a:r>
-              <a:endParaRPr kumimoji="1" lang="zh-CN" altLang="en-US" sz="2000" b="1" dirty="0">
+              <a:endParaRPr kumimoji="1" lang="zh-CN" altLang="en-US" sz="2400" b="1" dirty="0">
                 <a:latin typeface="Corbel" charset="0"/>
                 <a:ea typeface="Corbel" charset="0"/>
                 <a:cs typeface="Corbel" charset="0"/>
@@ -32219,7 +34344,7 @@
           <p:spPr>
             <a:xfrm>
               <a:off x="9434561" y="1863973"/>
-              <a:ext cx="702436" cy="400110"/>
+              <a:ext cx="800219" cy="461665"/>
             </a:xfrm>
             <a:prstGeom prst="rect">
               <a:avLst/>
@@ -32233,14 +34358,14 @@
             <a:lstStyle/>
             <a:p>
               <a:r>
-                <a:rPr kumimoji="1" lang="en-US" altLang="zh-CN" sz="2000" b="1" dirty="0" smtClean="0">
+                <a:rPr kumimoji="1" lang="en-US" altLang="zh-CN" sz="2400" b="1" dirty="0" smtClean="0">
                   <a:latin typeface="Corbel" charset="0"/>
                   <a:ea typeface="Corbel" charset="0"/>
                   <a:cs typeface="Corbel" charset="0"/>
                 </a:rPr>
                 <a:t>OSD</a:t>
               </a:r>
-              <a:endParaRPr kumimoji="1" lang="zh-CN" altLang="en-US" sz="2000" b="1" dirty="0">
+              <a:endParaRPr kumimoji="1" lang="zh-CN" altLang="en-US" sz="2400" b="1" dirty="0">
                 <a:latin typeface="Corbel" charset="0"/>
                 <a:ea typeface="Corbel" charset="0"/>
                 <a:cs typeface="Corbel" charset="0"/>
